--- a/ZeeslagPresentatie2.pptx
+++ b/ZeeslagPresentatie2.pptx
@@ -2,7 +2,7 @@
 <file path=ppt/presentation.xml><?xml version="1.0" encoding="utf-8"?>
 <p:presentation xmlns:a="http://schemas.openxmlformats.org/drawingml/2006/main" xmlns:r="http://schemas.openxmlformats.org/officeDocument/2006/relationships" xmlns:p="http://schemas.openxmlformats.org/presentationml/2006/main" saveSubsetFonts="1">
   <p:sldMasterIdLst>
-    <p:sldMasterId id="2147483648" r:id="rId1"/>
+    <p:sldMasterId id="2147483672" r:id="rId1"/>
   </p:sldMasterIdLst>
   <p:notesMasterIdLst>
     <p:notesMasterId r:id="rId16"/>
@@ -11,16 +11,16 @@
     <p:sldId id="256" r:id="rId2"/>
     <p:sldId id="257" r:id="rId3"/>
     <p:sldId id="267" r:id="rId4"/>
-    <p:sldId id="258" r:id="rId5"/>
-    <p:sldId id="268" r:id="rId6"/>
+    <p:sldId id="268" r:id="rId5"/>
+    <p:sldId id="258" r:id="rId6"/>
     <p:sldId id="261" r:id="rId7"/>
-    <p:sldId id="263" r:id="rId8"/>
-    <p:sldId id="271" r:id="rId9"/>
-    <p:sldId id="262" r:id="rId10"/>
-    <p:sldId id="264" r:id="rId11"/>
-    <p:sldId id="272" r:id="rId12"/>
-    <p:sldId id="269" r:id="rId13"/>
-    <p:sldId id="270" r:id="rId14"/>
+    <p:sldId id="270" r:id="rId8"/>
+    <p:sldId id="263" r:id="rId9"/>
+    <p:sldId id="271" r:id="rId10"/>
+    <p:sldId id="262" r:id="rId11"/>
+    <p:sldId id="264" r:id="rId12"/>
+    <p:sldId id="272" r:id="rId13"/>
+    <p:sldId id="269" r:id="rId14"/>
     <p:sldId id="265" r:id="rId15"/>
   </p:sldIdLst>
   <p:sldSz cx="9144000" cy="6858000" type="screen4x3"/>
@@ -205,6 +205,7 @@
           <a:p>
             <a:fld id="{918A98E7-70C6-4111-A659-6171339D4FA8}" type="datetimeFigureOut">
               <a:rPr lang="nl-NL" smtClean="0"/>
+              <a:pPr/>
               <a:t>18-11-2015</a:t>
             </a:fld>
             <a:endParaRPr lang="nl-NL"/>
@@ -240,7 +241,11 @@
           <a:bodyPr vert="horz" lIns="91440" tIns="45720" rIns="91440" bIns="45720" rtlCol="0" anchor="ctr"/>
           <a:lstStyle/>
           <a:p>
-            <a:endParaRPr lang="nl-NL"/>
+            <a:r>
+              <a:rPr lang="en-US" dirty="0" smtClean="0"/>
+              <a:t> </a:t>
+            </a:r>
+            <a:endParaRPr lang="nl-NL" dirty="0"/>
           </a:p>
         </p:txBody>
       </p:sp>
@@ -364,6 +369,7 @@
           <a:p>
             <a:fld id="{AAC735D7-A72F-4ADE-A7EF-DE7286408317}" type="slidenum">
               <a:rPr lang="nl-NL" smtClean="0"/>
+              <a:pPr/>
               <a:t>‹nr.›</a:t>
             </a:fld>
             <a:endParaRPr lang="nl-NL"/>
@@ -373,7 +379,7 @@
     </p:spTree>
     <p:extLst>
       <p:ext uri="{BB962C8B-B14F-4D97-AF65-F5344CB8AC3E}">
-        <p14:creationId xmlns:p14="http://schemas.microsoft.com/office/powerpoint/2010/main" val="277593819"/>
+        <p14:creationId xmlns:p14="http://schemas.microsoft.com/office/powerpoint/2010/main" xmlns="" val="277593819"/>
       </p:ext>
     </p:extLst>
   </p:cSld>
@@ -542,6 +548,7 @@
           <a:p>
             <a:fld id="{AAC735D7-A72F-4ADE-A7EF-DE7286408317}" type="slidenum">
               <a:rPr lang="nl-NL" smtClean="0"/>
+              <a:pPr/>
               <a:t>1</a:t>
             </a:fld>
             <a:endParaRPr lang="nl-NL"/>
@@ -551,7 +558,7 @@
     </p:spTree>
     <p:extLst>
       <p:ext uri="{BB962C8B-B14F-4D97-AF65-F5344CB8AC3E}">
-        <p14:creationId xmlns:p14="http://schemas.microsoft.com/office/powerpoint/2010/main" val="1396140562"/>
+        <p14:creationId xmlns:p14="http://schemas.microsoft.com/office/powerpoint/2010/main" xmlns="" val="1396140562"/>
       </p:ext>
     </p:extLst>
   </p:cSld>
@@ -638,6 +645,7 @@
           <a:p>
             <a:fld id="{AAC735D7-A72F-4ADE-A7EF-DE7286408317}" type="slidenum">
               <a:rPr lang="nl-NL" smtClean="0"/>
+              <a:pPr/>
               <a:t>3</a:t>
             </a:fld>
             <a:endParaRPr lang="nl-NL"/>
@@ -647,7 +655,7 @@
     </p:spTree>
     <p:extLst>
       <p:ext uri="{BB962C8B-B14F-4D97-AF65-F5344CB8AC3E}">
-        <p14:creationId xmlns:p14="http://schemas.microsoft.com/office/powerpoint/2010/main" val="3735048614"/>
+        <p14:creationId xmlns:p14="http://schemas.microsoft.com/office/powerpoint/2010/main" xmlns="" val="3735048614"/>
       </p:ext>
     </p:extLst>
   </p:cSld>
@@ -703,11 +711,11 @@
           <a:p>
             <a:r>
               <a:rPr lang="nl-NL" dirty="0" smtClean="0"/>
-              <a:t>Nieuwe </a:t>
-            </a:r>
-            <a:r>
-              <a:rPr lang="nl-NL" dirty="0" err="1" smtClean="0"/>
-              <a:t>UMl</a:t>
+              <a:t>Wat willen we</a:t>
+            </a:r>
+            <a:r>
+              <a:rPr lang="nl-NL" baseline="0" dirty="0" smtClean="0"/>
+              <a:t> laten zien? Hoe?</a:t>
             </a:r>
             <a:endParaRPr lang="nl-NL" dirty="0"/>
           </a:p>
@@ -730,6 +738,7 @@
           <a:p>
             <a:fld id="{AAC735D7-A72F-4ADE-A7EF-DE7286408317}" type="slidenum">
               <a:rPr lang="nl-NL" smtClean="0"/>
+              <a:pPr/>
               <a:t>4</a:t>
             </a:fld>
             <a:endParaRPr lang="nl-NL"/>
@@ -739,7 +748,7 @@
     </p:spTree>
     <p:extLst>
       <p:ext uri="{BB962C8B-B14F-4D97-AF65-F5344CB8AC3E}">
-        <p14:creationId xmlns:p14="http://schemas.microsoft.com/office/powerpoint/2010/main" val="2404345566"/>
+        <p14:creationId xmlns:p14="http://schemas.microsoft.com/office/powerpoint/2010/main" xmlns="" val="1117588626"/>
       </p:ext>
     </p:extLst>
   </p:cSld>
@@ -795,11 +804,11 @@
           <a:p>
             <a:r>
               <a:rPr lang="nl-NL" dirty="0" smtClean="0"/>
-              <a:t>Wat willen we</a:t>
-            </a:r>
-            <a:r>
-              <a:rPr lang="nl-NL" baseline="0" dirty="0" smtClean="0"/>
-              <a:t> laten zien? Hoe?</a:t>
+              <a:t>Nieuwe </a:t>
+            </a:r>
+            <a:r>
+              <a:rPr lang="nl-NL" dirty="0" err="1" smtClean="0"/>
+              <a:t>UMl</a:t>
             </a:r>
             <a:endParaRPr lang="nl-NL" dirty="0"/>
           </a:p>
@@ -822,6 +831,7 @@
           <a:p>
             <a:fld id="{AAC735D7-A72F-4ADE-A7EF-DE7286408317}" type="slidenum">
               <a:rPr lang="nl-NL" smtClean="0"/>
+              <a:pPr/>
               <a:t>5</a:t>
             </a:fld>
             <a:endParaRPr lang="nl-NL"/>
@@ -831,7 +841,7 @@
     </p:spTree>
     <p:extLst>
       <p:ext uri="{BB962C8B-B14F-4D97-AF65-F5344CB8AC3E}">
-        <p14:creationId xmlns:p14="http://schemas.microsoft.com/office/powerpoint/2010/main" val="1117588626"/>
+        <p14:creationId xmlns:p14="http://schemas.microsoft.com/office/powerpoint/2010/main" xmlns="" val="2404345566"/>
       </p:ext>
     </p:extLst>
   </p:cSld>
@@ -910,7 +920,8 @@
           <a:p>
             <a:fld id="{AAC735D7-A72F-4ADE-A7EF-DE7286408317}" type="slidenum">
               <a:rPr lang="nl-NL" smtClean="0"/>
-              <a:t>8</a:t>
+              <a:pPr/>
+              <a:t>9</a:t>
             </a:fld>
             <a:endParaRPr lang="nl-NL"/>
           </a:p>
@@ -919,7 +930,7 @@
     </p:spTree>
     <p:extLst>
       <p:ext uri="{BB962C8B-B14F-4D97-AF65-F5344CB8AC3E}">
-        <p14:creationId xmlns:p14="http://schemas.microsoft.com/office/powerpoint/2010/main" val="3263529355"/>
+        <p14:creationId xmlns:p14="http://schemas.microsoft.com/office/powerpoint/2010/main" xmlns="" val="3263529355"/>
       </p:ext>
     </p:extLst>
   </p:cSld>
@@ -1110,6 +1121,7 @@
           <a:p>
             <a:fld id="{A3148C2A-373F-4A0B-ADD9-9B6903C09FCC}" type="datetime1">
               <a:rPr lang="nl-NL" smtClean="0"/>
+              <a:pPr/>
               <a:t>18-11-2015</a:t>
             </a:fld>
             <a:endParaRPr lang="nl-NL"/>
@@ -1152,6 +1164,7 @@
           <a:p>
             <a:fld id="{8EDE433C-975D-40E0-AA17-C907AC02EBEB}" type="slidenum">
               <a:rPr lang="nl-NL" smtClean="0"/>
+              <a:pPr/>
               <a:t>‹nr.›</a:t>
             </a:fld>
             <a:endParaRPr lang="nl-NL"/>
@@ -1275,6 +1288,7 @@
           <a:p>
             <a:fld id="{3782B4FA-7808-4A48-8527-73D16271F5A6}" type="datetime1">
               <a:rPr lang="nl-NL" smtClean="0"/>
+              <a:pPr/>
               <a:t>18-11-2015</a:t>
             </a:fld>
             <a:endParaRPr lang="nl-NL"/>
@@ -1317,6 +1331,7 @@
           <a:p>
             <a:fld id="{8EDE433C-975D-40E0-AA17-C907AC02EBEB}" type="slidenum">
               <a:rPr lang="nl-NL" smtClean="0"/>
+              <a:pPr/>
               <a:t>‹nr.›</a:t>
             </a:fld>
             <a:endParaRPr lang="nl-NL"/>
@@ -1450,6 +1465,7 @@
           <a:p>
             <a:fld id="{3FAA358B-BD7B-4E13-8055-E2B965FCE361}" type="datetime1">
               <a:rPr lang="nl-NL" smtClean="0"/>
+              <a:pPr/>
               <a:t>18-11-2015</a:t>
             </a:fld>
             <a:endParaRPr lang="nl-NL"/>
@@ -1492,6 +1508,7 @@
           <a:p>
             <a:fld id="{8EDE433C-975D-40E0-AA17-C907AC02EBEB}" type="slidenum">
               <a:rPr lang="nl-NL" smtClean="0"/>
+              <a:pPr/>
               <a:t>‹nr.›</a:t>
             </a:fld>
             <a:endParaRPr lang="nl-NL"/>
@@ -1615,6 +1632,7 @@
           <a:p>
             <a:fld id="{10F32E0F-C824-48FE-B038-07A2350E6EC9}" type="datetime1">
               <a:rPr lang="nl-NL" smtClean="0"/>
+              <a:pPr/>
               <a:t>18-11-2015</a:t>
             </a:fld>
             <a:endParaRPr lang="nl-NL"/>
@@ -1657,6 +1675,7 @@
           <a:p>
             <a:fld id="{8EDE433C-975D-40E0-AA17-C907AC02EBEB}" type="slidenum">
               <a:rPr lang="nl-NL" smtClean="0"/>
+              <a:pPr/>
               <a:t>‹nr.›</a:t>
             </a:fld>
             <a:endParaRPr lang="nl-NL"/>
@@ -1856,6 +1875,7 @@
           <a:p>
             <a:fld id="{24FDA156-A248-4546-AE92-A6CF4129BF6B}" type="datetime1">
               <a:rPr lang="nl-NL" smtClean="0"/>
+              <a:pPr/>
               <a:t>18-11-2015</a:t>
             </a:fld>
             <a:endParaRPr lang="nl-NL"/>
@@ -1898,6 +1918,7 @@
           <a:p>
             <a:fld id="{8EDE433C-975D-40E0-AA17-C907AC02EBEB}" type="slidenum">
               <a:rPr lang="nl-NL" smtClean="0"/>
+              <a:pPr/>
               <a:t>‹nr.›</a:t>
             </a:fld>
             <a:endParaRPr lang="nl-NL"/>
@@ -2139,6 +2160,7 @@
           <a:p>
             <a:fld id="{7ACF6335-09FC-41E3-B28C-F777CC13F281}" type="datetime1">
               <a:rPr lang="nl-NL" smtClean="0"/>
+              <a:pPr/>
               <a:t>18-11-2015</a:t>
             </a:fld>
             <a:endParaRPr lang="nl-NL"/>
@@ -2181,6 +2203,7 @@
           <a:p>
             <a:fld id="{8EDE433C-975D-40E0-AA17-C907AC02EBEB}" type="slidenum">
               <a:rPr lang="nl-NL" smtClean="0"/>
+              <a:pPr/>
               <a:t>‹nr.›</a:t>
             </a:fld>
             <a:endParaRPr lang="nl-NL"/>
@@ -2556,6 +2579,7 @@
           <a:p>
             <a:fld id="{BE212D5F-C122-48C2-A759-C51BA91F6486}" type="datetime1">
               <a:rPr lang="nl-NL" smtClean="0"/>
+              <a:pPr/>
               <a:t>18-11-2015</a:t>
             </a:fld>
             <a:endParaRPr lang="nl-NL"/>
@@ -2598,6 +2622,7 @@
           <a:p>
             <a:fld id="{8EDE433C-975D-40E0-AA17-C907AC02EBEB}" type="slidenum">
               <a:rPr lang="nl-NL" smtClean="0"/>
+              <a:pPr/>
               <a:t>‹nr.›</a:t>
             </a:fld>
             <a:endParaRPr lang="nl-NL"/>
@@ -2669,6 +2694,7 @@
           <a:p>
             <a:fld id="{6A884A0F-B8CC-4C4C-8C3C-E3CF882D71C5}" type="datetime1">
               <a:rPr lang="nl-NL" smtClean="0"/>
+              <a:pPr/>
               <a:t>18-11-2015</a:t>
             </a:fld>
             <a:endParaRPr lang="nl-NL"/>
@@ -2711,6 +2737,7 @@
           <a:p>
             <a:fld id="{8EDE433C-975D-40E0-AA17-C907AC02EBEB}" type="slidenum">
               <a:rPr lang="nl-NL" smtClean="0"/>
+              <a:pPr/>
               <a:t>‹nr.›</a:t>
             </a:fld>
             <a:endParaRPr lang="nl-NL"/>
@@ -2759,6 +2786,7 @@
           <a:p>
             <a:fld id="{70A369C1-2A09-4E01-B803-B2A9606C153D}" type="datetime1">
               <a:rPr lang="nl-NL" smtClean="0"/>
+              <a:pPr/>
               <a:t>18-11-2015</a:t>
             </a:fld>
             <a:endParaRPr lang="nl-NL"/>
@@ -2801,6 +2829,7 @@
           <a:p>
             <a:fld id="{8EDE433C-975D-40E0-AA17-C907AC02EBEB}" type="slidenum">
               <a:rPr lang="nl-NL" smtClean="0"/>
+              <a:pPr/>
               <a:t>‹nr.›</a:t>
             </a:fld>
             <a:endParaRPr lang="nl-NL"/>
@@ -3031,6 +3060,7 @@
           <a:p>
             <a:fld id="{8E35EA81-F35D-4DE0-9883-71FD6E74203F}" type="datetime1">
               <a:rPr lang="nl-NL" smtClean="0"/>
+              <a:pPr/>
               <a:t>18-11-2015</a:t>
             </a:fld>
             <a:endParaRPr lang="nl-NL"/>
@@ -3073,6 +3103,7 @@
           <a:p>
             <a:fld id="{8EDE433C-975D-40E0-AA17-C907AC02EBEB}" type="slidenum">
               <a:rPr lang="nl-NL" smtClean="0"/>
+              <a:pPr/>
               <a:t>‹nr.›</a:t>
             </a:fld>
             <a:endParaRPr lang="nl-NL"/>
@@ -3279,6 +3310,7 @@
           <a:p>
             <a:fld id="{E7C62E92-E18B-467A-8A40-16179C18DDC9}" type="datetime1">
               <a:rPr lang="nl-NL" smtClean="0"/>
+              <a:pPr/>
               <a:t>18-11-2015</a:t>
             </a:fld>
             <a:endParaRPr lang="nl-NL"/>
@@ -3321,6 +3353,7 @@
           <a:p>
             <a:fld id="{8EDE433C-975D-40E0-AA17-C907AC02EBEB}" type="slidenum">
               <a:rPr lang="nl-NL" smtClean="0"/>
+              <a:pPr/>
               <a:t>‹nr.›</a:t>
             </a:fld>
             <a:endParaRPr lang="nl-NL"/>
@@ -3487,6 +3520,7 @@
           <a:p>
             <a:fld id="{3093C476-5277-42D2-924F-A7C2869717FD}" type="datetime1">
               <a:rPr lang="nl-NL" smtClean="0"/>
+              <a:pPr/>
               <a:t>18-11-2015</a:t>
             </a:fld>
             <a:endParaRPr lang="nl-NL"/>
@@ -3565,6 +3599,7 @@
           <a:p>
             <a:fld id="{8EDE433C-975D-40E0-AA17-C907AC02EBEB}" type="slidenum">
               <a:rPr lang="nl-NL" smtClean="0"/>
+              <a:pPr/>
               <a:t>‹nr.›</a:t>
             </a:fld>
             <a:endParaRPr lang="nl-NL"/>
@@ -3575,17 +3610,17 @@
   </p:cSld>
   <p:clrMap bg1="lt1" tx1="dk1" bg2="lt2" tx2="dk2" accent1="accent1" accent2="accent2" accent3="accent3" accent4="accent4" accent5="accent5" accent6="accent6" hlink="hlink" folHlink="folHlink"/>
   <p:sldLayoutIdLst>
-    <p:sldLayoutId id="2147483649" r:id="rId1"/>
-    <p:sldLayoutId id="2147483650" r:id="rId2"/>
-    <p:sldLayoutId id="2147483651" r:id="rId3"/>
-    <p:sldLayoutId id="2147483652" r:id="rId4"/>
-    <p:sldLayoutId id="2147483653" r:id="rId5"/>
-    <p:sldLayoutId id="2147483654" r:id="rId6"/>
-    <p:sldLayoutId id="2147483655" r:id="rId7"/>
-    <p:sldLayoutId id="2147483656" r:id="rId8"/>
-    <p:sldLayoutId id="2147483657" r:id="rId9"/>
-    <p:sldLayoutId id="2147483658" r:id="rId10"/>
-    <p:sldLayoutId id="2147483659" r:id="rId11"/>
+    <p:sldLayoutId id="2147483673" r:id="rId1"/>
+    <p:sldLayoutId id="2147483674" r:id="rId2"/>
+    <p:sldLayoutId id="2147483675" r:id="rId3"/>
+    <p:sldLayoutId id="2147483676" r:id="rId4"/>
+    <p:sldLayoutId id="2147483677" r:id="rId5"/>
+    <p:sldLayoutId id="2147483678" r:id="rId6"/>
+    <p:sldLayoutId id="2147483679" r:id="rId7"/>
+    <p:sldLayoutId id="2147483680" r:id="rId8"/>
+    <p:sldLayoutId id="2147483681" r:id="rId9"/>
+    <p:sldLayoutId id="2147483682" r:id="rId10"/>
+    <p:sldLayoutId id="2147483683" r:id="rId11"/>
   </p:sldLayoutIdLst>
   <p:hf hdr="0"/>
   <p:txStyles>
@@ -3870,18 +3905,20 @@
         </p:nvSpPr>
         <p:spPr/>
         <p:txBody>
-          <a:bodyPr/>
-          <a:lstStyle/>
-          <a:p>
-            <a:r>
-              <a:rPr lang="en-US" dirty="0" err="1" smtClean="0"/>
+          <a:bodyPr>
+            <a:normAutofit/>
+          </a:bodyPr>
+          <a:lstStyle/>
+          <a:p>
+            <a:r>
+              <a:rPr lang="en-US" sz="6600" dirty="0" err="1" smtClean="0"/>
               <a:t>Zeeslag</a:t>
             </a:r>
             <a:r>
-              <a:rPr lang="en-US" dirty="0" smtClean="0"/>
+              <a:rPr lang="en-US" sz="6600" dirty="0" smtClean="0"/>
               <a:t> Online</a:t>
             </a:r>
-            <a:endParaRPr lang="nl-NL" dirty="0"/>
+            <a:endParaRPr lang="nl-NL" sz="6600" dirty="0"/>
           </a:p>
         </p:txBody>
       </p:sp>
@@ -3897,7 +3934,9 @@
         </p:nvSpPr>
         <p:spPr/>
         <p:txBody>
-          <a:bodyPr/>
+          <a:bodyPr>
+            <a:normAutofit/>
+          </a:bodyPr>
           <a:lstStyle/>
           <a:p>
             <a:r>
@@ -3920,7 +3959,14 @@
               <a:rPr lang="en-US" dirty="0" err="1" smtClean="0"/>
               <a:t>Rijs</a:t>
             </a:r>
-            <a:endParaRPr lang="nl-NL" dirty="0"/>
+            <a:endParaRPr lang="en-US" dirty="0" smtClean="0"/>
+          </a:p>
+          <a:p>
+            <a:r>
+              <a:rPr lang="en-US" sz="2400" dirty="0" smtClean="0"/>
+              <a:t>Young Capital Java Traineeship</a:t>
+            </a:r>
+            <a:endParaRPr lang="nl-NL" sz="2400" dirty="0"/>
           </a:p>
         </p:txBody>
       </p:sp>
@@ -3941,6 +3987,7 @@
           <a:p>
             <a:fld id="{04EC8713-65F6-44BF-A5C9-0A354DFCD1B0}" type="datetime1">
               <a:rPr lang="nl-NL" smtClean="0"/>
+              <a:pPr/>
               <a:t>18-11-2015</a:t>
             </a:fld>
             <a:endParaRPr lang="nl-NL"/>
@@ -3999,6 +4046,7 @@
           <a:p>
             <a:fld id="{8EDE433C-975D-40E0-AA17-C907AC02EBEB}" type="slidenum">
               <a:rPr lang="nl-NL" smtClean="0"/>
+              <a:pPr/>
               <a:t>1</a:t>
             </a:fld>
             <a:endParaRPr lang="nl-NL"/>
@@ -4053,6 +4101,803 @@
           <a:lstStyle/>
           <a:p>
             <a:r>
+              <a:rPr lang="en-US" dirty="0" err="1" smtClean="0"/>
+              <a:t>mySQL</a:t>
+            </a:r>
+            <a:r>
+              <a:rPr lang="en-US" dirty="0" smtClean="0"/>
+              <a:t> Database</a:t>
+            </a:r>
+            <a:endParaRPr lang="nl-NL" dirty="0"/>
+          </a:p>
+        </p:txBody>
+      </p:sp>
+      <p:sp>
+        <p:nvSpPr>
+          <p:cNvPr id="3" name="Tijdelijke aanduiding voor inhoud 2"/>
+          <p:cNvSpPr>
+            <a:spLocks noGrp="1"/>
+          </p:cNvSpPr>
+          <p:nvPr>
+            <p:ph idx="1"/>
+          </p:nvPr>
+        </p:nvSpPr>
+        <p:spPr/>
+        <p:txBody>
+          <a:bodyPr>
+            <a:normAutofit/>
+          </a:bodyPr>
+          <a:lstStyle/>
+          <a:p>
+            <a:r>
+              <a:rPr lang="nl-NL" dirty="0" smtClean="0"/>
+              <a:t>Opslaan van Spelers (</a:t>
+            </a:r>
+            <a:r>
+              <a:rPr lang="nl-NL" dirty="0" err="1" smtClean="0"/>
+              <a:t>Hibernate</a:t>
+            </a:r>
+            <a:r>
+              <a:rPr lang="nl-NL" dirty="0" smtClean="0"/>
+              <a:t>)</a:t>
+            </a:r>
+          </a:p>
+          <a:p>
+            <a:pPr lvl="1"/>
+            <a:r>
+              <a:rPr lang="nl-NL" dirty="0" smtClean="0"/>
+              <a:t>Data Access Object (DAO)</a:t>
+            </a:r>
+          </a:p>
+          <a:p>
+            <a:pPr lvl="1"/>
+            <a:r>
+              <a:rPr lang="nl-NL" dirty="0" smtClean="0"/>
+              <a:t>Ingewikkeld door complexe relaties</a:t>
+            </a:r>
+          </a:p>
+          <a:p>
+            <a:pPr lvl="2"/>
+            <a:r>
+              <a:rPr lang="nl-NL" dirty="0" smtClean="0"/>
+              <a:t>Inclusief 2D arrays [][] </a:t>
+            </a:r>
+            <a:r>
+              <a:rPr lang="nl-NL" dirty="0" smtClean="0">
+                <a:sym typeface="Wingdings" panose="05000000000000000000" pitchFamily="2" charset="2"/>
+              </a:rPr>
+              <a:t> </a:t>
+            </a:r>
+            <a:r>
+              <a:rPr lang="nl-NL" dirty="0" err="1" smtClean="0">
+                <a:sym typeface="Wingdings" panose="05000000000000000000" pitchFamily="2" charset="2"/>
+              </a:rPr>
+              <a:t>ArrayList</a:t>
+            </a:r>
+            <a:endParaRPr lang="nl-NL" dirty="0" smtClean="0">
+              <a:sym typeface="Wingdings" panose="05000000000000000000" pitchFamily="2" charset="2"/>
+            </a:endParaRPr>
+          </a:p>
+          <a:p>
+            <a:pPr lvl="2"/>
+            <a:r>
+              <a:rPr lang="nl-NL" dirty="0" smtClean="0">
+                <a:sym typeface="Wingdings" panose="05000000000000000000" pitchFamily="2" charset="2"/>
+              </a:rPr>
+              <a:t>@</a:t>
+            </a:r>
+            <a:r>
+              <a:rPr lang="nl-NL" dirty="0" err="1" smtClean="0">
+                <a:sym typeface="Wingdings" panose="05000000000000000000" pitchFamily="2" charset="2"/>
+              </a:rPr>
+              <a:t>OneToOne</a:t>
+            </a:r>
+            <a:endParaRPr lang="nl-NL" dirty="0">
+              <a:sym typeface="Wingdings" panose="05000000000000000000" pitchFamily="2" charset="2"/>
+            </a:endParaRPr>
+          </a:p>
+          <a:p>
+            <a:pPr lvl="3"/>
+            <a:r>
+              <a:rPr lang="nl-NL" dirty="0" smtClean="0">
+                <a:sym typeface="Wingdings" panose="05000000000000000000" pitchFamily="2" charset="2"/>
+              </a:rPr>
+              <a:t>Speler - Bord</a:t>
+            </a:r>
+          </a:p>
+          <a:p>
+            <a:pPr lvl="2"/>
+            <a:r>
+              <a:rPr lang="nl-NL" dirty="0" smtClean="0">
+                <a:sym typeface="Wingdings" panose="05000000000000000000" pitchFamily="2" charset="2"/>
+              </a:rPr>
+              <a:t>@</a:t>
+            </a:r>
+            <a:r>
+              <a:rPr lang="nl-NL" dirty="0" err="1" smtClean="0">
+                <a:sym typeface="Wingdings" panose="05000000000000000000" pitchFamily="2" charset="2"/>
+              </a:rPr>
+              <a:t>OneToMany</a:t>
+            </a:r>
+            <a:endParaRPr lang="nl-NL" dirty="0">
+              <a:sym typeface="Wingdings" panose="05000000000000000000" pitchFamily="2" charset="2"/>
+            </a:endParaRPr>
+          </a:p>
+          <a:p>
+            <a:pPr lvl="3"/>
+            <a:r>
+              <a:rPr lang="nl-NL" dirty="0" smtClean="0">
+                <a:sym typeface="Wingdings" panose="05000000000000000000" pitchFamily="2" charset="2"/>
+              </a:rPr>
+              <a:t>Speler – Boot(List)</a:t>
+            </a:r>
+          </a:p>
+          <a:p>
+            <a:pPr lvl="3"/>
+            <a:r>
+              <a:rPr lang="nl-NL" dirty="0" smtClean="0">
+                <a:sym typeface="Wingdings" panose="05000000000000000000" pitchFamily="2" charset="2"/>
+              </a:rPr>
+              <a:t>Bord –Vakje(List)</a:t>
+            </a:r>
+          </a:p>
+          <a:p>
+            <a:pPr lvl="4"/>
+            <a:r>
+              <a:rPr lang="nl-NL" dirty="0" err="1">
+                <a:sym typeface="Wingdings" panose="05000000000000000000" pitchFamily="2" charset="2"/>
+              </a:rPr>
+              <a:t>F</a:t>
+            </a:r>
+            <a:r>
+              <a:rPr lang="nl-NL" dirty="0" err="1" smtClean="0">
+                <a:sym typeface="Wingdings" panose="05000000000000000000" pitchFamily="2" charset="2"/>
+              </a:rPr>
+              <a:t>etchType</a:t>
+            </a:r>
+            <a:endParaRPr lang="nl-NL" dirty="0" smtClean="0">
+              <a:sym typeface="Wingdings" panose="05000000000000000000" pitchFamily="2" charset="2"/>
+            </a:endParaRPr>
+          </a:p>
+          <a:p>
+            <a:pPr lvl="1"/>
+            <a:endParaRPr lang="nl-NL" dirty="0" smtClean="0"/>
+          </a:p>
+          <a:p>
+            <a:pPr lvl="1"/>
+            <a:endParaRPr lang="nl-NL" dirty="0"/>
+          </a:p>
+        </p:txBody>
+      </p:sp>
+      <p:sp>
+        <p:nvSpPr>
+          <p:cNvPr id="4" name="Tijdelijke aanduiding voor datum 3"/>
+          <p:cNvSpPr>
+            <a:spLocks noGrp="1"/>
+          </p:cNvSpPr>
+          <p:nvPr>
+            <p:ph type="dt" sz="half" idx="10"/>
+          </p:nvPr>
+        </p:nvSpPr>
+        <p:spPr/>
+        <p:txBody>
+          <a:bodyPr/>
+          <a:lstStyle/>
+          <a:p>
+            <a:fld id="{555D3B63-88C4-45AD-828B-DBF901C08C20}" type="datetime1">
+              <a:rPr lang="nl-NL" smtClean="0"/>
+              <a:pPr/>
+              <a:t>18-11-2015</a:t>
+            </a:fld>
+            <a:endParaRPr lang="nl-NL"/>
+          </a:p>
+        </p:txBody>
+      </p:sp>
+      <p:sp>
+        <p:nvSpPr>
+          <p:cNvPr id="5" name="Tijdelijke aanduiding voor voettekst 4"/>
+          <p:cNvSpPr>
+            <a:spLocks noGrp="1"/>
+          </p:cNvSpPr>
+          <p:nvPr>
+            <p:ph type="ftr" sz="quarter" idx="11"/>
+          </p:nvPr>
+        </p:nvSpPr>
+        <p:spPr/>
+        <p:txBody>
+          <a:bodyPr/>
+          <a:lstStyle/>
+          <a:p>
+            <a:endParaRPr lang="nl-NL"/>
+          </a:p>
+        </p:txBody>
+      </p:sp>
+      <p:sp>
+        <p:nvSpPr>
+          <p:cNvPr id="6" name="Tijdelijke aanduiding voor dianummer 5"/>
+          <p:cNvSpPr>
+            <a:spLocks noGrp="1"/>
+          </p:cNvSpPr>
+          <p:nvPr>
+            <p:ph type="sldNum" sz="quarter" idx="12"/>
+          </p:nvPr>
+        </p:nvSpPr>
+        <p:spPr/>
+        <p:txBody>
+          <a:bodyPr/>
+          <a:lstStyle/>
+          <a:p>
+            <a:fld id="{8EDE433C-975D-40E0-AA17-C907AC02EBEB}" type="slidenum">
+              <a:rPr lang="nl-NL" smtClean="0"/>
+              <a:pPr/>
+              <a:t>10</a:t>
+            </a:fld>
+            <a:endParaRPr lang="nl-NL"/>
+          </a:p>
+        </p:txBody>
+      </p:sp>
+      <p:pic>
+        <p:nvPicPr>
+          <p:cNvPr id="1026" name="Picture 2"/>
+          <p:cNvPicPr>
+            <a:picLocks noChangeAspect="1" noChangeArrowheads="1"/>
+          </p:cNvPicPr>
+          <p:nvPr/>
+        </p:nvPicPr>
+        <p:blipFill>
+          <a:blip r:embed="rId2" cstate="print">
+            <a:extLst>
+              <a:ext uri="{28A0092B-C50C-407E-A947-70E740481C1C}">
+                <a14:useLocalDpi xmlns:a14="http://schemas.microsoft.com/office/drawing/2010/main" xmlns="" val="0"/>
+              </a:ext>
+            </a:extLst>
+          </a:blip>
+          <a:srcRect/>
+          <a:stretch>
+            <a:fillRect/>
+          </a:stretch>
+        </p:blipFill>
+        <p:spPr bwMode="auto">
+          <a:xfrm>
+            <a:off x="6177134" y="3789040"/>
+            <a:ext cx="2715346" cy="2232248"/>
+          </a:xfrm>
+          <a:prstGeom prst="rect">
+            <a:avLst/>
+          </a:prstGeom>
+          <a:noFill/>
+          <a:ln>
+            <a:noFill/>
+          </a:ln>
+          <a:extLst>
+            <a:ext uri="{909E8E84-426E-40DD-AFC4-6F175D3DCCD1}">
+              <a14:hiddenFill xmlns:a14="http://schemas.microsoft.com/office/drawing/2010/main" xmlns="">
+                <a:solidFill>
+                  <a:schemeClr val="accent1"/>
+                </a:solidFill>
+              </a14:hiddenFill>
+            </a:ext>
+            <a:ext uri="{91240B29-F687-4F45-9708-019B960494DF}">
+              <a14:hiddenLine xmlns:a14="http://schemas.microsoft.com/office/drawing/2010/main" xmlns="" w="9525">
+                <a:solidFill>
+                  <a:schemeClr val="tx1"/>
+                </a:solidFill>
+                <a:miter lim="800000"/>
+                <a:headEnd/>
+                <a:tailEnd/>
+              </a14:hiddenLine>
+            </a:ext>
+          </a:extLst>
+        </p:spPr>
+      </p:pic>
+      <p:pic>
+        <p:nvPicPr>
+          <p:cNvPr id="2050" name="Picture 2"/>
+          <p:cNvPicPr>
+            <a:picLocks noChangeAspect="1" noChangeArrowheads="1"/>
+          </p:cNvPicPr>
+          <p:nvPr/>
+        </p:nvPicPr>
+        <p:blipFill>
+          <a:blip r:embed="rId3" cstate="print">
+            <a:extLst>
+              <a:ext uri="{28A0092B-C50C-407E-A947-70E740481C1C}">
+                <a14:useLocalDpi xmlns:a14="http://schemas.microsoft.com/office/drawing/2010/main" xmlns="" val="0"/>
+              </a:ext>
+            </a:extLst>
+          </a:blip>
+          <a:srcRect/>
+          <a:stretch>
+            <a:fillRect/>
+          </a:stretch>
+        </p:blipFill>
+        <p:spPr bwMode="auto">
+          <a:xfrm>
+            <a:off x="35496" y="6093296"/>
+            <a:ext cx="8856984" cy="642684"/>
+          </a:xfrm>
+          <a:prstGeom prst="rect">
+            <a:avLst/>
+          </a:prstGeom>
+          <a:noFill/>
+          <a:ln>
+            <a:noFill/>
+          </a:ln>
+          <a:extLst>
+            <a:ext uri="{909E8E84-426E-40DD-AFC4-6F175D3DCCD1}">
+              <a14:hiddenFill xmlns:a14="http://schemas.microsoft.com/office/drawing/2010/main" xmlns="">
+                <a:solidFill>
+                  <a:schemeClr val="accent1"/>
+                </a:solidFill>
+              </a14:hiddenFill>
+            </a:ext>
+            <a:ext uri="{91240B29-F687-4F45-9708-019B960494DF}">
+              <a14:hiddenLine xmlns:a14="http://schemas.microsoft.com/office/drawing/2010/main" xmlns="" w="9525">
+                <a:solidFill>
+                  <a:schemeClr val="tx1"/>
+                </a:solidFill>
+                <a:miter lim="800000"/>
+                <a:headEnd/>
+                <a:tailEnd/>
+              </a14:hiddenLine>
+            </a:ext>
+          </a:extLst>
+        </p:spPr>
+      </p:pic>
+    </p:spTree>
+  </p:cSld>
+  <p:clrMapOvr>
+    <a:masterClrMapping/>
+  </p:clrMapOvr>
+  <p:timing>
+    <p:tnLst>
+      <p:par>
+        <p:cTn id="1" dur="indefinite" restart="never" nodeType="tmRoot">
+          <p:childTnLst>
+            <p:seq concurrent="1" nextAc="seek">
+              <p:cTn id="2" dur="indefinite" nodeType="mainSeq">
+                <p:childTnLst>
+                  <p:par>
+                    <p:cTn id="3" fill="hold">
+                      <p:stCondLst>
+                        <p:cond delay="indefinite"/>
+                      </p:stCondLst>
+                      <p:childTnLst>
+                        <p:par>
+                          <p:cTn id="4" fill="hold">
+                            <p:stCondLst>
+                              <p:cond delay="0"/>
+                            </p:stCondLst>
+                            <p:childTnLst>
+                              <p:par>
+                                <p:cTn id="5" presetID="1" presetClass="entr" presetSubtype="0" fill="hold" nodeType="clickEffect">
+                                  <p:stCondLst>
+                                    <p:cond delay="0"/>
+                                  </p:stCondLst>
+                                  <p:childTnLst>
+                                    <p:set>
+                                      <p:cBhvr>
+                                        <p:cTn id="6" dur="1" fill="hold">
+                                          <p:stCondLst>
+                                            <p:cond delay="0"/>
+                                          </p:stCondLst>
+                                        </p:cTn>
+                                        <p:tgtEl>
+                                          <p:spTgt spid="3">
+                                            <p:txEl>
+                                              <p:pRg st="2" end="2"/>
+                                            </p:txEl>
+                                          </p:spTgt>
+                                        </p:tgtEl>
+                                        <p:attrNameLst>
+                                          <p:attrName>style.visibility</p:attrName>
+                                        </p:attrNameLst>
+                                      </p:cBhvr>
+                                      <p:to>
+                                        <p:strVal val="visible"/>
+                                      </p:to>
+                                    </p:set>
+                                  </p:childTnLst>
+                                </p:cTn>
+                              </p:par>
+                              <p:par>
+                                <p:cTn id="7" presetID="1" presetClass="entr" presetSubtype="0" fill="hold" nodeType="withEffect">
+                                  <p:stCondLst>
+                                    <p:cond delay="0"/>
+                                  </p:stCondLst>
+                                  <p:childTnLst>
+                                    <p:set>
+                                      <p:cBhvr>
+                                        <p:cTn id="8" dur="1" fill="hold">
+                                          <p:stCondLst>
+                                            <p:cond delay="0"/>
+                                          </p:stCondLst>
+                                        </p:cTn>
+                                        <p:tgtEl>
+                                          <p:spTgt spid="3">
+                                            <p:txEl>
+                                              <p:pRg st="3" end="3"/>
+                                            </p:txEl>
+                                          </p:spTgt>
+                                        </p:tgtEl>
+                                        <p:attrNameLst>
+                                          <p:attrName>style.visibility</p:attrName>
+                                        </p:attrNameLst>
+                                      </p:cBhvr>
+                                      <p:to>
+                                        <p:strVal val="visible"/>
+                                      </p:to>
+                                    </p:set>
+                                  </p:childTnLst>
+                                </p:cTn>
+                              </p:par>
+                            </p:childTnLst>
+                          </p:cTn>
+                        </p:par>
+                      </p:childTnLst>
+                    </p:cTn>
+                  </p:par>
+                  <p:par>
+                    <p:cTn id="9" fill="hold">
+                      <p:stCondLst>
+                        <p:cond delay="indefinite"/>
+                      </p:stCondLst>
+                      <p:childTnLst>
+                        <p:par>
+                          <p:cTn id="10" fill="hold">
+                            <p:stCondLst>
+                              <p:cond delay="0"/>
+                            </p:stCondLst>
+                            <p:childTnLst>
+                              <p:par>
+                                <p:cTn id="11" presetID="1" presetClass="entr" presetSubtype="0" fill="hold" nodeType="clickEffect">
+                                  <p:stCondLst>
+                                    <p:cond delay="0"/>
+                                  </p:stCondLst>
+                                  <p:childTnLst>
+                                    <p:set>
+                                      <p:cBhvr>
+                                        <p:cTn id="12" dur="1" fill="hold">
+                                          <p:stCondLst>
+                                            <p:cond delay="0"/>
+                                          </p:stCondLst>
+                                        </p:cTn>
+                                        <p:tgtEl>
+                                          <p:spTgt spid="3">
+                                            <p:txEl>
+                                              <p:pRg st="4" end="4"/>
+                                            </p:txEl>
+                                          </p:spTgt>
+                                        </p:tgtEl>
+                                        <p:attrNameLst>
+                                          <p:attrName>style.visibility</p:attrName>
+                                        </p:attrNameLst>
+                                      </p:cBhvr>
+                                      <p:to>
+                                        <p:strVal val="visible"/>
+                                      </p:to>
+                                    </p:set>
+                                  </p:childTnLst>
+                                </p:cTn>
+                              </p:par>
+                              <p:par>
+                                <p:cTn id="13" presetID="1" presetClass="entr" presetSubtype="0" fill="hold" nodeType="withEffect">
+                                  <p:stCondLst>
+                                    <p:cond delay="0"/>
+                                  </p:stCondLst>
+                                  <p:childTnLst>
+                                    <p:set>
+                                      <p:cBhvr>
+                                        <p:cTn id="14" dur="1" fill="hold">
+                                          <p:stCondLst>
+                                            <p:cond delay="0"/>
+                                          </p:stCondLst>
+                                        </p:cTn>
+                                        <p:tgtEl>
+                                          <p:spTgt spid="3">
+                                            <p:txEl>
+                                              <p:pRg st="5" end="5"/>
+                                            </p:txEl>
+                                          </p:spTgt>
+                                        </p:tgtEl>
+                                        <p:attrNameLst>
+                                          <p:attrName>style.visibility</p:attrName>
+                                        </p:attrNameLst>
+                                      </p:cBhvr>
+                                      <p:to>
+                                        <p:strVal val="visible"/>
+                                      </p:to>
+                                    </p:set>
+                                  </p:childTnLst>
+                                </p:cTn>
+                              </p:par>
+                              <p:par>
+                                <p:cTn id="15" presetID="1" presetClass="entr" presetSubtype="0" fill="hold" nodeType="withEffect">
+                                  <p:stCondLst>
+                                    <p:cond delay="0"/>
+                                  </p:stCondLst>
+                                  <p:childTnLst>
+                                    <p:set>
+                                      <p:cBhvr>
+                                        <p:cTn id="16" dur="1" fill="hold">
+                                          <p:stCondLst>
+                                            <p:cond delay="0"/>
+                                          </p:stCondLst>
+                                        </p:cTn>
+                                        <p:tgtEl>
+                                          <p:spTgt spid="3">
+                                            <p:txEl>
+                                              <p:pRg st="6" end="6"/>
+                                            </p:txEl>
+                                          </p:spTgt>
+                                        </p:tgtEl>
+                                        <p:attrNameLst>
+                                          <p:attrName>style.visibility</p:attrName>
+                                        </p:attrNameLst>
+                                      </p:cBhvr>
+                                      <p:to>
+                                        <p:strVal val="visible"/>
+                                      </p:to>
+                                    </p:set>
+                                  </p:childTnLst>
+                                </p:cTn>
+                              </p:par>
+                              <p:par>
+                                <p:cTn id="17" presetID="1" presetClass="entr" presetSubtype="0" fill="hold" nodeType="withEffect">
+                                  <p:stCondLst>
+                                    <p:cond delay="0"/>
+                                  </p:stCondLst>
+                                  <p:childTnLst>
+                                    <p:set>
+                                      <p:cBhvr>
+                                        <p:cTn id="18" dur="1" fill="hold">
+                                          <p:stCondLst>
+                                            <p:cond delay="0"/>
+                                          </p:stCondLst>
+                                        </p:cTn>
+                                        <p:tgtEl>
+                                          <p:spTgt spid="3">
+                                            <p:txEl>
+                                              <p:pRg st="7" end="7"/>
+                                            </p:txEl>
+                                          </p:spTgt>
+                                        </p:tgtEl>
+                                        <p:attrNameLst>
+                                          <p:attrName>style.visibility</p:attrName>
+                                        </p:attrNameLst>
+                                      </p:cBhvr>
+                                      <p:to>
+                                        <p:strVal val="visible"/>
+                                      </p:to>
+                                    </p:set>
+                                  </p:childTnLst>
+                                </p:cTn>
+                              </p:par>
+                              <p:par>
+                                <p:cTn id="19" presetID="1" presetClass="entr" presetSubtype="0" fill="hold" nodeType="withEffect">
+                                  <p:stCondLst>
+                                    <p:cond delay="0"/>
+                                  </p:stCondLst>
+                                  <p:childTnLst>
+                                    <p:set>
+                                      <p:cBhvr>
+                                        <p:cTn id="20" dur="1" fill="hold">
+                                          <p:stCondLst>
+                                            <p:cond delay="0"/>
+                                          </p:stCondLst>
+                                        </p:cTn>
+                                        <p:tgtEl>
+                                          <p:spTgt spid="3">
+                                            <p:txEl>
+                                              <p:pRg st="8" end="8"/>
+                                            </p:txEl>
+                                          </p:spTgt>
+                                        </p:tgtEl>
+                                        <p:attrNameLst>
+                                          <p:attrName>style.visibility</p:attrName>
+                                        </p:attrNameLst>
+                                      </p:cBhvr>
+                                      <p:to>
+                                        <p:strVal val="visible"/>
+                                      </p:to>
+                                    </p:set>
+                                  </p:childTnLst>
+                                </p:cTn>
+                              </p:par>
+                              <p:par>
+                                <p:cTn id="21" presetID="1" presetClass="entr" presetSubtype="0" fill="hold" nodeType="withEffect">
+                                  <p:stCondLst>
+                                    <p:cond delay="0"/>
+                                  </p:stCondLst>
+                                  <p:childTnLst>
+                                    <p:set>
+                                      <p:cBhvr>
+                                        <p:cTn id="22" dur="1" fill="hold">
+                                          <p:stCondLst>
+                                            <p:cond delay="0"/>
+                                          </p:stCondLst>
+                                        </p:cTn>
+                                        <p:tgtEl>
+                                          <p:spTgt spid="2050"/>
+                                        </p:tgtEl>
+                                        <p:attrNameLst>
+                                          <p:attrName>style.visibility</p:attrName>
+                                        </p:attrNameLst>
+                                      </p:cBhvr>
+                                      <p:to>
+                                        <p:strVal val="visible"/>
+                                      </p:to>
+                                    </p:set>
+                                  </p:childTnLst>
+                                </p:cTn>
+                              </p:par>
+                              <p:par>
+                                <p:cTn id="23" presetID="1" presetClass="entr" presetSubtype="0" fill="hold" nodeType="withEffect">
+                                  <p:stCondLst>
+                                    <p:cond delay="0"/>
+                                  </p:stCondLst>
+                                  <p:childTnLst>
+                                    <p:set>
+                                      <p:cBhvr>
+                                        <p:cTn id="24" dur="1" fill="hold">
+                                          <p:stCondLst>
+                                            <p:cond delay="0"/>
+                                          </p:stCondLst>
+                                        </p:cTn>
+                                        <p:tgtEl>
+                                          <p:spTgt spid="3">
+                                            <p:txEl>
+                                              <p:pRg st="9" end="9"/>
+                                            </p:txEl>
+                                          </p:spTgt>
+                                        </p:tgtEl>
+                                        <p:attrNameLst>
+                                          <p:attrName>style.visibility</p:attrName>
+                                        </p:attrNameLst>
+                                      </p:cBhvr>
+                                      <p:to>
+                                        <p:strVal val="visible"/>
+                                      </p:to>
+                                    </p:set>
+                                  </p:childTnLst>
+                                </p:cTn>
+                              </p:par>
+                            </p:childTnLst>
+                          </p:cTn>
+                        </p:par>
+                      </p:childTnLst>
+                    </p:cTn>
+                  </p:par>
+                  <p:par>
+                    <p:cTn id="25" fill="hold">
+                      <p:stCondLst>
+                        <p:cond delay="indefinite"/>
+                      </p:stCondLst>
+                      <p:childTnLst>
+                        <p:par>
+                          <p:cTn id="26" fill="hold">
+                            <p:stCondLst>
+                              <p:cond delay="0"/>
+                            </p:stCondLst>
+                            <p:childTnLst>
+                              <p:par>
+                                <p:cTn id="27" presetID="1" presetClass="entr" presetSubtype="0" fill="hold" nodeType="clickEffect">
+                                  <p:stCondLst>
+                                    <p:cond delay="0"/>
+                                  </p:stCondLst>
+                                  <p:childTnLst>
+                                    <p:set>
+                                      <p:cBhvr>
+                                        <p:cTn id="28" dur="1" fill="hold">
+                                          <p:stCondLst>
+                                            <p:cond delay="0"/>
+                                          </p:stCondLst>
+                                        </p:cTn>
+                                        <p:tgtEl>
+                                          <p:spTgt spid="1026"/>
+                                        </p:tgtEl>
+                                        <p:attrNameLst>
+                                          <p:attrName>style.visibility</p:attrName>
+                                        </p:attrNameLst>
+                                      </p:cBhvr>
+                                      <p:to>
+                                        <p:strVal val="visible"/>
+                                      </p:to>
+                                    </p:set>
+                                  </p:childTnLst>
+                                </p:cTn>
+                              </p:par>
+                              <p:par>
+                                <p:cTn id="29" presetID="1" presetClass="exit" presetSubtype="0" fill="hold" nodeType="withEffect">
+                                  <p:stCondLst>
+                                    <p:cond delay="0"/>
+                                  </p:stCondLst>
+                                  <p:childTnLst>
+                                    <p:set>
+                                      <p:cBhvr>
+                                        <p:cTn id="30" dur="1" fill="hold">
+                                          <p:stCondLst>
+                                            <p:cond delay="0"/>
+                                          </p:stCondLst>
+                                        </p:cTn>
+                                        <p:tgtEl>
+                                          <p:spTgt spid="2050"/>
+                                        </p:tgtEl>
+                                        <p:attrNameLst>
+                                          <p:attrName>style.visibility</p:attrName>
+                                        </p:attrNameLst>
+                                      </p:cBhvr>
+                                      <p:to>
+                                        <p:strVal val="hidden"/>
+                                      </p:to>
+                                    </p:set>
+                                  </p:childTnLst>
+                                </p:cTn>
+                              </p:par>
+                            </p:childTnLst>
+                          </p:cTn>
+                        </p:par>
+                      </p:childTnLst>
+                    </p:cTn>
+                  </p:par>
+                </p:childTnLst>
+              </p:cTn>
+              <p:prevCondLst>
+                <p:cond evt="onPrev" delay="0">
+                  <p:tgtEl>
+                    <p:sldTgt/>
+                  </p:tgtEl>
+                </p:cond>
+              </p:prevCondLst>
+              <p:nextCondLst>
+                <p:cond evt="onNext" delay="0">
+                  <p:tgtEl>
+                    <p:sldTgt/>
+                  </p:tgtEl>
+                </p:cond>
+              </p:nextCondLst>
+            </p:seq>
+          </p:childTnLst>
+        </p:cTn>
+      </p:par>
+    </p:tnLst>
+  </p:timing>
+</p:sld>
+</file>
+
+<file path=ppt/slides/slide11.xml><?xml version="1.0" encoding="utf-8"?>
+<p:sld xmlns:a="http://schemas.openxmlformats.org/drawingml/2006/main" xmlns:r="http://schemas.openxmlformats.org/officeDocument/2006/relationships" xmlns:p="http://schemas.openxmlformats.org/presentationml/2006/main">
+  <p:cSld>
+    <p:spTree>
+      <p:nvGrpSpPr>
+        <p:cNvPr id="1" name=""/>
+        <p:cNvGrpSpPr/>
+        <p:nvPr/>
+      </p:nvGrpSpPr>
+      <p:grpSpPr>
+        <a:xfrm>
+          <a:off x="0" y="0"/>
+          <a:ext cx="0" cy="0"/>
+          <a:chOff x="0" y="0"/>
+          <a:chExt cx="0" cy="0"/>
+        </a:xfrm>
+      </p:grpSpPr>
+      <p:sp>
+        <p:nvSpPr>
+          <p:cNvPr id="2" name="Titel 1"/>
+          <p:cNvSpPr>
+            <a:spLocks noGrp="1"/>
+          </p:cNvSpPr>
+          <p:nvPr>
+            <p:ph type="title"/>
+          </p:nvPr>
+        </p:nvSpPr>
+        <p:spPr/>
+        <p:txBody>
+          <a:bodyPr/>
+          <a:lstStyle/>
+          <a:p>
+            <a:r>
               <a:rPr lang="en-US" dirty="0" smtClean="0"/>
               <a:t>HTML5 &amp; JavaScript</a:t>
             </a:r>
@@ -4152,6 +4997,7 @@
           <a:p>
             <a:fld id="{8057A74B-70C0-40BF-B931-6798F66A011A}" type="datetime1">
               <a:rPr lang="nl-NL" smtClean="0"/>
+              <a:pPr/>
               <a:t>18-11-2015</a:t>
             </a:fld>
             <a:endParaRPr lang="nl-NL"/>
@@ -4194,7 +5040,8 @@
           <a:p>
             <a:fld id="{8EDE433C-975D-40E0-AA17-C907AC02EBEB}" type="slidenum">
               <a:rPr lang="nl-NL" smtClean="0"/>
-              <a:t>10</a:t>
+              <a:pPr/>
+              <a:t>11</a:t>
             </a:fld>
             <a:endParaRPr lang="nl-NL"/>
           </a:p>
@@ -4209,10 +5056,10 @@
           <p:nvPr/>
         </p:nvPicPr>
         <p:blipFill>
-          <a:blip r:embed="rId2">
+          <a:blip r:embed="rId2" cstate="print">
             <a:extLst>
               <a:ext uri="{28A0092B-C50C-407E-A947-70E740481C1C}">
-                <a14:useLocalDpi xmlns:a14="http://schemas.microsoft.com/office/drawing/2010/main" val="0"/>
+                <a14:useLocalDpi xmlns:a14="http://schemas.microsoft.com/office/drawing/2010/main" xmlns="" val="0"/>
               </a:ext>
             </a:extLst>
           </a:blip>
@@ -4235,14 +5082,14 @@
           </a:ln>
           <a:extLst>
             <a:ext uri="{909E8E84-426E-40DD-AFC4-6F175D3DCCD1}">
-              <a14:hiddenFill xmlns:a14="http://schemas.microsoft.com/office/drawing/2010/main">
+              <a14:hiddenFill xmlns:a14="http://schemas.microsoft.com/office/drawing/2010/main" xmlns="">
                 <a:solidFill>
                   <a:schemeClr val="accent1"/>
                 </a:solidFill>
               </a14:hiddenFill>
             </a:ext>
             <a:ext uri="{91240B29-F687-4F45-9708-019B960494DF}">
-              <a14:hiddenLine xmlns:a14="http://schemas.microsoft.com/office/drawing/2010/main" w="9525">
+              <a14:hiddenLine xmlns:a14="http://schemas.microsoft.com/office/drawing/2010/main" xmlns="" w="9525">
                 <a:solidFill>
                   <a:schemeClr val="tx1"/>
                 </a:solidFill>
@@ -4269,7 +5116,7 @@
 </p:sld>
 </file>
 
-<file path=ppt/slides/slide11.xml><?xml version="1.0" encoding="utf-8"?>
+<file path=ppt/slides/slide12.xml><?xml version="1.0" encoding="utf-8"?>
 <p:sld xmlns:a="http://schemas.openxmlformats.org/drawingml/2006/main" xmlns:r="http://schemas.openxmlformats.org/officeDocument/2006/relationships" xmlns:p="http://schemas.openxmlformats.org/presentationml/2006/main">
   <p:cSld>
     <p:spTree>
@@ -4295,10 +5142,10 @@
           <p:nvPr/>
         </p:nvPicPr>
         <p:blipFill>
-          <a:blip r:embed="rId2">
+          <a:blip r:embed="rId2" cstate="print">
             <a:extLst>
               <a:ext uri="{28A0092B-C50C-407E-A947-70E740481C1C}">
-                <a14:useLocalDpi xmlns:a14="http://schemas.microsoft.com/office/drawing/2010/main" val="0"/>
+                <a14:useLocalDpi xmlns:a14="http://schemas.microsoft.com/office/drawing/2010/main" xmlns="" val="0"/>
               </a:ext>
             </a:extLst>
           </a:blip>
@@ -4321,14 +5168,14 @@
           </a:ln>
           <a:extLst>
             <a:ext uri="{909E8E84-426E-40DD-AFC4-6F175D3DCCD1}">
-              <a14:hiddenFill xmlns:a14="http://schemas.microsoft.com/office/drawing/2010/main">
+              <a14:hiddenFill xmlns:a14="http://schemas.microsoft.com/office/drawing/2010/main" xmlns="">
                 <a:solidFill>
                   <a:schemeClr val="accent1"/>
                 </a:solidFill>
               </a14:hiddenFill>
             </a:ext>
             <a:ext uri="{91240B29-F687-4F45-9708-019B960494DF}">
-              <a14:hiddenLine xmlns:a14="http://schemas.microsoft.com/office/drawing/2010/main" w="9525">
+              <a14:hiddenLine xmlns:a14="http://schemas.microsoft.com/office/drawing/2010/main" xmlns="" w="9525">
                 <a:solidFill>
                   <a:schemeClr val="tx1"/>
                 </a:solidFill>
@@ -4357,6 +5204,7 @@
           <a:p>
             <a:fld id="{10F32E0F-C824-48FE-B038-07A2350E6EC9}" type="datetime1">
               <a:rPr lang="nl-NL" smtClean="0"/>
+              <a:pPr/>
               <a:t>18-11-2015</a:t>
             </a:fld>
             <a:endParaRPr lang="nl-NL"/>
@@ -4399,7 +5247,8 @@
           <a:p>
             <a:fld id="{8EDE433C-975D-40E0-AA17-C907AC02EBEB}" type="slidenum">
               <a:rPr lang="nl-NL" smtClean="0"/>
-              <a:t>11</a:t>
+              <a:pPr/>
+              <a:t>12</a:t>
             </a:fld>
             <a:endParaRPr lang="nl-NL"/>
           </a:p>
@@ -4455,10 +5304,10 @@
           <p:nvPr/>
         </p:nvPicPr>
         <p:blipFill>
-          <a:blip r:embed="rId3">
+          <a:blip r:embed="rId3" cstate="print">
             <a:extLst>
               <a:ext uri="{28A0092B-C50C-407E-A947-70E740481C1C}">
-                <a14:useLocalDpi xmlns:a14="http://schemas.microsoft.com/office/drawing/2010/main" val="0"/>
+                <a14:useLocalDpi xmlns:a14="http://schemas.microsoft.com/office/drawing/2010/main" xmlns="" val="0"/>
               </a:ext>
             </a:extLst>
           </a:blip>
@@ -4481,14 +5330,14 @@
           </a:ln>
           <a:extLst>
             <a:ext uri="{909E8E84-426E-40DD-AFC4-6F175D3DCCD1}">
-              <a14:hiddenFill xmlns:a14="http://schemas.microsoft.com/office/drawing/2010/main">
+              <a14:hiddenFill xmlns:a14="http://schemas.microsoft.com/office/drawing/2010/main" xmlns="">
                 <a:solidFill>
                   <a:schemeClr val="accent1"/>
                 </a:solidFill>
               </a14:hiddenFill>
             </a:ext>
             <a:ext uri="{91240B29-F687-4F45-9708-019B960494DF}">
-              <a14:hiddenLine xmlns:a14="http://schemas.microsoft.com/office/drawing/2010/main" w="9525">
+              <a14:hiddenLine xmlns:a14="http://schemas.microsoft.com/office/drawing/2010/main" xmlns="" w="9525">
                 <a:solidFill>
                   <a:schemeClr val="tx1"/>
                 </a:solidFill>
@@ -4585,7 +5434,7 @@
     </p:spTree>
     <p:extLst>
       <p:ext uri="{BB962C8B-B14F-4D97-AF65-F5344CB8AC3E}">
-        <p14:creationId xmlns:p14="http://schemas.microsoft.com/office/powerpoint/2010/main" val="2137593608"/>
+        <p14:creationId xmlns:p14="http://schemas.microsoft.com/office/powerpoint/2010/main" xmlns="" val="2137593608"/>
       </p:ext>
     </p:extLst>
   </p:cSld>
@@ -4836,222 +5685,6 @@
 </p:sld>
 </file>
 
-<file path=ppt/slides/slide12.xml><?xml version="1.0" encoding="utf-8"?>
-<p:sld xmlns:a="http://schemas.openxmlformats.org/drawingml/2006/main" xmlns:r="http://schemas.openxmlformats.org/officeDocument/2006/relationships" xmlns:p="http://schemas.openxmlformats.org/presentationml/2006/main">
-  <p:cSld>
-    <p:spTree>
-      <p:nvGrpSpPr>
-        <p:cNvPr id="1" name=""/>
-        <p:cNvGrpSpPr/>
-        <p:nvPr/>
-      </p:nvGrpSpPr>
-      <p:grpSpPr>
-        <a:xfrm>
-          <a:off x="0" y="0"/>
-          <a:ext cx="0" cy="0"/>
-          <a:chOff x="0" y="0"/>
-          <a:chExt cx="0" cy="0"/>
-        </a:xfrm>
-      </p:grpSpPr>
-      <p:sp>
-        <p:nvSpPr>
-          <p:cNvPr id="2" name="Titel 1"/>
-          <p:cNvSpPr>
-            <a:spLocks noGrp="1"/>
-          </p:cNvSpPr>
-          <p:nvPr>
-            <p:ph type="title"/>
-          </p:nvPr>
-        </p:nvSpPr>
-        <p:spPr/>
-        <p:txBody>
-          <a:bodyPr/>
-          <a:lstStyle/>
-          <a:p>
-            <a:r>
-              <a:rPr lang="nl-NL" dirty="0" smtClean="0"/>
-              <a:t>REST &amp; AJAX</a:t>
-            </a:r>
-            <a:endParaRPr lang="nl-NL" dirty="0"/>
-          </a:p>
-        </p:txBody>
-      </p:sp>
-      <p:sp>
-        <p:nvSpPr>
-          <p:cNvPr id="3" name="Tijdelijke aanduiding voor inhoud 2"/>
-          <p:cNvSpPr>
-            <a:spLocks noGrp="1"/>
-          </p:cNvSpPr>
-          <p:nvPr>
-            <p:ph idx="1"/>
-          </p:nvPr>
-        </p:nvSpPr>
-        <p:spPr/>
-        <p:txBody>
-          <a:bodyPr/>
-          <a:lstStyle/>
-          <a:p>
-            <a:r>
-              <a:rPr lang="nl-NL" dirty="0" smtClean="0"/>
-              <a:t>Updates van site zonder </a:t>
-            </a:r>
-            <a:r>
-              <a:rPr lang="nl-NL" dirty="0" err="1" smtClean="0"/>
-              <a:t>request</a:t>
-            </a:r>
-            <a:endParaRPr lang="nl-NL" dirty="0" smtClean="0"/>
-          </a:p>
-          <a:p>
-            <a:pPr lvl="1"/>
-            <a:r>
-              <a:rPr lang="nl-NL" dirty="0" smtClean="0"/>
-              <a:t>Door </a:t>
-            </a:r>
-            <a:r>
-              <a:rPr lang="nl-NL" dirty="0" err="1" smtClean="0"/>
-              <a:t>jsp</a:t>
-            </a:r>
-            <a:r>
-              <a:rPr lang="nl-NL" dirty="0" smtClean="0"/>
-              <a:t> zelf</a:t>
-            </a:r>
-            <a:endParaRPr lang="nl-NL" dirty="0"/>
-          </a:p>
-          <a:p>
-            <a:pPr lvl="1"/>
-            <a:r>
-              <a:rPr lang="nl-NL" dirty="0" smtClean="0"/>
-              <a:t>Geen meta </a:t>
-            </a:r>
-            <a:r>
-              <a:rPr lang="nl-NL" dirty="0" err="1" smtClean="0"/>
-              <a:t>refresh</a:t>
-            </a:r>
-            <a:endParaRPr lang="nl-NL" dirty="0"/>
-          </a:p>
-          <a:p>
-            <a:endParaRPr lang="nl-NL" dirty="0" smtClean="0"/>
-          </a:p>
-          <a:p>
-            <a:r>
-              <a:rPr lang="nl-NL" dirty="0" smtClean="0"/>
-              <a:t>Bord </a:t>
-            </a:r>
-            <a:r>
-              <a:rPr lang="nl-NL" dirty="0" smtClean="0"/>
-              <a:t>updaten na </a:t>
-            </a:r>
-            <a:r>
-              <a:rPr lang="nl-NL" dirty="0" smtClean="0"/>
-              <a:t>beurt</a:t>
-            </a:r>
-          </a:p>
-          <a:p>
-            <a:pPr lvl="1"/>
-            <a:r>
-              <a:rPr lang="nl-NL" dirty="0" smtClean="0"/>
-              <a:t>Handig voor Turn-</a:t>
-            </a:r>
-            <a:r>
-              <a:rPr lang="nl-NL" dirty="0" err="1" smtClean="0"/>
-              <a:t>Based</a:t>
-            </a:r>
-            <a:endParaRPr lang="nl-NL" dirty="0" smtClean="0"/>
-          </a:p>
-          <a:p>
-            <a:endParaRPr lang="nl-NL" dirty="0" smtClean="0"/>
-          </a:p>
-          <a:p>
-            <a:pPr lvl="1"/>
-            <a:endParaRPr lang="nl-NL" dirty="0" smtClean="0"/>
-          </a:p>
-        </p:txBody>
-      </p:sp>
-      <p:sp>
-        <p:nvSpPr>
-          <p:cNvPr id="4" name="Tijdelijke aanduiding voor datum 3"/>
-          <p:cNvSpPr>
-            <a:spLocks noGrp="1"/>
-          </p:cNvSpPr>
-          <p:nvPr>
-            <p:ph type="dt" sz="half" idx="10"/>
-          </p:nvPr>
-        </p:nvSpPr>
-        <p:spPr/>
-        <p:txBody>
-          <a:bodyPr/>
-          <a:lstStyle/>
-          <a:p>
-            <a:fld id="{E4D620AB-80A7-4718-8A84-72BC8767E2D5}" type="datetime1">
-              <a:rPr lang="nl-NL" smtClean="0"/>
-              <a:t>18-11-2015</a:t>
-            </a:fld>
-            <a:endParaRPr lang="nl-NL"/>
-          </a:p>
-        </p:txBody>
-      </p:sp>
-      <p:sp>
-        <p:nvSpPr>
-          <p:cNvPr id="5" name="Tijdelijke aanduiding voor voettekst 4"/>
-          <p:cNvSpPr>
-            <a:spLocks noGrp="1"/>
-          </p:cNvSpPr>
-          <p:nvPr>
-            <p:ph type="ftr" sz="quarter" idx="11"/>
-          </p:nvPr>
-        </p:nvSpPr>
-        <p:spPr/>
-        <p:txBody>
-          <a:bodyPr/>
-          <a:lstStyle/>
-          <a:p>
-            <a:endParaRPr lang="nl-NL"/>
-          </a:p>
-        </p:txBody>
-      </p:sp>
-      <p:sp>
-        <p:nvSpPr>
-          <p:cNvPr id="6" name="Tijdelijke aanduiding voor dianummer 5"/>
-          <p:cNvSpPr>
-            <a:spLocks noGrp="1"/>
-          </p:cNvSpPr>
-          <p:nvPr>
-            <p:ph type="sldNum" sz="quarter" idx="12"/>
-          </p:nvPr>
-        </p:nvSpPr>
-        <p:spPr/>
-        <p:txBody>
-          <a:bodyPr/>
-          <a:lstStyle/>
-          <a:p>
-            <a:fld id="{8EDE433C-975D-40E0-AA17-C907AC02EBEB}" type="slidenum">
-              <a:rPr lang="nl-NL" smtClean="0"/>
-              <a:t>12</a:t>
-            </a:fld>
-            <a:endParaRPr lang="nl-NL"/>
-          </a:p>
-        </p:txBody>
-      </p:sp>
-    </p:spTree>
-    <p:extLst>
-      <p:ext uri="{BB962C8B-B14F-4D97-AF65-F5344CB8AC3E}">
-        <p14:creationId xmlns:p14="http://schemas.microsoft.com/office/powerpoint/2010/main" val="3869784468"/>
-      </p:ext>
-    </p:extLst>
-  </p:cSld>
-  <p:clrMapOvr>
-    <a:masterClrMapping/>
-  </p:clrMapOvr>
-  <p:timing>
-    <p:tnLst>
-      <p:par>
-        <p:cTn id="1" dur="indefinite" restart="never" nodeType="tmRoot"/>
-      </p:par>
-    </p:tnLst>
-  </p:timing>
-</p:sld>
-</file>
-
 <file path=ppt/slides/slide13.xml><?xml version="1.0" encoding="utf-8"?>
 <p:sld xmlns:a="http://schemas.openxmlformats.org/drawingml/2006/main" xmlns:r="http://schemas.openxmlformats.org/officeDocument/2006/relationships" xmlns:p="http://schemas.openxmlformats.org/presentationml/2006/main">
   <p:cSld>
@@ -5081,43 +5714,87 @@
         </p:nvSpPr>
         <p:spPr/>
         <p:txBody>
+          <a:bodyPr/>
+          <a:lstStyle/>
+          <a:p>
+            <a:r>
+              <a:rPr lang="nl-NL" dirty="0" smtClean="0"/>
+              <a:t>REST &amp; AJAX</a:t>
+            </a:r>
+            <a:endParaRPr lang="nl-NL" dirty="0"/>
+          </a:p>
+        </p:txBody>
+      </p:sp>
+      <p:sp>
+        <p:nvSpPr>
+          <p:cNvPr id="3" name="Tijdelijke aanduiding voor inhoud 2"/>
+          <p:cNvSpPr>
+            <a:spLocks noGrp="1"/>
+          </p:cNvSpPr>
+          <p:nvPr>
+            <p:ph idx="1"/>
+          </p:nvPr>
+        </p:nvSpPr>
+        <p:spPr/>
+        <p:txBody>
           <a:bodyPr>
             <a:normAutofit/>
           </a:bodyPr>
           <a:lstStyle/>
           <a:p>
             <a:r>
-              <a:rPr lang="nl-NL" sz="5400" dirty="0" err="1" smtClean="0"/>
-              <a:t>ZeeSlag</a:t>
-            </a:r>
-            <a:r>
-              <a:rPr lang="nl-NL" sz="5400" dirty="0" smtClean="0"/>
-              <a:t> Online Demo</a:t>
-            </a:r>
-            <a:endParaRPr lang="nl-NL" sz="5400" dirty="0"/>
-          </a:p>
-        </p:txBody>
-      </p:sp>
-      <p:sp>
-        <p:nvSpPr>
-          <p:cNvPr id="3" name="Tijdelijke aanduiding voor inhoud 2"/>
-          <p:cNvSpPr>
-            <a:spLocks noGrp="1"/>
-          </p:cNvSpPr>
-          <p:nvPr>
-            <p:ph idx="1"/>
-          </p:nvPr>
-        </p:nvSpPr>
-        <p:spPr/>
-        <p:txBody>
-          <a:bodyPr/>
-          <a:lstStyle/>
-          <a:p>
-            <a:r>
-              <a:rPr lang="nl-NL" dirty="0"/>
-              <a:t>http://localhost:8080/ZeeSlagOnline/</a:t>
-            </a:r>
-            <a:endParaRPr lang="nl-NL" dirty="0"/>
+              <a:rPr lang="nl-NL" sz="3600" dirty="0" smtClean="0"/>
+              <a:t>Updates van site zonder </a:t>
+            </a:r>
+            <a:r>
+              <a:rPr lang="nl-NL" sz="3600" dirty="0" err="1" smtClean="0"/>
+              <a:t>request</a:t>
+            </a:r>
+            <a:endParaRPr lang="nl-NL" sz="3600" dirty="0" smtClean="0"/>
+          </a:p>
+          <a:p>
+            <a:pPr lvl="1"/>
+            <a:r>
+              <a:rPr lang="nl-NL" sz="3600" dirty="0" smtClean="0"/>
+              <a:t>Geen </a:t>
+            </a:r>
+            <a:r>
+              <a:rPr lang="nl-NL" sz="3600" dirty="0" smtClean="0"/>
+              <a:t>meta </a:t>
+            </a:r>
+            <a:r>
+              <a:rPr lang="nl-NL" sz="3600" dirty="0" err="1" smtClean="0"/>
+              <a:t>refresh</a:t>
+            </a:r>
+            <a:endParaRPr lang="nl-NL" sz="3600" dirty="0"/>
+          </a:p>
+          <a:p>
+            <a:endParaRPr lang="nl-NL" sz="3600" dirty="0" smtClean="0"/>
+          </a:p>
+          <a:p>
+            <a:r>
+              <a:rPr lang="nl-NL" sz="3600" dirty="0" smtClean="0"/>
+              <a:t>Bord updaten na beurt</a:t>
+            </a:r>
+          </a:p>
+          <a:p>
+            <a:pPr lvl="1"/>
+            <a:r>
+              <a:rPr lang="nl-NL" sz="3600" dirty="0" smtClean="0"/>
+              <a:t>Handig voor Turn-</a:t>
+            </a:r>
+            <a:r>
+              <a:rPr lang="nl-NL" sz="3600" dirty="0" err="1" smtClean="0"/>
+              <a:t>Based</a:t>
+            </a:r>
+            <a:endParaRPr lang="nl-NL" sz="3600" dirty="0" smtClean="0"/>
+          </a:p>
+          <a:p>
+            <a:endParaRPr lang="nl-NL" sz="3600" dirty="0" smtClean="0"/>
+          </a:p>
+          <a:p>
+            <a:pPr lvl="1"/>
+            <a:endParaRPr lang="nl-NL" sz="3600" dirty="0" smtClean="0"/>
           </a:p>
         </p:txBody>
       </p:sp>
@@ -5136,8 +5813,9 @@
           <a:bodyPr/>
           <a:lstStyle/>
           <a:p>
-            <a:fld id="{F34BE9D9-C6C9-4394-BD46-B9198AE7BDFF}" type="datetime1">
-              <a:rPr lang="nl-NL" smtClean="0"/>
+            <a:fld id="{E4D620AB-80A7-4718-8A84-72BC8767E2D5}" type="datetime1">
+              <a:rPr lang="nl-NL" smtClean="0"/>
+              <a:pPr/>
               <a:t>18-11-2015</a:t>
             </a:fld>
             <a:endParaRPr lang="nl-NL"/>
@@ -5180,6 +5858,7 @@
           <a:p>
             <a:fld id="{8EDE433C-975D-40E0-AA17-C907AC02EBEB}" type="slidenum">
               <a:rPr lang="nl-NL" smtClean="0"/>
+              <a:pPr/>
               <a:t>13</a:t>
             </a:fld>
             <a:endParaRPr lang="nl-NL"/>
@@ -5189,7 +5868,7 @@
     </p:spTree>
     <p:extLst>
       <p:ext uri="{BB962C8B-B14F-4D97-AF65-F5344CB8AC3E}">
-        <p14:creationId xmlns:p14="http://schemas.microsoft.com/office/powerpoint/2010/main" val="2277871465"/>
+        <p14:creationId xmlns:p14="http://schemas.microsoft.com/office/powerpoint/2010/main" xmlns="" val="3869784468"/>
       </p:ext>
     </p:extLst>
   </p:cSld>
@@ -5258,27 +5937,97 @@
         </p:nvSpPr>
         <p:spPr/>
         <p:txBody>
-          <a:bodyPr/>
-          <a:lstStyle/>
+          <a:bodyPr>
+            <a:normAutofit lnSpcReduction="10000"/>
+          </a:bodyPr>
+          <a:lstStyle/>
+          <a:p>
+            <a:r>
+              <a:rPr lang="en-US" dirty="0" smtClean="0"/>
+              <a:t>Console &amp; Web-based </a:t>
+            </a:r>
+            <a:r>
+              <a:rPr lang="en-US" dirty="0" err="1" smtClean="0"/>
+              <a:t>ZeeSlag</a:t>
+            </a:r>
+            <a:endParaRPr lang="nl-NL" dirty="0" smtClean="0"/>
+          </a:p>
           <a:p>
             <a:r>
               <a:rPr lang="nl-NL" dirty="0" smtClean="0"/>
               <a:t>Samenwerking</a:t>
             </a:r>
+            <a:endParaRPr lang="nl-NL" dirty="0" smtClean="0"/>
           </a:p>
           <a:p>
             <a:pPr lvl="1"/>
             <a:r>
-              <a:rPr lang="nl-NL" dirty="0" smtClean="0"/>
+              <a:rPr lang="nl-NL" sz="2600" dirty="0" smtClean="0"/>
               <a:t>Verdeling van taken</a:t>
             </a:r>
           </a:p>
           <a:p>
             <a:pPr lvl="1"/>
             <a:r>
-              <a:rPr lang="nl-NL" dirty="0" smtClean="0"/>
-              <a:t>Meerdere technieken</a:t>
-            </a:r>
+              <a:rPr lang="nl-NL" sz="2600" dirty="0" smtClean="0"/>
+              <a:t>Mogelijkheid tot meerdere technieken:</a:t>
+            </a:r>
+          </a:p>
+          <a:p>
+            <a:pPr lvl="2"/>
+            <a:r>
+              <a:rPr lang="en-US" sz="2200" dirty="0" smtClean="0"/>
+              <a:t>Spring MVC</a:t>
+            </a:r>
+          </a:p>
+          <a:p>
+            <a:pPr lvl="2"/>
+            <a:r>
+              <a:rPr lang="en-US" sz="2200" dirty="0" smtClean="0"/>
+              <a:t>Database: </a:t>
+            </a:r>
+            <a:r>
+              <a:rPr lang="en-US" sz="2200" dirty="0" err="1" smtClean="0"/>
+              <a:t>mySQL</a:t>
+            </a:r>
+            <a:endParaRPr lang="en-US" sz="2200" dirty="0" smtClean="0"/>
+          </a:p>
+          <a:p>
+            <a:pPr lvl="3"/>
+            <a:r>
+              <a:rPr lang="en-US" sz="2200" dirty="0" smtClean="0"/>
+              <a:t>JPA &amp; Hibernate</a:t>
+            </a:r>
+            <a:endParaRPr lang="nl-NL" sz="2200" dirty="0" smtClean="0"/>
+          </a:p>
+          <a:p>
+            <a:pPr lvl="2"/>
+            <a:r>
+              <a:rPr lang="en-US" sz="2200" dirty="0" smtClean="0"/>
+              <a:t>HTML5</a:t>
+            </a:r>
+          </a:p>
+          <a:p>
+            <a:pPr lvl="2"/>
+            <a:r>
+              <a:rPr lang="en-US" sz="2200" dirty="0" smtClean="0"/>
+              <a:t>JavaScript, </a:t>
+            </a:r>
+            <a:r>
+              <a:rPr lang="en-US" sz="2200" dirty="0" err="1" smtClean="0"/>
+              <a:t>JQuery</a:t>
+            </a:r>
+            <a:endParaRPr lang="en-US" sz="2200" dirty="0" smtClean="0"/>
+          </a:p>
+          <a:p>
+            <a:pPr lvl="2"/>
+            <a:r>
+              <a:rPr lang="en-US" sz="2200" dirty="0" smtClean="0"/>
+              <a:t>REST, AJAX</a:t>
+            </a:r>
+          </a:p>
+          <a:p>
+            <a:pPr lvl="2"/>
             <a:endParaRPr lang="nl-NL" dirty="0" smtClean="0"/>
           </a:p>
           <a:p>
@@ -5304,6 +6053,7 @@
           <a:p>
             <a:fld id="{8BD4A47A-27D5-485E-82C7-AE27EBCA82AC}" type="datetime1">
               <a:rPr lang="nl-NL" smtClean="0"/>
+              <a:pPr/>
               <a:t>18-11-2015</a:t>
             </a:fld>
             <a:endParaRPr lang="nl-NL"/>
@@ -5346,6 +6096,7 @@
           <a:p>
             <a:fld id="{8EDE433C-975D-40E0-AA17-C907AC02EBEB}" type="slidenum">
               <a:rPr lang="nl-NL" smtClean="0"/>
+              <a:pPr/>
               <a:t>14</a:t>
             </a:fld>
             <a:endParaRPr lang="nl-NL"/>
@@ -5364,7 +6115,7 @@
           <a:blip r:embed="rId2" cstate="print">
             <a:extLst>
               <a:ext uri="{28A0092B-C50C-407E-A947-70E740481C1C}">
-                <a14:useLocalDpi xmlns:a14="http://schemas.microsoft.com/office/drawing/2010/main" val="0"/>
+                <a14:useLocalDpi xmlns:a14="http://schemas.microsoft.com/office/drawing/2010/main" xmlns="" val="0"/>
               </a:ext>
             </a:extLst>
           </a:blip>
@@ -5375,8 +6126,8 @@
         </p:blipFill>
         <p:spPr bwMode="auto">
           <a:xfrm>
-            <a:off x="4932040" y="3501008"/>
-            <a:ext cx="2992216" cy="2188807"/>
+            <a:off x="4783624" y="3645024"/>
+            <a:ext cx="3604800" cy="2636912"/>
           </a:xfrm>
           <a:prstGeom prst="rect">
             <a:avLst/>
@@ -5384,7 +6135,7 @@
           <a:noFill/>
           <a:extLst>
             <a:ext uri="{909E8E84-426E-40DD-AFC4-6F175D3DCCD1}">
-              <a14:hiddenFill xmlns:a14="http://schemas.microsoft.com/office/drawing/2010/main">
+              <a14:hiddenFill xmlns:a14="http://schemas.microsoft.com/office/drawing/2010/main" xmlns="">
                 <a:solidFill>
                   <a:srgbClr val="FFFFFF"/>
                 </a:solidFill>
@@ -5401,83 +6152,7 @@
   <p:timing>
     <p:tnLst>
       <p:par>
-        <p:cTn id="1" dur="indefinite" restart="never" nodeType="tmRoot">
-          <p:childTnLst>
-            <p:seq concurrent="1" nextAc="seek">
-              <p:cTn id="2" dur="indefinite" nodeType="mainSeq">
-                <p:childTnLst>
-                  <p:par>
-                    <p:cTn id="3" fill="hold">
-                      <p:stCondLst>
-                        <p:cond delay="indefinite"/>
-                      </p:stCondLst>
-                      <p:childTnLst>
-                        <p:par>
-                          <p:cTn id="4" fill="hold">
-                            <p:stCondLst>
-                              <p:cond delay="0"/>
-                            </p:stCondLst>
-                            <p:childTnLst>
-                              <p:par>
-                                <p:cTn id="5" presetID="10" presetClass="entr" presetSubtype="0" fill="hold" nodeType="clickEffect">
-                                  <p:stCondLst>
-                                    <p:cond delay="0"/>
-                                  </p:stCondLst>
-                                  <p:childTnLst>
-                                    <p:set>
-                                      <p:cBhvr>
-                                        <p:cTn id="6" dur="1" fill="hold">
-                                          <p:stCondLst>
-                                            <p:cond delay="0"/>
-                                          </p:stCondLst>
-                                        </p:cTn>
-                                        <p:tgtEl>
-                                          <p:spTgt spid="5122"/>
-                                        </p:tgtEl>
-                                        <p:attrNameLst>
-                                          <p:attrName>style.visibility</p:attrName>
-                                        </p:attrNameLst>
-                                      </p:cBhvr>
-                                      <p:to>
-                                        <p:strVal val="visible"/>
-                                      </p:to>
-                                    </p:set>
-                                    <p:animEffect transition="in" filter="fade">
-                                      <p:cBhvr>
-                                        <p:cTn id="7" dur="500"/>
-                                        <p:tgtEl>
-                                          <p:spTgt spid="5122"/>
-                                        </p:tgtEl>
-                                      </p:cBhvr>
-                                    </p:animEffect>
-                                  </p:childTnLst>
-                                </p:cTn>
-                              </p:par>
-                            </p:childTnLst>
-                          </p:cTn>
-                        </p:par>
-                      </p:childTnLst>
-                    </p:cTn>
-                  </p:par>
-                </p:childTnLst>
-              </p:cTn>
-              <p:prevCondLst>
-                <p:cond evt="onPrev" delay="0">
-                  <p:tgtEl>
-                    <p:sldTgt/>
-                  </p:tgtEl>
-                </p:cond>
-              </p:prevCondLst>
-              <p:nextCondLst>
-                <p:cond evt="onNext" delay="0">
-                  <p:tgtEl>
-                    <p:sldTgt/>
-                  </p:tgtEl>
-                </p:cond>
-              </p:nextCondLst>
-            </p:seq>
-          </p:childTnLst>
-        </p:cTn>
+        <p:cTn id="1" dur="indefinite" restart="never" nodeType="tmRoot"/>
       </p:par>
     </p:tnLst>
   </p:timing>
@@ -5563,6 +6238,73 @@
           </a:p>
         </p:txBody>
       </p:sp>
+      <p:sp>
+        <p:nvSpPr>
+          <p:cNvPr id="4" name="Tijdelijke aanduiding voor datum 3"/>
+          <p:cNvSpPr>
+            <a:spLocks noGrp="1"/>
+          </p:cNvSpPr>
+          <p:nvPr>
+            <p:ph type="dt" sz="half" idx="10"/>
+          </p:nvPr>
+        </p:nvSpPr>
+        <p:spPr/>
+        <p:txBody>
+          <a:bodyPr/>
+          <a:lstStyle/>
+          <a:p>
+            <a:fld id="{A13C9F78-21D0-4194-A10A-2B639A1E999D}" type="datetime1">
+              <a:rPr lang="nl-NL" smtClean="0"/>
+              <a:pPr/>
+              <a:t>18-11-2015</a:t>
+            </a:fld>
+            <a:endParaRPr lang="nl-NL"/>
+          </a:p>
+        </p:txBody>
+      </p:sp>
+      <p:sp>
+        <p:nvSpPr>
+          <p:cNvPr id="5" name="Tijdelijke aanduiding voor voettekst 4"/>
+          <p:cNvSpPr>
+            <a:spLocks noGrp="1"/>
+          </p:cNvSpPr>
+          <p:nvPr>
+            <p:ph type="ftr" sz="quarter" idx="11"/>
+          </p:nvPr>
+        </p:nvSpPr>
+        <p:spPr/>
+        <p:txBody>
+          <a:bodyPr/>
+          <a:lstStyle/>
+          <a:p>
+            <a:endParaRPr lang="nl-NL"/>
+          </a:p>
+        </p:txBody>
+      </p:sp>
+      <p:sp>
+        <p:nvSpPr>
+          <p:cNvPr id="6" name="Tijdelijke aanduiding voor dianummer 5"/>
+          <p:cNvSpPr>
+            <a:spLocks noGrp="1"/>
+          </p:cNvSpPr>
+          <p:nvPr>
+            <p:ph type="sldNum" sz="quarter" idx="12"/>
+          </p:nvPr>
+        </p:nvSpPr>
+        <p:spPr/>
+        <p:txBody>
+          <a:bodyPr/>
+          <a:lstStyle/>
+          <a:p>
+            <a:fld id="{8EDE433C-975D-40E0-AA17-C907AC02EBEB}" type="slidenum">
+              <a:rPr lang="nl-NL" smtClean="0"/>
+              <a:pPr/>
+              <a:t>2</a:t>
+            </a:fld>
+            <a:endParaRPr lang="nl-NL"/>
+          </a:p>
+        </p:txBody>
+      </p:sp>
       <p:pic>
         <p:nvPicPr>
           <p:cNvPr id="1026" name="Picture 2" descr="https://i.ytimg.com/vi/Lzh8msRIHM0/maxresdefault.jpg"/>
@@ -5575,7 +6317,7 @@
           <a:blip r:embed="rId2" cstate="print">
             <a:extLst>
               <a:ext uri="{28A0092B-C50C-407E-A947-70E740481C1C}">
-                <a14:useLocalDpi xmlns:a14="http://schemas.microsoft.com/office/drawing/2010/main" val="0"/>
+                <a14:useLocalDpi xmlns:a14="http://schemas.microsoft.com/office/drawing/2010/main" xmlns="" val="0"/>
               </a:ext>
             </a:extLst>
           </a:blip>
@@ -5595,7 +6337,7 @@
           <a:noFill/>
           <a:extLst>
             <a:ext uri="{909E8E84-426E-40DD-AFC4-6F175D3DCCD1}">
-              <a14:hiddenFill xmlns:a14="http://schemas.microsoft.com/office/drawing/2010/main">
+              <a14:hiddenFill xmlns:a14="http://schemas.microsoft.com/office/drawing/2010/main" xmlns="">
                 <a:solidFill>
                   <a:srgbClr val="FFFFFF"/>
                 </a:solidFill>
@@ -5604,71 +6346,6 @@
           </a:extLst>
         </p:spPr>
       </p:pic>
-      <p:sp>
-        <p:nvSpPr>
-          <p:cNvPr id="4" name="Tijdelijke aanduiding voor datum 3"/>
-          <p:cNvSpPr>
-            <a:spLocks noGrp="1"/>
-          </p:cNvSpPr>
-          <p:nvPr>
-            <p:ph type="dt" sz="half" idx="10"/>
-          </p:nvPr>
-        </p:nvSpPr>
-        <p:spPr/>
-        <p:txBody>
-          <a:bodyPr/>
-          <a:lstStyle/>
-          <a:p>
-            <a:fld id="{A13C9F78-21D0-4194-A10A-2B639A1E999D}" type="datetime1">
-              <a:rPr lang="nl-NL" smtClean="0"/>
-              <a:t>18-11-2015</a:t>
-            </a:fld>
-            <a:endParaRPr lang="nl-NL"/>
-          </a:p>
-        </p:txBody>
-      </p:sp>
-      <p:sp>
-        <p:nvSpPr>
-          <p:cNvPr id="5" name="Tijdelijke aanduiding voor voettekst 4"/>
-          <p:cNvSpPr>
-            <a:spLocks noGrp="1"/>
-          </p:cNvSpPr>
-          <p:nvPr>
-            <p:ph type="ftr" sz="quarter" idx="11"/>
-          </p:nvPr>
-        </p:nvSpPr>
-        <p:spPr/>
-        <p:txBody>
-          <a:bodyPr/>
-          <a:lstStyle/>
-          <a:p>
-            <a:endParaRPr lang="nl-NL"/>
-          </a:p>
-        </p:txBody>
-      </p:sp>
-      <p:sp>
-        <p:nvSpPr>
-          <p:cNvPr id="6" name="Tijdelijke aanduiding voor dianummer 5"/>
-          <p:cNvSpPr>
-            <a:spLocks noGrp="1"/>
-          </p:cNvSpPr>
-          <p:nvPr>
-            <p:ph type="sldNum" sz="quarter" idx="12"/>
-          </p:nvPr>
-        </p:nvSpPr>
-        <p:spPr/>
-        <p:txBody>
-          <a:bodyPr/>
-          <a:lstStyle/>
-          <a:p>
-            <a:fld id="{8EDE433C-975D-40E0-AA17-C907AC02EBEB}" type="slidenum">
-              <a:rPr lang="nl-NL" smtClean="0"/>
-              <a:t>2</a:t>
-            </a:fld>
-            <a:endParaRPr lang="nl-NL"/>
-          </a:p>
-        </p:txBody>
-      </p:sp>
     </p:spTree>
   </p:cSld>
   <p:clrMapOvr>
@@ -5710,10 +6387,10 @@
           <p:nvPr/>
         </p:nvPicPr>
         <p:blipFill>
-          <a:blip r:embed="rId3">
+          <a:blip r:embed="rId3" cstate="print">
             <a:extLst>
               <a:ext uri="{28A0092B-C50C-407E-A947-70E740481C1C}">
-                <a14:useLocalDpi xmlns:a14="http://schemas.microsoft.com/office/drawing/2010/main" val="0"/>
+                <a14:useLocalDpi xmlns:a14="http://schemas.microsoft.com/office/drawing/2010/main" xmlns="" val="0"/>
               </a:ext>
             </a:extLst>
           </a:blip>
@@ -5798,6 +6475,73 @@
           </a:p>
         </p:txBody>
       </p:sp>
+      <p:sp>
+        <p:nvSpPr>
+          <p:cNvPr id="5" name="Tijdelijke aanduiding voor datum 4"/>
+          <p:cNvSpPr>
+            <a:spLocks noGrp="1"/>
+          </p:cNvSpPr>
+          <p:nvPr>
+            <p:ph type="dt" sz="half" idx="10"/>
+          </p:nvPr>
+        </p:nvSpPr>
+        <p:spPr/>
+        <p:txBody>
+          <a:bodyPr/>
+          <a:lstStyle/>
+          <a:p>
+            <a:fld id="{337E24A9-A50E-4A65-ACA0-76410CD731DA}" type="datetime1">
+              <a:rPr lang="nl-NL" smtClean="0"/>
+              <a:pPr/>
+              <a:t>18-11-2015</a:t>
+            </a:fld>
+            <a:endParaRPr lang="nl-NL"/>
+          </a:p>
+        </p:txBody>
+      </p:sp>
+      <p:sp>
+        <p:nvSpPr>
+          <p:cNvPr id="6" name="Tijdelijke aanduiding voor voettekst 5"/>
+          <p:cNvSpPr>
+            <a:spLocks noGrp="1"/>
+          </p:cNvSpPr>
+          <p:nvPr>
+            <p:ph type="ftr" sz="quarter" idx="11"/>
+          </p:nvPr>
+        </p:nvSpPr>
+        <p:spPr/>
+        <p:txBody>
+          <a:bodyPr/>
+          <a:lstStyle/>
+          <a:p>
+            <a:endParaRPr lang="nl-NL"/>
+          </a:p>
+        </p:txBody>
+      </p:sp>
+      <p:sp>
+        <p:nvSpPr>
+          <p:cNvPr id="7" name="Tijdelijke aanduiding voor dianummer 6"/>
+          <p:cNvSpPr>
+            <a:spLocks noGrp="1"/>
+          </p:cNvSpPr>
+          <p:nvPr>
+            <p:ph type="sldNum" sz="quarter" idx="12"/>
+          </p:nvPr>
+        </p:nvSpPr>
+        <p:spPr/>
+        <p:txBody>
+          <a:bodyPr/>
+          <a:lstStyle/>
+          <a:p>
+            <a:fld id="{8EDE433C-975D-40E0-AA17-C907AC02EBEB}" type="slidenum">
+              <a:rPr lang="nl-NL" smtClean="0"/>
+              <a:pPr/>
+              <a:t>3</a:t>
+            </a:fld>
+            <a:endParaRPr lang="nl-NL"/>
+          </a:p>
+        </p:txBody>
+      </p:sp>
       <p:pic>
         <p:nvPicPr>
           <p:cNvPr id="4" name="Tijdelijke aanduiding voor inhoud 3"/>
@@ -5807,10 +6551,10 @@
           <p:nvPr/>
         </p:nvPicPr>
         <p:blipFill>
-          <a:blip r:embed="rId4">
+          <a:blip r:embed="rId4" cstate="print">
             <a:extLst>
               <a:ext uri="{28A0092B-C50C-407E-A947-70E740481C1C}">
-                <a14:useLocalDpi xmlns:a14="http://schemas.microsoft.com/office/drawing/2010/main" val="0"/>
+                <a14:useLocalDpi xmlns:a14="http://schemas.microsoft.com/office/drawing/2010/main" xmlns="" val="0"/>
               </a:ext>
             </a:extLst>
           </a:blip>
@@ -5820,83 +6564,18 @@
         </p:blipFill>
         <p:spPr>
           <a:xfrm>
-            <a:off x="3779911" y="1412776"/>
-            <a:ext cx="5022624" cy="5022624"/>
+            <a:off x="3563888" y="1277888"/>
+            <a:ext cx="5580112" cy="5580112"/>
           </a:xfrm>
           <a:prstGeom prst="rect">
             <a:avLst/>
           </a:prstGeom>
         </p:spPr>
       </p:pic>
-      <p:sp>
-        <p:nvSpPr>
-          <p:cNvPr id="5" name="Tijdelijke aanduiding voor datum 4"/>
-          <p:cNvSpPr>
-            <a:spLocks noGrp="1"/>
-          </p:cNvSpPr>
-          <p:nvPr>
-            <p:ph type="dt" sz="half" idx="10"/>
-          </p:nvPr>
-        </p:nvSpPr>
-        <p:spPr/>
-        <p:txBody>
-          <a:bodyPr/>
-          <a:lstStyle/>
-          <a:p>
-            <a:fld id="{337E24A9-A50E-4A65-ACA0-76410CD731DA}" type="datetime1">
-              <a:rPr lang="nl-NL" smtClean="0"/>
-              <a:t>18-11-2015</a:t>
-            </a:fld>
-            <a:endParaRPr lang="nl-NL"/>
-          </a:p>
-        </p:txBody>
-      </p:sp>
-      <p:sp>
-        <p:nvSpPr>
-          <p:cNvPr id="6" name="Tijdelijke aanduiding voor voettekst 5"/>
-          <p:cNvSpPr>
-            <a:spLocks noGrp="1"/>
-          </p:cNvSpPr>
-          <p:nvPr>
-            <p:ph type="ftr" sz="quarter" idx="11"/>
-          </p:nvPr>
-        </p:nvSpPr>
-        <p:spPr/>
-        <p:txBody>
-          <a:bodyPr/>
-          <a:lstStyle/>
-          <a:p>
-            <a:endParaRPr lang="nl-NL"/>
-          </a:p>
-        </p:txBody>
-      </p:sp>
-      <p:sp>
-        <p:nvSpPr>
-          <p:cNvPr id="7" name="Tijdelijke aanduiding voor dianummer 6"/>
-          <p:cNvSpPr>
-            <a:spLocks noGrp="1"/>
-          </p:cNvSpPr>
-          <p:nvPr>
-            <p:ph type="sldNum" sz="quarter" idx="12"/>
-          </p:nvPr>
-        </p:nvSpPr>
-        <p:spPr/>
-        <p:txBody>
-          <a:bodyPr/>
-          <a:lstStyle/>
-          <a:p>
-            <a:fld id="{8EDE433C-975D-40E0-AA17-C907AC02EBEB}" type="slidenum">
-              <a:rPr lang="nl-NL" smtClean="0"/>
-              <a:t>3</a:t>
-            </a:fld>
-            <a:endParaRPr lang="nl-NL"/>
-          </a:p>
-        </p:txBody>
-      </p:sp>
     </p:spTree>
     <p:extLst>
       <p:ext uri="{BB962C8B-B14F-4D97-AF65-F5344CB8AC3E}">
-        <p14:creationId xmlns:p14="http://schemas.microsoft.com/office/powerpoint/2010/main" val="99916924"/>
+        <p14:creationId xmlns:p14="http://schemas.microsoft.com/office/powerpoint/2010/main" xmlns="" val="99916924"/>
       </p:ext>
     </p:extLst>
   </p:cSld>
@@ -6022,12 +6701,8 @@
           <a:lstStyle/>
           <a:p>
             <a:r>
-              <a:rPr lang="en-US" dirty="0" smtClean="0"/>
-              <a:t>Console </a:t>
-            </a:r>
-            <a:r>
-              <a:rPr lang="en-US" dirty="0" err="1" smtClean="0"/>
-              <a:t>Versie</a:t>
+              <a:rPr lang="nl-NL" dirty="0" smtClean="0"/>
+              <a:t>Console</a:t>
             </a:r>
             <a:endParaRPr lang="nl-NL" dirty="0"/>
           </a:p>
@@ -6045,102 +6720,99 @@
         </p:nvSpPr>
         <p:spPr/>
         <p:txBody>
-          <a:bodyPr/>
-          <a:lstStyle/>
-          <a:p>
-            <a:r>
-              <a:rPr lang="en-US" dirty="0"/>
-              <a:t>P</a:t>
-            </a:r>
-            <a:r>
-              <a:rPr lang="en-US" dirty="0" smtClean="0"/>
-              <a:t>layer </a:t>
-            </a:r>
-            <a:r>
-              <a:rPr lang="en-US" dirty="0"/>
-              <a:t>vs </a:t>
-            </a:r>
-            <a:r>
-              <a:rPr lang="en-US" dirty="0" smtClean="0"/>
-              <a:t>Player</a:t>
-            </a:r>
-          </a:p>
-          <a:p>
-            <a:pPr lvl="1"/>
-            <a:r>
-              <a:rPr lang="en-US" dirty="0" smtClean="0"/>
-              <a:t>Turn-based</a:t>
-            </a:r>
-          </a:p>
-          <a:p>
-            <a:pPr lvl="1"/>
-            <a:endParaRPr lang="en-US" dirty="0" smtClean="0"/>
-          </a:p>
-          <a:p>
-            <a:endParaRPr lang="en-US" dirty="0" smtClean="0"/>
-          </a:p>
-          <a:p>
-            <a:r>
-              <a:rPr lang="en-US" dirty="0" smtClean="0"/>
-              <a:t>Player </a:t>
-            </a:r>
-            <a:r>
-              <a:rPr lang="en-US" dirty="0"/>
-              <a:t>vs </a:t>
-            </a:r>
-            <a:r>
-              <a:rPr lang="en-US" dirty="0" smtClean="0"/>
-              <a:t>AI</a:t>
-            </a:r>
-          </a:p>
-          <a:p>
-            <a:pPr lvl="1"/>
-            <a:r>
-              <a:rPr lang="en-US" dirty="0" err="1" smtClean="0"/>
-              <a:t>Schiet</a:t>
-            </a:r>
-            <a:r>
-              <a:rPr lang="en-US" dirty="0" smtClean="0"/>
-              <a:t> Random</a:t>
-            </a:r>
-          </a:p>
-          <a:p>
-            <a:pPr lvl="1"/>
-            <a:r>
-              <a:rPr lang="en-US" dirty="0" err="1" smtClean="0"/>
-              <a:t>Daarna</a:t>
-            </a:r>
-            <a:r>
-              <a:rPr lang="en-US" dirty="0" smtClean="0"/>
-              <a:t> </a:t>
-            </a:r>
-            <a:r>
-              <a:rPr lang="en-US" dirty="0" err="1" smtClean="0"/>
-              <a:t>gericht</a:t>
-            </a:r>
-            <a:endParaRPr lang="en-US" dirty="0" smtClean="0"/>
-          </a:p>
-          <a:p>
-            <a:endParaRPr lang="en-US" dirty="0"/>
-          </a:p>
-          <a:p>
-            <a:endParaRPr lang="nl-NL" dirty="0"/>
+          <a:bodyPr>
+            <a:normAutofit/>
+          </a:bodyPr>
+          <a:lstStyle/>
+          <a:p>
+            <a:r>
+              <a:rPr lang="nl-NL" sz="4800" dirty="0" smtClean="0"/>
+              <a:t>Demo-Time!</a:t>
+            </a:r>
+            <a:endParaRPr lang="nl-NL" sz="4800" dirty="0"/>
+          </a:p>
+        </p:txBody>
+      </p:sp>
+      <p:sp>
+        <p:nvSpPr>
+          <p:cNvPr id="4" name="Tijdelijke aanduiding voor datum 3"/>
+          <p:cNvSpPr>
+            <a:spLocks noGrp="1"/>
+          </p:cNvSpPr>
+          <p:nvPr>
+            <p:ph type="dt" sz="half" idx="10"/>
+          </p:nvPr>
+        </p:nvSpPr>
+        <p:spPr/>
+        <p:txBody>
+          <a:bodyPr/>
+          <a:lstStyle/>
+          <a:p>
+            <a:fld id="{EBD2DB90-6D7B-4A53-B362-42578FAC17B3}" type="datetime1">
+              <a:rPr lang="nl-NL" smtClean="0"/>
+              <a:pPr/>
+              <a:t>18-11-2015</a:t>
+            </a:fld>
+            <a:endParaRPr lang="nl-NL"/>
+          </a:p>
+        </p:txBody>
+      </p:sp>
+      <p:sp>
+        <p:nvSpPr>
+          <p:cNvPr id="5" name="Tijdelijke aanduiding voor voettekst 4"/>
+          <p:cNvSpPr>
+            <a:spLocks noGrp="1"/>
+          </p:cNvSpPr>
+          <p:nvPr>
+            <p:ph type="ftr" sz="quarter" idx="11"/>
+          </p:nvPr>
+        </p:nvSpPr>
+        <p:spPr/>
+        <p:txBody>
+          <a:bodyPr/>
+          <a:lstStyle/>
+          <a:p>
+            <a:endParaRPr lang="nl-NL"/>
+          </a:p>
+        </p:txBody>
+      </p:sp>
+      <p:sp>
+        <p:nvSpPr>
+          <p:cNvPr id="6" name="Tijdelijke aanduiding voor dianummer 5"/>
+          <p:cNvSpPr>
+            <a:spLocks noGrp="1"/>
+          </p:cNvSpPr>
+          <p:nvPr>
+            <p:ph type="sldNum" sz="quarter" idx="12"/>
+          </p:nvPr>
+        </p:nvSpPr>
+        <p:spPr/>
+        <p:txBody>
+          <a:bodyPr/>
+          <a:lstStyle/>
+          <a:p>
+            <a:fld id="{8EDE433C-975D-40E0-AA17-C907AC02EBEB}" type="slidenum">
+              <a:rPr lang="nl-NL" smtClean="0"/>
+              <a:pPr/>
+              <a:t>4</a:t>
+            </a:fld>
+            <a:endParaRPr lang="nl-NL"/>
           </a:p>
         </p:txBody>
       </p:sp>
       <p:pic>
         <p:nvPicPr>
-          <p:cNvPr id="2052" name="Picture 4"/>
+          <p:cNvPr id="1027" name="Picture 3"/>
           <p:cNvPicPr>
             <a:picLocks noChangeAspect="1" noChangeArrowheads="1"/>
           </p:cNvPicPr>
           <p:nvPr/>
         </p:nvPicPr>
         <p:blipFill>
-          <a:blip r:embed="rId3">
+          <a:blip r:embed="rId3" cstate="print">
             <a:extLst>
               <a:ext uri="{28A0092B-C50C-407E-A947-70E740481C1C}">
-                <a14:useLocalDpi xmlns:a14="http://schemas.microsoft.com/office/drawing/2010/main" val="0"/>
+                <a14:useLocalDpi xmlns:a14="http://schemas.microsoft.com/office/drawing/2010/main" xmlns="" val="0"/>
               </a:ext>
             </a:extLst>
           </a:blip>
@@ -6151,8 +6823,8 @@
         </p:blipFill>
         <p:spPr bwMode="auto">
           <a:xfrm>
-            <a:off x="3635896" y="2420888"/>
-            <a:ext cx="5458374" cy="4392487"/>
+            <a:off x="4211960" y="1252191"/>
+            <a:ext cx="3960440" cy="5444145"/>
           </a:xfrm>
           <a:prstGeom prst="rect">
             <a:avLst/>
@@ -6168,7 +6840,7 @@
           </a:ln>
           <a:extLst>
             <a:ext uri="{909E8E84-426E-40DD-AFC4-6F175D3DCCD1}">
-              <a14:hiddenFill xmlns:a14="http://schemas.microsoft.com/office/drawing/2010/main">
+              <a14:hiddenFill xmlns:a14="http://schemas.microsoft.com/office/drawing/2010/main" xmlns="">
                 <a:solidFill>
                   <a:schemeClr val="accent1"/>
                 </a:solidFill>
@@ -6177,68 +6849,12 @@
           </a:extLst>
         </p:spPr>
       </p:pic>
-      <p:sp>
-        <p:nvSpPr>
-          <p:cNvPr id="4" name="Tijdelijke aanduiding voor datum 3"/>
-          <p:cNvSpPr>
-            <a:spLocks noGrp="1"/>
-          </p:cNvSpPr>
-          <p:nvPr>
-            <p:ph type="dt" sz="half" idx="10"/>
-          </p:nvPr>
-        </p:nvSpPr>
-        <p:spPr/>
-        <p:txBody>
-          <a:bodyPr/>
-          <a:lstStyle/>
-          <a:p>
-            <a:fld id="{62523FEB-0B14-4A8C-85C2-E053A4159B30}" type="datetime1">
-              <a:rPr lang="nl-NL" smtClean="0"/>
-              <a:t>18-11-2015</a:t>
-            </a:fld>
-            <a:endParaRPr lang="nl-NL"/>
-          </a:p>
-        </p:txBody>
-      </p:sp>
-      <p:sp>
-        <p:nvSpPr>
-          <p:cNvPr id="5" name="Tijdelijke aanduiding voor voettekst 4"/>
-          <p:cNvSpPr>
-            <a:spLocks noGrp="1"/>
-          </p:cNvSpPr>
-          <p:nvPr>
-            <p:ph type="ftr" sz="quarter" idx="11"/>
-          </p:nvPr>
-        </p:nvSpPr>
-        <p:spPr/>
-        <p:txBody>
-          <a:bodyPr/>
-          <a:lstStyle/>
-          <a:p>
-            <a:endParaRPr lang="nl-NL"/>
-          </a:p>
-        </p:txBody>
-      </p:sp>
-      <p:sp>
-        <p:nvSpPr>
-          <p:cNvPr id="6" name="Tijdelijke aanduiding voor dianummer 5"/>
-          <p:cNvSpPr>
-            <a:spLocks noGrp="1"/>
-          </p:cNvSpPr>
-          <p:nvPr>
-            <p:ph type="sldNum" sz="quarter" idx="12"/>
-          </p:nvPr>
-        </p:nvSpPr>
-        <p:spPr/>
-        <p:txBody>
-          <a:bodyPr/>
-          <a:lstStyle/>
-          <a:p>
-            <a:endParaRPr lang="nl-NL" dirty="0"/>
-          </a:p>
-        </p:txBody>
-      </p:sp>
     </p:spTree>
+    <p:extLst>
+      <p:ext uri="{BB962C8B-B14F-4D97-AF65-F5344CB8AC3E}">
+        <p14:creationId xmlns:p14="http://schemas.microsoft.com/office/powerpoint/2010/main" xmlns="" val="2945874189"/>
+      </p:ext>
+    </p:extLst>
   </p:cSld>
   <p:clrMapOvr>
     <a:masterClrMapping/>
@@ -6286,8 +6902,12 @@
           <a:lstStyle/>
           <a:p>
             <a:r>
-              <a:rPr lang="nl-NL" dirty="0" smtClean="0"/>
-              <a:t>Console</a:t>
+              <a:rPr lang="en-US" dirty="0" smtClean="0"/>
+              <a:t>Console </a:t>
+            </a:r>
+            <a:r>
+              <a:rPr lang="en-US" dirty="0" err="1" smtClean="0"/>
+              <a:t>Versie</a:t>
             </a:r>
             <a:endParaRPr lang="nl-NL" dirty="0"/>
           </a:p>
@@ -6305,16 +6925,86 @@
         </p:nvSpPr>
         <p:spPr/>
         <p:txBody>
-          <a:bodyPr>
-            <a:normAutofit/>
-          </a:bodyPr>
-          <a:lstStyle/>
-          <a:p>
-            <a:r>
-              <a:rPr lang="nl-NL" sz="4800" dirty="0" smtClean="0"/>
-              <a:t>Demo-Time!</a:t>
-            </a:r>
-            <a:endParaRPr lang="nl-NL" sz="4800" dirty="0"/>
+          <a:bodyPr/>
+          <a:lstStyle/>
+          <a:p>
+            <a:r>
+              <a:rPr lang="en-US" dirty="0"/>
+              <a:t>P</a:t>
+            </a:r>
+            <a:r>
+              <a:rPr lang="en-US" dirty="0" smtClean="0"/>
+              <a:t>layer </a:t>
+            </a:r>
+            <a:r>
+              <a:rPr lang="en-US" dirty="0"/>
+              <a:t>vs </a:t>
+            </a:r>
+            <a:r>
+              <a:rPr lang="en-US" dirty="0" smtClean="0"/>
+              <a:t>Player</a:t>
+            </a:r>
+          </a:p>
+          <a:p>
+            <a:pPr lvl="1"/>
+            <a:r>
+              <a:rPr lang="en-US" dirty="0" smtClean="0"/>
+              <a:t>Turn-based</a:t>
+            </a:r>
+          </a:p>
+          <a:p>
+            <a:pPr lvl="1"/>
+            <a:endParaRPr lang="en-US" dirty="0" smtClean="0"/>
+          </a:p>
+          <a:p>
+            <a:endParaRPr lang="en-US" dirty="0" smtClean="0"/>
+          </a:p>
+          <a:p>
+            <a:r>
+              <a:rPr lang="en-US" dirty="0" smtClean="0"/>
+              <a:t>Player </a:t>
+            </a:r>
+            <a:r>
+              <a:rPr lang="en-US" dirty="0"/>
+              <a:t>vs </a:t>
+            </a:r>
+            <a:r>
+              <a:rPr lang="en-US" dirty="0" smtClean="0"/>
+              <a:t>AI</a:t>
+            </a:r>
+          </a:p>
+          <a:p>
+            <a:pPr lvl="1"/>
+            <a:r>
+              <a:rPr lang="en-US" dirty="0" err="1" smtClean="0"/>
+              <a:t>Schiet</a:t>
+            </a:r>
+            <a:r>
+              <a:rPr lang="en-US" dirty="0" smtClean="0"/>
+              <a:t> Random</a:t>
+            </a:r>
+          </a:p>
+          <a:p>
+            <a:pPr lvl="1"/>
+            <a:r>
+              <a:rPr lang="en-US" dirty="0" err="1" smtClean="0"/>
+              <a:t>Daarna</a:t>
+            </a:r>
+            <a:r>
+              <a:rPr lang="en-US" dirty="0" smtClean="0"/>
+              <a:t> </a:t>
+            </a:r>
+            <a:r>
+              <a:rPr lang="en-US" dirty="0" err="1" smtClean="0"/>
+              <a:t>gericht</a:t>
+            </a:r>
+            <a:endParaRPr lang="en-US" dirty="0" smtClean="0"/>
+          </a:p>
+          <a:p>
+            <a:endParaRPr lang="en-US" dirty="0"/>
+          </a:p>
+          <a:p>
+            <a:endParaRPr lang="nl-NL" dirty="0"/>
           </a:p>
         </p:txBody>
       </p:sp>
@@ -6333,8 +7023,9 @@
           <a:bodyPr/>
           <a:lstStyle/>
           <a:p>
-            <a:fld id="{EBD2DB90-6D7B-4A53-B362-42578FAC17B3}" type="datetime1">
-              <a:rPr lang="nl-NL" smtClean="0"/>
+            <a:fld id="{62523FEB-0B14-4A8C-85C2-E053A4159B30}" type="datetime1">
+              <a:rPr lang="nl-NL" smtClean="0"/>
+              <a:pPr/>
               <a:t>18-11-2015</a:t>
             </a:fld>
             <a:endParaRPr lang="nl-NL"/>
@@ -6375,27 +7066,23 @@
           <a:bodyPr/>
           <a:lstStyle/>
           <a:p>
-            <a:fld id="{8EDE433C-975D-40E0-AA17-C907AC02EBEB}" type="slidenum">
-              <a:rPr lang="nl-NL" smtClean="0"/>
-              <a:t>5</a:t>
-            </a:fld>
-            <a:endParaRPr lang="nl-NL"/>
+            <a:endParaRPr lang="nl-NL" dirty="0"/>
           </a:p>
         </p:txBody>
       </p:sp>
       <p:pic>
         <p:nvPicPr>
-          <p:cNvPr id="1027" name="Picture 3"/>
+          <p:cNvPr id="2052" name="Picture 4"/>
           <p:cNvPicPr>
             <a:picLocks noChangeAspect="1" noChangeArrowheads="1"/>
           </p:cNvPicPr>
           <p:nvPr/>
         </p:nvPicPr>
         <p:blipFill>
-          <a:blip r:embed="rId3">
+          <a:blip r:embed="rId3" cstate="print">
             <a:extLst>
               <a:ext uri="{28A0092B-C50C-407E-A947-70E740481C1C}">
-                <a14:useLocalDpi xmlns:a14="http://schemas.microsoft.com/office/drawing/2010/main" val="0"/>
+                <a14:useLocalDpi xmlns:a14="http://schemas.microsoft.com/office/drawing/2010/main" xmlns="" val="0"/>
               </a:ext>
             </a:extLst>
           </a:blip>
@@ -6406,8 +7093,8 @@
         </p:blipFill>
         <p:spPr bwMode="auto">
           <a:xfrm>
-            <a:off x="5508104" y="1700808"/>
-            <a:ext cx="3228975" cy="4438650"/>
+            <a:off x="467544" y="63006"/>
+            <a:ext cx="8388424" cy="6750370"/>
           </a:xfrm>
           <a:prstGeom prst="rect">
             <a:avLst/>
@@ -6423,7 +7110,7 @@
           </a:ln>
           <a:extLst>
             <a:ext uri="{909E8E84-426E-40DD-AFC4-6F175D3DCCD1}">
-              <a14:hiddenFill xmlns:a14="http://schemas.microsoft.com/office/drawing/2010/main">
+              <a14:hiddenFill xmlns:a14="http://schemas.microsoft.com/office/drawing/2010/main" xmlns="">
                 <a:solidFill>
                   <a:schemeClr val="accent1"/>
                 </a:solidFill>
@@ -6433,11 +7120,6 @@
         </p:spPr>
       </p:pic>
     </p:spTree>
-    <p:extLst>
-      <p:ext uri="{BB962C8B-B14F-4D97-AF65-F5344CB8AC3E}">
-        <p14:creationId xmlns:p14="http://schemas.microsoft.com/office/powerpoint/2010/main" val="2945874189"/>
-      </p:ext>
-    </p:extLst>
   </p:cSld>
   <p:clrMapOvr>
     <a:masterClrMapping/>
@@ -6445,7 +7127,75 @@
   <p:timing>
     <p:tnLst>
       <p:par>
-        <p:cTn id="1" dur="indefinite" restart="never" nodeType="tmRoot"/>
+        <p:cTn id="1" dur="indefinite" restart="never" nodeType="tmRoot">
+          <p:childTnLst>
+            <p:seq concurrent="1" nextAc="seek">
+              <p:cTn id="2" dur="indefinite" nodeType="mainSeq">
+                <p:childTnLst>
+                  <p:par>
+                    <p:cTn id="3" fill="hold">
+                      <p:stCondLst>
+                        <p:cond delay="indefinite"/>
+                      </p:stCondLst>
+                      <p:childTnLst>
+                        <p:par>
+                          <p:cTn id="4" fill="hold">
+                            <p:stCondLst>
+                              <p:cond delay="0"/>
+                            </p:stCondLst>
+                            <p:childTnLst>
+                              <p:par>
+                                <p:cTn id="5" presetID="1" presetClass="entr" presetSubtype="0" fill="hold" nodeType="clickEffect">
+                                  <p:stCondLst>
+                                    <p:cond delay="0"/>
+                                  </p:stCondLst>
+                                  <p:childTnLst>
+                                    <p:set>
+                                      <p:cBhvr>
+                                        <p:cTn id="6" dur="1" fill="hold">
+                                          <p:stCondLst>
+                                            <p:cond delay="0"/>
+                                          </p:stCondLst>
+                                        </p:cTn>
+                                        <p:tgtEl>
+                                          <p:spTgt spid="2052"/>
+                                        </p:tgtEl>
+                                        <p:attrNameLst>
+                                          <p:attrName>style.visibility</p:attrName>
+                                        </p:attrNameLst>
+                                      </p:cBhvr>
+                                      <p:to>
+                                        <p:strVal val="visible"/>
+                                      </p:to>
+                                    </p:set>
+                                  </p:childTnLst>
+                                </p:cTn>
+                              </p:par>
+                            </p:childTnLst>
+                          </p:cTn>
+                        </p:par>
+                      </p:childTnLst>
+                    </p:cTn>
+                  </p:par>
+                </p:childTnLst>
+              </p:cTn>
+              <p:prevCondLst>
+                <p:cond evt="onPrev" delay="0">
+                  <p:tgtEl>
+                    <p:sldTgt/>
+                  </p:tgtEl>
+                </p:cond>
+              </p:prevCondLst>
+              <p:nextCondLst>
+                <p:cond evt="onNext" delay="0">
+                  <p:tgtEl>
+                    <p:sldTgt/>
+                  </p:tgtEl>
+                </p:cond>
+              </p:nextCondLst>
+            </p:seq>
+          </p:childTnLst>
+        </p:cTn>
       </p:par>
     </p:tnLst>
   </p:timing>
@@ -6508,51 +7258,116 @@
         </p:nvSpPr>
         <p:spPr/>
         <p:txBody>
-          <a:bodyPr/>
-          <a:lstStyle/>
-          <a:p>
-            <a:r>
-              <a:rPr lang="en-US" dirty="0" smtClean="0"/>
-              <a:t>Spring MVC</a:t>
-            </a:r>
-          </a:p>
-          <a:p>
-            <a:r>
-              <a:rPr lang="en-US" dirty="0" smtClean="0"/>
+          <a:bodyPr>
+            <a:normAutofit/>
+          </a:bodyPr>
+          <a:lstStyle/>
+          <a:p>
+            <a:r>
+              <a:rPr lang="en-US" sz="4000" dirty="0" smtClean="0"/>
+              <a:t>Spring </a:t>
+            </a:r>
+            <a:r>
+              <a:rPr lang="en-US" sz="4000" dirty="0" smtClean="0"/>
+              <a:t>MVC			</a:t>
+            </a:r>
+            <a:r>
+              <a:rPr lang="en-US" sz="2600" i="1" dirty="0" smtClean="0"/>
+              <a:t>Kevin/</a:t>
+            </a:r>
+            <a:r>
+              <a:rPr lang="en-US" sz="2600" i="1" dirty="0" err="1" smtClean="0"/>
+              <a:t>Bastiaan</a:t>
+            </a:r>
+            <a:endParaRPr lang="en-US" sz="2600" i="1" dirty="0" smtClean="0"/>
+          </a:p>
+          <a:p>
+            <a:r>
+              <a:rPr lang="en-US" sz="4000" dirty="0" smtClean="0"/>
               <a:t>Database: </a:t>
             </a:r>
             <a:r>
-              <a:rPr lang="en-US" dirty="0" err="1" smtClean="0"/>
+              <a:rPr lang="en-US" sz="4000" dirty="0" err="1" smtClean="0"/>
               <a:t>mySQL</a:t>
             </a:r>
-            <a:endParaRPr lang="en-US" dirty="0" smtClean="0"/>
+            <a:r>
+              <a:rPr lang="en-US" sz="4000" dirty="0" smtClean="0"/>
+              <a:t>		</a:t>
+            </a:r>
+            <a:r>
+              <a:rPr lang="en-US" sz="2600" i="1" dirty="0"/>
+              <a:t>K</a:t>
+            </a:r>
+            <a:r>
+              <a:rPr lang="en-US" sz="2600" i="1" dirty="0" smtClean="0"/>
+              <a:t>evin</a:t>
+            </a:r>
+            <a:endParaRPr lang="en-US" sz="2600" i="1" dirty="0" smtClean="0"/>
           </a:p>
           <a:p>
             <a:pPr lvl="1"/>
             <a:r>
-              <a:rPr lang="en-US" dirty="0" smtClean="0"/>
-              <a:t>JPA &amp; Hibernate</a:t>
-            </a:r>
-            <a:endParaRPr lang="nl-NL" dirty="0"/>
-          </a:p>
-          <a:p>
-            <a:r>
-              <a:rPr lang="en-US" dirty="0" smtClean="0"/>
-              <a:t>HTML5</a:t>
-            </a:r>
-            <a:endParaRPr lang="en-US" dirty="0"/>
-          </a:p>
-          <a:p>
-            <a:r>
-              <a:rPr lang="en-US" dirty="0" smtClean="0"/>
-              <a:t>JavaScript, JQuery</a:t>
-            </a:r>
-          </a:p>
-          <a:p>
-            <a:r>
-              <a:rPr lang="en-US" dirty="0" smtClean="0"/>
-              <a:t>REST, AJAX</a:t>
-            </a:r>
+              <a:rPr lang="en-US" sz="4000" dirty="0" smtClean="0"/>
+              <a:t>JPA &amp; </a:t>
+            </a:r>
+            <a:r>
+              <a:rPr lang="en-US" sz="4000" dirty="0" smtClean="0"/>
+              <a:t>Hibernate		</a:t>
+            </a:r>
+            <a:r>
+              <a:rPr lang="en-US" sz="2600" i="1" dirty="0" smtClean="0"/>
+              <a:t>Kevin</a:t>
+            </a:r>
+            <a:endParaRPr lang="nl-NL" sz="2600" i="1" dirty="0"/>
+          </a:p>
+          <a:p>
+            <a:r>
+              <a:rPr lang="en-US" sz="4000" dirty="0" smtClean="0"/>
+              <a:t>HTML5					</a:t>
+            </a:r>
+            <a:r>
+              <a:rPr lang="en-US" sz="2600" i="1" dirty="0" err="1" smtClean="0"/>
+              <a:t>Bastiaan</a:t>
+            </a:r>
+            <a:endParaRPr lang="en-US" sz="2600" i="1" dirty="0"/>
+          </a:p>
+          <a:p>
+            <a:r>
+              <a:rPr lang="en-US" sz="4000" dirty="0" smtClean="0"/>
+              <a:t>JavaScript, </a:t>
+            </a:r>
+            <a:r>
+              <a:rPr lang="en-US" sz="4000" dirty="0" err="1" smtClean="0"/>
+              <a:t>Jquery</a:t>
+            </a:r>
+            <a:r>
+              <a:rPr lang="en-US" sz="4000" dirty="0" smtClean="0"/>
+              <a:t>		</a:t>
+            </a:r>
+            <a:r>
+              <a:rPr lang="en-US" sz="2600" i="1" dirty="0" err="1" smtClean="0"/>
+              <a:t>Bastiaan</a:t>
+            </a:r>
+            <a:endParaRPr lang="en-US" sz="2600" i="1" dirty="0" smtClean="0"/>
+          </a:p>
+          <a:p>
+            <a:r>
+              <a:rPr lang="en-US" sz="4000" dirty="0" smtClean="0"/>
+              <a:t>REST, </a:t>
+            </a:r>
+            <a:r>
+              <a:rPr lang="en-US" sz="4000" dirty="0" smtClean="0"/>
+              <a:t>AJAX				</a:t>
+            </a:r>
+            <a:r>
+              <a:rPr lang="en-US" sz="2600" i="1" dirty="0" err="1" smtClean="0"/>
+              <a:t>Bastiaan</a:t>
+            </a:r>
+            <a:r>
+              <a:rPr lang="en-US" sz="2600" i="1" dirty="0" smtClean="0"/>
+              <a:t>/Kevin</a:t>
+            </a:r>
+            <a:endParaRPr lang="en-US" sz="2600" i="1" dirty="0" smtClean="0"/>
           </a:p>
         </p:txBody>
       </p:sp>
@@ -6573,6 +7388,7 @@
           <a:p>
             <a:fld id="{8D1E986A-A3FC-4DFB-9A69-4CDB033E7C59}" type="datetime1">
               <a:rPr lang="nl-NL" smtClean="0"/>
+              <a:pPr/>
               <a:t>18-11-2015</a:t>
             </a:fld>
             <a:endParaRPr lang="nl-NL"/>
@@ -6615,6 +7431,7 @@
           <a:p>
             <a:fld id="{8EDE433C-975D-40E0-AA17-C907AC02EBEB}" type="slidenum">
               <a:rPr lang="nl-NL" smtClean="0"/>
+              <a:pPr/>
               <a:t>6</a:t>
             </a:fld>
             <a:endParaRPr lang="nl-NL"/>
@@ -6665,112 +7482,40 @@
         </p:nvSpPr>
         <p:spPr/>
         <p:txBody>
-          <a:bodyPr/>
-          <a:lstStyle/>
-          <a:p>
-            <a:r>
-              <a:rPr lang="en-US" dirty="0" smtClean="0"/>
-              <a:t>Spring MVC</a:t>
-            </a:r>
-            <a:endParaRPr lang="nl-NL" dirty="0"/>
-          </a:p>
-        </p:txBody>
-      </p:sp>
-      <p:sp>
-        <p:nvSpPr>
-          <p:cNvPr id="3" name="Tijdelijke aanduiding voor inhoud 2"/>
-          <p:cNvSpPr>
-            <a:spLocks noGrp="1"/>
-          </p:cNvSpPr>
-          <p:nvPr>
-            <p:ph idx="1"/>
-          </p:nvPr>
-        </p:nvSpPr>
-        <p:spPr/>
-        <p:txBody>
           <a:bodyPr>
             <a:normAutofit/>
           </a:bodyPr>
           <a:lstStyle/>
           <a:p>
             <a:r>
-              <a:rPr lang="nl-NL" dirty="0" err="1" smtClean="0"/>
-              <a:t>Traineeship</a:t>
-            </a:r>
-            <a:endParaRPr lang="nl-NL" dirty="0" smtClean="0"/>
-          </a:p>
-          <a:p>
-            <a:pPr lvl="1"/>
-            <a:r>
-              <a:rPr lang="nl-NL" dirty="0" err="1" smtClean="0"/>
-              <a:t>Servlets</a:t>
-            </a:r>
-            <a:endParaRPr lang="nl-NL" dirty="0" smtClean="0"/>
-          </a:p>
-          <a:p>
-            <a:endParaRPr lang="nl-NL" dirty="0" smtClean="0"/>
-          </a:p>
-          <a:p>
-            <a:r>
-              <a:rPr lang="nl-NL" dirty="0" err="1" smtClean="0"/>
-              <a:t>SpringMVC</a:t>
-            </a:r>
-            <a:r>
-              <a:rPr lang="nl-NL" dirty="0" smtClean="0"/>
-              <a:t> </a:t>
-            </a:r>
-          </a:p>
-          <a:p>
-            <a:pPr lvl="1"/>
-            <a:r>
-              <a:rPr lang="nl-NL" dirty="0" smtClean="0"/>
-              <a:t>Framework </a:t>
-            </a:r>
-            <a:endParaRPr lang="nl-NL" dirty="0" smtClean="0"/>
-          </a:p>
-          <a:p>
-            <a:pPr lvl="1"/>
-            <a:r>
-              <a:rPr lang="nl-NL" dirty="0"/>
-              <a:t>Basis van Web Project</a:t>
-            </a:r>
-          </a:p>
-          <a:p>
-            <a:pPr lvl="2"/>
-            <a:r>
-              <a:rPr lang="nl-NL" dirty="0"/>
-              <a:t>@controller, </a:t>
-            </a:r>
-            <a:r>
-              <a:rPr lang="nl-NL" dirty="0">
-                <a:sym typeface="Wingdings" panose="05000000000000000000" pitchFamily="2" charset="2"/>
-              </a:rPr>
-              <a:t> .</a:t>
-            </a:r>
-            <a:r>
-              <a:rPr lang="nl-NL" dirty="0" err="1">
-                <a:sym typeface="Wingdings" panose="05000000000000000000" pitchFamily="2" charset="2"/>
-              </a:rPr>
-              <a:t>jsp</a:t>
-            </a:r>
+              <a:rPr lang="nl-NL" sz="5400" dirty="0" err="1" smtClean="0"/>
+              <a:t>ZeeSlag</a:t>
+            </a:r>
+            <a:r>
+              <a:rPr lang="nl-NL" sz="5400" dirty="0" smtClean="0"/>
+              <a:t> Online Demo</a:t>
+            </a:r>
+            <a:endParaRPr lang="nl-NL" sz="5400" dirty="0"/>
+          </a:p>
+        </p:txBody>
+      </p:sp>
+      <p:sp>
+        <p:nvSpPr>
+          <p:cNvPr id="3" name="Tijdelijke aanduiding voor inhoud 2"/>
+          <p:cNvSpPr>
+            <a:spLocks noGrp="1"/>
+          </p:cNvSpPr>
+          <p:nvPr>
+            <p:ph idx="1"/>
+          </p:nvPr>
+        </p:nvSpPr>
+        <p:spPr/>
+        <p:txBody>
+          <a:bodyPr/>
+          <a:lstStyle/>
+          <a:p>
             <a:endParaRPr lang="nl-NL" dirty="0"/>
           </a:p>
-          <a:p>
-            <a:pPr lvl="1"/>
-            <a:r>
-              <a:rPr lang="nl-NL" dirty="0" smtClean="0"/>
-              <a:t>Eenvoudiger</a:t>
-            </a:r>
-            <a:r>
-              <a:rPr lang="nl-NL" dirty="0" smtClean="0"/>
-              <a:t>, </a:t>
-            </a:r>
-            <a:r>
-              <a:rPr lang="nl-NL" dirty="0" smtClean="0"/>
-              <a:t>Overzichtelijker</a:t>
-            </a:r>
-            <a:endParaRPr lang="nl-NL" dirty="0" smtClean="0"/>
-          </a:p>
         </p:txBody>
       </p:sp>
       <p:sp>
@@ -6788,8 +7533,9 @@
           <a:bodyPr/>
           <a:lstStyle/>
           <a:p>
-            <a:fld id="{B684ECDE-4B27-47F6-8865-D32E66B1F40E}" type="datetime1">
-              <a:rPr lang="nl-NL" smtClean="0"/>
+            <a:fld id="{F34BE9D9-C6C9-4394-BD46-B9198AE7BDFF}" type="datetime1">
+              <a:rPr lang="nl-NL" smtClean="0"/>
+              <a:pPr/>
               <a:t>18-11-2015</a:t>
             </a:fld>
             <a:endParaRPr lang="nl-NL"/>
@@ -6832,13 +7578,123 @@
           <a:p>
             <a:fld id="{8EDE433C-975D-40E0-AA17-C907AC02EBEB}" type="slidenum">
               <a:rPr lang="nl-NL" smtClean="0"/>
+              <a:pPr/>
               <a:t>7</a:t>
             </a:fld>
             <a:endParaRPr lang="nl-NL"/>
           </a:p>
         </p:txBody>
       </p:sp>
+      <p:pic>
+        <p:nvPicPr>
+          <p:cNvPr id="14340" name="Picture 4" descr="Afbeeldingsresultaat voor boot wifi"/>
+          <p:cNvPicPr>
+            <a:picLocks noChangeAspect="1" noChangeArrowheads="1"/>
+          </p:cNvPicPr>
+          <p:nvPr/>
+        </p:nvPicPr>
+        <p:blipFill>
+          <a:blip r:embed="rId2" cstate="print"/>
+          <a:srcRect/>
+          <a:stretch>
+            <a:fillRect/>
+          </a:stretch>
+        </p:blipFill>
+        <p:spPr bwMode="auto">
+          <a:xfrm>
+            <a:off x="3203848" y="4005064"/>
+            <a:ext cx="1042100" cy="1296144"/>
+          </a:xfrm>
+          <a:prstGeom prst="rect">
+            <a:avLst/>
+          </a:prstGeom>
+          <a:noFill/>
+        </p:spPr>
+      </p:pic>
+      <p:pic>
+        <p:nvPicPr>
+          <p:cNvPr id="14342" name="Picture 6" descr="https://lh3.ggpht.com/bT7mMim6jdC73TewRnN_knmQxSO69-BlZULzmup5rjt74tHJvjucYGvaptIPU_nkeww=w170"/>
+          <p:cNvPicPr>
+            <a:picLocks noChangeAspect="1" noChangeArrowheads="1"/>
+          </p:cNvPicPr>
+          <p:nvPr/>
+        </p:nvPicPr>
+        <p:blipFill>
+          <a:blip r:embed="rId3" cstate="print"/>
+          <a:srcRect/>
+          <a:stretch>
+            <a:fillRect/>
+          </a:stretch>
+        </p:blipFill>
+        <p:spPr bwMode="auto">
+          <a:xfrm>
+            <a:off x="4283968" y="3356992"/>
+            <a:ext cx="1619250" cy="1619251"/>
+          </a:xfrm>
+          <a:prstGeom prst="rect">
+            <a:avLst/>
+          </a:prstGeom>
+          <a:noFill/>
+        </p:spPr>
+      </p:pic>
+      <p:pic>
+        <p:nvPicPr>
+          <p:cNvPr id="10" name="Picture 4" descr="Afbeeldingsresultaat voor boot wifi"/>
+          <p:cNvPicPr>
+            <a:picLocks noChangeAspect="1" noChangeArrowheads="1"/>
+          </p:cNvPicPr>
+          <p:nvPr/>
+        </p:nvPicPr>
+        <p:blipFill>
+          <a:blip r:embed="rId2" cstate="print"/>
+          <a:srcRect/>
+          <a:stretch>
+            <a:fillRect/>
+          </a:stretch>
+        </p:blipFill>
+        <p:spPr bwMode="auto">
+          <a:xfrm>
+            <a:off x="5652120" y="1556792"/>
+            <a:ext cx="984205" cy="1224136"/>
+          </a:xfrm>
+          <a:prstGeom prst="rect">
+            <a:avLst/>
+          </a:prstGeom>
+          <a:noFill/>
+        </p:spPr>
+      </p:pic>
+      <p:pic>
+        <p:nvPicPr>
+          <p:cNvPr id="11" name="Picture 6" descr="https://lh3.ggpht.com/bT7mMim6jdC73TewRnN_knmQxSO69-BlZULzmup5rjt74tHJvjucYGvaptIPU_nkeww=w170"/>
+          <p:cNvPicPr>
+            <a:picLocks noChangeAspect="1" noChangeArrowheads="1"/>
+          </p:cNvPicPr>
+          <p:nvPr/>
+        </p:nvPicPr>
+        <p:blipFill>
+          <a:blip r:embed="rId3" cstate="print"/>
+          <a:srcRect/>
+          <a:stretch>
+            <a:fillRect/>
+          </a:stretch>
+        </p:blipFill>
+        <p:spPr bwMode="auto">
+          <a:xfrm rot="10986517">
+            <a:off x="4470698" y="2103561"/>
+            <a:ext cx="1619250" cy="1619251"/>
+          </a:xfrm>
+          <a:prstGeom prst="rect">
+            <a:avLst/>
+          </a:prstGeom>
+          <a:noFill/>
+        </p:spPr>
+      </p:pic>
     </p:spTree>
+    <p:extLst>
+      <p:ext uri="{BB962C8B-B14F-4D97-AF65-F5344CB8AC3E}">
+        <p14:creationId xmlns:p14="http://schemas.microsoft.com/office/powerpoint/2010/main" xmlns="" val="2277871465"/>
+      </p:ext>
+    </p:extLst>
   </p:cSld>
   <p:clrMapOvr>
     <a:masterClrMapping/>
@@ -6886,42 +7742,104 @@
           <a:lstStyle/>
           <a:p>
             <a:r>
-              <a:rPr lang="en-US" dirty="0"/>
+              <a:rPr lang="en-US" dirty="0" smtClean="0"/>
               <a:t>Spring MVC</a:t>
             </a:r>
             <a:endParaRPr lang="nl-NL" dirty="0"/>
           </a:p>
         </p:txBody>
       </p:sp>
-      <p:pic>
-        <p:nvPicPr>
-          <p:cNvPr id="7" name="Tijdelijke aanduiding voor inhoud 6"/>
-          <p:cNvPicPr>
-            <a:picLocks noGrp="1" noChangeAspect="1"/>
-          </p:cNvPicPr>
+      <p:sp>
+        <p:nvSpPr>
+          <p:cNvPr id="3" name="Tijdelijke aanduiding voor inhoud 2"/>
+          <p:cNvSpPr>
+            <a:spLocks noGrp="1"/>
+          </p:cNvSpPr>
           <p:nvPr>
             <p:ph idx="1"/>
           </p:nvPr>
-        </p:nvPicPr>
-        <p:blipFill>
-          <a:blip r:embed="rId3">
-            <a:extLst>
-              <a:ext uri="{28A0092B-C50C-407E-A947-70E740481C1C}">
-                <a14:useLocalDpi xmlns:a14="http://schemas.microsoft.com/office/drawing/2010/main" val="0"/>
-              </a:ext>
-            </a:extLst>
-          </a:blip>
-          <a:stretch>
-            <a:fillRect/>
-          </a:stretch>
-        </p:blipFill>
-        <p:spPr>
-          <a:xfrm>
-            <a:off x="107504" y="1700808"/>
-            <a:ext cx="8964488" cy="3936652"/>
-          </a:xfrm>
-        </p:spPr>
-      </p:pic>
+        </p:nvSpPr>
+        <p:spPr/>
+        <p:txBody>
+          <a:bodyPr>
+            <a:noAutofit/>
+          </a:bodyPr>
+          <a:lstStyle/>
+          <a:p>
+            <a:r>
+              <a:rPr lang="nl-NL" dirty="0" err="1" smtClean="0"/>
+              <a:t>Traineeship</a:t>
+            </a:r>
+            <a:endParaRPr lang="nl-NL" dirty="0" smtClean="0"/>
+          </a:p>
+          <a:p>
+            <a:pPr lvl="1"/>
+            <a:r>
+              <a:rPr lang="nl-NL" sz="3200" dirty="0" smtClean="0"/>
+              <a:t>J2EE </a:t>
+            </a:r>
+            <a:r>
+              <a:rPr lang="nl-NL" sz="3200" dirty="0" err="1" smtClean="0"/>
+              <a:t>Servlets</a:t>
+            </a:r>
+            <a:endParaRPr lang="nl-NL" sz="3200" dirty="0" smtClean="0"/>
+          </a:p>
+          <a:p>
+            <a:endParaRPr lang="nl-NL" dirty="0" smtClean="0"/>
+          </a:p>
+          <a:p>
+            <a:r>
+              <a:rPr lang="nl-NL" dirty="0" err="1" smtClean="0"/>
+              <a:t>SpringMVC</a:t>
+            </a:r>
+            <a:r>
+              <a:rPr lang="nl-NL" dirty="0" smtClean="0"/>
+              <a:t> </a:t>
+            </a:r>
+          </a:p>
+          <a:p>
+            <a:pPr lvl="1"/>
+            <a:r>
+              <a:rPr lang="nl-NL" sz="3200" dirty="0" smtClean="0"/>
+              <a:t>Framework </a:t>
+            </a:r>
+          </a:p>
+          <a:p>
+            <a:pPr lvl="1"/>
+            <a:r>
+              <a:rPr lang="nl-NL" sz="3200" dirty="0"/>
+              <a:t>Basis van Web Project</a:t>
+            </a:r>
+          </a:p>
+          <a:p>
+            <a:pPr lvl="2"/>
+            <a:r>
+              <a:rPr lang="nl-NL" sz="3200" dirty="0"/>
+              <a:t>@controller, </a:t>
+            </a:r>
+            <a:r>
+              <a:rPr lang="nl-NL" sz="3200" dirty="0">
+                <a:sym typeface="Wingdings" panose="05000000000000000000" pitchFamily="2" charset="2"/>
+              </a:rPr>
+              <a:t> .</a:t>
+            </a:r>
+            <a:r>
+              <a:rPr lang="nl-NL" sz="3200" dirty="0" err="1">
+                <a:sym typeface="Wingdings" panose="05000000000000000000" pitchFamily="2" charset="2"/>
+              </a:rPr>
+              <a:t>jsp</a:t>
+            </a:r>
+            <a:endParaRPr lang="nl-NL" sz="3200" dirty="0"/>
+          </a:p>
+          <a:p>
+            <a:pPr lvl="1"/>
+            <a:r>
+              <a:rPr lang="nl-NL" sz="3200" dirty="0" smtClean="0"/>
+              <a:t>Eenvoudiger, Overzichtelijker</a:t>
+            </a:r>
+          </a:p>
+        </p:txBody>
+      </p:sp>
       <p:sp>
         <p:nvSpPr>
           <p:cNvPr id="4" name="Tijdelijke aanduiding voor datum 3"/>
@@ -6937,8 +7855,9 @@
           <a:bodyPr/>
           <a:lstStyle/>
           <a:p>
-            <a:fld id="{10F32E0F-C824-48FE-B038-07A2350E6EC9}" type="datetime1">
-              <a:rPr lang="nl-NL" smtClean="0"/>
+            <a:fld id="{B684ECDE-4B27-47F6-8865-D32E66B1F40E}" type="datetime1">
+              <a:rPr lang="nl-NL" smtClean="0"/>
+              <a:pPr/>
               <a:t>18-11-2015</a:t>
             </a:fld>
             <a:endParaRPr lang="nl-NL"/>
@@ -6981,6 +7900,7 @@
           <a:p>
             <a:fld id="{8EDE433C-975D-40E0-AA17-C907AC02EBEB}" type="slidenum">
               <a:rPr lang="nl-NL" smtClean="0"/>
+              <a:pPr/>
               <a:t>8</a:t>
             </a:fld>
             <a:endParaRPr lang="nl-NL"/>
@@ -6988,11 +7908,6 @@
         </p:txBody>
       </p:sp>
     </p:spTree>
-    <p:extLst>
-      <p:ext uri="{BB962C8B-B14F-4D97-AF65-F5344CB8AC3E}">
-        <p14:creationId xmlns:p14="http://schemas.microsoft.com/office/powerpoint/2010/main" val="2148231906"/>
-      </p:ext>
-    </p:extLst>
   </p:cSld>
   <p:clrMapOvr>
     <a:masterClrMapping/>
@@ -7040,249 +7955,40 @@
           <a:lstStyle/>
           <a:p>
             <a:r>
-              <a:rPr lang="en-US" dirty="0" err="1" smtClean="0"/>
-              <a:t>mySQL</a:t>
-            </a:r>
-            <a:r>
-              <a:rPr lang="en-US" dirty="0" smtClean="0"/>
-              <a:t> Database</a:t>
-            </a:r>
-            <a:endParaRPr lang="nl-NL" dirty="0"/>
-          </a:p>
-        </p:txBody>
-      </p:sp>
-      <p:sp>
-        <p:nvSpPr>
-          <p:cNvPr id="3" name="Tijdelijke aanduiding voor inhoud 2"/>
-          <p:cNvSpPr>
-            <a:spLocks noGrp="1"/>
-          </p:cNvSpPr>
-          <p:nvPr>
-            <p:ph idx="1"/>
-          </p:nvPr>
-        </p:nvSpPr>
-        <p:spPr/>
-        <p:txBody>
-          <a:bodyPr>
-            <a:normAutofit/>
-          </a:bodyPr>
-          <a:lstStyle/>
-          <a:p>
-            <a:r>
-              <a:rPr lang="nl-NL" dirty="0" smtClean="0"/>
-              <a:t>Opslaan van Spelers (</a:t>
-            </a:r>
-            <a:r>
-              <a:rPr lang="nl-NL" dirty="0" err="1" smtClean="0"/>
-              <a:t>Hibernate</a:t>
-            </a:r>
-            <a:r>
-              <a:rPr lang="nl-NL" dirty="0" smtClean="0"/>
-              <a:t>)</a:t>
-            </a:r>
-          </a:p>
-          <a:p>
-            <a:pPr lvl="1"/>
-            <a:r>
-              <a:rPr lang="nl-NL" dirty="0" smtClean="0"/>
-              <a:t>Data Access Object (DAO)</a:t>
-            </a:r>
-            <a:endParaRPr lang="nl-NL" dirty="0" smtClean="0"/>
-          </a:p>
-          <a:p>
-            <a:pPr lvl="1"/>
-            <a:r>
-              <a:rPr lang="nl-NL" dirty="0" smtClean="0"/>
-              <a:t>Ingewikkeld </a:t>
-            </a:r>
-            <a:r>
-              <a:rPr lang="nl-NL" dirty="0" smtClean="0"/>
-              <a:t>door complexe relaties</a:t>
-            </a:r>
-          </a:p>
-          <a:p>
-            <a:pPr lvl="2"/>
-            <a:r>
-              <a:rPr lang="nl-NL" dirty="0" smtClean="0"/>
-              <a:t>Inclusief 2D arrays [][] </a:t>
-            </a:r>
-            <a:r>
-              <a:rPr lang="nl-NL" dirty="0" smtClean="0">
-                <a:sym typeface="Wingdings" panose="05000000000000000000" pitchFamily="2" charset="2"/>
-              </a:rPr>
-              <a:t> </a:t>
-            </a:r>
-            <a:r>
-              <a:rPr lang="nl-NL" dirty="0" err="1" smtClean="0">
-                <a:sym typeface="Wingdings" panose="05000000000000000000" pitchFamily="2" charset="2"/>
-              </a:rPr>
-              <a:t>ArrayList</a:t>
-            </a:r>
-            <a:endParaRPr lang="nl-NL" dirty="0" smtClean="0">
-              <a:sym typeface="Wingdings" panose="05000000000000000000" pitchFamily="2" charset="2"/>
-            </a:endParaRPr>
-          </a:p>
-          <a:p>
-            <a:pPr lvl="2"/>
-            <a:r>
-              <a:rPr lang="nl-NL" dirty="0" smtClean="0">
-                <a:sym typeface="Wingdings" panose="05000000000000000000" pitchFamily="2" charset="2"/>
-              </a:rPr>
-              <a:t>@</a:t>
-            </a:r>
-            <a:r>
-              <a:rPr lang="nl-NL" dirty="0" err="1" smtClean="0">
-                <a:sym typeface="Wingdings" panose="05000000000000000000" pitchFamily="2" charset="2"/>
-              </a:rPr>
-              <a:t>OneToOne</a:t>
-            </a:r>
-            <a:endParaRPr lang="nl-NL" dirty="0">
-              <a:sym typeface="Wingdings" panose="05000000000000000000" pitchFamily="2" charset="2"/>
-            </a:endParaRPr>
-          </a:p>
-          <a:p>
-            <a:pPr lvl="3"/>
-            <a:r>
-              <a:rPr lang="nl-NL" dirty="0" smtClean="0">
-                <a:sym typeface="Wingdings" panose="05000000000000000000" pitchFamily="2" charset="2"/>
-              </a:rPr>
-              <a:t>Speler - Bord</a:t>
-            </a:r>
-          </a:p>
-          <a:p>
-            <a:pPr lvl="2"/>
-            <a:r>
-              <a:rPr lang="nl-NL" dirty="0" smtClean="0">
-                <a:sym typeface="Wingdings" panose="05000000000000000000" pitchFamily="2" charset="2"/>
-              </a:rPr>
-              <a:t>@</a:t>
-            </a:r>
-            <a:r>
-              <a:rPr lang="nl-NL" dirty="0" err="1" smtClean="0">
-                <a:sym typeface="Wingdings" panose="05000000000000000000" pitchFamily="2" charset="2"/>
-              </a:rPr>
-              <a:t>OneToMany</a:t>
-            </a:r>
-            <a:endParaRPr lang="nl-NL" dirty="0">
-              <a:sym typeface="Wingdings" panose="05000000000000000000" pitchFamily="2" charset="2"/>
-            </a:endParaRPr>
-          </a:p>
-          <a:p>
-            <a:pPr lvl="3"/>
-            <a:r>
-              <a:rPr lang="nl-NL" dirty="0" smtClean="0">
-                <a:sym typeface="Wingdings" panose="05000000000000000000" pitchFamily="2" charset="2"/>
-              </a:rPr>
-              <a:t>Speler </a:t>
-            </a:r>
-            <a:r>
-              <a:rPr lang="nl-NL" dirty="0" smtClean="0">
-                <a:sym typeface="Wingdings" panose="05000000000000000000" pitchFamily="2" charset="2"/>
-              </a:rPr>
-              <a:t>– Boot(List)</a:t>
-            </a:r>
-            <a:endParaRPr lang="nl-NL" dirty="0" smtClean="0">
-              <a:sym typeface="Wingdings" panose="05000000000000000000" pitchFamily="2" charset="2"/>
-            </a:endParaRPr>
-          </a:p>
-          <a:p>
-            <a:pPr lvl="3"/>
-            <a:r>
-              <a:rPr lang="nl-NL" dirty="0" smtClean="0">
-                <a:sym typeface="Wingdings" panose="05000000000000000000" pitchFamily="2" charset="2"/>
-              </a:rPr>
-              <a:t>Bord </a:t>
-            </a:r>
-            <a:r>
-              <a:rPr lang="nl-NL" dirty="0" smtClean="0">
-                <a:sym typeface="Wingdings" panose="05000000000000000000" pitchFamily="2" charset="2"/>
-              </a:rPr>
-              <a:t>–Vakje(List)</a:t>
-            </a:r>
-            <a:endParaRPr lang="nl-NL" dirty="0" smtClean="0">
-              <a:sym typeface="Wingdings" panose="05000000000000000000" pitchFamily="2" charset="2"/>
-            </a:endParaRPr>
-          </a:p>
-          <a:p>
-            <a:pPr lvl="4"/>
-            <a:r>
-              <a:rPr lang="nl-NL" dirty="0" err="1">
-                <a:sym typeface="Wingdings" panose="05000000000000000000" pitchFamily="2" charset="2"/>
-              </a:rPr>
-              <a:t>F</a:t>
-            </a:r>
-            <a:r>
-              <a:rPr lang="nl-NL" dirty="0" err="1" smtClean="0">
-                <a:sym typeface="Wingdings" panose="05000000000000000000" pitchFamily="2" charset="2"/>
-              </a:rPr>
-              <a:t>etchType</a:t>
-            </a:r>
-            <a:endParaRPr lang="nl-NL" dirty="0" smtClean="0">
-              <a:sym typeface="Wingdings" panose="05000000000000000000" pitchFamily="2" charset="2"/>
-            </a:endParaRPr>
-          </a:p>
-          <a:p>
-            <a:pPr lvl="1"/>
-            <a:endParaRPr lang="nl-NL" dirty="0" smtClean="0"/>
-          </a:p>
-          <a:p>
-            <a:pPr lvl="1"/>
+              <a:rPr lang="en-US" dirty="0"/>
+              <a:t>Spring MVC</a:t>
+            </a:r>
             <a:endParaRPr lang="nl-NL" dirty="0"/>
           </a:p>
         </p:txBody>
       </p:sp>
       <p:pic>
         <p:nvPicPr>
-          <p:cNvPr id="1026" name="Picture 2"/>
+          <p:cNvPr id="7" name="Tijdelijke aanduiding voor inhoud 6"/>
           <p:cNvPicPr>
-            <a:picLocks noChangeAspect="1" noChangeArrowheads="1"/>
+            <a:picLocks noGrp="1" noChangeAspect="1"/>
           </p:cNvPicPr>
-          <p:nvPr/>
+          <p:nvPr>
+            <p:ph idx="1"/>
+          </p:nvPr>
         </p:nvPicPr>
         <p:blipFill>
-          <a:blip r:embed="rId2">
+          <a:blip r:embed="rId3" cstate="print">
             <a:extLst>
               <a:ext uri="{28A0092B-C50C-407E-A947-70E740481C1C}">
-                <a14:useLocalDpi xmlns:a14="http://schemas.microsoft.com/office/drawing/2010/main" val="0"/>
+                <a14:useLocalDpi xmlns:a14="http://schemas.microsoft.com/office/drawing/2010/main" xmlns="" val="0"/>
               </a:ext>
             </a:extLst>
           </a:blip>
-          <a:srcRect/>
           <a:stretch>
             <a:fillRect/>
           </a:stretch>
         </p:blipFill>
-        <p:spPr bwMode="auto">
+        <p:spPr>
           <a:xfrm>
-            <a:off x="6177134" y="3789040"/>
-            <a:ext cx="2715346" cy="2232248"/>
+            <a:off x="457200" y="2056214"/>
+            <a:ext cx="8229600" cy="3613935"/>
           </a:xfrm>
-          <a:prstGeom prst="rect">
-            <a:avLst/>
-          </a:prstGeom>
-          <a:noFill/>
-          <a:ln>
-            <a:noFill/>
-          </a:ln>
-          <a:extLst>
-            <a:ext uri="{909E8E84-426E-40DD-AFC4-6F175D3DCCD1}">
-              <a14:hiddenFill xmlns:a14="http://schemas.microsoft.com/office/drawing/2010/main">
-                <a:solidFill>
-                  <a:schemeClr val="accent1"/>
-                </a:solidFill>
-              </a14:hiddenFill>
-            </a:ext>
-            <a:ext uri="{91240B29-F687-4F45-9708-019B960494DF}">
-              <a14:hiddenLine xmlns:a14="http://schemas.microsoft.com/office/drawing/2010/main" w="9525">
-                <a:solidFill>
-                  <a:schemeClr val="tx1"/>
-                </a:solidFill>
-                <a:miter lim="800000"/>
-                <a:headEnd/>
-                <a:tailEnd/>
-              </a14:hiddenLine>
-            </a:ext>
-          </a:extLst>
         </p:spPr>
       </p:pic>
       <p:sp>
@@ -7300,8 +8006,9 @@
           <a:bodyPr/>
           <a:lstStyle/>
           <a:p>
-            <a:fld id="{555D3B63-88C4-45AD-828B-DBF901C08C20}" type="datetime1">
-              <a:rPr lang="nl-NL" smtClean="0"/>
+            <a:fld id="{10F32E0F-C824-48FE-B038-07A2350E6EC9}" type="datetime1">
+              <a:rPr lang="nl-NL" smtClean="0"/>
+              <a:pPr/>
               <a:t>18-11-2015</a:t>
             </a:fld>
             <a:endParaRPr lang="nl-NL"/>
@@ -7344,67 +8051,19 @@
           <a:p>
             <a:fld id="{8EDE433C-975D-40E0-AA17-C907AC02EBEB}" type="slidenum">
               <a:rPr lang="nl-NL" smtClean="0"/>
+              <a:pPr/>
               <a:t>9</a:t>
             </a:fld>
             <a:endParaRPr lang="nl-NL"/>
           </a:p>
         </p:txBody>
       </p:sp>
-      <p:pic>
-        <p:nvPicPr>
-          <p:cNvPr id="2050" name="Picture 2"/>
-          <p:cNvPicPr>
-            <a:picLocks noChangeAspect="1" noChangeArrowheads="1"/>
-          </p:cNvPicPr>
-          <p:nvPr/>
-        </p:nvPicPr>
-        <p:blipFill>
-          <a:blip r:embed="rId3">
-            <a:extLst>
-              <a:ext uri="{28A0092B-C50C-407E-A947-70E740481C1C}">
-                <a14:useLocalDpi xmlns:a14="http://schemas.microsoft.com/office/drawing/2010/main" val="0"/>
-              </a:ext>
-            </a:extLst>
-          </a:blip>
-          <a:srcRect/>
-          <a:stretch>
-            <a:fillRect/>
-          </a:stretch>
-        </p:blipFill>
-        <p:spPr bwMode="auto">
-          <a:xfrm>
-            <a:off x="3851920" y="5668838"/>
-            <a:ext cx="4200525" cy="304800"/>
-          </a:xfrm>
-          <a:prstGeom prst="rect">
-            <a:avLst/>
-          </a:prstGeom>
-          <a:noFill/>
-          <a:ln>
-            <a:noFill/>
-          </a:ln>
-          <a:extLst>
-            <a:ext uri="{909E8E84-426E-40DD-AFC4-6F175D3DCCD1}">
-              <a14:hiddenFill xmlns:a14="http://schemas.microsoft.com/office/drawing/2010/main">
-                <a:solidFill>
-                  <a:schemeClr val="accent1"/>
-                </a:solidFill>
-              </a14:hiddenFill>
-            </a:ext>
-            <a:ext uri="{91240B29-F687-4F45-9708-019B960494DF}">
-              <a14:hiddenLine xmlns:a14="http://schemas.microsoft.com/office/drawing/2010/main" w="9525">
-                <a:solidFill>
-                  <a:schemeClr val="tx1"/>
-                </a:solidFill>
-                <a:miter lim="800000"/>
-                <a:headEnd/>
-                <a:tailEnd/>
-              </a14:hiddenLine>
-            </a:ext>
-          </a:extLst>
-        </p:spPr>
-      </p:pic>
     </p:spTree>
+    <p:extLst>
+      <p:ext uri="{BB962C8B-B14F-4D97-AF65-F5344CB8AC3E}">
+        <p14:creationId xmlns:p14="http://schemas.microsoft.com/office/powerpoint/2010/main" xmlns="" val="2148231906"/>
+      </p:ext>
+    </p:extLst>
   </p:cSld>
   <p:clrMapOvr>
     <a:masterClrMapping/>

--- a/ZeeslagPresentatie2.pptx
+++ b/ZeeslagPresentatie2.pptx
@@ -2,7 +2,7 @@
 <file path=ppt/presentation.xml><?xml version="1.0" encoding="utf-8"?>
 <p:presentation xmlns:a="http://schemas.openxmlformats.org/drawingml/2006/main" xmlns:r="http://schemas.openxmlformats.org/officeDocument/2006/relationships" xmlns:p="http://schemas.openxmlformats.org/presentationml/2006/main" saveSubsetFonts="1">
   <p:sldMasterIdLst>
-    <p:sldMasterId id="2147483672" r:id="rId1"/>
+    <p:sldMasterId id="2147483768" r:id="rId1"/>
   </p:sldMasterIdLst>
   <p:notesMasterIdLst>
     <p:notesMasterId r:id="rId16"/>
@@ -206,7 +206,7 @@
             <a:fld id="{918A98E7-70C6-4111-A659-6171339D4FA8}" type="datetimeFigureOut">
               <a:rPr lang="nl-NL" smtClean="0"/>
               <a:pPr/>
-              <a:t>18-11-2015</a:t>
+              <a:t>19-11-2015</a:t>
             </a:fld>
             <a:endParaRPr lang="nl-NL"/>
           </a:p>
@@ -379,7 +379,7 @@
     </p:spTree>
     <p:extLst>
       <p:ext uri="{BB962C8B-B14F-4D97-AF65-F5344CB8AC3E}">
-        <p14:creationId xmlns:p14="http://schemas.microsoft.com/office/powerpoint/2010/main" xmlns="" val="277593819"/>
+        <p14:creationId xmlns:p14="http://schemas.microsoft.com/office/powerpoint/2010/main" val="277593819"/>
       </p:ext>
     </p:extLst>
   </p:cSld>
@@ -558,7 +558,7 @@
     </p:spTree>
     <p:extLst>
       <p:ext uri="{BB962C8B-B14F-4D97-AF65-F5344CB8AC3E}">
-        <p14:creationId xmlns:p14="http://schemas.microsoft.com/office/powerpoint/2010/main" xmlns="" val="1396140562"/>
+        <p14:creationId xmlns:p14="http://schemas.microsoft.com/office/powerpoint/2010/main" val="1396140562"/>
       </p:ext>
     </p:extLst>
   </p:cSld>
@@ -655,7 +655,7 @@
     </p:spTree>
     <p:extLst>
       <p:ext uri="{BB962C8B-B14F-4D97-AF65-F5344CB8AC3E}">
-        <p14:creationId xmlns:p14="http://schemas.microsoft.com/office/powerpoint/2010/main" xmlns="" val="3735048614"/>
+        <p14:creationId xmlns:p14="http://schemas.microsoft.com/office/powerpoint/2010/main" val="3735048614"/>
       </p:ext>
     </p:extLst>
   </p:cSld>
@@ -748,7 +748,7 @@
     </p:spTree>
     <p:extLst>
       <p:ext uri="{BB962C8B-B14F-4D97-AF65-F5344CB8AC3E}">
-        <p14:creationId xmlns:p14="http://schemas.microsoft.com/office/powerpoint/2010/main" xmlns="" val="1117588626"/>
+        <p14:creationId xmlns:p14="http://schemas.microsoft.com/office/powerpoint/2010/main" val="1117588626"/>
       </p:ext>
     </p:extLst>
   </p:cSld>
@@ -841,7 +841,7 @@
     </p:spTree>
     <p:extLst>
       <p:ext uri="{BB962C8B-B14F-4D97-AF65-F5344CB8AC3E}">
-        <p14:creationId xmlns:p14="http://schemas.microsoft.com/office/powerpoint/2010/main" xmlns="" val="2404345566"/>
+        <p14:creationId xmlns:p14="http://schemas.microsoft.com/office/powerpoint/2010/main" val="2404345566"/>
       </p:ext>
     </p:extLst>
   </p:cSld>
@@ -930,7 +930,7 @@
     </p:spTree>
     <p:extLst>
       <p:ext uri="{BB962C8B-B14F-4D97-AF65-F5344CB8AC3E}">
-        <p14:creationId xmlns:p14="http://schemas.microsoft.com/office/powerpoint/2010/main" xmlns="" val="3263529355"/>
+        <p14:creationId xmlns:p14="http://schemas.microsoft.com/office/powerpoint/2010/main" val="3263529355"/>
       </p:ext>
     </p:extLst>
   </p:cSld>
@@ -943,6 +943,11 @@
 <file path=ppt/slideLayouts/slideLayout1.xml><?xml version="1.0" encoding="utf-8"?>
 <p:sldLayout xmlns:a="http://schemas.openxmlformats.org/drawingml/2006/main" xmlns:r="http://schemas.openxmlformats.org/officeDocument/2006/relationships" xmlns:p="http://schemas.openxmlformats.org/presentationml/2006/main" type="title" preserve="1">
   <p:cSld name="Titeldia">
+    <p:bg>
+      <p:bgRef idx="1002">
+        <a:schemeClr val="bg2"/>
+      </p:bgRef>
+    </p:bg>
     <p:spTree>
       <p:nvGrpSpPr>
         <p:cNvPr id="1" name=""/>
@@ -959,7 +964,7 @@
       </p:grpSpPr>
       <p:sp>
         <p:nvSpPr>
-          <p:cNvPr id="2" name="Titel 1"/>
+          <p:cNvPr id="9" name="Title 8"/>
           <p:cNvSpPr>
             <a:spLocks noGrp="1"/>
           </p:cNvSpPr>
@@ -969,144 +974,131 @@
         </p:nvSpPr>
         <p:spPr>
           <a:xfrm>
-            <a:off x="685800" y="2130425"/>
-            <a:ext cx="7772400" cy="1470025"/>
+            <a:off x="533400" y="1371600"/>
+            <a:ext cx="7851648" cy="1828800"/>
+          </a:xfrm>
+          <a:ln>
+            <a:noFill/>
+          </a:ln>
+        </p:spPr>
+        <p:txBody>
+          <a:bodyPr vert="horz" tIns="0" rIns="18288" bIns="0" anchor="b">
+            <a:normAutofit/>
+            <a:scene3d>
+              <a:camera prst="orthographicFront"/>
+              <a:lightRig rig="freezing" dir="t">
+                <a:rot lat="0" lon="0" rev="5640000"/>
+              </a:lightRig>
+            </a:scene3d>
+            <a:sp3d prstMaterial="flat">
+              <a:bevelT w="38100" h="38100"/>
+              <a:contourClr>
+                <a:schemeClr val="tx2"/>
+              </a:contourClr>
+            </a:sp3d>
+          </a:bodyPr>
+          <a:lstStyle>
+            <a:lvl1pPr algn="r" rtl="0">
+              <a:spcBef>
+                <a:spcPct val="0"/>
+              </a:spcBef>
+              <a:buNone/>
+              <a:defRPr sz="5600" b="1">
+                <a:ln>
+                  <a:noFill/>
+                </a:ln>
+                <a:solidFill>
+                  <a:schemeClr val="accent3">
+                    <a:tint val="90000"/>
+                    <a:satMod val="120000"/>
+                  </a:schemeClr>
+                </a:solidFill>
+                <a:effectLst>
+                  <a:outerShdw blurRad="38100" dist="25400" dir="5400000" algn="tl" rotWithShape="0">
+                    <a:srgbClr val="000000">
+                      <a:alpha val="43000"/>
+                    </a:srgbClr>
+                  </a:outerShdw>
+                </a:effectLst>
+                <a:latin typeface="+mj-lt"/>
+                <a:ea typeface="+mj-ea"/>
+                <a:cs typeface="+mj-cs"/>
+              </a:defRPr>
+            </a:lvl1pPr>
+          </a:lstStyle>
+          <a:p>
+            <a:r>
+              <a:rPr kumimoji="0" lang="nl-NL" smtClean="0"/>
+              <a:t>Klik om de stijl te bewerken</a:t>
+            </a:r>
+            <a:endParaRPr kumimoji="0" lang="en-US"/>
+          </a:p>
+        </p:txBody>
+      </p:sp>
+      <p:sp>
+        <p:nvSpPr>
+          <p:cNvPr id="17" name="Subtitle 16"/>
+          <p:cNvSpPr>
+            <a:spLocks noGrp="1"/>
+          </p:cNvSpPr>
+          <p:nvPr>
+            <p:ph type="subTitle" idx="1"/>
+          </p:nvPr>
+        </p:nvSpPr>
+        <p:spPr>
+          <a:xfrm>
+            <a:off x="533400" y="3228536"/>
+            <a:ext cx="7854696" cy="1752600"/>
           </a:xfrm>
         </p:spPr>
         <p:txBody>
-          <a:bodyPr/>
-          <a:lstStyle/>
-          <a:p>
-            <a:r>
-              <a:rPr lang="nl-NL" smtClean="0"/>
-              <a:t>Klik om de stijl te bewerken</a:t>
-            </a:r>
-            <a:endParaRPr lang="nl-NL"/>
-          </a:p>
-        </p:txBody>
-      </p:sp>
-      <p:sp>
-        <p:nvSpPr>
-          <p:cNvPr id="3" name="Ondertitel 2"/>
-          <p:cNvSpPr>
-            <a:spLocks noGrp="1"/>
-          </p:cNvSpPr>
-          <p:nvPr>
-            <p:ph type="subTitle" idx="1"/>
-          </p:nvPr>
-        </p:nvSpPr>
-        <p:spPr>
-          <a:xfrm>
-            <a:off x="1371600" y="3886200"/>
-            <a:ext cx="6400800" cy="1752600"/>
-          </a:xfrm>
-        </p:spPr>
-        <p:txBody>
-          <a:bodyPr/>
+          <a:bodyPr lIns="0" rIns="18288"/>
           <a:lstStyle>
-            <a:lvl1pPr marL="0" indent="0" algn="ctr">
+            <a:lvl1pPr marL="0" marR="45720" indent="0" algn="r">
               <a:buNone/>
               <a:defRPr>
                 <a:solidFill>
-                  <a:schemeClr val="tx1">
-                    <a:tint val="75000"/>
-                  </a:schemeClr>
+                  <a:schemeClr val="tx1"/>
                 </a:solidFill>
               </a:defRPr>
             </a:lvl1pPr>
             <a:lvl2pPr marL="457200" indent="0" algn="ctr">
               <a:buNone/>
-              <a:defRPr>
-                <a:solidFill>
-                  <a:schemeClr val="tx1">
-                    <a:tint val="75000"/>
-                  </a:schemeClr>
-                </a:solidFill>
-              </a:defRPr>
             </a:lvl2pPr>
             <a:lvl3pPr marL="914400" indent="0" algn="ctr">
               <a:buNone/>
-              <a:defRPr>
-                <a:solidFill>
-                  <a:schemeClr val="tx1">
-                    <a:tint val="75000"/>
-                  </a:schemeClr>
-                </a:solidFill>
-              </a:defRPr>
             </a:lvl3pPr>
             <a:lvl4pPr marL="1371600" indent="0" algn="ctr">
               <a:buNone/>
-              <a:defRPr>
-                <a:solidFill>
-                  <a:schemeClr val="tx1">
-                    <a:tint val="75000"/>
-                  </a:schemeClr>
-                </a:solidFill>
-              </a:defRPr>
             </a:lvl4pPr>
             <a:lvl5pPr marL="1828800" indent="0" algn="ctr">
               <a:buNone/>
-              <a:defRPr>
-                <a:solidFill>
-                  <a:schemeClr val="tx1">
-                    <a:tint val="75000"/>
-                  </a:schemeClr>
-                </a:solidFill>
-              </a:defRPr>
             </a:lvl5pPr>
             <a:lvl6pPr marL="2286000" indent="0" algn="ctr">
               <a:buNone/>
-              <a:defRPr>
-                <a:solidFill>
-                  <a:schemeClr val="tx1">
-                    <a:tint val="75000"/>
-                  </a:schemeClr>
-                </a:solidFill>
-              </a:defRPr>
             </a:lvl6pPr>
             <a:lvl7pPr marL="2743200" indent="0" algn="ctr">
               <a:buNone/>
-              <a:defRPr>
-                <a:solidFill>
-                  <a:schemeClr val="tx1">
-                    <a:tint val="75000"/>
-                  </a:schemeClr>
-                </a:solidFill>
-              </a:defRPr>
             </a:lvl7pPr>
             <a:lvl8pPr marL="3200400" indent="0" algn="ctr">
               <a:buNone/>
-              <a:defRPr>
-                <a:solidFill>
-                  <a:schemeClr val="tx1">
-                    <a:tint val="75000"/>
-                  </a:schemeClr>
-                </a:solidFill>
-              </a:defRPr>
             </a:lvl8pPr>
             <a:lvl9pPr marL="3657600" indent="0" algn="ctr">
               <a:buNone/>
-              <a:defRPr>
-                <a:solidFill>
-                  <a:schemeClr val="tx1">
-                    <a:tint val="75000"/>
-                  </a:schemeClr>
-                </a:solidFill>
-              </a:defRPr>
             </a:lvl9pPr>
           </a:lstStyle>
           <a:p>
             <a:r>
-              <a:rPr lang="nl-NL" smtClean="0"/>
-              <a:t>Klik om het opmaakprofiel van de modelondertitel te bewerken</a:t>
-            </a:r>
-            <a:endParaRPr lang="nl-NL"/>
-          </a:p>
-        </p:txBody>
-      </p:sp>
-      <p:sp>
-        <p:nvSpPr>
-          <p:cNvPr id="4" name="Tijdelijke aanduiding voor datum 3"/>
+              <a:rPr kumimoji="0" lang="nl-NL" smtClean="0"/>
+              <a:t>Klik om de ondertitelstijl van het model te bewerken</a:t>
+            </a:r>
+            <a:endParaRPr kumimoji="0" lang="en-US"/>
+          </a:p>
+        </p:txBody>
+      </p:sp>
+      <p:sp>
+        <p:nvSpPr>
+          <p:cNvPr id="30" name="Date Placeholder 29"/>
           <p:cNvSpPr>
             <a:spLocks noGrp="1"/>
           </p:cNvSpPr>
@@ -1122,7 +1114,7 @@
             <a:fld id="{A3148C2A-373F-4A0B-ADD9-9B6903C09FCC}" type="datetime1">
               <a:rPr lang="nl-NL" smtClean="0"/>
               <a:pPr/>
-              <a:t>18-11-2015</a:t>
+              <a:t>19-11-2015</a:t>
             </a:fld>
             <a:endParaRPr lang="nl-NL"/>
           </a:p>
@@ -1130,7 +1122,7 @@
       </p:sp>
       <p:sp>
         <p:nvSpPr>
-          <p:cNvPr id="5" name="Tijdelijke aanduiding voor voettekst 4"/>
+          <p:cNvPr id="19" name="Footer Placeholder 18"/>
           <p:cNvSpPr>
             <a:spLocks noGrp="1"/>
           </p:cNvSpPr>
@@ -1149,7 +1141,7 @@
       </p:sp>
       <p:sp>
         <p:nvSpPr>
-          <p:cNvPr id="6" name="Tijdelijke aanduiding voor dianummer 5"/>
+          <p:cNvPr id="27" name="Slide Number Placeholder 26"/>
           <p:cNvSpPr>
             <a:spLocks noGrp="1"/>
           </p:cNvSpPr>
@@ -1174,7 +1166,7 @@
     </p:spTree>
   </p:cSld>
   <p:clrMapOvr>
-    <a:masterClrMapping/>
+    <a:overrideClrMapping bg1="dk1" tx1="lt1" bg2="dk2" tx2="lt2" accent1="accent1" accent2="accent2" accent3="accent3" accent4="accent4" accent5="accent5" accent6="accent6" hlink="hlink" folHlink="folHlink"/>
   </p:clrMapOvr>
 </p:sldLayout>
 </file>
@@ -1198,7 +1190,7 @@
       </p:grpSpPr>
       <p:sp>
         <p:nvSpPr>
-          <p:cNvPr id="2" name="Titel 1"/>
+          <p:cNvPr id="2" name="Title 1"/>
           <p:cNvSpPr>
             <a:spLocks noGrp="1"/>
           </p:cNvSpPr>
@@ -1212,16 +1204,16 @@
           <a:lstStyle/>
           <a:p>
             <a:r>
-              <a:rPr lang="nl-NL" smtClean="0"/>
+              <a:rPr kumimoji="0" lang="nl-NL" smtClean="0"/>
               <a:t>Klik om de stijl te bewerken</a:t>
             </a:r>
-            <a:endParaRPr lang="nl-NL"/>
-          </a:p>
-        </p:txBody>
-      </p:sp>
-      <p:sp>
-        <p:nvSpPr>
-          <p:cNvPr id="3" name="Tijdelijke aanduiding voor verticale tekst 2"/>
+            <a:endParaRPr kumimoji="0" lang="en-US"/>
+          </a:p>
+        </p:txBody>
+      </p:sp>
+      <p:sp>
+        <p:nvSpPr>
+          <p:cNvPr id="3" name="Vertical Text Placeholder 2"/>
           <p:cNvSpPr>
             <a:spLocks noGrp="1"/>
           </p:cNvSpPr>
@@ -1234,46 +1226,46 @@
           <a:bodyPr vert="eaVert"/>
           <a:lstStyle/>
           <a:p>
-            <a:pPr lvl="0"/>
+            <a:pPr lvl="0" eaLnBrk="1" latinLnBrk="0" hangingPunct="1"/>
             <a:r>
               <a:rPr lang="nl-NL" smtClean="0"/>
               <a:t>Klik om de modelstijlen te bewerken</a:t>
             </a:r>
           </a:p>
           <a:p>
-            <a:pPr lvl="1"/>
+            <a:pPr lvl="1" eaLnBrk="1" latinLnBrk="0" hangingPunct="1"/>
             <a:r>
               <a:rPr lang="nl-NL" smtClean="0"/>
               <a:t>Tweede niveau</a:t>
             </a:r>
           </a:p>
           <a:p>
-            <a:pPr lvl="2"/>
+            <a:pPr lvl="2" eaLnBrk="1" latinLnBrk="0" hangingPunct="1"/>
             <a:r>
               <a:rPr lang="nl-NL" smtClean="0"/>
               <a:t>Derde niveau</a:t>
             </a:r>
           </a:p>
           <a:p>
-            <a:pPr lvl="3"/>
+            <a:pPr lvl="3" eaLnBrk="1" latinLnBrk="0" hangingPunct="1"/>
             <a:r>
               <a:rPr lang="nl-NL" smtClean="0"/>
               <a:t>Vierde niveau</a:t>
             </a:r>
           </a:p>
           <a:p>
-            <a:pPr lvl="4"/>
+            <a:pPr lvl="4" eaLnBrk="1" latinLnBrk="0" hangingPunct="1"/>
             <a:r>
               <a:rPr lang="nl-NL" smtClean="0"/>
               <a:t>Vijfde niveau</a:t>
             </a:r>
-            <a:endParaRPr lang="nl-NL"/>
-          </a:p>
-        </p:txBody>
-      </p:sp>
-      <p:sp>
-        <p:nvSpPr>
-          <p:cNvPr id="4" name="Tijdelijke aanduiding voor datum 3"/>
+            <a:endParaRPr kumimoji="0" lang="en-US"/>
+          </a:p>
+        </p:txBody>
+      </p:sp>
+      <p:sp>
+        <p:nvSpPr>
+          <p:cNvPr id="4" name="Date Placeholder 3"/>
           <p:cNvSpPr>
             <a:spLocks noGrp="1"/>
           </p:cNvSpPr>
@@ -1289,7 +1281,7 @@
             <a:fld id="{3782B4FA-7808-4A48-8527-73D16271F5A6}" type="datetime1">
               <a:rPr lang="nl-NL" smtClean="0"/>
               <a:pPr/>
-              <a:t>18-11-2015</a:t>
+              <a:t>19-11-2015</a:t>
             </a:fld>
             <a:endParaRPr lang="nl-NL"/>
           </a:p>
@@ -1297,7 +1289,7 @@
       </p:sp>
       <p:sp>
         <p:nvSpPr>
-          <p:cNvPr id="5" name="Tijdelijke aanduiding voor voettekst 4"/>
+          <p:cNvPr id="5" name="Footer Placeholder 4"/>
           <p:cNvSpPr>
             <a:spLocks noGrp="1"/>
           </p:cNvSpPr>
@@ -1316,7 +1308,7 @@
       </p:sp>
       <p:sp>
         <p:nvSpPr>
-          <p:cNvPr id="6" name="Tijdelijke aanduiding voor dianummer 5"/>
+          <p:cNvPr id="6" name="Slide Number Placeholder 5"/>
           <p:cNvSpPr>
             <a:spLocks noGrp="1"/>
           </p:cNvSpPr>
@@ -1365,7 +1357,7 @@
       </p:grpSpPr>
       <p:sp>
         <p:nvSpPr>
-          <p:cNvPr id="2" name="Verticale titel 1"/>
+          <p:cNvPr id="2" name="Vertical Title 1"/>
           <p:cNvSpPr>
             <a:spLocks noGrp="1"/>
           </p:cNvSpPr>
@@ -1375,8 +1367,8 @@
         </p:nvSpPr>
         <p:spPr>
           <a:xfrm>
-            <a:off x="6629400" y="274638"/>
-            <a:ext cx="2057400" cy="5851525"/>
+            <a:off x="6629400" y="914401"/>
+            <a:ext cx="2057400" cy="5211763"/>
           </a:xfrm>
         </p:spPr>
         <p:txBody>
@@ -1384,16 +1376,16 @@
           <a:lstStyle/>
           <a:p>
             <a:r>
-              <a:rPr lang="nl-NL" smtClean="0"/>
+              <a:rPr kumimoji="0" lang="nl-NL" smtClean="0"/>
               <a:t>Klik om de stijl te bewerken</a:t>
             </a:r>
-            <a:endParaRPr lang="nl-NL"/>
-          </a:p>
-        </p:txBody>
-      </p:sp>
-      <p:sp>
-        <p:nvSpPr>
-          <p:cNvPr id="3" name="Tijdelijke aanduiding voor verticale tekst 2"/>
+            <a:endParaRPr kumimoji="0" lang="en-US"/>
+          </a:p>
+        </p:txBody>
+      </p:sp>
+      <p:sp>
+        <p:nvSpPr>
+          <p:cNvPr id="3" name="Vertical Text Placeholder 2"/>
           <p:cNvSpPr>
             <a:spLocks noGrp="1"/>
           </p:cNvSpPr>
@@ -1403,54 +1395,54 @@
         </p:nvSpPr>
         <p:spPr>
           <a:xfrm>
-            <a:off x="457200" y="274638"/>
-            <a:ext cx="6019800" cy="5851525"/>
+            <a:off x="457200" y="914401"/>
+            <a:ext cx="6019800" cy="5211763"/>
           </a:xfrm>
         </p:spPr>
         <p:txBody>
           <a:bodyPr vert="eaVert"/>
           <a:lstStyle/>
           <a:p>
-            <a:pPr lvl="0"/>
+            <a:pPr lvl="0" eaLnBrk="1" latinLnBrk="0" hangingPunct="1"/>
             <a:r>
               <a:rPr lang="nl-NL" smtClean="0"/>
               <a:t>Klik om de modelstijlen te bewerken</a:t>
             </a:r>
           </a:p>
           <a:p>
-            <a:pPr lvl="1"/>
+            <a:pPr lvl="1" eaLnBrk="1" latinLnBrk="0" hangingPunct="1"/>
             <a:r>
               <a:rPr lang="nl-NL" smtClean="0"/>
               <a:t>Tweede niveau</a:t>
             </a:r>
           </a:p>
           <a:p>
-            <a:pPr lvl="2"/>
+            <a:pPr lvl="2" eaLnBrk="1" latinLnBrk="0" hangingPunct="1"/>
             <a:r>
               <a:rPr lang="nl-NL" smtClean="0"/>
               <a:t>Derde niveau</a:t>
             </a:r>
           </a:p>
           <a:p>
-            <a:pPr lvl="3"/>
+            <a:pPr lvl="3" eaLnBrk="1" latinLnBrk="0" hangingPunct="1"/>
             <a:r>
               <a:rPr lang="nl-NL" smtClean="0"/>
               <a:t>Vierde niveau</a:t>
             </a:r>
           </a:p>
           <a:p>
-            <a:pPr lvl="4"/>
+            <a:pPr lvl="4" eaLnBrk="1" latinLnBrk="0" hangingPunct="1"/>
             <a:r>
               <a:rPr lang="nl-NL" smtClean="0"/>
               <a:t>Vijfde niveau</a:t>
             </a:r>
-            <a:endParaRPr lang="nl-NL"/>
-          </a:p>
-        </p:txBody>
-      </p:sp>
-      <p:sp>
-        <p:nvSpPr>
-          <p:cNvPr id="4" name="Tijdelijke aanduiding voor datum 3"/>
+            <a:endParaRPr kumimoji="0" lang="en-US"/>
+          </a:p>
+        </p:txBody>
+      </p:sp>
+      <p:sp>
+        <p:nvSpPr>
+          <p:cNvPr id="4" name="Date Placeholder 3"/>
           <p:cNvSpPr>
             <a:spLocks noGrp="1"/>
           </p:cNvSpPr>
@@ -1466,7 +1458,7 @@
             <a:fld id="{3FAA358B-BD7B-4E13-8055-E2B965FCE361}" type="datetime1">
               <a:rPr lang="nl-NL" smtClean="0"/>
               <a:pPr/>
-              <a:t>18-11-2015</a:t>
+              <a:t>19-11-2015</a:t>
             </a:fld>
             <a:endParaRPr lang="nl-NL"/>
           </a:p>
@@ -1474,7 +1466,7 @@
       </p:sp>
       <p:sp>
         <p:nvSpPr>
-          <p:cNvPr id="5" name="Tijdelijke aanduiding voor voettekst 4"/>
+          <p:cNvPr id="5" name="Footer Placeholder 4"/>
           <p:cNvSpPr>
             <a:spLocks noGrp="1"/>
           </p:cNvSpPr>
@@ -1493,7 +1485,7 @@
       </p:sp>
       <p:sp>
         <p:nvSpPr>
-          <p:cNvPr id="6" name="Tijdelijke aanduiding voor dianummer 5"/>
+          <p:cNvPr id="6" name="Slide Number Placeholder 5"/>
           <p:cNvSpPr>
             <a:spLocks noGrp="1"/>
           </p:cNvSpPr>
@@ -1542,7 +1534,7 @@
       </p:grpSpPr>
       <p:sp>
         <p:nvSpPr>
-          <p:cNvPr id="2" name="Titel 1"/>
+          <p:cNvPr id="2" name="Title 1"/>
           <p:cNvSpPr>
             <a:spLocks noGrp="1"/>
           </p:cNvSpPr>
@@ -1556,16 +1548,16 @@
           <a:lstStyle/>
           <a:p>
             <a:r>
-              <a:rPr lang="nl-NL" smtClean="0"/>
+              <a:rPr kumimoji="0" lang="nl-NL" smtClean="0"/>
               <a:t>Klik om de stijl te bewerken</a:t>
             </a:r>
-            <a:endParaRPr lang="nl-NL"/>
-          </a:p>
-        </p:txBody>
-      </p:sp>
-      <p:sp>
-        <p:nvSpPr>
-          <p:cNvPr id="3" name="Tijdelijke aanduiding voor inhoud 2"/>
+            <a:endParaRPr kumimoji="0" lang="en-US"/>
+          </a:p>
+        </p:txBody>
+      </p:sp>
+      <p:sp>
+        <p:nvSpPr>
+          <p:cNvPr id="3" name="Content Placeholder 2"/>
           <p:cNvSpPr>
             <a:spLocks noGrp="1"/>
           </p:cNvSpPr>
@@ -1578,46 +1570,46 @@
           <a:bodyPr/>
           <a:lstStyle/>
           <a:p>
-            <a:pPr lvl="0"/>
+            <a:pPr lvl="0" eaLnBrk="1" latinLnBrk="0" hangingPunct="1"/>
             <a:r>
               <a:rPr lang="nl-NL" smtClean="0"/>
               <a:t>Klik om de modelstijlen te bewerken</a:t>
             </a:r>
           </a:p>
           <a:p>
-            <a:pPr lvl="1"/>
+            <a:pPr lvl="1" eaLnBrk="1" latinLnBrk="0" hangingPunct="1"/>
             <a:r>
               <a:rPr lang="nl-NL" smtClean="0"/>
               <a:t>Tweede niveau</a:t>
             </a:r>
           </a:p>
           <a:p>
-            <a:pPr lvl="2"/>
+            <a:pPr lvl="2" eaLnBrk="1" latinLnBrk="0" hangingPunct="1"/>
             <a:r>
               <a:rPr lang="nl-NL" smtClean="0"/>
               <a:t>Derde niveau</a:t>
             </a:r>
           </a:p>
           <a:p>
-            <a:pPr lvl="3"/>
+            <a:pPr lvl="3" eaLnBrk="1" latinLnBrk="0" hangingPunct="1"/>
             <a:r>
               <a:rPr lang="nl-NL" smtClean="0"/>
               <a:t>Vierde niveau</a:t>
             </a:r>
           </a:p>
           <a:p>
-            <a:pPr lvl="4"/>
+            <a:pPr lvl="4" eaLnBrk="1" latinLnBrk="0" hangingPunct="1"/>
             <a:r>
               <a:rPr lang="nl-NL" smtClean="0"/>
               <a:t>Vijfde niveau</a:t>
             </a:r>
-            <a:endParaRPr lang="nl-NL"/>
-          </a:p>
-        </p:txBody>
-      </p:sp>
-      <p:sp>
-        <p:nvSpPr>
-          <p:cNvPr id="4" name="Tijdelijke aanduiding voor datum 3"/>
+            <a:endParaRPr kumimoji="0" lang="en-US"/>
+          </a:p>
+        </p:txBody>
+      </p:sp>
+      <p:sp>
+        <p:nvSpPr>
+          <p:cNvPr id="4" name="Date Placeholder 3"/>
           <p:cNvSpPr>
             <a:spLocks noGrp="1"/>
           </p:cNvSpPr>
@@ -1633,7 +1625,7 @@
             <a:fld id="{10F32E0F-C824-48FE-B038-07A2350E6EC9}" type="datetime1">
               <a:rPr lang="nl-NL" smtClean="0"/>
               <a:pPr/>
-              <a:t>18-11-2015</a:t>
+              <a:t>19-11-2015</a:t>
             </a:fld>
             <a:endParaRPr lang="nl-NL"/>
           </a:p>
@@ -1641,7 +1633,7 @@
       </p:sp>
       <p:sp>
         <p:nvSpPr>
-          <p:cNvPr id="5" name="Tijdelijke aanduiding voor voettekst 4"/>
+          <p:cNvPr id="5" name="Footer Placeholder 4"/>
           <p:cNvSpPr>
             <a:spLocks noGrp="1"/>
           </p:cNvSpPr>
@@ -1660,7 +1652,7 @@
       </p:sp>
       <p:sp>
         <p:nvSpPr>
-          <p:cNvPr id="6" name="Tijdelijke aanduiding voor dianummer 5"/>
+          <p:cNvPr id="6" name="Slide Number Placeholder 5"/>
           <p:cNvSpPr>
             <a:spLocks noGrp="1"/>
           </p:cNvSpPr>
@@ -1693,6 +1685,11 @@
 <file path=ppt/slideLayouts/slideLayout3.xml><?xml version="1.0" encoding="utf-8"?>
 <p:sldLayout xmlns:a="http://schemas.openxmlformats.org/drawingml/2006/main" xmlns:r="http://schemas.openxmlformats.org/officeDocument/2006/relationships" xmlns:p="http://schemas.openxmlformats.org/presentationml/2006/main" type="secHead" preserve="1">
   <p:cSld name="Sectiekop">
+    <p:bg>
+      <p:bgRef idx="1002">
+        <a:schemeClr val="bg2"/>
+      </p:bgRef>
+    </p:bg>
     <p:spTree>
       <p:nvGrpSpPr>
         <p:cNvPr id="1" name=""/>
@@ -1709,7 +1706,7 @@
       </p:grpSpPr>
       <p:sp>
         <p:nvSpPr>
-          <p:cNvPr id="2" name="Titel 1"/>
+          <p:cNvPr id="2" name="Title 1"/>
           <p:cNvSpPr>
             <a:spLocks noGrp="1"/>
           </p:cNvSpPr>
@@ -1719,56 +1716,92 @@
         </p:nvSpPr>
         <p:spPr>
           <a:xfrm>
-            <a:off x="722313" y="4406900"/>
-            <a:ext cx="7772400" cy="1362075"/>
+            <a:off x="530352" y="1316736"/>
+            <a:ext cx="7772400" cy="1362456"/>
+          </a:xfrm>
+          <a:ln>
+            <a:noFill/>
+          </a:ln>
+        </p:spPr>
+        <p:txBody>
+          <a:bodyPr vert="horz" tIns="0" bIns="0" anchor="b">
+            <a:noAutofit/>
+            <a:scene3d>
+              <a:camera prst="orthographicFront"/>
+              <a:lightRig rig="freezing" dir="t">
+                <a:rot lat="0" lon="0" rev="5640000"/>
+              </a:lightRig>
+            </a:scene3d>
+            <a:sp3d prstMaterial="flat">
+              <a:bevelT w="38100" h="38100"/>
+            </a:sp3d>
+          </a:bodyPr>
+          <a:lstStyle>
+            <a:lvl1pPr algn="l" rtl="0">
+              <a:spcBef>
+                <a:spcPct val="0"/>
+              </a:spcBef>
+              <a:buNone/>
+              <a:defRPr lang="en-US" sz="5600" b="1" cap="none" baseline="0" dirty="0">
+                <a:ln w="635">
+                  <a:noFill/>
+                </a:ln>
+                <a:solidFill>
+                  <a:schemeClr val="accent4">
+                    <a:tint val="90000"/>
+                    <a:satMod val="125000"/>
+                  </a:schemeClr>
+                </a:solidFill>
+                <a:effectLst>
+                  <a:outerShdw blurRad="38100" dist="25400" dir="5400000" algn="tl" rotWithShape="0">
+                    <a:srgbClr val="000000">
+                      <a:alpha val="43000"/>
+                    </a:srgbClr>
+                  </a:outerShdw>
+                </a:effectLst>
+                <a:latin typeface="+mj-lt"/>
+                <a:ea typeface="+mj-ea"/>
+                <a:cs typeface="+mj-cs"/>
+              </a:defRPr>
+            </a:lvl1pPr>
+          </a:lstStyle>
+          <a:p>
+            <a:r>
+              <a:rPr kumimoji="0" lang="nl-NL" smtClean="0"/>
+              <a:t>Klik om de stijl te bewerken</a:t>
+            </a:r>
+            <a:endParaRPr kumimoji="0" lang="en-US"/>
+          </a:p>
+        </p:txBody>
+      </p:sp>
+      <p:sp>
+        <p:nvSpPr>
+          <p:cNvPr id="3" name="Text Placeholder 2"/>
+          <p:cNvSpPr>
+            <a:spLocks noGrp="1"/>
+          </p:cNvSpPr>
+          <p:nvPr>
+            <p:ph type="body" idx="1"/>
+          </p:nvPr>
+        </p:nvSpPr>
+        <p:spPr>
+          <a:xfrm>
+            <a:off x="530352" y="2704664"/>
+            <a:ext cx="7772400" cy="1509712"/>
           </a:xfrm>
         </p:spPr>
         <p:txBody>
-          <a:bodyPr anchor="t"/>
-          <a:lstStyle>
-            <a:lvl1pPr algn="l">
-              <a:defRPr sz="4000" b="1" cap="all"/>
-            </a:lvl1pPr>
-          </a:lstStyle>
-          <a:p>
-            <a:r>
-              <a:rPr lang="nl-NL" smtClean="0"/>
-              <a:t>Klik om de stijl te bewerken</a:t>
-            </a:r>
-            <a:endParaRPr lang="nl-NL"/>
-          </a:p>
-        </p:txBody>
-      </p:sp>
-      <p:sp>
-        <p:nvSpPr>
-          <p:cNvPr id="3" name="Tijdelijke aanduiding voor tekst 2"/>
-          <p:cNvSpPr>
-            <a:spLocks noGrp="1"/>
-          </p:cNvSpPr>
-          <p:nvPr>
-            <p:ph type="body" idx="1"/>
-          </p:nvPr>
-        </p:nvSpPr>
-        <p:spPr>
-          <a:xfrm>
-            <a:off x="722313" y="2906713"/>
-            <a:ext cx="7772400" cy="1500187"/>
-          </a:xfrm>
-        </p:spPr>
-        <p:txBody>
-          <a:bodyPr anchor="b"/>
+          <a:bodyPr lIns="45720" rIns="45720" anchor="t"/>
           <a:lstStyle>
             <a:lvl1pPr marL="0" indent="0">
               <a:buNone/>
-              <a:defRPr sz="2000">
+              <a:defRPr sz="2200">
                 <a:solidFill>
-                  <a:schemeClr val="tx1">
-                    <a:tint val="75000"/>
-                  </a:schemeClr>
+                  <a:schemeClr val="tx1"/>
                 </a:solidFill>
               </a:defRPr>
             </a:lvl1pPr>
-            <a:lvl2pPr marL="457200" indent="0">
+            <a:lvl2pPr>
               <a:buNone/>
               <a:defRPr sz="1800">
                 <a:solidFill>
@@ -1778,7 +1811,7 @@
                 </a:solidFill>
               </a:defRPr>
             </a:lvl2pPr>
-            <a:lvl3pPr marL="914400" indent="0">
+            <a:lvl3pPr>
               <a:buNone/>
               <a:defRPr sz="1600">
                 <a:solidFill>
@@ -1788,7 +1821,7 @@
                 </a:solidFill>
               </a:defRPr>
             </a:lvl3pPr>
-            <a:lvl4pPr marL="1371600" indent="0">
+            <a:lvl4pPr>
               <a:buNone/>
               <a:defRPr sz="1400">
                 <a:solidFill>
@@ -1798,7 +1831,7 @@
                 </a:solidFill>
               </a:defRPr>
             </a:lvl4pPr>
-            <a:lvl5pPr marL="1828800" indent="0">
+            <a:lvl5pPr>
               <a:buNone/>
               <a:defRPr sz="1400">
                 <a:solidFill>
@@ -1808,51 +1841,11 @@
                 </a:solidFill>
               </a:defRPr>
             </a:lvl5pPr>
-            <a:lvl6pPr marL="2286000" indent="0">
-              <a:buNone/>
-              <a:defRPr sz="1400">
-                <a:solidFill>
-                  <a:schemeClr val="tx1">
-                    <a:tint val="75000"/>
-                  </a:schemeClr>
-                </a:solidFill>
-              </a:defRPr>
-            </a:lvl6pPr>
-            <a:lvl7pPr marL="2743200" indent="0">
-              <a:buNone/>
-              <a:defRPr sz="1400">
-                <a:solidFill>
-                  <a:schemeClr val="tx1">
-                    <a:tint val="75000"/>
-                  </a:schemeClr>
-                </a:solidFill>
-              </a:defRPr>
-            </a:lvl7pPr>
-            <a:lvl8pPr marL="3200400" indent="0">
-              <a:buNone/>
-              <a:defRPr sz="1400">
-                <a:solidFill>
-                  <a:schemeClr val="tx1">
-                    <a:tint val="75000"/>
-                  </a:schemeClr>
-                </a:solidFill>
-              </a:defRPr>
-            </a:lvl8pPr>
-            <a:lvl9pPr marL="3657600" indent="0">
-              <a:buNone/>
-              <a:defRPr sz="1400">
-                <a:solidFill>
-                  <a:schemeClr val="tx1">
-                    <a:tint val="75000"/>
-                  </a:schemeClr>
-                </a:solidFill>
-              </a:defRPr>
-            </a:lvl9pPr>
           </a:lstStyle>
           <a:p>
-            <a:pPr lvl="0"/>
-            <a:r>
-              <a:rPr lang="nl-NL" smtClean="0"/>
+            <a:pPr lvl="0" eaLnBrk="1" latinLnBrk="0" hangingPunct="1"/>
+            <a:r>
+              <a:rPr kumimoji="0" lang="nl-NL" smtClean="0"/>
               <a:t>Klik om de modelstijlen te bewerken</a:t>
             </a:r>
           </a:p>
@@ -1860,7 +1853,7 @@
       </p:sp>
       <p:sp>
         <p:nvSpPr>
-          <p:cNvPr id="4" name="Tijdelijke aanduiding voor datum 3"/>
+          <p:cNvPr id="4" name="Date Placeholder 3"/>
           <p:cNvSpPr>
             <a:spLocks noGrp="1"/>
           </p:cNvSpPr>
@@ -1876,7 +1869,7 @@
             <a:fld id="{24FDA156-A248-4546-AE92-A6CF4129BF6B}" type="datetime1">
               <a:rPr lang="nl-NL" smtClean="0"/>
               <a:pPr/>
-              <a:t>18-11-2015</a:t>
+              <a:t>19-11-2015</a:t>
             </a:fld>
             <a:endParaRPr lang="nl-NL"/>
           </a:p>
@@ -1884,7 +1877,7 @@
       </p:sp>
       <p:sp>
         <p:nvSpPr>
-          <p:cNvPr id="5" name="Tijdelijke aanduiding voor voettekst 4"/>
+          <p:cNvPr id="5" name="Footer Placeholder 4"/>
           <p:cNvSpPr>
             <a:spLocks noGrp="1"/>
           </p:cNvSpPr>
@@ -1903,7 +1896,7 @@
       </p:sp>
       <p:sp>
         <p:nvSpPr>
-          <p:cNvPr id="6" name="Tijdelijke aanduiding voor dianummer 5"/>
+          <p:cNvPr id="6" name="Slide Number Placeholder 5"/>
           <p:cNvSpPr>
             <a:spLocks noGrp="1"/>
           </p:cNvSpPr>
@@ -1928,7 +1921,7 @@
     </p:spTree>
   </p:cSld>
   <p:clrMapOvr>
-    <a:masterClrMapping/>
+    <a:overrideClrMapping bg1="dk1" tx1="lt1" bg2="dk2" tx2="lt2" accent1="accent1" accent2="accent2" accent3="accent3" accent4="accent4" accent5="accent5" accent6="accent6" hlink="hlink" folHlink="folHlink"/>
   </p:clrMapOvr>
 </p:sldLayout>
 </file>
@@ -1952,48 +1945,53 @@
       </p:grpSpPr>
       <p:sp>
         <p:nvSpPr>
-          <p:cNvPr id="2" name="Titel 1"/>
+          <p:cNvPr id="2" name="Title 1"/>
           <p:cNvSpPr>
             <a:spLocks noGrp="1"/>
           </p:cNvSpPr>
           <p:nvPr>
             <p:ph type="title"/>
-          </p:nvPr>
-        </p:nvSpPr>
-        <p:spPr/>
-        <p:txBody>
-          <a:bodyPr/>
-          <a:lstStyle/>
-          <a:p>
-            <a:r>
-              <a:rPr lang="nl-NL" smtClean="0"/>
-              <a:t>Klik om de stijl te bewerken</a:t>
-            </a:r>
-            <a:endParaRPr lang="nl-NL"/>
-          </a:p>
-        </p:txBody>
-      </p:sp>
-      <p:sp>
-        <p:nvSpPr>
-          <p:cNvPr id="3" name="Tijdelijke aanduiding voor inhoud 2"/>
-          <p:cNvSpPr>
-            <a:spLocks noGrp="1"/>
-          </p:cNvSpPr>
-          <p:nvPr>
-            <p:ph sz="half" idx="1"/>
           </p:nvPr>
         </p:nvSpPr>
         <p:spPr>
           <a:xfrm>
-            <a:off x="457200" y="1600200"/>
-            <a:ext cx="4038600" cy="4525963"/>
+            <a:off x="457200" y="704088"/>
+            <a:ext cx="8229600" cy="1143000"/>
           </a:xfrm>
         </p:spPr>
         <p:txBody>
           <a:bodyPr/>
+          <a:lstStyle/>
+          <a:p>
+            <a:r>
+              <a:rPr kumimoji="0" lang="nl-NL" smtClean="0"/>
+              <a:t>Klik om de stijl te bewerken</a:t>
+            </a:r>
+            <a:endParaRPr kumimoji="0" lang="en-US"/>
+          </a:p>
+        </p:txBody>
+      </p:sp>
+      <p:sp>
+        <p:nvSpPr>
+          <p:cNvPr id="3" name="Content Placeholder 2"/>
+          <p:cNvSpPr>
+            <a:spLocks noGrp="1"/>
+          </p:cNvSpPr>
+          <p:nvPr>
+            <p:ph sz="half" idx="1"/>
+          </p:nvPr>
+        </p:nvSpPr>
+        <p:spPr>
+          <a:xfrm>
+            <a:off x="457200" y="1920085"/>
+            <a:ext cx="4038600" cy="4434840"/>
+          </a:xfrm>
+        </p:spPr>
+        <p:txBody>
+          <a:bodyPr/>
           <a:lstStyle>
             <a:lvl1pPr>
-              <a:defRPr sz="2800"/>
+              <a:defRPr sz="2600"/>
             </a:lvl1pPr>
             <a:lvl2pPr>
               <a:defRPr sz="2400"/>
@@ -2007,60 +2005,48 @@
             <a:lvl5pPr>
               <a:defRPr sz="1800"/>
             </a:lvl5pPr>
-            <a:lvl6pPr>
-              <a:defRPr sz="1800"/>
-            </a:lvl6pPr>
-            <a:lvl7pPr>
-              <a:defRPr sz="1800"/>
-            </a:lvl7pPr>
-            <a:lvl8pPr>
-              <a:defRPr sz="1800"/>
-            </a:lvl8pPr>
-            <a:lvl9pPr>
-              <a:defRPr sz="1800"/>
-            </a:lvl9pPr>
           </a:lstStyle>
           <a:p>
-            <a:pPr lvl="0"/>
+            <a:pPr lvl="0" eaLnBrk="1" latinLnBrk="0" hangingPunct="1"/>
             <a:r>
               <a:rPr lang="nl-NL" smtClean="0"/>
               <a:t>Klik om de modelstijlen te bewerken</a:t>
             </a:r>
           </a:p>
           <a:p>
-            <a:pPr lvl="1"/>
+            <a:pPr lvl="1" eaLnBrk="1" latinLnBrk="0" hangingPunct="1"/>
             <a:r>
               <a:rPr lang="nl-NL" smtClean="0"/>
               <a:t>Tweede niveau</a:t>
             </a:r>
           </a:p>
           <a:p>
-            <a:pPr lvl="2"/>
+            <a:pPr lvl="2" eaLnBrk="1" latinLnBrk="0" hangingPunct="1"/>
             <a:r>
               <a:rPr lang="nl-NL" smtClean="0"/>
               <a:t>Derde niveau</a:t>
             </a:r>
           </a:p>
           <a:p>
-            <a:pPr lvl="3"/>
+            <a:pPr lvl="3" eaLnBrk="1" latinLnBrk="0" hangingPunct="1"/>
             <a:r>
               <a:rPr lang="nl-NL" smtClean="0"/>
               <a:t>Vierde niveau</a:t>
             </a:r>
           </a:p>
           <a:p>
-            <a:pPr lvl="4"/>
+            <a:pPr lvl="4" eaLnBrk="1" latinLnBrk="0" hangingPunct="1"/>
             <a:r>
               <a:rPr lang="nl-NL" smtClean="0"/>
               <a:t>Vijfde niveau</a:t>
             </a:r>
-            <a:endParaRPr lang="nl-NL"/>
-          </a:p>
-        </p:txBody>
-      </p:sp>
-      <p:sp>
-        <p:nvSpPr>
-          <p:cNvPr id="4" name="Tijdelijke aanduiding voor inhoud 3"/>
+            <a:endParaRPr kumimoji="0" lang="en-US"/>
+          </a:p>
+        </p:txBody>
+      </p:sp>
+      <p:sp>
+        <p:nvSpPr>
+          <p:cNvPr id="4" name="Content Placeholder 3"/>
           <p:cNvSpPr>
             <a:spLocks noGrp="1"/>
           </p:cNvSpPr>
@@ -2070,15 +2056,15 @@
         </p:nvSpPr>
         <p:spPr>
           <a:xfrm>
-            <a:off x="4648200" y="1600200"/>
-            <a:ext cx="4038600" cy="4525963"/>
+            <a:off x="4648200" y="1920085"/>
+            <a:ext cx="4038600" cy="4434840"/>
           </a:xfrm>
         </p:spPr>
         <p:txBody>
           <a:bodyPr/>
           <a:lstStyle>
             <a:lvl1pPr>
-              <a:defRPr sz="2800"/>
+              <a:defRPr sz="2600"/>
             </a:lvl1pPr>
             <a:lvl2pPr>
               <a:defRPr sz="2400"/>
@@ -2092,60 +2078,48 @@
             <a:lvl5pPr>
               <a:defRPr sz="1800"/>
             </a:lvl5pPr>
-            <a:lvl6pPr>
-              <a:defRPr sz="1800"/>
-            </a:lvl6pPr>
-            <a:lvl7pPr>
-              <a:defRPr sz="1800"/>
-            </a:lvl7pPr>
-            <a:lvl8pPr>
-              <a:defRPr sz="1800"/>
-            </a:lvl8pPr>
-            <a:lvl9pPr>
-              <a:defRPr sz="1800"/>
-            </a:lvl9pPr>
           </a:lstStyle>
           <a:p>
-            <a:pPr lvl="0"/>
+            <a:pPr lvl="0" eaLnBrk="1" latinLnBrk="0" hangingPunct="1"/>
             <a:r>
               <a:rPr lang="nl-NL" smtClean="0"/>
               <a:t>Klik om de modelstijlen te bewerken</a:t>
             </a:r>
           </a:p>
           <a:p>
-            <a:pPr lvl="1"/>
+            <a:pPr lvl="1" eaLnBrk="1" latinLnBrk="0" hangingPunct="1"/>
             <a:r>
               <a:rPr lang="nl-NL" smtClean="0"/>
               <a:t>Tweede niveau</a:t>
             </a:r>
           </a:p>
           <a:p>
-            <a:pPr lvl="2"/>
+            <a:pPr lvl="2" eaLnBrk="1" latinLnBrk="0" hangingPunct="1"/>
             <a:r>
               <a:rPr lang="nl-NL" smtClean="0"/>
               <a:t>Derde niveau</a:t>
             </a:r>
           </a:p>
           <a:p>
-            <a:pPr lvl="3"/>
+            <a:pPr lvl="3" eaLnBrk="1" latinLnBrk="0" hangingPunct="1"/>
             <a:r>
               <a:rPr lang="nl-NL" smtClean="0"/>
               <a:t>Vierde niveau</a:t>
             </a:r>
           </a:p>
           <a:p>
-            <a:pPr lvl="4"/>
+            <a:pPr lvl="4" eaLnBrk="1" latinLnBrk="0" hangingPunct="1"/>
             <a:r>
               <a:rPr lang="nl-NL" smtClean="0"/>
               <a:t>Vijfde niveau</a:t>
             </a:r>
-            <a:endParaRPr lang="nl-NL"/>
-          </a:p>
-        </p:txBody>
-      </p:sp>
-      <p:sp>
-        <p:nvSpPr>
-          <p:cNvPr id="5" name="Tijdelijke aanduiding voor datum 4"/>
+            <a:endParaRPr kumimoji="0" lang="en-US"/>
+          </a:p>
+        </p:txBody>
+      </p:sp>
+      <p:sp>
+        <p:nvSpPr>
+          <p:cNvPr id="5" name="Date Placeholder 4"/>
           <p:cNvSpPr>
             <a:spLocks noGrp="1"/>
           </p:cNvSpPr>
@@ -2161,7 +2135,7 @@
             <a:fld id="{7ACF6335-09FC-41E3-B28C-F777CC13F281}" type="datetime1">
               <a:rPr lang="nl-NL" smtClean="0"/>
               <a:pPr/>
-              <a:t>18-11-2015</a:t>
+              <a:t>19-11-2015</a:t>
             </a:fld>
             <a:endParaRPr lang="nl-NL"/>
           </a:p>
@@ -2169,7 +2143,7 @@
       </p:sp>
       <p:sp>
         <p:nvSpPr>
-          <p:cNvPr id="6" name="Tijdelijke aanduiding voor voettekst 5"/>
+          <p:cNvPr id="6" name="Footer Placeholder 5"/>
           <p:cNvSpPr>
             <a:spLocks noGrp="1"/>
           </p:cNvSpPr>
@@ -2188,7 +2162,7 @@
       </p:sp>
       <p:sp>
         <p:nvSpPr>
-          <p:cNvPr id="7" name="Tijdelijke aanduiding voor dianummer 6"/>
+          <p:cNvPr id="7" name="Slide Number Placeholder 6"/>
           <p:cNvSpPr>
             <a:spLocks noGrp="1"/>
           </p:cNvSpPr>
@@ -2237,7 +2211,7 @@
       </p:grpSpPr>
       <p:sp>
         <p:nvSpPr>
-          <p:cNvPr id="2" name="Titel 1"/>
+          <p:cNvPr id="2" name="Title 1"/>
           <p:cNvSpPr>
             <a:spLocks noGrp="1"/>
           </p:cNvSpPr>
@@ -2245,9 +2219,14 @@
             <p:ph type="title"/>
           </p:nvPr>
         </p:nvSpPr>
-        <p:spPr/>
-        <p:txBody>
-          <a:bodyPr/>
+        <p:spPr>
+          <a:xfrm>
+            <a:off x="457200" y="704088"/>
+            <a:ext cx="8229600" cy="1143000"/>
+          </a:xfrm>
+        </p:spPr>
+        <p:txBody>
+          <a:bodyPr tIns="45720" anchor="b"/>
           <a:lstStyle>
             <a:lvl1pPr>
               <a:defRPr/>
@@ -2255,16 +2234,16 @@
           </a:lstStyle>
           <a:p>
             <a:r>
-              <a:rPr lang="nl-NL" smtClean="0"/>
+              <a:rPr kumimoji="0" lang="nl-NL" smtClean="0"/>
               <a:t>Klik om de stijl te bewerken</a:t>
             </a:r>
-            <a:endParaRPr lang="nl-NL"/>
-          </a:p>
-        </p:txBody>
-      </p:sp>
-      <p:sp>
-        <p:nvSpPr>
-          <p:cNvPr id="3" name="Tijdelijke aanduiding voor tekst 2"/>
+            <a:endParaRPr kumimoji="0" lang="en-US"/>
+          </a:p>
+        </p:txBody>
+      </p:sp>
+      <p:sp>
+        <p:nvSpPr>
+          <p:cNvPr id="3" name="Text Placeholder 2"/>
           <p:cNvSpPr>
             <a:spLocks noGrp="1"/>
           </p:cNvSpPr>
@@ -2274,54 +2253,99 @@
         </p:nvSpPr>
         <p:spPr>
           <a:xfrm>
-            <a:off x="457200" y="1535113"/>
-            <a:ext cx="4040188" cy="639762"/>
+            <a:off x="457200" y="1855248"/>
+            <a:ext cx="4040188" cy="659352"/>
           </a:xfrm>
         </p:spPr>
         <p:txBody>
-          <a:bodyPr anchor="b"/>
+          <a:bodyPr lIns="45720" tIns="0" rIns="45720" bIns="0" anchor="ctr">
+            <a:noAutofit/>
+          </a:bodyPr>
           <a:lstStyle>
             <a:lvl1pPr marL="0" indent="0">
               <a:buNone/>
-              <a:defRPr sz="2400" b="1"/>
+              <a:defRPr sz="2400" b="1" cap="none" baseline="0">
+                <a:solidFill>
+                  <a:schemeClr val="tx2"/>
+                </a:solidFill>
+                <a:effectLst/>
+              </a:defRPr>
             </a:lvl1pPr>
-            <a:lvl2pPr marL="457200" indent="0">
+            <a:lvl2pPr>
               <a:buNone/>
               <a:defRPr sz="2000" b="1"/>
             </a:lvl2pPr>
-            <a:lvl3pPr marL="914400" indent="0">
+            <a:lvl3pPr>
               <a:buNone/>
               <a:defRPr sz="1800" b="1"/>
             </a:lvl3pPr>
-            <a:lvl4pPr marL="1371600" indent="0">
+            <a:lvl4pPr>
               <a:buNone/>
               <a:defRPr sz="1600" b="1"/>
             </a:lvl4pPr>
-            <a:lvl5pPr marL="1828800" indent="0">
+            <a:lvl5pPr>
               <a:buNone/>
               <a:defRPr sz="1600" b="1"/>
             </a:lvl5pPr>
-            <a:lvl6pPr marL="2286000" indent="0">
+          </a:lstStyle>
+          <a:p>
+            <a:pPr lvl="0" eaLnBrk="1" latinLnBrk="0" hangingPunct="1"/>
+            <a:r>
+              <a:rPr kumimoji="0" lang="nl-NL" smtClean="0"/>
+              <a:t>Klik om de modelstijlen te bewerken</a:t>
+            </a:r>
+          </a:p>
+        </p:txBody>
+      </p:sp>
+      <p:sp>
+        <p:nvSpPr>
+          <p:cNvPr id="4" name="Text Placeholder 3"/>
+          <p:cNvSpPr>
+            <a:spLocks noGrp="1"/>
+          </p:cNvSpPr>
+          <p:nvPr>
+            <p:ph type="body" sz="half" idx="3"/>
+          </p:nvPr>
+        </p:nvSpPr>
+        <p:spPr>
+          <a:xfrm>
+            <a:off x="4645025" y="1859757"/>
+            <a:ext cx="4041775" cy="654843"/>
+          </a:xfrm>
+        </p:spPr>
+        <p:txBody>
+          <a:bodyPr lIns="45720" tIns="0" rIns="45720" bIns="0" anchor="ctr"/>
+          <a:lstStyle>
+            <a:lvl1pPr marL="0" indent="0">
+              <a:buNone/>
+              <a:defRPr sz="2400" b="1" cap="none" baseline="0">
+                <a:solidFill>
+                  <a:schemeClr val="tx2"/>
+                </a:solidFill>
+                <a:effectLst/>
+              </a:defRPr>
+            </a:lvl1pPr>
+            <a:lvl2pPr>
+              <a:buNone/>
+              <a:defRPr sz="2000" b="1"/>
+            </a:lvl2pPr>
+            <a:lvl3pPr>
+              <a:buNone/>
+              <a:defRPr sz="1800" b="1"/>
+            </a:lvl3pPr>
+            <a:lvl4pPr>
               <a:buNone/>
               <a:defRPr sz="1600" b="1"/>
-            </a:lvl6pPr>
-            <a:lvl7pPr marL="2743200" indent="0">
+            </a:lvl4pPr>
+            <a:lvl5pPr>
               <a:buNone/>
               <a:defRPr sz="1600" b="1"/>
-            </a:lvl7pPr>
-            <a:lvl8pPr marL="3200400" indent="0">
-              <a:buNone/>
-              <a:defRPr sz="1600" b="1"/>
-            </a:lvl8pPr>
-            <a:lvl9pPr marL="3657600" indent="0">
-              <a:buNone/>
-              <a:defRPr sz="1600" b="1"/>
-            </a:lvl9pPr>
+            </a:lvl5pPr>
           </a:lstStyle>
           <a:p>
-            <a:pPr lvl="0"/>
-            <a:r>
-              <a:rPr lang="nl-NL" smtClean="0"/>
+            <a:pPr lvl="0" eaLnBrk="1" latinLnBrk="0" hangingPunct="1"/>
+            <a:r>
+              <a:rPr kumimoji="0" lang="nl-NL" smtClean="0"/>
               <a:t>Klik om de modelstijlen te bewerken</a:t>
             </a:r>
           </a:p>
@@ -2329,25 +2353,25 @@
       </p:sp>
       <p:sp>
         <p:nvSpPr>
-          <p:cNvPr id="4" name="Tijdelijke aanduiding voor inhoud 3"/>
-          <p:cNvSpPr>
-            <a:spLocks noGrp="1"/>
-          </p:cNvSpPr>
-          <p:nvPr>
-            <p:ph sz="half" idx="2"/>
+          <p:cNvPr id="5" name="Content Placeholder 4"/>
+          <p:cNvSpPr>
+            <a:spLocks noGrp="1"/>
+          </p:cNvSpPr>
+          <p:nvPr>
+            <p:ph sz="quarter" idx="2"/>
           </p:nvPr>
         </p:nvSpPr>
         <p:spPr>
           <a:xfrm>
-            <a:off x="457200" y="2174875"/>
-            <a:ext cx="4040188" cy="3951288"/>
+            <a:off x="457200" y="2514600"/>
+            <a:ext cx="4040188" cy="3845720"/>
           </a:xfrm>
         </p:spPr>
         <p:txBody>
-          <a:bodyPr/>
+          <a:bodyPr tIns="0"/>
           <a:lstStyle>
             <a:lvl1pPr>
-              <a:defRPr sz="2400"/>
+              <a:defRPr sz="2200"/>
             </a:lvl1pPr>
             <a:lvl2pPr>
               <a:defRPr sz="2000"/>
@@ -2361,143 +2385,66 @@
             <a:lvl5pPr>
               <a:defRPr sz="1600"/>
             </a:lvl5pPr>
-            <a:lvl6pPr>
-              <a:defRPr sz="1600"/>
-            </a:lvl6pPr>
-            <a:lvl7pPr>
-              <a:defRPr sz="1600"/>
-            </a:lvl7pPr>
-            <a:lvl8pPr>
-              <a:defRPr sz="1600"/>
-            </a:lvl8pPr>
-            <a:lvl9pPr>
-              <a:defRPr sz="1600"/>
-            </a:lvl9pPr>
           </a:lstStyle>
           <a:p>
-            <a:pPr lvl="0"/>
+            <a:pPr lvl="0" eaLnBrk="1" latinLnBrk="0" hangingPunct="1"/>
             <a:r>
               <a:rPr lang="nl-NL" smtClean="0"/>
               <a:t>Klik om de modelstijlen te bewerken</a:t>
             </a:r>
           </a:p>
           <a:p>
-            <a:pPr lvl="1"/>
+            <a:pPr lvl="1" eaLnBrk="1" latinLnBrk="0" hangingPunct="1"/>
             <a:r>
               <a:rPr lang="nl-NL" smtClean="0"/>
               <a:t>Tweede niveau</a:t>
             </a:r>
           </a:p>
           <a:p>
-            <a:pPr lvl="2"/>
+            <a:pPr lvl="2" eaLnBrk="1" latinLnBrk="0" hangingPunct="1"/>
             <a:r>
               <a:rPr lang="nl-NL" smtClean="0"/>
               <a:t>Derde niveau</a:t>
             </a:r>
           </a:p>
           <a:p>
-            <a:pPr lvl="3"/>
+            <a:pPr lvl="3" eaLnBrk="1" latinLnBrk="0" hangingPunct="1"/>
             <a:r>
               <a:rPr lang="nl-NL" smtClean="0"/>
               <a:t>Vierde niveau</a:t>
             </a:r>
           </a:p>
           <a:p>
-            <a:pPr lvl="4"/>
+            <a:pPr lvl="4" eaLnBrk="1" latinLnBrk="0" hangingPunct="1"/>
             <a:r>
               <a:rPr lang="nl-NL" smtClean="0"/>
               <a:t>Vijfde niveau</a:t>
             </a:r>
-            <a:endParaRPr lang="nl-NL"/>
-          </a:p>
-        </p:txBody>
-      </p:sp>
-      <p:sp>
-        <p:nvSpPr>
-          <p:cNvPr id="5" name="Tijdelijke aanduiding voor tekst 4"/>
-          <p:cNvSpPr>
-            <a:spLocks noGrp="1"/>
-          </p:cNvSpPr>
-          <p:nvPr>
-            <p:ph type="body" sz="quarter" idx="3"/>
+            <a:endParaRPr kumimoji="0" lang="en-US"/>
+          </a:p>
+        </p:txBody>
+      </p:sp>
+      <p:sp>
+        <p:nvSpPr>
+          <p:cNvPr id="6" name="Content Placeholder 5"/>
+          <p:cNvSpPr>
+            <a:spLocks noGrp="1"/>
+          </p:cNvSpPr>
+          <p:nvPr>
+            <p:ph sz="quarter" idx="4"/>
           </p:nvPr>
         </p:nvSpPr>
         <p:spPr>
           <a:xfrm>
-            <a:off x="4645025" y="1535113"/>
-            <a:ext cx="4041775" cy="639762"/>
+            <a:off x="4645025" y="2514600"/>
+            <a:ext cx="4041775" cy="3845720"/>
           </a:xfrm>
         </p:spPr>
         <p:txBody>
-          <a:bodyPr anchor="b"/>
-          <a:lstStyle>
-            <a:lvl1pPr marL="0" indent="0">
-              <a:buNone/>
-              <a:defRPr sz="2400" b="1"/>
-            </a:lvl1pPr>
-            <a:lvl2pPr marL="457200" indent="0">
-              <a:buNone/>
-              <a:defRPr sz="2000" b="1"/>
-            </a:lvl2pPr>
-            <a:lvl3pPr marL="914400" indent="0">
-              <a:buNone/>
-              <a:defRPr sz="1800" b="1"/>
-            </a:lvl3pPr>
-            <a:lvl4pPr marL="1371600" indent="0">
-              <a:buNone/>
-              <a:defRPr sz="1600" b="1"/>
-            </a:lvl4pPr>
-            <a:lvl5pPr marL="1828800" indent="0">
-              <a:buNone/>
-              <a:defRPr sz="1600" b="1"/>
-            </a:lvl5pPr>
-            <a:lvl6pPr marL="2286000" indent="0">
-              <a:buNone/>
-              <a:defRPr sz="1600" b="1"/>
-            </a:lvl6pPr>
-            <a:lvl7pPr marL="2743200" indent="0">
-              <a:buNone/>
-              <a:defRPr sz="1600" b="1"/>
-            </a:lvl7pPr>
-            <a:lvl8pPr marL="3200400" indent="0">
-              <a:buNone/>
-              <a:defRPr sz="1600" b="1"/>
-            </a:lvl8pPr>
-            <a:lvl9pPr marL="3657600" indent="0">
-              <a:buNone/>
-              <a:defRPr sz="1600" b="1"/>
-            </a:lvl9pPr>
-          </a:lstStyle>
-          <a:p>
-            <a:pPr lvl="0"/>
-            <a:r>
-              <a:rPr lang="nl-NL" smtClean="0"/>
-              <a:t>Klik om de modelstijlen te bewerken</a:t>
-            </a:r>
-          </a:p>
-        </p:txBody>
-      </p:sp>
-      <p:sp>
-        <p:nvSpPr>
-          <p:cNvPr id="6" name="Tijdelijke aanduiding voor inhoud 5"/>
-          <p:cNvSpPr>
-            <a:spLocks noGrp="1"/>
-          </p:cNvSpPr>
-          <p:nvPr>
-            <p:ph sz="quarter" idx="4"/>
-          </p:nvPr>
-        </p:nvSpPr>
-        <p:spPr>
-          <a:xfrm>
-            <a:off x="4645025" y="2174875"/>
-            <a:ext cx="4041775" cy="3951288"/>
-          </a:xfrm>
-        </p:spPr>
-        <p:txBody>
-          <a:bodyPr/>
+          <a:bodyPr tIns="0"/>
           <a:lstStyle>
             <a:lvl1pPr>
-              <a:defRPr sz="2400"/>
+              <a:defRPr sz="2200"/>
             </a:lvl1pPr>
             <a:lvl2pPr>
               <a:defRPr sz="2000"/>
@@ -2511,60 +2458,48 @@
             <a:lvl5pPr>
               <a:defRPr sz="1600"/>
             </a:lvl5pPr>
-            <a:lvl6pPr>
-              <a:defRPr sz="1600"/>
-            </a:lvl6pPr>
-            <a:lvl7pPr>
-              <a:defRPr sz="1600"/>
-            </a:lvl7pPr>
-            <a:lvl8pPr>
-              <a:defRPr sz="1600"/>
-            </a:lvl8pPr>
-            <a:lvl9pPr>
-              <a:defRPr sz="1600"/>
-            </a:lvl9pPr>
           </a:lstStyle>
           <a:p>
-            <a:pPr lvl="0"/>
+            <a:pPr lvl="0" eaLnBrk="1" latinLnBrk="0" hangingPunct="1"/>
             <a:r>
               <a:rPr lang="nl-NL" smtClean="0"/>
               <a:t>Klik om de modelstijlen te bewerken</a:t>
             </a:r>
           </a:p>
           <a:p>
-            <a:pPr lvl="1"/>
+            <a:pPr lvl="1" eaLnBrk="1" latinLnBrk="0" hangingPunct="1"/>
             <a:r>
               <a:rPr lang="nl-NL" smtClean="0"/>
               <a:t>Tweede niveau</a:t>
             </a:r>
           </a:p>
           <a:p>
-            <a:pPr lvl="2"/>
+            <a:pPr lvl="2" eaLnBrk="1" latinLnBrk="0" hangingPunct="1"/>
             <a:r>
               <a:rPr lang="nl-NL" smtClean="0"/>
               <a:t>Derde niveau</a:t>
             </a:r>
           </a:p>
           <a:p>
-            <a:pPr lvl="3"/>
+            <a:pPr lvl="3" eaLnBrk="1" latinLnBrk="0" hangingPunct="1"/>
             <a:r>
               <a:rPr lang="nl-NL" smtClean="0"/>
               <a:t>Vierde niveau</a:t>
             </a:r>
           </a:p>
           <a:p>
-            <a:pPr lvl="4"/>
+            <a:pPr lvl="4" eaLnBrk="1" latinLnBrk="0" hangingPunct="1"/>
             <a:r>
               <a:rPr lang="nl-NL" smtClean="0"/>
               <a:t>Vijfde niveau</a:t>
             </a:r>
-            <a:endParaRPr lang="nl-NL"/>
-          </a:p>
-        </p:txBody>
-      </p:sp>
-      <p:sp>
-        <p:nvSpPr>
-          <p:cNvPr id="7" name="Tijdelijke aanduiding voor datum 6"/>
+            <a:endParaRPr kumimoji="0" lang="en-US"/>
+          </a:p>
+        </p:txBody>
+      </p:sp>
+      <p:sp>
+        <p:nvSpPr>
+          <p:cNvPr id="7" name="Date Placeholder 6"/>
           <p:cNvSpPr>
             <a:spLocks noGrp="1"/>
           </p:cNvSpPr>
@@ -2580,7 +2515,7 @@
             <a:fld id="{BE212D5F-C122-48C2-A759-C51BA91F6486}" type="datetime1">
               <a:rPr lang="nl-NL" smtClean="0"/>
               <a:pPr/>
-              <a:t>18-11-2015</a:t>
+              <a:t>19-11-2015</a:t>
             </a:fld>
             <a:endParaRPr lang="nl-NL"/>
           </a:p>
@@ -2588,7 +2523,7 @@
       </p:sp>
       <p:sp>
         <p:nvSpPr>
-          <p:cNvPr id="8" name="Tijdelijke aanduiding voor voettekst 7"/>
+          <p:cNvPr id="8" name="Footer Placeholder 7"/>
           <p:cNvSpPr>
             <a:spLocks noGrp="1"/>
           </p:cNvSpPr>
@@ -2607,7 +2542,7 @@
       </p:sp>
       <p:sp>
         <p:nvSpPr>
-          <p:cNvPr id="9" name="Tijdelijke aanduiding voor dianummer 8"/>
+          <p:cNvPr id="9" name="Slide Number Placeholder 8"/>
           <p:cNvSpPr>
             <a:spLocks noGrp="1"/>
           </p:cNvSpPr>
@@ -2656,7 +2591,7 @@
       </p:grpSpPr>
       <p:sp>
         <p:nvSpPr>
-          <p:cNvPr id="2" name="Titel 1"/>
+          <p:cNvPr id="2" name="Title 1"/>
           <p:cNvSpPr>
             <a:spLocks noGrp="1"/>
           </p:cNvSpPr>
@@ -2664,22 +2599,59 @@
             <p:ph type="title"/>
           </p:nvPr>
         </p:nvSpPr>
-        <p:spPr/>
-        <p:txBody>
-          <a:bodyPr/>
-          <a:lstStyle/>
-          <a:p>
-            <a:r>
-              <a:rPr lang="nl-NL" smtClean="0"/>
+        <p:spPr>
+          <a:xfrm>
+            <a:off x="457200" y="704088"/>
+            <a:ext cx="8305800" cy="1143000"/>
+          </a:xfrm>
+        </p:spPr>
+        <p:txBody>
+          <a:bodyPr vert="horz" tIns="45720" bIns="0" anchor="b">
+            <a:normAutofit/>
+            <a:scene3d>
+              <a:camera prst="orthographicFront"/>
+              <a:lightRig rig="freezing" dir="t">
+                <a:rot lat="0" lon="0" rev="5640000"/>
+              </a:lightRig>
+            </a:scene3d>
+            <a:sp3d prstMaterial="flat">
+              <a:contourClr>
+                <a:schemeClr val="tx2"/>
+              </a:contourClr>
+            </a:sp3d>
+          </a:bodyPr>
+          <a:lstStyle>
+            <a:lvl1pPr algn="l" rtl="0">
+              <a:spcBef>
+                <a:spcPct val="0"/>
+              </a:spcBef>
+              <a:buNone/>
+              <a:defRPr sz="5000" b="0">
+                <a:ln>
+                  <a:noFill/>
+                </a:ln>
+                <a:solidFill>
+                  <a:schemeClr val="tx2"/>
+                </a:solidFill>
+                <a:effectLst/>
+                <a:latin typeface="+mj-lt"/>
+                <a:ea typeface="+mj-ea"/>
+                <a:cs typeface="+mj-cs"/>
+              </a:defRPr>
+            </a:lvl1pPr>
+          </a:lstStyle>
+          <a:p>
+            <a:r>
+              <a:rPr kumimoji="0" lang="nl-NL" smtClean="0"/>
               <a:t>Klik om de stijl te bewerken</a:t>
             </a:r>
-            <a:endParaRPr lang="nl-NL"/>
-          </a:p>
-        </p:txBody>
-      </p:sp>
-      <p:sp>
-        <p:nvSpPr>
-          <p:cNvPr id="3" name="Tijdelijke aanduiding voor datum 2"/>
+            <a:endParaRPr kumimoji="0" lang="en-US"/>
+          </a:p>
+        </p:txBody>
+      </p:sp>
+      <p:sp>
+        <p:nvSpPr>
+          <p:cNvPr id="3" name="Date Placeholder 2"/>
           <p:cNvSpPr>
             <a:spLocks noGrp="1"/>
           </p:cNvSpPr>
@@ -2695,7 +2667,7 @@
             <a:fld id="{6A884A0F-B8CC-4C4C-8C3C-E3CF882D71C5}" type="datetime1">
               <a:rPr lang="nl-NL" smtClean="0"/>
               <a:pPr/>
-              <a:t>18-11-2015</a:t>
+              <a:t>19-11-2015</a:t>
             </a:fld>
             <a:endParaRPr lang="nl-NL"/>
           </a:p>
@@ -2703,7 +2675,7 @@
       </p:sp>
       <p:sp>
         <p:nvSpPr>
-          <p:cNvPr id="4" name="Tijdelijke aanduiding voor voettekst 3"/>
+          <p:cNvPr id="4" name="Footer Placeholder 3"/>
           <p:cNvSpPr>
             <a:spLocks noGrp="1"/>
           </p:cNvSpPr>
@@ -2722,7 +2694,7 @@
       </p:sp>
       <p:sp>
         <p:nvSpPr>
-          <p:cNvPr id="5" name="Tijdelijke aanduiding voor dianummer 4"/>
+          <p:cNvPr id="5" name="Slide Number Placeholder 4"/>
           <p:cNvSpPr>
             <a:spLocks noGrp="1"/>
           </p:cNvSpPr>
@@ -2771,7 +2743,7 @@
       </p:grpSpPr>
       <p:sp>
         <p:nvSpPr>
-          <p:cNvPr id="2" name="Tijdelijke aanduiding voor datum 1"/>
+          <p:cNvPr id="2" name="Date Placeholder 1"/>
           <p:cNvSpPr>
             <a:spLocks noGrp="1"/>
           </p:cNvSpPr>
@@ -2787,7 +2759,7 @@
             <a:fld id="{70A369C1-2A09-4E01-B803-B2A9606C153D}" type="datetime1">
               <a:rPr lang="nl-NL" smtClean="0"/>
               <a:pPr/>
-              <a:t>18-11-2015</a:t>
+              <a:t>19-11-2015</a:t>
             </a:fld>
             <a:endParaRPr lang="nl-NL"/>
           </a:p>
@@ -2795,7 +2767,7 @@
       </p:sp>
       <p:sp>
         <p:nvSpPr>
-          <p:cNvPr id="3" name="Tijdelijke aanduiding voor voettekst 2"/>
+          <p:cNvPr id="3" name="Footer Placeholder 2"/>
           <p:cNvSpPr>
             <a:spLocks noGrp="1"/>
           </p:cNvSpPr>
@@ -2814,7 +2786,7 @@
       </p:sp>
       <p:sp>
         <p:nvSpPr>
-          <p:cNvPr id="4" name="Tijdelijke aanduiding voor dianummer 3"/>
+          <p:cNvPr id="4" name="Slide Number Placeholder 3"/>
           <p:cNvSpPr>
             <a:spLocks noGrp="1"/>
           </p:cNvSpPr>
@@ -2863,7 +2835,7 @@
       </p:grpSpPr>
       <p:sp>
         <p:nvSpPr>
-          <p:cNvPr id="2" name="Titel 1"/>
+          <p:cNvPr id="2" name="Title 1"/>
           <p:cNvSpPr>
             <a:spLocks noGrp="1"/>
           </p:cNvSpPr>
@@ -2873,50 +2845,116 @@
         </p:nvSpPr>
         <p:spPr>
           <a:xfrm>
-            <a:off x="457200" y="273050"/>
-            <a:ext cx="3008313" cy="1162050"/>
+            <a:off x="685800" y="514352"/>
+            <a:ext cx="2743200" cy="1162050"/>
           </a:xfrm>
         </p:spPr>
         <p:txBody>
-          <a:bodyPr anchor="b"/>
+          <a:bodyPr lIns="0" anchor="b">
+            <a:noAutofit/>
+          </a:bodyPr>
           <a:lstStyle>
-            <a:lvl1pPr algn="l">
-              <a:defRPr sz="2000" b="1"/>
+            <a:lvl1pPr algn="l" rtl="0">
+              <a:spcBef>
+                <a:spcPct val="0"/>
+              </a:spcBef>
+              <a:buNone/>
+              <a:defRPr sz="2600" b="0">
+                <a:ln>
+                  <a:noFill/>
+                </a:ln>
+                <a:solidFill>
+                  <a:schemeClr val="tx2"/>
+                </a:solidFill>
+                <a:effectLst/>
+                <a:latin typeface="+mj-lt"/>
+                <a:ea typeface="+mj-ea"/>
+                <a:cs typeface="+mj-cs"/>
+              </a:defRPr>
             </a:lvl1pPr>
           </a:lstStyle>
           <a:p>
             <a:r>
-              <a:rPr lang="nl-NL" smtClean="0"/>
+              <a:rPr kumimoji="0" lang="nl-NL" smtClean="0"/>
               <a:t>Klik om de stijl te bewerken</a:t>
             </a:r>
-            <a:endParaRPr lang="nl-NL"/>
-          </a:p>
-        </p:txBody>
-      </p:sp>
-      <p:sp>
-        <p:nvSpPr>
-          <p:cNvPr id="3" name="Tijdelijke aanduiding voor inhoud 2"/>
-          <p:cNvSpPr>
-            <a:spLocks noGrp="1"/>
-          </p:cNvSpPr>
-          <p:nvPr>
-            <p:ph idx="1"/>
+            <a:endParaRPr kumimoji="0" lang="en-US"/>
+          </a:p>
+        </p:txBody>
+      </p:sp>
+      <p:sp>
+        <p:nvSpPr>
+          <p:cNvPr id="3" name="Text Placeholder 2"/>
+          <p:cNvSpPr>
+            <a:spLocks noGrp="1"/>
+          </p:cNvSpPr>
+          <p:nvPr>
+            <p:ph type="body" idx="2"/>
           </p:nvPr>
         </p:nvSpPr>
         <p:spPr>
           <a:xfrm>
-            <a:off x="3575050" y="273050"/>
-            <a:ext cx="5111750" cy="5853113"/>
+            <a:off x="685800" y="1676400"/>
+            <a:ext cx="2743200" cy="4572000"/>
           </a:xfrm>
         </p:spPr>
         <p:txBody>
-          <a:bodyPr/>
+          <a:bodyPr lIns="18288" rIns="18288"/>
+          <a:lstStyle>
+            <a:lvl1pPr marL="0" indent="0" algn="l">
+              <a:buNone/>
+              <a:defRPr sz="1400"/>
+            </a:lvl1pPr>
+            <a:lvl2pPr indent="0" algn="l">
+              <a:buNone/>
+              <a:defRPr sz="1200"/>
+            </a:lvl2pPr>
+            <a:lvl3pPr indent="0" algn="l">
+              <a:buNone/>
+              <a:defRPr sz="1000"/>
+            </a:lvl3pPr>
+            <a:lvl4pPr indent="0" algn="l">
+              <a:buNone/>
+              <a:defRPr sz="900"/>
+            </a:lvl4pPr>
+            <a:lvl5pPr indent="0" algn="l">
+              <a:buNone/>
+              <a:defRPr sz="900"/>
+            </a:lvl5pPr>
+          </a:lstStyle>
+          <a:p>
+            <a:pPr lvl="0" eaLnBrk="1" latinLnBrk="0" hangingPunct="1"/>
+            <a:r>
+              <a:rPr kumimoji="0" lang="nl-NL" smtClean="0"/>
+              <a:t>Klik om de modelstijlen te bewerken</a:t>
+            </a:r>
+          </a:p>
+        </p:txBody>
+      </p:sp>
+      <p:sp>
+        <p:nvSpPr>
+          <p:cNvPr id="4" name="Content Placeholder 3"/>
+          <p:cNvSpPr>
+            <a:spLocks noGrp="1"/>
+          </p:cNvSpPr>
+          <p:nvPr>
+            <p:ph sz="half" idx="1"/>
+          </p:nvPr>
+        </p:nvSpPr>
+        <p:spPr>
+          <a:xfrm>
+            <a:off x="3575050" y="1676400"/>
+            <a:ext cx="5111750" cy="4572000"/>
+          </a:xfrm>
+        </p:spPr>
+        <p:txBody>
+          <a:bodyPr tIns="0"/>
           <a:lstStyle>
             <a:lvl1pPr>
-              <a:defRPr sz="3200"/>
+              <a:defRPr sz="2800"/>
             </a:lvl1pPr>
             <a:lvl2pPr>
-              <a:defRPr sz="2800"/>
+              <a:defRPr sz="2600"/>
             </a:lvl2pPr>
             <a:lvl3pPr>
               <a:defRPr sz="2400"/>
@@ -2925,127 +2963,50 @@
               <a:defRPr sz="2000"/>
             </a:lvl4pPr>
             <a:lvl5pPr>
-              <a:defRPr sz="2000"/>
+              <a:defRPr sz="1800"/>
             </a:lvl5pPr>
-            <a:lvl6pPr>
-              <a:defRPr sz="2000"/>
-            </a:lvl6pPr>
-            <a:lvl7pPr>
-              <a:defRPr sz="2000"/>
-            </a:lvl7pPr>
-            <a:lvl8pPr>
-              <a:defRPr sz="2000"/>
-            </a:lvl8pPr>
-            <a:lvl9pPr>
-              <a:defRPr sz="2000"/>
-            </a:lvl9pPr>
           </a:lstStyle>
           <a:p>
-            <a:pPr lvl="0"/>
+            <a:pPr lvl="0" eaLnBrk="1" latinLnBrk="0" hangingPunct="1"/>
             <a:r>
               <a:rPr lang="nl-NL" smtClean="0"/>
               <a:t>Klik om de modelstijlen te bewerken</a:t>
             </a:r>
           </a:p>
           <a:p>
-            <a:pPr lvl="1"/>
+            <a:pPr lvl="1" eaLnBrk="1" latinLnBrk="0" hangingPunct="1"/>
             <a:r>
               <a:rPr lang="nl-NL" smtClean="0"/>
               <a:t>Tweede niveau</a:t>
             </a:r>
           </a:p>
           <a:p>
-            <a:pPr lvl="2"/>
+            <a:pPr lvl="2" eaLnBrk="1" latinLnBrk="0" hangingPunct="1"/>
             <a:r>
               <a:rPr lang="nl-NL" smtClean="0"/>
               <a:t>Derde niveau</a:t>
             </a:r>
           </a:p>
           <a:p>
-            <a:pPr lvl="3"/>
+            <a:pPr lvl="3" eaLnBrk="1" latinLnBrk="0" hangingPunct="1"/>
             <a:r>
               <a:rPr lang="nl-NL" smtClean="0"/>
               <a:t>Vierde niveau</a:t>
             </a:r>
           </a:p>
           <a:p>
-            <a:pPr lvl="4"/>
+            <a:pPr lvl="4" eaLnBrk="1" latinLnBrk="0" hangingPunct="1"/>
             <a:r>
               <a:rPr lang="nl-NL" smtClean="0"/>
               <a:t>Vijfde niveau</a:t>
             </a:r>
-            <a:endParaRPr lang="nl-NL"/>
-          </a:p>
-        </p:txBody>
-      </p:sp>
-      <p:sp>
-        <p:nvSpPr>
-          <p:cNvPr id="4" name="Tijdelijke aanduiding voor tekst 3"/>
-          <p:cNvSpPr>
-            <a:spLocks noGrp="1"/>
-          </p:cNvSpPr>
-          <p:nvPr>
-            <p:ph type="body" sz="half" idx="2"/>
-          </p:nvPr>
-        </p:nvSpPr>
-        <p:spPr>
-          <a:xfrm>
-            <a:off x="457200" y="1435100"/>
-            <a:ext cx="3008313" cy="4691063"/>
-          </a:xfrm>
-        </p:spPr>
-        <p:txBody>
-          <a:bodyPr/>
-          <a:lstStyle>
-            <a:lvl1pPr marL="0" indent="0">
-              <a:buNone/>
-              <a:defRPr sz="1400"/>
-            </a:lvl1pPr>
-            <a:lvl2pPr marL="457200" indent="0">
-              <a:buNone/>
-              <a:defRPr sz="1200"/>
-            </a:lvl2pPr>
-            <a:lvl3pPr marL="914400" indent="0">
-              <a:buNone/>
-              <a:defRPr sz="1000"/>
-            </a:lvl3pPr>
-            <a:lvl4pPr marL="1371600" indent="0">
-              <a:buNone/>
-              <a:defRPr sz="900"/>
-            </a:lvl4pPr>
-            <a:lvl5pPr marL="1828800" indent="0">
-              <a:buNone/>
-              <a:defRPr sz="900"/>
-            </a:lvl5pPr>
-            <a:lvl6pPr marL="2286000" indent="0">
-              <a:buNone/>
-              <a:defRPr sz="900"/>
-            </a:lvl6pPr>
-            <a:lvl7pPr marL="2743200" indent="0">
-              <a:buNone/>
-              <a:defRPr sz="900"/>
-            </a:lvl7pPr>
-            <a:lvl8pPr marL="3200400" indent="0">
-              <a:buNone/>
-              <a:defRPr sz="900"/>
-            </a:lvl8pPr>
-            <a:lvl9pPr marL="3657600" indent="0">
-              <a:buNone/>
-              <a:defRPr sz="900"/>
-            </a:lvl9pPr>
-          </a:lstStyle>
-          <a:p>
-            <a:pPr lvl="0"/>
-            <a:r>
-              <a:rPr lang="nl-NL" smtClean="0"/>
-              <a:t>Klik om de modelstijlen te bewerken</a:t>
-            </a:r>
-          </a:p>
-        </p:txBody>
-      </p:sp>
-      <p:sp>
-        <p:nvSpPr>
-          <p:cNvPr id="5" name="Tijdelijke aanduiding voor datum 4"/>
+            <a:endParaRPr kumimoji="0" lang="en-US"/>
+          </a:p>
+        </p:txBody>
+      </p:sp>
+      <p:sp>
+        <p:nvSpPr>
+          <p:cNvPr id="5" name="Date Placeholder 4"/>
           <p:cNvSpPr>
             <a:spLocks noGrp="1"/>
           </p:cNvSpPr>
@@ -3061,7 +3022,7 @@
             <a:fld id="{8E35EA81-F35D-4DE0-9883-71FD6E74203F}" type="datetime1">
               <a:rPr lang="nl-NL" smtClean="0"/>
               <a:pPr/>
-              <a:t>18-11-2015</a:t>
+              <a:t>19-11-2015</a:t>
             </a:fld>
             <a:endParaRPr lang="nl-NL"/>
           </a:p>
@@ -3069,7 +3030,7 @@
       </p:sp>
       <p:sp>
         <p:nvSpPr>
-          <p:cNvPr id="6" name="Tijdelijke aanduiding voor voettekst 5"/>
+          <p:cNvPr id="6" name="Footer Placeholder 5"/>
           <p:cNvSpPr>
             <a:spLocks noGrp="1"/>
           </p:cNvSpPr>
@@ -3088,7 +3049,7 @@
       </p:sp>
       <p:sp>
         <p:nvSpPr>
-          <p:cNvPr id="7" name="Tijdelijke aanduiding voor dianummer 6"/>
+          <p:cNvPr id="7" name="Slide Number Placeholder 6"/>
           <p:cNvSpPr>
             <a:spLocks noGrp="1"/>
           </p:cNvSpPr>
@@ -3119,7 +3080,7 @@
 </file>
 
 <file path=ppt/slideLayouts/slideLayout9.xml><?xml version="1.0" encoding="utf-8"?>
-<p:sldLayout xmlns:a="http://schemas.openxmlformats.org/drawingml/2006/main" xmlns:r="http://schemas.openxmlformats.org/officeDocument/2006/relationships" xmlns:p="http://schemas.openxmlformats.org/presentationml/2006/main" type="picTx" preserve="1">
+<p:sldLayout xmlns:a="http://schemas.openxmlformats.org/drawingml/2006/main" xmlns:r="http://schemas.openxmlformats.org/officeDocument/2006/relationships" xmlns:p="http://schemas.openxmlformats.org/presentationml/2006/main" showMasterSp="0" type="picTx" preserve="1">
   <p:cSld name="Afbeelding met bijschrift">
     <p:spTree>
       <p:nvGrpSpPr>
@@ -3137,7 +3098,119 @@
       </p:grpSpPr>
       <p:sp>
         <p:nvSpPr>
-          <p:cNvPr id="2" name="Titel 1"/>
+          <p:cNvPr id="9" name="Snip and Round Single Corner Rectangle 8"/>
+          <p:cNvSpPr/>
+          <p:nvPr/>
+        </p:nvSpPr>
+        <p:spPr>
+          <a:xfrm rot="420000" flipV="1">
+            <a:off x="3165753" y="1108077"/>
+            <a:ext cx="5257800" cy="4114800"/>
+          </a:xfrm>
+          <a:prstGeom prst="snipRoundRect">
+            <a:avLst>
+              <a:gd name="adj1" fmla="val 0"/>
+              <a:gd name="adj2" fmla="val 3646"/>
+            </a:avLst>
+          </a:prstGeom>
+          <a:solidFill>
+            <a:srgbClr val="FFFFFF"/>
+          </a:solidFill>
+          <a:ln w="3175" cap="rnd" cmpd="sng" algn="ctr">
+            <a:solidFill>
+              <a:srgbClr val="C0C0C0"/>
+            </a:solidFill>
+            <a:prstDash val="solid"/>
+          </a:ln>
+          <a:effectLst>
+            <a:outerShdw blurRad="63500" dist="38500" dir="7500000" sx="98500" sy="100080" kx="100000" algn="tl" rotWithShape="0">
+              <a:srgbClr val="000000">
+                <a:alpha val="25000"/>
+              </a:srgbClr>
+            </a:outerShdw>
+          </a:effectLst>
+        </p:spPr>
+        <p:style>
+          <a:lnRef idx="2">
+            <a:schemeClr val="accent1"/>
+          </a:lnRef>
+          <a:fillRef idx="1">
+            <a:schemeClr val="accent1"/>
+          </a:fillRef>
+          <a:effectRef idx="0">
+            <a:schemeClr val="accent1"/>
+          </a:effectRef>
+          <a:fontRef idx="minor">
+            <a:schemeClr val="lt1"/>
+          </a:fontRef>
+        </p:style>
+        <p:txBody>
+          <a:bodyPr rtlCol="0" anchor="ctr"/>
+          <a:lstStyle/>
+          <a:p>
+            <a:pPr algn="ctr" eaLnBrk="1" latinLnBrk="0" hangingPunct="1"/>
+            <a:endParaRPr kumimoji="0" lang="en-US"/>
+          </a:p>
+        </p:txBody>
+      </p:sp>
+      <p:sp>
+        <p:nvSpPr>
+          <p:cNvPr id="12" name="Right Triangle 11"/>
+          <p:cNvSpPr/>
+          <p:nvPr/>
+        </p:nvSpPr>
+        <p:spPr>
+          <a:xfrm rot="420000" flipV="1">
+            <a:off x="8004134" y="5359769"/>
+            <a:ext cx="155448" cy="155448"/>
+          </a:xfrm>
+          <a:prstGeom prst="rtTriangle">
+            <a:avLst/>
+          </a:prstGeom>
+          <a:solidFill>
+            <a:srgbClr val="FFFFFF"/>
+          </a:solidFill>
+          <a:ln w="12700" cap="flat" cmpd="sng" algn="ctr">
+            <a:solidFill>
+              <a:srgbClr val="FFFFFF"/>
+            </a:solidFill>
+            <a:prstDash val="solid"/>
+            <a:bevel/>
+          </a:ln>
+          <a:effectLst>
+            <a:outerShdw blurRad="19685" dist="6350" dir="12900000" algn="tl" rotWithShape="0">
+              <a:srgbClr val="000000">
+                <a:alpha val="47000"/>
+              </a:srgbClr>
+            </a:outerShdw>
+          </a:effectLst>
+        </p:spPr>
+        <p:style>
+          <a:lnRef idx="2">
+            <a:schemeClr val="accent1"/>
+          </a:lnRef>
+          <a:fillRef idx="1">
+            <a:schemeClr val="accent1"/>
+          </a:fillRef>
+          <a:effectRef idx="0">
+            <a:schemeClr val="accent1"/>
+          </a:effectRef>
+          <a:fontRef idx="minor">
+            <a:schemeClr val="lt1"/>
+          </a:fontRef>
+        </p:style>
+        <p:txBody>
+          <a:bodyPr rtlCol="0" anchor="ctr"/>
+          <a:lstStyle/>
+          <a:p>
+            <a:pPr algn="ctr" eaLnBrk="1" latinLnBrk="0" hangingPunct="1"/>
+            <a:endParaRPr kumimoji="0" lang="en-US"/>
+          </a:p>
+        </p:txBody>
+      </p:sp>
+      <p:sp>
+        <p:nvSpPr>
+          <p:cNvPr id="2" name="Title 1"/>
           <p:cNvSpPr>
             <a:spLocks noGrp="1"/>
           </p:cNvSpPr>
@@ -3147,147 +3220,75 @@
         </p:nvSpPr>
         <p:spPr>
           <a:xfrm>
-            <a:off x="1792288" y="4800600"/>
-            <a:ext cx="5486400" cy="566738"/>
+            <a:off x="609600" y="1176996"/>
+            <a:ext cx="2212848" cy="1582621"/>
           </a:xfrm>
         </p:spPr>
         <p:txBody>
-          <a:bodyPr anchor="b"/>
+          <a:bodyPr vert="horz" lIns="45720" tIns="45720" rIns="45720" bIns="45720" anchor="b"/>
           <a:lstStyle>
             <a:lvl1pPr algn="l">
-              <a:defRPr sz="2000" b="1"/>
+              <a:buNone/>
+              <a:defRPr sz="2000" b="1">
+                <a:solidFill>
+                  <a:schemeClr val="tx2"/>
+                </a:solidFill>
+              </a:defRPr>
             </a:lvl1pPr>
           </a:lstStyle>
           <a:p>
             <a:r>
-              <a:rPr lang="nl-NL" smtClean="0"/>
+              <a:rPr kumimoji="0" lang="nl-NL" smtClean="0"/>
               <a:t>Klik om de stijl te bewerken</a:t>
             </a:r>
-            <a:endParaRPr lang="nl-NL"/>
-          </a:p>
-        </p:txBody>
-      </p:sp>
-      <p:sp>
-        <p:nvSpPr>
-          <p:cNvPr id="3" name="Tijdelijke aanduiding voor afbeelding 2"/>
-          <p:cNvSpPr>
-            <a:spLocks noGrp="1"/>
-          </p:cNvSpPr>
-          <p:nvPr>
-            <p:ph type="pic" idx="1"/>
+            <a:endParaRPr kumimoji="0" lang="en-US"/>
+          </a:p>
+        </p:txBody>
+      </p:sp>
+      <p:sp>
+        <p:nvSpPr>
+          <p:cNvPr id="4" name="Text Placeholder 3"/>
+          <p:cNvSpPr>
+            <a:spLocks noGrp="1"/>
+          </p:cNvSpPr>
+          <p:nvPr>
+            <p:ph type="body" sz="half" idx="2"/>
           </p:nvPr>
         </p:nvSpPr>
         <p:spPr>
           <a:xfrm>
-            <a:off x="1792288" y="612775"/>
-            <a:ext cx="5486400" cy="4114800"/>
+            <a:off x="609600" y="2828785"/>
+            <a:ext cx="2209800" cy="2179320"/>
           </a:xfrm>
         </p:spPr>
         <p:txBody>
-          <a:bodyPr/>
+          <a:bodyPr lIns="64008" rIns="45720" bIns="45720" anchor="t"/>
           <a:lstStyle>
-            <a:lvl1pPr marL="0" indent="0">
+            <a:lvl1pPr marL="0" indent="0" algn="l">
+              <a:spcBef>
+                <a:spcPts val="250"/>
+              </a:spcBef>
+              <a:buFontTx/>
               <a:buNone/>
-              <a:defRPr sz="3200"/>
+              <a:defRPr sz="1300"/>
             </a:lvl1pPr>
-            <a:lvl2pPr marL="457200" indent="0">
-              <a:buNone/>
-              <a:defRPr sz="2800"/>
-            </a:lvl2pPr>
-            <a:lvl3pPr marL="914400" indent="0">
-              <a:buNone/>
-              <a:defRPr sz="2400"/>
-            </a:lvl3pPr>
-            <a:lvl4pPr marL="1371600" indent="0">
-              <a:buNone/>
-              <a:defRPr sz="2000"/>
-            </a:lvl4pPr>
-            <a:lvl5pPr marL="1828800" indent="0">
-              <a:buNone/>
-              <a:defRPr sz="2000"/>
-            </a:lvl5pPr>
-            <a:lvl6pPr marL="2286000" indent="0">
-              <a:buNone/>
-              <a:defRPr sz="2000"/>
-            </a:lvl6pPr>
-            <a:lvl7pPr marL="2743200" indent="0">
-              <a:buNone/>
-              <a:defRPr sz="2000"/>
-            </a:lvl7pPr>
-            <a:lvl8pPr marL="3200400" indent="0">
-              <a:buNone/>
-              <a:defRPr sz="2000"/>
-            </a:lvl8pPr>
-            <a:lvl9pPr marL="3657600" indent="0">
-              <a:buNone/>
-              <a:defRPr sz="2000"/>
-            </a:lvl9pPr>
-          </a:lstStyle>
-          <a:p>
-            <a:endParaRPr lang="nl-NL"/>
-          </a:p>
-        </p:txBody>
-      </p:sp>
-      <p:sp>
-        <p:nvSpPr>
-          <p:cNvPr id="4" name="Tijdelijke aanduiding voor tekst 3"/>
-          <p:cNvSpPr>
-            <a:spLocks noGrp="1"/>
-          </p:cNvSpPr>
-          <p:nvPr>
-            <p:ph type="body" sz="half" idx="2"/>
-          </p:nvPr>
-        </p:nvSpPr>
-        <p:spPr>
-          <a:xfrm>
-            <a:off x="1792288" y="5367338"/>
-            <a:ext cx="5486400" cy="804862"/>
-          </a:xfrm>
-        </p:spPr>
-        <p:txBody>
-          <a:bodyPr/>
-          <a:lstStyle>
-            <a:lvl1pPr marL="0" indent="0">
-              <a:buNone/>
-              <a:defRPr sz="1400"/>
-            </a:lvl1pPr>
-            <a:lvl2pPr marL="457200" indent="0">
-              <a:buNone/>
+            <a:lvl2pPr>
               <a:defRPr sz="1200"/>
             </a:lvl2pPr>
-            <a:lvl3pPr marL="914400" indent="0">
-              <a:buNone/>
+            <a:lvl3pPr>
               <a:defRPr sz="1000"/>
             </a:lvl3pPr>
-            <a:lvl4pPr marL="1371600" indent="0">
-              <a:buNone/>
+            <a:lvl4pPr>
               <a:defRPr sz="900"/>
             </a:lvl4pPr>
-            <a:lvl5pPr marL="1828800" indent="0">
-              <a:buNone/>
+            <a:lvl5pPr>
               <a:defRPr sz="900"/>
             </a:lvl5pPr>
-            <a:lvl6pPr marL="2286000" indent="0">
-              <a:buNone/>
-              <a:defRPr sz="900"/>
-            </a:lvl6pPr>
-            <a:lvl7pPr marL="2743200" indent="0">
-              <a:buNone/>
-              <a:defRPr sz="900"/>
-            </a:lvl7pPr>
-            <a:lvl8pPr marL="3200400" indent="0">
-              <a:buNone/>
-              <a:defRPr sz="900"/>
-            </a:lvl8pPr>
-            <a:lvl9pPr marL="3657600" indent="0">
-              <a:buNone/>
-              <a:defRPr sz="900"/>
-            </a:lvl9pPr>
           </a:lstStyle>
           <a:p>
-            <a:pPr lvl="0"/>
-            <a:r>
-              <a:rPr lang="nl-NL" smtClean="0"/>
+            <a:pPr lvl="0" eaLnBrk="1" latinLnBrk="0" hangingPunct="1"/>
+            <a:r>
+              <a:rPr kumimoji="0" lang="nl-NL" smtClean="0"/>
               <a:t>Klik om de modelstijlen te bewerken</a:t>
             </a:r>
           </a:p>
@@ -3295,7 +3296,7 @@
       </p:sp>
       <p:sp>
         <p:nvSpPr>
-          <p:cNvPr id="5" name="Tijdelijke aanduiding voor datum 4"/>
+          <p:cNvPr id="5" name="Date Placeholder 4"/>
           <p:cNvSpPr>
             <a:spLocks noGrp="1"/>
           </p:cNvSpPr>
@@ -3311,7 +3312,7 @@
             <a:fld id="{E7C62E92-E18B-467A-8A40-16179C18DDC9}" type="datetime1">
               <a:rPr lang="nl-NL" smtClean="0"/>
               <a:pPr/>
-              <a:t>18-11-2015</a:t>
+              <a:t>19-11-2015</a:t>
             </a:fld>
             <a:endParaRPr lang="nl-NL"/>
           </a:p>
@@ -3319,7 +3320,7 @@
       </p:sp>
       <p:sp>
         <p:nvSpPr>
-          <p:cNvPr id="6" name="Tijdelijke aanduiding voor voettekst 5"/>
+          <p:cNvPr id="6" name="Footer Placeholder 5"/>
           <p:cNvSpPr>
             <a:spLocks noGrp="1"/>
           </p:cNvSpPr>
@@ -3338,7 +3339,7 @@
       </p:sp>
       <p:sp>
         <p:nvSpPr>
-          <p:cNvPr id="7" name="Tijdelijke aanduiding voor dianummer 6"/>
+          <p:cNvPr id="7" name="Slide Number Placeholder 6"/>
           <p:cNvSpPr>
             <a:spLocks noGrp="1"/>
           </p:cNvSpPr>
@@ -3346,7 +3347,12 @@
             <p:ph type="sldNum" sz="quarter" idx="12"/>
           </p:nvPr>
         </p:nvSpPr>
-        <p:spPr/>
+        <p:spPr>
+          <a:xfrm>
+            <a:off x="8077200" y="6356350"/>
+            <a:ext cx="609600" cy="365125"/>
+          </a:xfrm>
+        </p:spPr>
         <p:txBody>
           <a:bodyPr/>
           <a:lstStyle/>
@@ -3357,6 +3363,308 @@
               <a:t>‹nr.›</a:t>
             </a:fld>
             <a:endParaRPr lang="nl-NL"/>
+          </a:p>
+        </p:txBody>
+      </p:sp>
+      <p:sp>
+        <p:nvSpPr>
+          <p:cNvPr id="3" name="Picture Placeholder 2"/>
+          <p:cNvSpPr>
+            <a:spLocks noGrp="1"/>
+          </p:cNvSpPr>
+          <p:nvPr>
+            <p:ph type="pic" idx="1"/>
+          </p:nvPr>
+        </p:nvSpPr>
+        <p:spPr>
+          <a:xfrm rot="420000">
+            <a:off x="3485793" y="1199517"/>
+            <a:ext cx="4617720" cy="3931920"/>
+          </a:xfrm>
+          <a:prstGeom prst="rect">
+            <a:avLst/>
+          </a:prstGeom>
+          <a:solidFill>
+            <a:schemeClr val="bg2"/>
+          </a:solidFill>
+          <a:ln w="3000" cap="rnd">
+            <a:solidFill>
+              <a:srgbClr val="C0C0C0"/>
+            </a:solidFill>
+            <a:round/>
+          </a:ln>
+          <a:effectLst/>
+        </p:spPr>
+        <p:txBody>
+          <a:bodyPr/>
+          <a:lstStyle>
+            <a:lvl1pPr marL="0" indent="0">
+              <a:buNone/>
+              <a:defRPr sz="3200"/>
+            </a:lvl1pPr>
+          </a:lstStyle>
+          <a:p>
+            <a:r>
+              <a:rPr kumimoji="0" lang="nl-NL" smtClean="0"/>
+              <a:t>Klik op het pictogram als u een afbeelding wilt toevoegen</a:t>
+            </a:r>
+            <a:endParaRPr kumimoji="0" lang="en-US" dirty="0"/>
+          </a:p>
+        </p:txBody>
+      </p:sp>
+      <p:sp>
+        <p:nvSpPr>
+          <p:cNvPr id="10" name="Freeform 9"/>
+          <p:cNvSpPr>
+            <a:spLocks/>
+          </p:cNvSpPr>
+          <p:nvPr/>
+        </p:nvSpPr>
+        <p:spPr bwMode="auto">
+          <a:xfrm flipV="1">
+            <a:off x="-9525" y="5816600"/>
+            <a:ext cx="9163050" cy="1041400"/>
+          </a:xfrm>
+          <a:custGeom>
+            <a:avLst>
+              <a:gd name="A1" fmla="val 0"/>
+              <a:gd name="A2" fmla="val 0"/>
+              <a:gd name="A3" fmla="val 0"/>
+              <a:gd name="A4" fmla="val 0"/>
+              <a:gd name="A5" fmla="val 0"/>
+              <a:gd name="A6" fmla="val 0"/>
+              <a:gd name="A7" fmla="val 0"/>
+              <a:gd name="A8" fmla="val 0"/>
+            </a:avLst>
+            <a:gdLst/>
+            <a:ahLst/>
+            <a:cxnLst>
+              <a:cxn ang="0">
+                <a:pos x="6" y="2"/>
+              </a:cxn>
+              <a:cxn ang="0">
+                <a:pos x="2542" y="0"/>
+              </a:cxn>
+              <a:cxn ang="0">
+                <a:pos x="4374" y="367"/>
+              </a:cxn>
+              <a:cxn ang="0">
+                <a:pos x="5766" y="55"/>
+              </a:cxn>
+              <a:cxn ang="0">
+                <a:pos x="5772" y="213"/>
+              </a:cxn>
+              <a:cxn ang="0">
+                <a:pos x="4302" y="439"/>
+              </a:cxn>
+              <a:cxn ang="0">
+                <a:pos x="1488" y="201"/>
+              </a:cxn>
+              <a:cxn ang="0">
+                <a:pos x="0" y="656"/>
+              </a:cxn>
+              <a:cxn ang="0">
+                <a:pos x="6" y="2"/>
+              </a:cxn>
+            </a:cxnLst>
+            <a:rect l="0" t="0" r="0" b="0"/>
+            <a:pathLst>
+              <a:path w="5772" h="656">
+                <a:moveTo>
+                  <a:pt x="6" y="2"/>
+                </a:moveTo>
+                <a:lnTo>
+                  <a:pt x="2542" y="0"/>
+                </a:lnTo>
+                <a:cubicBezTo>
+                  <a:pt x="2746" y="101"/>
+                  <a:pt x="3828" y="367"/>
+                  <a:pt x="4374" y="367"/>
+                </a:cubicBezTo>
+                <a:cubicBezTo>
+                  <a:pt x="4920" y="367"/>
+                  <a:pt x="5526" y="152"/>
+                  <a:pt x="5766" y="55"/>
+                </a:cubicBezTo>
+                <a:lnTo>
+                  <a:pt x="5772" y="213"/>
+                </a:lnTo>
+                <a:cubicBezTo>
+                  <a:pt x="5670" y="257"/>
+                  <a:pt x="5016" y="441"/>
+                  <a:pt x="4302" y="439"/>
+                </a:cubicBezTo>
+                <a:cubicBezTo>
+                  <a:pt x="3588" y="437"/>
+                  <a:pt x="2205" y="165"/>
+                  <a:pt x="1488" y="201"/>
+                </a:cubicBezTo>
+                <a:cubicBezTo>
+                  <a:pt x="750" y="209"/>
+                  <a:pt x="270" y="482"/>
+                  <a:pt x="0" y="656"/>
+                </a:cubicBezTo>
+                <a:lnTo>
+                  <a:pt x="6" y="2"/>
+                </a:lnTo>
+                <a:close/>
+              </a:path>
+            </a:pathLst>
+          </a:custGeom>
+          <a:gradFill>
+            <a:gsLst>
+              <a:gs pos="0">
+                <a:schemeClr val="accent2">
+                  <a:shade val="50000"/>
+                  <a:alpha val="45000"/>
+                  <a:satMod val="120000"/>
+                </a:schemeClr>
+              </a:gs>
+              <a:gs pos="100000">
+                <a:schemeClr val="accent3">
+                  <a:shade val="80000"/>
+                  <a:alpha val="55000"/>
+                  <a:satMod val="155000"/>
+                </a:schemeClr>
+              </a:gs>
+            </a:gsLst>
+            <a:lin ang="5400000" scaled="1"/>
+          </a:gradFill>
+          <a:ln w="9525" cap="flat" cmpd="sng" algn="ctr">
+            <a:noFill/>
+            <a:prstDash val="solid"/>
+            <a:round/>
+            <a:headEnd type="none" w="med" len="med"/>
+            <a:tailEnd type="none" w="med" len="med"/>
+          </a:ln>
+          <a:effectLst/>
+        </p:spPr>
+        <p:txBody>
+          <a:bodyPr vert="horz" wrap="square" lIns="91440" tIns="45720" rIns="91440" bIns="45720" anchor="t" compatLnSpc="1"/>
+          <a:lstStyle/>
+          <a:p>
+            <a:pPr marL="0" algn="l" rtl="0" eaLnBrk="1" latinLnBrk="0" hangingPunct="1"/>
+            <a:endParaRPr kumimoji="0" lang="en-US">
+              <a:solidFill>
+                <a:schemeClr val="tx1"/>
+              </a:solidFill>
+              <a:latin typeface="+mn-lt"/>
+              <a:ea typeface="+mn-ea"/>
+              <a:cs typeface="+mn-cs"/>
+            </a:endParaRPr>
+          </a:p>
+        </p:txBody>
+      </p:sp>
+      <p:sp>
+        <p:nvSpPr>
+          <p:cNvPr id="11" name="Freeform 10"/>
+          <p:cNvSpPr>
+            <a:spLocks/>
+          </p:cNvSpPr>
+          <p:nvPr/>
+        </p:nvSpPr>
+        <p:spPr bwMode="auto">
+          <a:xfrm flipV="1">
+            <a:off x="4381500" y="6219825"/>
+            <a:ext cx="4762500" cy="638175"/>
+          </a:xfrm>
+          <a:custGeom>
+            <a:avLst>
+              <a:gd name="A1" fmla="val 0"/>
+              <a:gd name="A2" fmla="val 0"/>
+              <a:gd name="A3" fmla="val 0"/>
+              <a:gd name="A4" fmla="val 0"/>
+              <a:gd name="A5" fmla="val 0"/>
+              <a:gd name="A6" fmla="val 0"/>
+              <a:gd name="A7" fmla="val 0"/>
+              <a:gd name="A8" fmla="val 0"/>
+            </a:avLst>
+            <a:gdLst/>
+            <a:ahLst/>
+            <a:cxnLst>
+              <a:cxn ang="0">
+                <a:pos x="0" y="0"/>
+              </a:cxn>
+              <a:cxn ang="0">
+                <a:pos x="1668" y="564"/>
+              </a:cxn>
+              <a:cxn ang="0">
+                <a:pos x="3000" y="186"/>
+              </a:cxn>
+              <a:cxn ang="0">
+                <a:pos x="3000" y="6"/>
+              </a:cxn>
+              <a:cxn ang="0">
+                <a:pos x="0" y="0"/>
+              </a:cxn>
+            </a:cxnLst>
+            <a:rect l="0" t="0" r="0" b="0"/>
+            <a:pathLst>
+              <a:path w="3000" h="595">
+                <a:moveTo>
+                  <a:pt x="0" y="0"/>
+                </a:moveTo>
+                <a:cubicBezTo>
+                  <a:pt x="174" y="102"/>
+                  <a:pt x="1168" y="533"/>
+                  <a:pt x="1668" y="564"/>
+                </a:cubicBezTo>
+                <a:cubicBezTo>
+                  <a:pt x="2168" y="595"/>
+                  <a:pt x="2778" y="279"/>
+                  <a:pt x="3000" y="186"/>
+                </a:cubicBezTo>
+                <a:lnTo>
+                  <a:pt x="3000" y="6"/>
+                </a:lnTo>
+                <a:lnTo>
+                  <a:pt x="0" y="0"/>
+                </a:lnTo>
+                <a:close/>
+              </a:path>
+            </a:pathLst>
+          </a:custGeom>
+          <a:gradFill>
+            <a:gsLst>
+              <a:gs pos="0">
+                <a:schemeClr val="accent3">
+                  <a:shade val="50000"/>
+                  <a:alpha val="30000"/>
+                  <a:satMod val="130000"/>
+                </a:schemeClr>
+              </a:gs>
+              <a:gs pos="80000">
+                <a:schemeClr val="accent2">
+                  <a:shade val="75000"/>
+                  <a:alpha val="45000"/>
+                  <a:satMod val="140000"/>
+                </a:schemeClr>
+              </a:gs>
+            </a:gsLst>
+            <a:lin ang="5400000" scaled="1"/>
+          </a:gradFill>
+          <a:ln w="9525" cap="flat" cmpd="sng" algn="ctr">
+            <a:noFill/>
+            <a:prstDash val="solid"/>
+            <a:round/>
+            <a:headEnd type="none" w="med" len="med"/>
+            <a:tailEnd type="none" w="med" len="med"/>
+          </a:ln>
+          <a:effectLst/>
+        </p:spPr>
+        <p:txBody>
+          <a:bodyPr vert="horz" wrap="square" lIns="91440" tIns="45720" rIns="91440" bIns="45720" anchor="t" compatLnSpc="1"/>
+          <a:lstStyle/>
+          <a:p>
+            <a:pPr marL="0" algn="l" rtl="0" eaLnBrk="1" latinLnBrk="0" hangingPunct="1"/>
+            <a:endParaRPr kumimoji="0" lang="en-US">
+              <a:solidFill>
+                <a:schemeClr val="tx1"/>
+              </a:solidFill>
+              <a:latin typeface="+mn-lt"/>
+              <a:ea typeface="+mn-ea"/>
+              <a:cs typeface="+mn-cs"/>
+            </a:endParaRPr>
           </a:p>
         </p:txBody>
       </p:sp>
@@ -3372,7 +3680,7 @@
 <p:sldMaster xmlns:a="http://schemas.openxmlformats.org/drawingml/2006/main" xmlns:r="http://schemas.openxmlformats.org/officeDocument/2006/relationships" xmlns:p="http://schemas.openxmlformats.org/presentationml/2006/main">
   <p:cSld>
     <p:bg>
-      <p:bgRef idx="1001">
+      <p:bgRef idx="1003">
         <a:schemeClr val="bg1"/>
       </p:bgRef>
     </p:bg>
@@ -3392,7 +3700,263 @@
       </p:grpSpPr>
       <p:sp>
         <p:nvSpPr>
-          <p:cNvPr id="2" name="Tijdelijke aanduiding voor titel 1"/>
+          <p:cNvPr id="7" name="Freeform 6"/>
+          <p:cNvSpPr>
+            <a:spLocks/>
+          </p:cNvSpPr>
+          <p:nvPr/>
+        </p:nvSpPr>
+        <p:spPr bwMode="auto">
+          <a:xfrm>
+            <a:off x="-9525" y="-7144"/>
+            <a:ext cx="9163050" cy="1041400"/>
+          </a:xfrm>
+          <a:custGeom>
+            <a:avLst>
+              <a:gd name="A1" fmla="val 0"/>
+              <a:gd name="A2" fmla="val 0"/>
+              <a:gd name="A3" fmla="val 0"/>
+              <a:gd name="A4" fmla="val 0"/>
+              <a:gd name="A5" fmla="val 0"/>
+              <a:gd name="A6" fmla="val 0"/>
+              <a:gd name="A7" fmla="val 0"/>
+              <a:gd name="A8" fmla="val 0"/>
+            </a:avLst>
+            <a:gdLst/>
+            <a:ahLst/>
+            <a:cxnLst>
+              <a:cxn ang="0">
+                <a:pos x="6" y="2"/>
+              </a:cxn>
+              <a:cxn ang="0">
+                <a:pos x="2542" y="0"/>
+              </a:cxn>
+              <a:cxn ang="0">
+                <a:pos x="4374" y="367"/>
+              </a:cxn>
+              <a:cxn ang="0">
+                <a:pos x="5766" y="55"/>
+              </a:cxn>
+              <a:cxn ang="0">
+                <a:pos x="5772" y="213"/>
+              </a:cxn>
+              <a:cxn ang="0">
+                <a:pos x="4302" y="439"/>
+              </a:cxn>
+              <a:cxn ang="0">
+                <a:pos x="1488" y="201"/>
+              </a:cxn>
+              <a:cxn ang="0">
+                <a:pos x="0" y="656"/>
+              </a:cxn>
+              <a:cxn ang="0">
+                <a:pos x="6" y="2"/>
+              </a:cxn>
+            </a:cxnLst>
+            <a:rect l="0" t="0" r="0" b="0"/>
+            <a:pathLst>
+              <a:path w="5772" h="656">
+                <a:moveTo>
+                  <a:pt x="6" y="2"/>
+                </a:moveTo>
+                <a:lnTo>
+                  <a:pt x="2542" y="0"/>
+                </a:lnTo>
+                <a:cubicBezTo>
+                  <a:pt x="2746" y="101"/>
+                  <a:pt x="3828" y="367"/>
+                  <a:pt x="4374" y="367"/>
+                </a:cubicBezTo>
+                <a:cubicBezTo>
+                  <a:pt x="4920" y="367"/>
+                  <a:pt x="5526" y="152"/>
+                  <a:pt x="5766" y="55"/>
+                </a:cubicBezTo>
+                <a:lnTo>
+                  <a:pt x="5772" y="213"/>
+                </a:lnTo>
+                <a:cubicBezTo>
+                  <a:pt x="5670" y="257"/>
+                  <a:pt x="5016" y="441"/>
+                  <a:pt x="4302" y="439"/>
+                </a:cubicBezTo>
+                <a:cubicBezTo>
+                  <a:pt x="3588" y="437"/>
+                  <a:pt x="2205" y="165"/>
+                  <a:pt x="1488" y="201"/>
+                </a:cubicBezTo>
+                <a:cubicBezTo>
+                  <a:pt x="750" y="209"/>
+                  <a:pt x="270" y="482"/>
+                  <a:pt x="0" y="656"/>
+                </a:cubicBezTo>
+                <a:lnTo>
+                  <a:pt x="6" y="2"/>
+                </a:lnTo>
+                <a:close/>
+              </a:path>
+            </a:pathLst>
+          </a:custGeom>
+          <a:gradFill>
+            <a:gsLst>
+              <a:gs pos="0">
+                <a:schemeClr val="accent2">
+                  <a:shade val="50000"/>
+                  <a:alpha val="45000"/>
+                  <a:satMod val="120000"/>
+                </a:schemeClr>
+              </a:gs>
+              <a:gs pos="100000">
+                <a:schemeClr val="accent3">
+                  <a:shade val="80000"/>
+                  <a:alpha val="55000"/>
+                  <a:satMod val="155000"/>
+                </a:schemeClr>
+              </a:gs>
+            </a:gsLst>
+            <a:lin ang="5400000" scaled="1"/>
+          </a:gradFill>
+          <a:ln w="9525" cap="flat" cmpd="sng" algn="ctr">
+            <a:noFill/>
+            <a:prstDash val="solid"/>
+            <a:round/>
+            <a:headEnd type="none" w="med" len="med"/>
+            <a:tailEnd type="none" w="med" len="med"/>
+          </a:ln>
+          <a:effectLst/>
+        </p:spPr>
+        <p:txBody>
+          <a:bodyPr vert="horz" wrap="square" lIns="91440" tIns="45720" rIns="91440" bIns="45720" anchor="t" compatLnSpc="1"/>
+          <a:lstStyle/>
+          <a:p>
+            <a:pPr marL="0" algn="l" rtl="0" eaLnBrk="1" latinLnBrk="0" hangingPunct="1"/>
+            <a:endParaRPr kumimoji="0" lang="en-US">
+              <a:solidFill>
+                <a:schemeClr val="tx1"/>
+              </a:solidFill>
+              <a:latin typeface="+mn-lt"/>
+              <a:ea typeface="+mn-ea"/>
+              <a:cs typeface="+mn-cs"/>
+            </a:endParaRPr>
+          </a:p>
+        </p:txBody>
+      </p:sp>
+      <p:sp>
+        <p:nvSpPr>
+          <p:cNvPr id="8" name="Freeform 7"/>
+          <p:cNvSpPr>
+            <a:spLocks/>
+          </p:cNvSpPr>
+          <p:nvPr/>
+        </p:nvSpPr>
+        <p:spPr bwMode="auto">
+          <a:xfrm>
+            <a:off x="4381500" y="-7144"/>
+            <a:ext cx="4762500" cy="638175"/>
+          </a:xfrm>
+          <a:custGeom>
+            <a:avLst>
+              <a:gd name="A1" fmla="val 0"/>
+              <a:gd name="A2" fmla="val 0"/>
+              <a:gd name="A3" fmla="val 0"/>
+              <a:gd name="A4" fmla="val 0"/>
+              <a:gd name="A5" fmla="val 0"/>
+              <a:gd name="A6" fmla="val 0"/>
+              <a:gd name="A7" fmla="val 0"/>
+              <a:gd name="A8" fmla="val 0"/>
+            </a:avLst>
+            <a:gdLst/>
+            <a:ahLst/>
+            <a:cxnLst>
+              <a:cxn ang="0">
+                <a:pos x="0" y="0"/>
+              </a:cxn>
+              <a:cxn ang="0">
+                <a:pos x="1668" y="564"/>
+              </a:cxn>
+              <a:cxn ang="0">
+                <a:pos x="3000" y="186"/>
+              </a:cxn>
+              <a:cxn ang="0">
+                <a:pos x="3000" y="6"/>
+              </a:cxn>
+              <a:cxn ang="0">
+                <a:pos x="0" y="0"/>
+              </a:cxn>
+            </a:cxnLst>
+            <a:rect l="0" t="0" r="0" b="0"/>
+            <a:pathLst>
+              <a:path w="3000" h="595">
+                <a:moveTo>
+                  <a:pt x="0" y="0"/>
+                </a:moveTo>
+                <a:cubicBezTo>
+                  <a:pt x="174" y="102"/>
+                  <a:pt x="1168" y="533"/>
+                  <a:pt x="1668" y="564"/>
+                </a:cubicBezTo>
+                <a:cubicBezTo>
+                  <a:pt x="2168" y="595"/>
+                  <a:pt x="2778" y="279"/>
+                  <a:pt x="3000" y="186"/>
+                </a:cubicBezTo>
+                <a:lnTo>
+                  <a:pt x="3000" y="6"/>
+                </a:lnTo>
+                <a:lnTo>
+                  <a:pt x="0" y="0"/>
+                </a:lnTo>
+                <a:close/>
+              </a:path>
+            </a:pathLst>
+          </a:custGeom>
+          <a:gradFill>
+            <a:gsLst>
+              <a:gs pos="0">
+                <a:schemeClr val="accent3">
+                  <a:shade val="50000"/>
+                  <a:alpha val="30000"/>
+                  <a:satMod val="130000"/>
+                </a:schemeClr>
+              </a:gs>
+              <a:gs pos="80000">
+                <a:schemeClr val="accent2">
+                  <a:shade val="75000"/>
+                  <a:alpha val="45000"/>
+                  <a:satMod val="140000"/>
+                </a:schemeClr>
+              </a:gs>
+            </a:gsLst>
+            <a:lin ang="5400000" scaled="1"/>
+          </a:gradFill>
+          <a:ln w="9525" cap="flat" cmpd="sng" algn="ctr">
+            <a:noFill/>
+            <a:prstDash val="solid"/>
+            <a:round/>
+            <a:headEnd type="none" w="med" len="med"/>
+            <a:tailEnd type="none" w="med" len="med"/>
+          </a:ln>
+          <a:effectLst/>
+        </p:spPr>
+        <p:txBody>
+          <a:bodyPr vert="horz" wrap="square" lIns="91440" tIns="45720" rIns="91440" bIns="45720" anchor="t" compatLnSpc="1"/>
+          <a:lstStyle/>
+          <a:p>
+            <a:pPr marL="0" algn="l" rtl="0" eaLnBrk="1" latinLnBrk="0" hangingPunct="1"/>
+            <a:endParaRPr kumimoji="0" lang="en-US">
+              <a:solidFill>
+                <a:schemeClr val="tx1"/>
+              </a:solidFill>
+              <a:latin typeface="+mn-lt"/>
+              <a:ea typeface="+mn-ea"/>
+              <a:cs typeface="+mn-cs"/>
+            </a:endParaRPr>
+          </a:p>
+        </p:txBody>
+      </p:sp>
+      <p:sp>
+        <p:nvSpPr>
+          <p:cNvPr id="9" name="Title Placeholder 8"/>
           <p:cNvSpPr>
             <a:spLocks noGrp="1"/>
           </p:cNvSpPr>
@@ -3402,7 +3966,7 @@
         </p:nvSpPr>
         <p:spPr>
           <a:xfrm>
-            <a:off x="457200" y="274638"/>
+            <a:off x="457200" y="704088"/>
             <a:ext cx="8229600" cy="1143000"/>
           </a:xfrm>
           <a:prstGeom prst="rect">
@@ -3410,22 +3974,22 @@
           </a:prstGeom>
         </p:spPr>
         <p:txBody>
-          <a:bodyPr vert="horz" lIns="91440" tIns="45720" rIns="91440" bIns="45720" rtlCol="0" anchor="ctr">
+          <a:bodyPr vert="horz" lIns="0" rIns="0" bIns="0" anchor="b">
             <a:normAutofit/>
           </a:bodyPr>
           <a:lstStyle/>
           <a:p>
             <a:r>
-              <a:rPr lang="nl-NL" smtClean="0"/>
+              <a:rPr kumimoji="0" lang="nl-NL" smtClean="0"/>
               <a:t>Klik om de stijl te bewerken</a:t>
             </a:r>
-            <a:endParaRPr lang="nl-NL"/>
-          </a:p>
-        </p:txBody>
-      </p:sp>
-      <p:sp>
-        <p:nvSpPr>
-          <p:cNvPr id="3" name="Tijdelijke aanduiding voor tekst 2"/>
+            <a:endParaRPr kumimoji="0" lang="en-US"/>
+          </a:p>
+        </p:txBody>
+      </p:sp>
+      <p:sp>
+        <p:nvSpPr>
+          <p:cNvPr id="30" name="Text Placeholder 29"/>
           <p:cNvSpPr>
             <a:spLocks noGrp="1"/>
           </p:cNvSpPr>
@@ -3435,59 +3999,59 @@
         </p:nvSpPr>
         <p:spPr>
           <a:xfrm>
-            <a:off x="457200" y="1600200"/>
-            <a:ext cx="8229600" cy="4525963"/>
+            <a:off x="457200" y="1935480"/>
+            <a:ext cx="8229600" cy="4389120"/>
           </a:xfrm>
           <a:prstGeom prst="rect">
             <a:avLst/>
           </a:prstGeom>
         </p:spPr>
         <p:txBody>
-          <a:bodyPr vert="horz" lIns="91440" tIns="45720" rIns="91440" bIns="45720" rtlCol="0">
+          <a:bodyPr vert="horz">
             <a:normAutofit/>
           </a:bodyPr>
           <a:lstStyle/>
           <a:p>
-            <a:pPr lvl="0"/>
-            <a:r>
-              <a:rPr lang="nl-NL" smtClean="0"/>
+            <a:pPr lvl="0" eaLnBrk="1" latinLnBrk="0" hangingPunct="1"/>
+            <a:r>
+              <a:rPr kumimoji="0" lang="nl-NL" smtClean="0"/>
               <a:t>Klik om de modelstijlen te bewerken</a:t>
             </a:r>
           </a:p>
           <a:p>
-            <a:pPr lvl="1"/>
-            <a:r>
-              <a:rPr lang="nl-NL" smtClean="0"/>
+            <a:pPr lvl="1" eaLnBrk="1" latinLnBrk="0" hangingPunct="1"/>
+            <a:r>
+              <a:rPr kumimoji="0" lang="nl-NL" smtClean="0"/>
               <a:t>Tweede niveau</a:t>
             </a:r>
           </a:p>
           <a:p>
-            <a:pPr lvl="2"/>
-            <a:r>
-              <a:rPr lang="nl-NL" smtClean="0"/>
+            <a:pPr lvl="2" eaLnBrk="1" latinLnBrk="0" hangingPunct="1"/>
+            <a:r>
+              <a:rPr kumimoji="0" lang="nl-NL" smtClean="0"/>
               <a:t>Derde niveau</a:t>
             </a:r>
           </a:p>
           <a:p>
-            <a:pPr lvl="3"/>
-            <a:r>
-              <a:rPr lang="nl-NL" smtClean="0"/>
+            <a:pPr lvl="3" eaLnBrk="1" latinLnBrk="0" hangingPunct="1"/>
+            <a:r>
+              <a:rPr kumimoji="0" lang="nl-NL" smtClean="0"/>
               <a:t>Vierde niveau</a:t>
             </a:r>
           </a:p>
           <a:p>
-            <a:pPr lvl="4"/>
-            <a:r>
-              <a:rPr lang="nl-NL" smtClean="0"/>
+            <a:pPr lvl="4" eaLnBrk="1" latinLnBrk="0" hangingPunct="1"/>
+            <a:r>
+              <a:rPr kumimoji="0" lang="nl-NL" smtClean="0"/>
               <a:t>Vijfde niveau</a:t>
             </a:r>
-            <a:endParaRPr lang="nl-NL"/>
-          </a:p>
-        </p:txBody>
-      </p:sp>
-      <p:sp>
-        <p:nvSpPr>
-          <p:cNvPr id="4" name="Tijdelijke aanduiding voor datum 3"/>
+            <a:endParaRPr kumimoji="0" lang="en-US"/>
+          </a:p>
+        </p:txBody>
+      </p:sp>
+      <p:sp>
+        <p:nvSpPr>
+          <p:cNvPr id="10" name="Date Placeholder 9"/>
           <p:cNvSpPr>
             <a:spLocks noGrp="1"/>
           </p:cNvSpPr>
@@ -3505,13 +4069,13 @@
           </a:prstGeom>
         </p:spPr>
         <p:txBody>
-          <a:bodyPr vert="horz" lIns="91440" tIns="45720" rIns="91440" bIns="45720" rtlCol="0" anchor="ctr"/>
+          <a:bodyPr vert="horz" lIns="0" tIns="0" rIns="0" bIns="0" anchor="b"/>
           <a:lstStyle>
-            <a:lvl1pPr algn="l">
-              <a:defRPr sz="1200">
+            <a:lvl1pPr algn="l" eaLnBrk="1" latinLnBrk="0" hangingPunct="1">
+              <a:defRPr kumimoji="0" sz="1200">
                 <a:solidFill>
-                  <a:schemeClr val="tx1">
-                    <a:tint val="75000"/>
+                  <a:schemeClr val="tx2">
+                    <a:shade val="90000"/>
                   </a:schemeClr>
                 </a:solidFill>
               </a:defRPr>
@@ -3521,7 +4085,7 @@
             <a:fld id="{3093C476-5277-42D2-924F-A7C2869717FD}" type="datetime1">
               <a:rPr lang="nl-NL" smtClean="0"/>
               <a:pPr/>
-              <a:t>18-11-2015</a:t>
+              <a:t>19-11-2015</a:t>
             </a:fld>
             <a:endParaRPr lang="nl-NL"/>
           </a:p>
@@ -3529,7 +4093,7 @@
       </p:sp>
       <p:sp>
         <p:nvSpPr>
-          <p:cNvPr id="5" name="Tijdelijke aanduiding voor voettekst 4"/>
+          <p:cNvPr id="22" name="Footer Placeholder 21"/>
           <p:cNvSpPr>
             <a:spLocks noGrp="1"/>
           </p:cNvSpPr>
@@ -3539,21 +4103,21 @@
         </p:nvSpPr>
         <p:spPr>
           <a:xfrm>
-            <a:off x="3124200" y="6356350"/>
-            <a:ext cx="2895600" cy="365125"/>
+            <a:off x="2667000" y="6356350"/>
+            <a:ext cx="3352800" cy="365125"/>
           </a:xfrm>
           <a:prstGeom prst="rect">
             <a:avLst/>
           </a:prstGeom>
         </p:spPr>
         <p:txBody>
-          <a:bodyPr vert="horz" lIns="91440" tIns="45720" rIns="91440" bIns="45720" rtlCol="0" anchor="ctr"/>
+          <a:bodyPr vert="horz" lIns="0" tIns="0" rIns="0" bIns="0" anchor="b"/>
           <a:lstStyle>
-            <a:lvl1pPr algn="ctr">
-              <a:defRPr sz="1200">
+            <a:lvl1pPr algn="l" eaLnBrk="1" latinLnBrk="0" hangingPunct="1">
+              <a:defRPr kumimoji="0" sz="1200">
                 <a:solidFill>
-                  <a:schemeClr val="tx1">
-                    <a:tint val="75000"/>
+                  <a:schemeClr val="tx2">
+                    <a:shade val="90000"/>
                   </a:schemeClr>
                 </a:solidFill>
               </a:defRPr>
@@ -3566,7 +4130,7 @@
       </p:sp>
       <p:sp>
         <p:nvSpPr>
-          <p:cNvPr id="6" name="Tijdelijke aanduiding voor dianummer 5"/>
+          <p:cNvPr id="18" name="Slide Number Placeholder 17"/>
           <p:cNvSpPr>
             <a:spLocks noGrp="1"/>
           </p:cNvSpPr>
@@ -3576,21 +4140,21 @@
         </p:nvSpPr>
         <p:spPr>
           <a:xfrm>
-            <a:off x="6553200" y="6356350"/>
-            <a:ext cx="2133600" cy="365125"/>
+            <a:off x="7924800" y="6356350"/>
+            <a:ext cx="762000" cy="365125"/>
           </a:xfrm>
           <a:prstGeom prst="rect">
             <a:avLst/>
           </a:prstGeom>
         </p:spPr>
         <p:txBody>
-          <a:bodyPr vert="horz" lIns="91440" tIns="45720" rIns="91440" bIns="45720" rtlCol="0" anchor="ctr"/>
+          <a:bodyPr vert="horz" lIns="0" tIns="0" rIns="0" bIns="0" anchor="b"/>
           <a:lstStyle>
-            <a:lvl1pPr algn="r">
-              <a:defRPr sz="1200">
+            <a:lvl1pPr algn="r" eaLnBrk="1" latinLnBrk="0" hangingPunct="1">
+              <a:defRPr kumimoji="0" sz="1200">
                 <a:solidFill>
-                  <a:schemeClr val="tx1">
-                    <a:tint val="75000"/>
+                  <a:schemeClr val="tx2">
+                    <a:shade val="90000"/>
                   </a:schemeClr>
                 </a:solidFill>
               </a:defRPr>
@@ -3606,34 +4170,252 @@
           </a:p>
         </p:txBody>
       </p:sp>
+      <p:grpSp>
+        <p:nvGrpSpPr>
+          <p:cNvPr id="2" name="Group 1"/>
+          <p:cNvGrpSpPr/>
+          <p:nvPr/>
+        </p:nvGrpSpPr>
+        <p:grpSpPr>
+          <a:xfrm>
+            <a:off x="-19017" y="202408"/>
+            <a:ext cx="9180548" cy="649224"/>
+            <a:chOff x="-19045" y="216550"/>
+            <a:chExt cx="9180548" cy="649224"/>
+          </a:xfrm>
+        </p:grpSpPr>
+        <p:sp>
+          <p:nvSpPr>
+            <p:cNvPr id="12" name="Freeform 11"/>
+            <p:cNvSpPr>
+              <a:spLocks/>
+            </p:cNvSpPr>
+            <p:nvPr/>
+          </p:nvSpPr>
+          <p:spPr bwMode="auto">
+            <a:xfrm rot="21435692">
+              <a:off x="-19045" y="216550"/>
+              <a:ext cx="9163050" cy="649224"/>
+            </a:xfrm>
+            <a:custGeom>
+              <a:avLst>
+                <a:gd name="A1" fmla="val 0"/>
+                <a:gd name="A2" fmla="val 0"/>
+                <a:gd name="A3" fmla="val 0"/>
+                <a:gd name="A4" fmla="val 0"/>
+                <a:gd name="A5" fmla="val 0"/>
+                <a:gd name="A6" fmla="val 0"/>
+                <a:gd name="A7" fmla="val 0"/>
+                <a:gd name="A8" fmla="val 0"/>
+              </a:avLst>
+              <a:gdLst/>
+              <a:ahLst/>
+              <a:cxnLst>
+                <a:cxn ang="0">
+                  <a:pos x="0" y="966"/>
+                </a:cxn>
+                <a:cxn ang="0">
+                  <a:pos x="1608" y="282"/>
+                </a:cxn>
+                <a:cxn ang="0">
+                  <a:pos x="4110" y="1008"/>
+                </a:cxn>
+                <a:cxn ang="0">
+                  <a:pos x="5772" y="0"/>
+                </a:cxn>
+              </a:cxnLst>
+              <a:rect l="0" t="0" r="0" b="0"/>
+              <a:pathLst>
+                <a:path w="5772" h="1055">
+                  <a:moveTo>
+                    <a:pt x="0" y="966"/>
+                  </a:moveTo>
+                  <a:cubicBezTo>
+                    <a:pt x="282" y="738"/>
+                    <a:pt x="923" y="275"/>
+                    <a:pt x="1608" y="282"/>
+                  </a:cubicBezTo>
+                  <a:cubicBezTo>
+                    <a:pt x="2293" y="289"/>
+                    <a:pt x="3416" y="1055"/>
+                    <a:pt x="4110" y="1008"/>
+                  </a:cubicBezTo>
+                  <a:cubicBezTo>
+                    <a:pt x="4804" y="961"/>
+                    <a:pt x="5426" y="210"/>
+                    <a:pt x="5772" y="0"/>
+                  </a:cubicBezTo>
+                </a:path>
+              </a:pathLst>
+            </a:custGeom>
+            <a:noFill/>
+            <a:ln w="10795" cap="flat" cmpd="sng" algn="ctr">
+              <a:gradFill>
+                <a:gsLst>
+                  <a:gs pos="74000">
+                    <a:schemeClr val="accent3">
+                      <a:shade val="75000"/>
+                    </a:schemeClr>
+                  </a:gs>
+                  <a:gs pos="86000">
+                    <a:schemeClr val="tx1">
+                      <a:alpha val="29000"/>
+                    </a:schemeClr>
+                  </a:gs>
+                  <a:gs pos="16000">
+                    <a:schemeClr val="accent2">
+                      <a:shade val="75000"/>
+                      <a:alpha val="56000"/>
+                    </a:schemeClr>
+                  </a:gs>
+                </a:gsLst>
+                <a:lin ang="5400000" scaled="1"/>
+              </a:gradFill>
+              <a:prstDash val="solid"/>
+              <a:round/>
+              <a:headEnd type="none" w="med" len="med"/>
+              <a:tailEnd type="none" w="med" len="med"/>
+            </a:ln>
+            <a:effectLst/>
+          </p:spPr>
+          <p:txBody>
+            <a:bodyPr vert="horz" wrap="square" lIns="91440" tIns="45720" rIns="91440" bIns="45720" anchor="t" compatLnSpc="1"/>
+            <a:lstStyle/>
+            <a:p>
+              <a:endParaRPr kumimoji="0" lang="en-US"/>
+            </a:p>
+          </p:txBody>
+        </p:sp>
+        <p:sp>
+          <p:nvSpPr>
+            <p:cNvPr id="13" name="Freeform 12"/>
+            <p:cNvSpPr>
+              <a:spLocks/>
+            </p:cNvSpPr>
+            <p:nvPr/>
+          </p:nvSpPr>
+          <p:spPr bwMode="auto">
+            <a:xfrm rot="21435692">
+              <a:off x="-14309" y="290003"/>
+              <a:ext cx="9175812" cy="530352"/>
+            </a:xfrm>
+            <a:custGeom>
+              <a:avLst>
+                <a:gd name="A1" fmla="val 0"/>
+                <a:gd name="A2" fmla="val 0"/>
+                <a:gd name="A3" fmla="val 0"/>
+                <a:gd name="A4" fmla="val 0"/>
+                <a:gd name="A5" fmla="val 0"/>
+                <a:gd name="A6" fmla="val 0"/>
+                <a:gd name="A7" fmla="val 0"/>
+                <a:gd name="A8" fmla="val 0"/>
+              </a:avLst>
+              <a:gdLst/>
+              <a:ahLst/>
+              <a:cxnLst>
+                <a:cxn ang="0">
+                  <a:pos x="0" y="732"/>
+                </a:cxn>
+                <a:cxn ang="0">
+                  <a:pos x="1638" y="228"/>
+                </a:cxn>
+                <a:cxn ang="0">
+                  <a:pos x="4122" y="816"/>
+                </a:cxn>
+                <a:cxn ang="0">
+                  <a:pos x="5766" y="0"/>
+                </a:cxn>
+              </a:cxnLst>
+              <a:rect l="0" t="0" r="0" b="0"/>
+              <a:pathLst>
+                <a:path w="5766" h="854">
+                  <a:moveTo>
+                    <a:pt x="0" y="732"/>
+                  </a:moveTo>
+                  <a:cubicBezTo>
+                    <a:pt x="273" y="647"/>
+                    <a:pt x="951" y="214"/>
+                    <a:pt x="1638" y="228"/>
+                  </a:cubicBezTo>
+                  <a:cubicBezTo>
+                    <a:pt x="2325" y="242"/>
+                    <a:pt x="3434" y="854"/>
+                    <a:pt x="4122" y="816"/>
+                  </a:cubicBezTo>
+                  <a:cubicBezTo>
+                    <a:pt x="4810" y="778"/>
+                    <a:pt x="5424" y="170"/>
+                    <a:pt x="5766" y="0"/>
+                  </a:cubicBezTo>
+                </a:path>
+              </a:pathLst>
+            </a:custGeom>
+            <a:noFill/>
+            <a:ln w="9525" cap="flat" cmpd="sng" algn="ctr">
+              <a:gradFill>
+                <a:gsLst>
+                  <a:gs pos="74000">
+                    <a:schemeClr val="accent4"/>
+                  </a:gs>
+                  <a:gs pos="44000">
+                    <a:schemeClr val="accent1"/>
+                  </a:gs>
+                  <a:gs pos="33000">
+                    <a:schemeClr val="accent2">
+                      <a:alpha val="56000"/>
+                    </a:schemeClr>
+                  </a:gs>
+                </a:gsLst>
+                <a:lin ang="5400000" scaled="1"/>
+              </a:gradFill>
+              <a:prstDash val="solid"/>
+              <a:round/>
+              <a:headEnd type="none" w="med" len="med"/>
+              <a:tailEnd type="none" w="med" len="med"/>
+            </a:ln>
+            <a:effectLst/>
+          </p:spPr>
+          <p:txBody>
+            <a:bodyPr vert="horz" wrap="square" lIns="91440" tIns="45720" rIns="91440" bIns="45720" anchor="t" compatLnSpc="1"/>
+            <a:lstStyle/>
+            <a:p>
+              <a:endParaRPr kumimoji="0" lang="en-US"/>
+            </a:p>
+          </p:txBody>
+        </p:sp>
+      </p:grpSp>
     </p:spTree>
   </p:cSld>
   <p:clrMap bg1="lt1" tx1="dk1" bg2="lt2" tx2="dk2" accent1="accent1" accent2="accent2" accent3="accent3" accent4="accent4" accent5="accent5" accent6="accent6" hlink="hlink" folHlink="folHlink"/>
   <p:sldLayoutIdLst>
-    <p:sldLayoutId id="2147483673" r:id="rId1"/>
-    <p:sldLayoutId id="2147483674" r:id="rId2"/>
-    <p:sldLayoutId id="2147483675" r:id="rId3"/>
-    <p:sldLayoutId id="2147483676" r:id="rId4"/>
-    <p:sldLayoutId id="2147483677" r:id="rId5"/>
-    <p:sldLayoutId id="2147483678" r:id="rId6"/>
-    <p:sldLayoutId id="2147483679" r:id="rId7"/>
-    <p:sldLayoutId id="2147483680" r:id="rId8"/>
-    <p:sldLayoutId id="2147483681" r:id="rId9"/>
-    <p:sldLayoutId id="2147483682" r:id="rId10"/>
-    <p:sldLayoutId id="2147483683" r:id="rId11"/>
+    <p:sldLayoutId id="2147483769" r:id="rId1"/>
+    <p:sldLayoutId id="2147483770" r:id="rId2"/>
+    <p:sldLayoutId id="2147483771" r:id="rId3"/>
+    <p:sldLayoutId id="2147483772" r:id="rId4"/>
+    <p:sldLayoutId id="2147483773" r:id="rId5"/>
+    <p:sldLayoutId id="2147483774" r:id="rId6"/>
+    <p:sldLayoutId id="2147483775" r:id="rId7"/>
+    <p:sldLayoutId id="2147483776" r:id="rId8"/>
+    <p:sldLayoutId id="2147483777" r:id="rId9"/>
+    <p:sldLayoutId id="2147483778" r:id="rId10"/>
+    <p:sldLayoutId id="2147483779" r:id="rId11"/>
   </p:sldLayoutIdLst>
   <p:hf hdr="0"/>
   <p:txStyles>
     <p:titleStyle>
-      <a:lvl1pPr algn="ctr" defTabSz="914400" rtl="0" eaLnBrk="1" latinLnBrk="0" hangingPunct="1">
+      <a:lvl1pPr algn="l" rtl="0" eaLnBrk="1" latinLnBrk="0" hangingPunct="1">
         <a:spcBef>
           <a:spcPct val="0"/>
         </a:spcBef>
         <a:buNone/>
-        <a:defRPr sz="4400" kern="1200">
+        <a:defRPr kumimoji="0" sz="5000" b="0" kern="1200">
+          <a:ln>
+            <a:noFill/>
+          </a:ln>
           <a:solidFill>
-            <a:schemeClr val="tx1"/>
+            <a:schemeClr val="tx2"/>
           </a:solidFill>
+          <a:effectLst/>
           <a:latin typeface="+mj-lt"/>
           <a:ea typeface="+mj-ea"/>
           <a:cs typeface="+mj-cs"/>
@@ -3641,13 +4423,17 @@
       </a:lvl1pPr>
     </p:titleStyle>
     <p:bodyStyle>
-      <a:lvl1pPr marL="342900" indent="-342900" algn="l" defTabSz="914400" rtl="0" eaLnBrk="1" latinLnBrk="0" hangingPunct="1">
+      <a:lvl1pPr marL="274320" indent="-274320" algn="l" rtl="0" eaLnBrk="1" latinLnBrk="0" hangingPunct="1">
         <a:spcBef>
           <a:spcPct val="20000"/>
         </a:spcBef>
-        <a:buFont typeface="Arial" pitchFamily="34" charset="0"/>
-        <a:buChar char="•"/>
-        <a:defRPr sz="3200" kern="1200">
+        <a:buClr>
+          <a:schemeClr val="accent3"/>
+        </a:buClr>
+        <a:buSzPct val="95000"/>
+        <a:buFont typeface="Wingdings 2"/>
+        <a:buChar char=""/>
+        <a:defRPr kumimoji="0" sz="2600" kern="1200">
           <a:solidFill>
             <a:schemeClr val="tx1"/>
           </a:solidFill>
@@ -3656,13 +4442,17 @@
           <a:cs typeface="+mn-cs"/>
         </a:defRPr>
       </a:lvl1pPr>
-      <a:lvl2pPr marL="742950" indent="-285750" algn="l" defTabSz="914400" rtl="0" eaLnBrk="1" latinLnBrk="0" hangingPunct="1">
+      <a:lvl2pPr marL="640080" indent="-246888" algn="l" rtl="0" eaLnBrk="1" latinLnBrk="0" hangingPunct="1">
         <a:spcBef>
           <a:spcPct val="20000"/>
         </a:spcBef>
-        <a:buFont typeface="Arial" pitchFamily="34" charset="0"/>
-        <a:buChar char="–"/>
-        <a:defRPr sz="2800" kern="1200">
+        <a:buClr>
+          <a:schemeClr val="accent1"/>
+        </a:buClr>
+        <a:buSzPct val="85000"/>
+        <a:buFont typeface="Wingdings 2"/>
+        <a:buChar char=""/>
+        <a:defRPr kumimoji="0" sz="2400" kern="1200">
           <a:solidFill>
             <a:schemeClr val="tx1"/>
           </a:solidFill>
@@ -3671,13 +4461,17 @@
           <a:cs typeface="+mn-cs"/>
         </a:defRPr>
       </a:lvl2pPr>
-      <a:lvl3pPr marL="1143000" indent="-228600" algn="l" defTabSz="914400" rtl="0" eaLnBrk="1" latinLnBrk="0" hangingPunct="1">
+      <a:lvl3pPr marL="914400" indent="-246888" algn="l" rtl="0" eaLnBrk="1" latinLnBrk="0" hangingPunct="1">
         <a:spcBef>
           <a:spcPct val="20000"/>
         </a:spcBef>
-        <a:buFont typeface="Arial" pitchFamily="34" charset="0"/>
-        <a:buChar char="•"/>
-        <a:defRPr sz="2400" kern="1200">
+        <a:buClr>
+          <a:schemeClr val="accent2"/>
+        </a:buClr>
+        <a:buSzPct val="70000"/>
+        <a:buFont typeface="Wingdings 2"/>
+        <a:buChar char=""/>
+        <a:defRPr kumimoji="0" sz="2100" kern="1200">
           <a:solidFill>
             <a:schemeClr val="tx1"/>
           </a:solidFill>
@@ -3686,13 +4480,17 @@
           <a:cs typeface="+mn-cs"/>
         </a:defRPr>
       </a:lvl3pPr>
-      <a:lvl4pPr marL="1600200" indent="-228600" algn="l" defTabSz="914400" rtl="0" eaLnBrk="1" latinLnBrk="0" hangingPunct="1">
+      <a:lvl4pPr marL="1188720" indent="-210312" algn="l" rtl="0" eaLnBrk="1" latinLnBrk="0" hangingPunct="1">
         <a:spcBef>
           <a:spcPct val="20000"/>
         </a:spcBef>
-        <a:buFont typeface="Arial" pitchFamily="34" charset="0"/>
-        <a:buChar char="–"/>
-        <a:defRPr sz="2000" kern="1200">
+        <a:buClr>
+          <a:schemeClr val="accent3"/>
+        </a:buClr>
+        <a:buSzPct val="65000"/>
+        <a:buFont typeface="Wingdings 2"/>
+        <a:buChar char=""/>
+        <a:defRPr kumimoji="0" sz="2000" kern="1200">
           <a:solidFill>
             <a:schemeClr val="tx1"/>
           </a:solidFill>
@@ -3701,13 +4499,17 @@
           <a:cs typeface="+mn-cs"/>
         </a:defRPr>
       </a:lvl4pPr>
-      <a:lvl5pPr marL="2057400" indent="-228600" algn="l" defTabSz="914400" rtl="0" eaLnBrk="1" latinLnBrk="0" hangingPunct="1">
+      <a:lvl5pPr marL="1463040" indent="-210312" algn="l" rtl="0" eaLnBrk="1" latinLnBrk="0" hangingPunct="1">
         <a:spcBef>
           <a:spcPct val="20000"/>
         </a:spcBef>
-        <a:buFont typeface="Arial" pitchFamily="34" charset="0"/>
-        <a:buChar char="»"/>
-        <a:defRPr sz="2000" kern="1200">
+        <a:buClr>
+          <a:schemeClr val="accent4"/>
+        </a:buClr>
+        <a:buSzPct val="65000"/>
+        <a:buFont typeface="Wingdings 2"/>
+        <a:buChar char=""/>
+        <a:defRPr kumimoji="0" sz="2000" kern="1200">
           <a:solidFill>
             <a:schemeClr val="tx1"/>
           </a:solidFill>
@@ -3716,13 +4518,17 @@
           <a:cs typeface="+mn-cs"/>
         </a:defRPr>
       </a:lvl5pPr>
-      <a:lvl6pPr marL="2514600" indent="-228600" algn="l" defTabSz="914400" rtl="0" eaLnBrk="1" latinLnBrk="0" hangingPunct="1">
+      <a:lvl6pPr marL="1737360" indent="-210312" algn="l" rtl="0" eaLnBrk="1" latinLnBrk="0" hangingPunct="1">
         <a:spcBef>
           <a:spcPct val="20000"/>
         </a:spcBef>
-        <a:buFont typeface="Arial" pitchFamily="34" charset="0"/>
-        <a:buChar char="•"/>
-        <a:defRPr sz="2000" kern="1200">
+        <a:buClr>
+          <a:schemeClr val="accent5"/>
+        </a:buClr>
+        <a:buSzPct val="80000"/>
+        <a:buFont typeface="Wingdings 2"/>
+        <a:buChar char=""/>
+        <a:defRPr kumimoji="0" sz="1800" kern="1200">
           <a:solidFill>
             <a:schemeClr val="tx1"/>
           </a:solidFill>
@@ -3731,13 +4537,17 @@
           <a:cs typeface="+mn-cs"/>
         </a:defRPr>
       </a:lvl6pPr>
-      <a:lvl7pPr marL="2971800" indent="-228600" algn="l" defTabSz="914400" rtl="0" eaLnBrk="1" latinLnBrk="0" hangingPunct="1">
+      <a:lvl7pPr marL="1920240" indent="-182880" algn="l" rtl="0" eaLnBrk="1" latinLnBrk="0" hangingPunct="1">
         <a:spcBef>
           <a:spcPct val="20000"/>
         </a:spcBef>
-        <a:buFont typeface="Arial" pitchFamily="34" charset="0"/>
-        <a:buChar char="•"/>
-        <a:defRPr sz="2000" kern="1200">
+        <a:buClr>
+          <a:schemeClr val="accent6"/>
+        </a:buClr>
+        <a:buSzPct val="80000"/>
+        <a:buFont typeface="Wingdings 2"/>
+        <a:buChar char=""/>
+        <a:defRPr kumimoji="0" sz="1600" kern="1200" baseline="0">
           <a:solidFill>
             <a:schemeClr val="tx1"/>
           </a:solidFill>
@@ -3746,13 +4556,15 @@
           <a:cs typeface="+mn-cs"/>
         </a:defRPr>
       </a:lvl7pPr>
-      <a:lvl8pPr marL="3429000" indent="-228600" algn="l" defTabSz="914400" rtl="0" eaLnBrk="1" latinLnBrk="0" hangingPunct="1">
+      <a:lvl8pPr marL="2194560" indent="-182880" algn="l" rtl="0" eaLnBrk="1" latinLnBrk="0" hangingPunct="1">
         <a:spcBef>
           <a:spcPct val="20000"/>
         </a:spcBef>
-        <a:buFont typeface="Arial" pitchFamily="34" charset="0"/>
+        <a:buClr>
+          <a:schemeClr val="tx2"/>
+        </a:buClr>
         <a:buChar char="•"/>
-        <a:defRPr sz="2000" kern="1200">
+        <a:defRPr kumimoji="0" sz="1600" kern="1200">
           <a:solidFill>
             <a:schemeClr val="tx1"/>
           </a:solidFill>
@@ -3761,13 +4573,16 @@
           <a:cs typeface="+mn-cs"/>
         </a:defRPr>
       </a:lvl8pPr>
-      <a:lvl9pPr marL="3886200" indent="-228600" algn="l" defTabSz="914400" rtl="0" eaLnBrk="1" latinLnBrk="0" hangingPunct="1">
+      <a:lvl9pPr marL="2468880" indent="-182880" algn="l" rtl="0" eaLnBrk="1" latinLnBrk="0" hangingPunct="1">
         <a:spcBef>
           <a:spcPct val="20000"/>
         </a:spcBef>
-        <a:buFont typeface="Arial" pitchFamily="34" charset="0"/>
+        <a:buClr>
+          <a:schemeClr val="tx2"/>
+        </a:buClr>
+        <a:buFontTx/>
         <a:buChar char="•"/>
-        <a:defRPr sz="2000" kern="1200">
+        <a:defRPr kumimoji="0" sz="1400" kern="1200" baseline="0">
           <a:solidFill>
             <a:schemeClr val="tx1"/>
           </a:solidFill>
@@ -3778,11 +4593,8 @@
       </a:lvl9pPr>
     </p:bodyStyle>
     <p:otherStyle>
-      <a:defPPr>
-        <a:defRPr lang="nl-NL"/>
-      </a:defPPr>
-      <a:lvl1pPr marL="0" algn="l" defTabSz="914400" rtl="0" eaLnBrk="1" latinLnBrk="0" hangingPunct="1">
-        <a:defRPr sz="1800" kern="1200">
+      <a:lvl1pPr marL="0" algn="l" rtl="0" eaLnBrk="1" latinLnBrk="0" hangingPunct="1">
+        <a:defRPr kumimoji="0" kern="1200">
           <a:solidFill>
             <a:schemeClr val="tx1"/>
           </a:solidFill>
@@ -3791,8 +4603,8 @@
           <a:cs typeface="+mn-cs"/>
         </a:defRPr>
       </a:lvl1pPr>
-      <a:lvl2pPr marL="457200" algn="l" defTabSz="914400" rtl="0" eaLnBrk="1" latinLnBrk="0" hangingPunct="1">
-        <a:defRPr sz="1800" kern="1200">
+      <a:lvl2pPr marL="457200" algn="l" rtl="0" eaLnBrk="1" latinLnBrk="0" hangingPunct="1">
+        <a:defRPr kumimoji="0" kern="1200">
           <a:solidFill>
             <a:schemeClr val="tx1"/>
           </a:solidFill>
@@ -3801,8 +4613,8 @@
           <a:cs typeface="+mn-cs"/>
         </a:defRPr>
       </a:lvl2pPr>
-      <a:lvl3pPr marL="914400" algn="l" defTabSz="914400" rtl="0" eaLnBrk="1" latinLnBrk="0" hangingPunct="1">
-        <a:defRPr sz="1800" kern="1200">
+      <a:lvl3pPr marL="914400" algn="l" rtl="0" eaLnBrk="1" latinLnBrk="0" hangingPunct="1">
+        <a:defRPr kumimoji="0" kern="1200">
           <a:solidFill>
             <a:schemeClr val="tx1"/>
           </a:solidFill>
@@ -3811,8 +4623,8 @@
           <a:cs typeface="+mn-cs"/>
         </a:defRPr>
       </a:lvl3pPr>
-      <a:lvl4pPr marL="1371600" algn="l" defTabSz="914400" rtl="0" eaLnBrk="1" latinLnBrk="0" hangingPunct="1">
-        <a:defRPr sz="1800" kern="1200">
+      <a:lvl4pPr marL="1371600" algn="l" rtl="0" eaLnBrk="1" latinLnBrk="0" hangingPunct="1">
+        <a:defRPr kumimoji="0" kern="1200">
           <a:solidFill>
             <a:schemeClr val="tx1"/>
           </a:solidFill>
@@ -3821,8 +4633,8 @@
           <a:cs typeface="+mn-cs"/>
         </a:defRPr>
       </a:lvl4pPr>
-      <a:lvl5pPr marL="1828800" algn="l" defTabSz="914400" rtl="0" eaLnBrk="1" latinLnBrk="0" hangingPunct="1">
-        <a:defRPr sz="1800" kern="1200">
+      <a:lvl5pPr marL="1828800" algn="l" rtl="0" eaLnBrk="1" latinLnBrk="0" hangingPunct="1">
+        <a:defRPr kumimoji="0" kern="1200">
           <a:solidFill>
             <a:schemeClr val="tx1"/>
           </a:solidFill>
@@ -3831,8 +4643,8 @@
           <a:cs typeface="+mn-cs"/>
         </a:defRPr>
       </a:lvl5pPr>
-      <a:lvl6pPr marL="2286000" algn="l" defTabSz="914400" rtl="0" eaLnBrk="1" latinLnBrk="0" hangingPunct="1">
-        <a:defRPr sz="1800" kern="1200">
+      <a:lvl6pPr marL="2286000" algn="l" rtl="0" eaLnBrk="1" latinLnBrk="0" hangingPunct="1">
+        <a:defRPr kumimoji="0" kern="1200">
           <a:solidFill>
             <a:schemeClr val="tx1"/>
           </a:solidFill>
@@ -3841,8 +4653,8 @@
           <a:cs typeface="+mn-cs"/>
         </a:defRPr>
       </a:lvl6pPr>
-      <a:lvl7pPr marL="2743200" algn="l" defTabSz="914400" rtl="0" eaLnBrk="1" latinLnBrk="0" hangingPunct="1">
-        <a:defRPr sz="1800" kern="1200">
+      <a:lvl7pPr marL="2743200" algn="l" rtl="0" eaLnBrk="1" latinLnBrk="0" hangingPunct="1">
+        <a:defRPr kumimoji="0" kern="1200">
           <a:solidFill>
             <a:schemeClr val="tx1"/>
           </a:solidFill>
@@ -3851,8 +4663,8 @@
           <a:cs typeface="+mn-cs"/>
         </a:defRPr>
       </a:lvl7pPr>
-      <a:lvl8pPr marL="3200400" algn="l" defTabSz="914400" rtl="0" eaLnBrk="1" latinLnBrk="0" hangingPunct="1">
-        <a:defRPr sz="1800" kern="1200">
+      <a:lvl8pPr marL="3200400" algn="l" rtl="0" eaLnBrk="1" latinLnBrk="0" hangingPunct="1">
+        <a:defRPr kumimoji="0" kern="1200">
           <a:solidFill>
             <a:schemeClr val="tx1"/>
           </a:solidFill>
@@ -3861,8 +4673,8 @@
           <a:cs typeface="+mn-cs"/>
         </a:defRPr>
       </a:lvl8pPr>
-      <a:lvl9pPr marL="3657600" algn="l" defTabSz="914400" rtl="0" eaLnBrk="1" latinLnBrk="0" hangingPunct="1">
-        <a:defRPr sz="1800" kern="1200">
+      <a:lvl9pPr marL="3657600" algn="l" rtl="0" eaLnBrk="1" latinLnBrk="0" hangingPunct="1">
+        <a:defRPr kumimoji="0" kern="1200">
           <a:solidFill>
             <a:schemeClr val="tx1"/>
           </a:solidFill>
@@ -3935,9 +4747,12 @@
         <p:spPr/>
         <p:txBody>
           <a:bodyPr>
-            <a:normAutofit/>
+            <a:normAutofit fontScale="92500" lnSpcReduction="20000"/>
           </a:bodyPr>
           <a:lstStyle/>
+          <a:p>
+            <a:endParaRPr lang="en-US" dirty="0" smtClean="0"/>
+          </a:p>
           <a:p>
             <a:r>
               <a:rPr lang="en-US" dirty="0" err="1" smtClean="0"/>
@@ -3963,10 +4778,19 @@
           </a:p>
           <a:p>
             <a:r>
-              <a:rPr lang="en-US" sz="2400" dirty="0" smtClean="0"/>
+              <a:rPr lang="en-US" sz="2000" dirty="0"/>
               <a:t>Young Capital Java Traineeship</a:t>
             </a:r>
-            <a:endParaRPr lang="nl-NL" sz="2400" dirty="0"/>
+            <a:endParaRPr lang="nl-NL" sz="2000" dirty="0"/>
+          </a:p>
+          <a:p>
+            <a:endParaRPr lang="en-US" sz="2000" dirty="0" smtClean="0"/>
+          </a:p>
+          <a:p>
+            <a:r>
+              <a:rPr lang="en-US" sz="2000" dirty="0" smtClean="0"/>
+              <a:t>20-11-2015</a:t>
+            </a:r>
           </a:p>
         </p:txBody>
       </p:sp>
@@ -3988,7 +4812,7 @@
             <a:fld id="{04EC8713-65F6-44BF-A5C9-0A354DFCD1B0}" type="datetime1">
               <a:rPr lang="nl-NL" smtClean="0"/>
               <a:pPr/>
-              <a:t>18-11-2015</a:t>
+              <a:t>19-11-2015</a:t>
             </a:fld>
             <a:endParaRPr lang="nl-NL"/>
           </a:p>
@@ -4287,7 +5111,7 @@
             <a:fld id="{555D3B63-88C4-45AD-828B-DBF901C08C20}" type="datetime1">
               <a:rPr lang="nl-NL" smtClean="0"/>
               <a:pPr/>
-              <a:t>18-11-2015</a:t>
+              <a:t>19-11-2015</a:t>
             </a:fld>
             <a:endParaRPr lang="nl-NL"/>
           </a:p>
@@ -4348,7 +5172,7 @@
           <a:blip r:embed="rId2" cstate="print">
             <a:extLst>
               <a:ext uri="{28A0092B-C50C-407E-A947-70E740481C1C}">
-                <a14:useLocalDpi xmlns:a14="http://schemas.microsoft.com/office/drawing/2010/main" xmlns="" val="0"/>
+                <a14:useLocalDpi xmlns:a14="http://schemas.microsoft.com/office/drawing/2010/main" val="0"/>
               </a:ext>
             </a:extLst>
           </a:blip>
@@ -4371,14 +5195,14 @@
           </a:ln>
           <a:extLst>
             <a:ext uri="{909E8E84-426E-40DD-AFC4-6F175D3DCCD1}">
-              <a14:hiddenFill xmlns:a14="http://schemas.microsoft.com/office/drawing/2010/main" xmlns="">
+              <a14:hiddenFill xmlns:a14="http://schemas.microsoft.com/office/drawing/2010/main">
                 <a:solidFill>
                   <a:schemeClr val="accent1"/>
                 </a:solidFill>
               </a14:hiddenFill>
             </a:ext>
             <a:ext uri="{91240B29-F687-4F45-9708-019B960494DF}">
-              <a14:hiddenLine xmlns:a14="http://schemas.microsoft.com/office/drawing/2010/main" xmlns="" w="9525">
+              <a14:hiddenLine xmlns:a14="http://schemas.microsoft.com/office/drawing/2010/main" w="9525">
                 <a:solidFill>
                   <a:schemeClr val="tx1"/>
                 </a:solidFill>
@@ -4402,7 +5226,7 @@
           <a:blip r:embed="rId3" cstate="print">
             <a:extLst>
               <a:ext uri="{28A0092B-C50C-407E-A947-70E740481C1C}">
-                <a14:useLocalDpi xmlns:a14="http://schemas.microsoft.com/office/drawing/2010/main" xmlns="" val="0"/>
+                <a14:useLocalDpi xmlns:a14="http://schemas.microsoft.com/office/drawing/2010/main" val="0"/>
               </a:ext>
             </a:extLst>
           </a:blip>
@@ -4420,26 +5244,21 @@
             <a:avLst/>
           </a:prstGeom>
           <a:noFill/>
-          <a:ln>
-            <a:noFill/>
+          <a:ln w="9525">
+            <a:solidFill>
+              <a:schemeClr val="tx1"/>
+            </a:solidFill>
+            <a:miter lim="800000"/>
+            <a:headEnd/>
+            <a:tailEnd/>
           </a:ln>
           <a:extLst>
             <a:ext uri="{909E8E84-426E-40DD-AFC4-6F175D3DCCD1}">
-              <a14:hiddenFill xmlns:a14="http://schemas.microsoft.com/office/drawing/2010/main" xmlns="">
+              <a14:hiddenFill xmlns:a14="http://schemas.microsoft.com/office/drawing/2010/main">
                 <a:solidFill>
                   <a:schemeClr val="accent1"/>
                 </a:solidFill>
               </a14:hiddenFill>
-            </a:ext>
-            <a:ext uri="{91240B29-F687-4F45-9708-019B960494DF}">
-              <a14:hiddenLine xmlns:a14="http://schemas.microsoft.com/office/drawing/2010/main" xmlns="" w="9525">
-                <a:solidFill>
-                  <a:schemeClr val="tx1"/>
-                </a:solidFill>
-                <a:miter lim="800000"/>
-                <a:headEnd/>
-                <a:tailEnd/>
-              </a14:hiddenLine>
             </a:ext>
           </a:extLst>
         </p:spPr>
@@ -4718,33 +5537,6 @@
                                           </p:stCondLst>
                                         </p:cTn>
                                         <p:tgtEl>
-                                          <p:spTgt spid="2050"/>
-                                        </p:tgtEl>
-                                        <p:attrNameLst>
-                                          <p:attrName>style.visibility</p:attrName>
-                                        </p:attrNameLst>
-                                      </p:cBhvr>
-                                      <p:to>
-                                        <p:strVal val="visible"/>
-                                      </p:to>
-                                    </p:set>
-                                  </p:childTnLst>
-                                </p:cTn>
-                              </p:par>
-                              <p:par>
-                                <p:cTn id="23" presetID="1" presetClass="entr" presetSubtype="0" fill="hold" nodeType="withEffect">
-                                  <p:stCondLst>
-                                    <p:cond delay="0"/>
-                                  </p:stCondLst>
-                                  <p:childTnLst>
-                                    <p:set>
-                                      <p:cBhvr>
-                                        <p:cTn id="24" dur="1" fill="hold">
-                                          <p:stCondLst>
-                                            <p:cond delay="0"/>
-                                          </p:stCondLst>
-                                        </p:cTn>
-                                        <p:tgtEl>
                                           <p:spTgt spid="3">
                                             <p:txEl>
                                               <p:pRg st="9" end="9"/>
@@ -4769,32 +5561,32 @@
                     </p:cTn>
                   </p:par>
                   <p:par>
-                    <p:cTn id="25" fill="hold">
+                    <p:cTn id="23" fill="hold">
                       <p:stCondLst>
                         <p:cond delay="indefinite"/>
                       </p:stCondLst>
                       <p:childTnLst>
                         <p:par>
-                          <p:cTn id="26" fill="hold">
+                          <p:cTn id="24" fill="hold">
                             <p:stCondLst>
                               <p:cond delay="0"/>
                             </p:stCondLst>
                             <p:childTnLst>
                               <p:par>
-                                <p:cTn id="27" presetID="1" presetClass="entr" presetSubtype="0" fill="hold" nodeType="clickEffect">
+                                <p:cTn id="25" presetID="1" presetClass="entr" presetSubtype="0" fill="hold" nodeType="clickEffect">
                                   <p:stCondLst>
                                     <p:cond delay="0"/>
                                   </p:stCondLst>
                                   <p:childTnLst>
                                     <p:set>
                                       <p:cBhvr>
-                                        <p:cTn id="28" dur="1" fill="hold">
+                                        <p:cTn id="26" dur="1" fill="hold">
                                           <p:stCondLst>
                                             <p:cond delay="0"/>
                                           </p:stCondLst>
                                         </p:cTn>
                                         <p:tgtEl>
-                                          <p:spTgt spid="1026"/>
+                                          <p:spTgt spid="2050"/>
                                         </p:tgtEl>
                                         <p:attrNameLst>
                                           <p:attrName>style.visibility</p:attrName>
@@ -4807,8 +5599,26 @@
                                   </p:childTnLst>
                                 </p:cTn>
                               </p:par>
+                            </p:childTnLst>
+                          </p:cTn>
+                        </p:par>
+                      </p:childTnLst>
+                    </p:cTn>
+                  </p:par>
+                  <p:par>
+                    <p:cTn id="27" fill="hold">
+                      <p:stCondLst>
+                        <p:cond delay="indefinite"/>
+                      </p:stCondLst>
+                      <p:childTnLst>
+                        <p:par>
+                          <p:cTn id="28" fill="hold">
+                            <p:stCondLst>
+                              <p:cond delay="0"/>
+                            </p:stCondLst>
+                            <p:childTnLst>
                               <p:par>
-                                <p:cTn id="29" presetID="1" presetClass="exit" presetSubtype="0" fill="hold" nodeType="withEffect">
+                                <p:cTn id="29" presetID="1" presetClass="exit" presetSubtype="0" fill="hold" nodeType="clickEffect">
                                   <p:stCondLst>
                                     <p:cond delay="0"/>
                                   </p:stCondLst>
@@ -4829,6 +5639,42 @@
                                       </p:cBhvr>
                                       <p:to>
                                         <p:strVal val="hidden"/>
+                                      </p:to>
+                                    </p:set>
+                                  </p:childTnLst>
+                                </p:cTn>
+                              </p:par>
+                            </p:childTnLst>
+                          </p:cTn>
+                        </p:par>
+                        <p:par>
+                          <p:cTn id="31" fill="hold">
+                            <p:stCondLst>
+                              <p:cond delay="0"/>
+                            </p:stCondLst>
+                            <p:childTnLst>
+                              <p:par>
+                                <p:cTn id="32" presetID="1" presetClass="entr" presetSubtype="0" fill="hold" nodeType="afterEffect">
+                                  <p:stCondLst>
+                                    <p:cond delay="0"/>
+                                  </p:stCondLst>
+                                  <p:childTnLst>
+                                    <p:set>
+                                      <p:cBhvr>
+                                        <p:cTn id="33" dur="1" fill="hold">
+                                          <p:stCondLst>
+                                            <p:cond delay="0"/>
+                                          </p:stCondLst>
+                                        </p:cTn>
+                                        <p:tgtEl>
+                                          <p:spTgt spid="1026"/>
+                                        </p:tgtEl>
+                                        <p:attrNameLst>
+                                          <p:attrName>style.visibility</p:attrName>
+                                        </p:attrNameLst>
+                                      </p:cBhvr>
+                                      <p:to>
+                                        <p:strVal val="visible"/>
                                       </p:to>
                                     </p:set>
                                   </p:childTnLst>
@@ -4998,7 +5844,7 @@
             <a:fld id="{8057A74B-70C0-40BF-B931-6798F66A011A}" type="datetime1">
               <a:rPr lang="nl-NL" smtClean="0"/>
               <a:pPr/>
-              <a:t>18-11-2015</a:t>
+              <a:t>19-11-2015</a:t>
             </a:fld>
             <a:endParaRPr lang="nl-NL"/>
           </a:p>
@@ -5059,7 +5905,7 @@
           <a:blip r:embed="rId2" cstate="print">
             <a:extLst>
               <a:ext uri="{28A0092B-C50C-407E-A947-70E740481C1C}">
-                <a14:useLocalDpi xmlns:a14="http://schemas.microsoft.com/office/drawing/2010/main" xmlns="" val="0"/>
+                <a14:useLocalDpi xmlns:a14="http://schemas.microsoft.com/office/drawing/2010/main" val="0"/>
               </a:ext>
             </a:extLst>
           </a:blip>
@@ -5082,14 +5928,14 @@
           </a:ln>
           <a:extLst>
             <a:ext uri="{909E8E84-426E-40DD-AFC4-6F175D3DCCD1}">
-              <a14:hiddenFill xmlns:a14="http://schemas.microsoft.com/office/drawing/2010/main" xmlns="">
+              <a14:hiddenFill xmlns:a14="http://schemas.microsoft.com/office/drawing/2010/main">
                 <a:solidFill>
                   <a:schemeClr val="accent1"/>
                 </a:solidFill>
               </a14:hiddenFill>
             </a:ext>
             <a:ext uri="{91240B29-F687-4F45-9708-019B960494DF}">
-              <a14:hiddenLine xmlns:a14="http://schemas.microsoft.com/office/drawing/2010/main" xmlns="" w="9525">
+              <a14:hiddenLine xmlns:a14="http://schemas.microsoft.com/office/drawing/2010/main" w="9525">
                 <a:solidFill>
                   <a:schemeClr val="tx1"/>
                 </a:solidFill>
@@ -5145,7 +5991,7 @@
           <a:blip r:embed="rId2" cstate="print">
             <a:extLst>
               <a:ext uri="{28A0092B-C50C-407E-A947-70E740481C1C}">
-                <a14:useLocalDpi xmlns:a14="http://schemas.microsoft.com/office/drawing/2010/main" xmlns="" val="0"/>
+                <a14:useLocalDpi xmlns:a14="http://schemas.microsoft.com/office/drawing/2010/main" val="0"/>
               </a:ext>
             </a:extLst>
           </a:blip>
@@ -5156,8 +6002,8 @@
         </p:blipFill>
         <p:spPr bwMode="auto">
           <a:xfrm>
-            <a:off x="41517" y="67357"/>
-            <a:ext cx="8472132" cy="5283125"/>
+            <a:off x="81397" y="46527"/>
+            <a:ext cx="9085957" cy="5665899"/>
           </a:xfrm>
           <a:prstGeom prst="rect">
             <a:avLst/>
@@ -5168,14 +6014,14 @@
           </a:ln>
           <a:extLst>
             <a:ext uri="{909E8E84-426E-40DD-AFC4-6F175D3DCCD1}">
-              <a14:hiddenFill xmlns:a14="http://schemas.microsoft.com/office/drawing/2010/main" xmlns="">
+              <a14:hiddenFill xmlns:a14="http://schemas.microsoft.com/office/drawing/2010/main">
                 <a:solidFill>
                   <a:schemeClr val="accent1"/>
                 </a:solidFill>
               </a14:hiddenFill>
             </a:ext>
             <a:ext uri="{91240B29-F687-4F45-9708-019B960494DF}">
-              <a14:hiddenLine xmlns:a14="http://schemas.microsoft.com/office/drawing/2010/main" xmlns="" w="9525">
+              <a14:hiddenLine xmlns:a14="http://schemas.microsoft.com/office/drawing/2010/main" w="9525">
                 <a:solidFill>
                   <a:schemeClr val="tx1"/>
                 </a:solidFill>
@@ -5205,7 +6051,7 @@
             <a:fld id="{10F32E0F-C824-48FE-B038-07A2350E6EC9}" type="datetime1">
               <a:rPr lang="nl-NL" smtClean="0"/>
               <a:pPr/>
-              <a:t>18-11-2015</a:t>
+              <a:t>19-11-2015</a:t>
             </a:fld>
             <a:endParaRPr lang="nl-NL"/>
           </a:p>
@@ -5263,7 +6109,7 @@
         <p:spPr>
           <a:xfrm>
             <a:off x="1979712" y="1124744"/>
-            <a:ext cx="5927238" cy="1728192"/>
+            <a:ext cx="5927238" cy="1944216"/>
           </a:xfrm>
           <a:prstGeom prst="rect">
             <a:avLst/>
@@ -5307,7 +6153,7 @@
           <a:blip r:embed="rId3" cstate="print">
             <a:extLst>
               <a:ext uri="{28A0092B-C50C-407E-A947-70E740481C1C}">
-                <a14:useLocalDpi xmlns:a14="http://schemas.microsoft.com/office/drawing/2010/main" xmlns="" val="0"/>
+                <a14:useLocalDpi xmlns:a14="http://schemas.microsoft.com/office/drawing/2010/main" val="0"/>
               </a:ext>
             </a:extLst>
           </a:blip>
@@ -5318,8 +6164,8 @@
         </p:blipFill>
         <p:spPr bwMode="auto">
           <a:xfrm>
-            <a:off x="6828241" y="2420888"/>
-            <a:ext cx="2301434" cy="3672408"/>
+            <a:off x="6997306" y="3789040"/>
+            <a:ext cx="1819287" cy="2903044"/>
           </a:xfrm>
           <a:prstGeom prst="rect">
             <a:avLst/>
@@ -5330,14 +6176,14 @@
           </a:ln>
           <a:extLst>
             <a:ext uri="{909E8E84-426E-40DD-AFC4-6F175D3DCCD1}">
-              <a14:hiddenFill xmlns:a14="http://schemas.microsoft.com/office/drawing/2010/main" xmlns="">
+              <a14:hiddenFill xmlns:a14="http://schemas.microsoft.com/office/drawing/2010/main">
                 <a:solidFill>
                   <a:schemeClr val="accent1"/>
                 </a:solidFill>
               </a14:hiddenFill>
             </a:ext>
             <a:ext uri="{91240B29-F687-4F45-9708-019B960494DF}">
-              <a14:hiddenLine xmlns:a14="http://schemas.microsoft.com/office/drawing/2010/main" xmlns="" w="9525">
+              <a14:hiddenLine xmlns:a14="http://schemas.microsoft.com/office/drawing/2010/main" w="9525">
                 <a:solidFill>
                   <a:schemeClr val="tx1"/>
                 </a:solidFill>
@@ -5357,8 +6203,8 @@
         </p:nvSpPr>
         <p:spPr>
           <a:xfrm>
-            <a:off x="2051720" y="2924944"/>
-            <a:ext cx="4776521" cy="576064"/>
+            <a:off x="2195736" y="3068960"/>
+            <a:ext cx="5256584" cy="576064"/>
           </a:xfrm>
           <a:prstGeom prst="rect">
             <a:avLst/>
@@ -5398,8 +6244,8 @@
         </p:nvSpPr>
         <p:spPr>
           <a:xfrm>
-            <a:off x="41517" y="4149080"/>
-            <a:ext cx="4398463" cy="1201402"/>
+            <a:off x="41517" y="4437112"/>
+            <a:ext cx="4901814" cy="1201402"/>
           </a:xfrm>
           <a:prstGeom prst="rect">
             <a:avLst/>
@@ -5434,7 +6280,7 @@
     </p:spTree>
     <p:extLst>
       <p:ext uri="{BB962C8B-B14F-4D97-AF65-F5344CB8AC3E}">
-        <p14:creationId xmlns:p14="http://schemas.microsoft.com/office/powerpoint/2010/main" xmlns="" val="2137593608"/>
+        <p14:creationId xmlns:p14="http://schemas.microsoft.com/office/powerpoint/2010/main" val="2137593608"/>
       </p:ext>
     </p:extLst>
   </p:cSld>
@@ -5453,6 +6299,9 @@
                     <p:cTn id="3" fill="hold">
                       <p:stCondLst>
                         <p:cond delay="indefinite"/>
+                        <p:cond evt="onBegin" delay="0">
+                          <p:tn val="2"/>
+                        </p:cond>
                       </p:stCondLst>
                       <p:childTnLst>
                         <p:par>
@@ -5462,7 +6311,7 @@
                             </p:stCondLst>
                             <p:childTnLst>
                               <p:par>
-                                <p:cTn id="5" presetID="10" presetClass="entr" presetSubtype="0" fill="hold" grpId="0" nodeType="clickEffect">
+                                <p:cTn id="5" presetID="1" presetClass="entr" presetSubtype="0" fill="hold" nodeType="withEffect">
                                   <p:stCondLst>
                                     <p:cond delay="0"/>
                                   </p:stCondLst>
@@ -5470,6 +6319,51 @@
                                     <p:set>
                                       <p:cBhvr>
                                         <p:cTn id="6" dur="1" fill="hold">
+                                          <p:stCondLst>
+                                            <p:cond delay="0"/>
+                                          </p:stCondLst>
+                                        </p:cTn>
+                                        <p:tgtEl>
+                                          <p:spTgt spid="8"/>
+                                        </p:tgtEl>
+                                        <p:attrNameLst>
+                                          <p:attrName>style.visibility</p:attrName>
+                                        </p:attrNameLst>
+                                      </p:cBhvr>
+                                      <p:to>
+                                        <p:strVal val="visible"/>
+                                      </p:to>
+                                    </p:set>
+                                  </p:childTnLst>
+                                </p:cTn>
+                              </p:par>
+                            </p:childTnLst>
+                          </p:cTn>
+                        </p:par>
+                      </p:childTnLst>
+                    </p:cTn>
+                  </p:par>
+                  <p:par>
+                    <p:cTn id="7" fill="hold">
+                      <p:stCondLst>
+                        <p:cond delay="indefinite"/>
+                      </p:stCondLst>
+                      <p:childTnLst>
+                        <p:par>
+                          <p:cTn id="8" fill="hold">
+                            <p:stCondLst>
+                              <p:cond delay="0"/>
+                            </p:stCondLst>
+                            <p:childTnLst>
+                              <p:par>
+                                <p:cTn id="9" presetID="10" presetClass="entr" presetSubtype="0" fill="hold" grpId="0" nodeType="clickEffect">
+                                  <p:stCondLst>
+                                    <p:cond delay="0"/>
+                                  </p:stCondLst>
+                                  <p:childTnLst>
+                                    <p:set>
+                                      <p:cBhvr>
+                                        <p:cTn id="10" dur="1" fill="hold">
                                           <p:stCondLst>
                                             <p:cond delay="0"/>
                                           </p:stCondLst>
@@ -5487,7 +6381,7 @@
                                     </p:set>
                                     <p:animEffect transition="in" filter="fade">
                                       <p:cBhvr>
-                                        <p:cTn id="7" dur="500"/>
+                                        <p:cTn id="11" dur="500"/>
                                         <p:tgtEl>
                                           <p:spTgt spid="12"/>
                                         </p:tgtEl>
@@ -5503,26 +6397,26 @@
                     </p:cTn>
                   </p:par>
                   <p:par>
-                    <p:cTn id="8" fill="hold">
+                    <p:cTn id="12" fill="hold">
                       <p:stCondLst>
                         <p:cond delay="indefinite"/>
                       </p:stCondLst>
                       <p:childTnLst>
                         <p:par>
-                          <p:cTn id="9" fill="hold">
+                          <p:cTn id="13" fill="hold">
                             <p:stCondLst>
                               <p:cond delay="0"/>
                             </p:stCondLst>
                             <p:childTnLst>
                               <p:par>
-                                <p:cTn id="10" presetID="10" presetClass="exit" presetSubtype="0" fill="hold" grpId="1" nodeType="clickEffect">
+                                <p:cTn id="14" presetID="10" presetClass="exit" presetSubtype="0" fill="hold" grpId="1" nodeType="clickEffect">
                                   <p:stCondLst>
                                     <p:cond delay="0"/>
                                   </p:stCondLst>
                                   <p:childTnLst>
                                     <p:animEffect transition="out" filter="fade">
                                       <p:cBhvr>
-                                        <p:cTn id="11" dur="500"/>
+                                        <p:cTn id="15" dur="500"/>
                                         <p:tgtEl>
                                           <p:spTgt spid="12"/>
                                         </p:tgtEl>
@@ -5530,7 +6424,7 @@
                                     </p:animEffect>
                                     <p:set>
                                       <p:cBhvr>
-                                        <p:cTn id="12" dur="1" fill="hold">
+                                        <p:cTn id="16" dur="1" fill="hold">
                                           <p:stCondLst>
                                             <p:cond delay="499"/>
                                           </p:stCondLst>
@@ -5550,14 +6444,14 @@
                                 </p:cTn>
                               </p:par>
                               <p:par>
-                                <p:cTn id="13" presetID="1" presetClass="entr" presetSubtype="0" fill="hold" grpId="0" nodeType="withEffect">
+                                <p:cTn id="17" presetID="1" presetClass="entr" presetSubtype="0" fill="hold" grpId="0" nodeType="withEffect">
                                   <p:stCondLst>
                                     <p:cond delay="0"/>
                                   </p:stCondLst>
                                   <p:childTnLst>
                                     <p:set>
                                       <p:cBhvr>
-                                        <p:cTn id="14" dur="1" fill="hold">
+                                        <p:cTn id="18" dur="1" fill="hold">
                                           <p:stCondLst>
                                             <p:cond delay="0"/>
                                           </p:stCondLst>
@@ -5583,59 +6477,32 @@
                     </p:cTn>
                   </p:par>
                   <p:par>
-                    <p:cTn id="15" fill="hold">
+                    <p:cTn id="19" fill="hold">
                       <p:stCondLst>
                         <p:cond delay="indefinite"/>
                       </p:stCondLst>
                       <p:childTnLst>
                         <p:par>
-                          <p:cTn id="16" fill="hold">
+                          <p:cTn id="20" fill="hold">
                             <p:stCondLst>
                               <p:cond delay="0"/>
                             </p:stCondLst>
                             <p:childTnLst>
                               <p:par>
-                                <p:cTn id="17" presetID="1" presetClass="entr" presetSubtype="0" fill="hold" grpId="0" nodeType="clickEffect">
+                                <p:cTn id="21" presetID="1" presetClass="entr" presetSubtype="0" fill="hold" grpId="0" nodeType="clickEffect">
                                   <p:stCondLst>
                                     <p:cond delay="0"/>
                                   </p:stCondLst>
                                   <p:childTnLst>
                                     <p:set>
                                       <p:cBhvr>
-                                        <p:cTn id="18" dur="1" fill="hold">
+                                        <p:cTn id="22" dur="1" fill="hold">
                                           <p:stCondLst>
                                             <p:cond delay="0"/>
                                           </p:stCondLst>
                                         </p:cTn>
                                         <p:tgtEl>
                                           <p:spTgt spid="14"/>
-                                        </p:tgtEl>
-                                        <p:attrNameLst>
-                                          <p:attrName>style.visibility</p:attrName>
-                                        </p:attrNameLst>
-                                      </p:cBhvr>
-                                      <p:to>
-                                        <p:strVal val="visible"/>
-                                      </p:to>
-                                    </p:set>
-                                  </p:childTnLst>
-                                </p:cTn>
-                              </p:par>
-                              <p:par>
-                                <p:cTn id="19" presetID="1" presetClass="entr" presetSubtype="0" fill="hold" nodeType="withEffect">
-                                  <p:stCondLst>
-                                    <p:cond delay="0"/>
-                                  </p:stCondLst>
-                                  <p:childTnLst>
-                                    <p:set>
-                                      <p:cBhvr>
-                                        <p:cTn id="20" dur="1" fill="hold">
-                                          <p:stCondLst>
-                                            <p:cond delay="0"/>
-                                          </p:stCondLst>
-                                        </p:cTn>
-                                        <p:tgtEl>
-                                          <p:spTgt spid="8"/>
                                         </p:tgtEl>
                                         <p:attrNameLst>
                                           <p:attrName>style.visibility</p:attrName>
@@ -5753,22 +6620,6 @@
             <a:endParaRPr lang="nl-NL" sz="3600" dirty="0" smtClean="0"/>
           </a:p>
           <a:p>
-            <a:pPr lvl="1"/>
-            <a:r>
-              <a:rPr lang="nl-NL" sz="3600" dirty="0" smtClean="0"/>
-              <a:t>Geen </a:t>
-            </a:r>
-            <a:r>
-              <a:rPr lang="nl-NL" sz="3600" dirty="0" smtClean="0"/>
-              <a:t>meta </a:t>
-            </a:r>
-            <a:r>
-              <a:rPr lang="nl-NL" sz="3600" dirty="0" err="1" smtClean="0"/>
-              <a:t>refresh</a:t>
-            </a:r>
-            <a:endParaRPr lang="nl-NL" sz="3600" dirty="0"/>
-          </a:p>
-          <a:p>
             <a:endParaRPr lang="nl-NL" sz="3600" dirty="0" smtClean="0"/>
           </a:p>
           <a:p>
@@ -5780,13 +6631,43 @@
           <a:p>
             <a:pPr lvl="1"/>
             <a:r>
-              <a:rPr lang="nl-NL" sz="3600" dirty="0" smtClean="0"/>
-              <a:t>Handig voor Turn-</a:t>
-            </a:r>
-            <a:r>
-              <a:rPr lang="nl-NL" sz="3600" dirty="0" err="1" smtClean="0"/>
+              <a:rPr lang="nl-NL" sz="3200" dirty="0" smtClean="0"/>
+              <a:t>Handig voor </a:t>
+            </a:r>
+            <a:r>
+              <a:rPr lang="nl-NL" sz="3200" dirty="0" smtClean="0"/>
+              <a:t>Turn-</a:t>
+            </a:r>
+            <a:r>
+              <a:rPr lang="nl-NL" sz="3200" dirty="0" err="1" smtClean="0"/>
               <a:t>Based</a:t>
             </a:r>
+            <a:endParaRPr lang="nl-NL" sz="3200" dirty="0" smtClean="0"/>
+          </a:p>
+          <a:p>
+            <a:pPr lvl="1"/>
+            <a:r>
+              <a:rPr lang="nl-NL" sz="3200" dirty="0"/>
+              <a:t>Geen meta-</a:t>
+            </a:r>
+            <a:r>
+              <a:rPr lang="nl-NL" sz="3200" dirty="0" err="1"/>
+              <a:t>refresh</a:t>
+            </a:r>
+            <a:r>
+              <a:rPr lang="nl-NL" sz="3200" dirty="0"/>
+              <a:t> nodig</a:t>
+            </a:r>
+          </a:p>
+          <a:p>
+            <a:pPr lvl="1"/>
+            <a:r>
+              <a:rPr lang="nl-NL" sz="3200" dirty="0"/>
+              <a:t>Vloeiendere overgang voor gebruiker</a:t>
+            </a:r>
+          </a:p>
+          <a:p>
+            <a:pPr lvl="1"/>
             <a:endParaRPr lang="nl-NL" sz="3600" dirty="0" smtClean="0"/>
           </a:p>
           <a:p>
@@ -5816,7 +6697,7 @@
             <a:fld id="{E4D620AB-80A7-4718-8A84-72BC8767E2D5}" type="datetime1">
               <a:rPr lang="nl-NL" smtClean="0"/>
               <a:pPr/>
-              <a:t>18-11-2015</a:t>
+              <a:t>19-11-2015</a:t>
             </a:fld>
             <a:endParaRPr lang="nl-NL"/>
           </a:p>
@@ -5868,7 +6749,7 @@
     </p:spTree>
     <p:extLst>
       <p:ext uri="{BB962C8B-B14F-4D97-AF65-F5344CB8AC3E}">
-        <p14:creationId xmlns:p14="http://schemas.microsoft.com/office/powerpoint/2010/main" xmlns="" val="3869784468"/>
+        <p14:creationId xmlns:p14="http://schemas.microsoft.com/office/powerpoint/2010/main" val="3869784468"/>
       </p:ext>
     </p:extLst>
   </p:cSld>
@@ -5938,19 +6819,75 @@
         <p:spPr/>
         <p:txBody>
           <a:bodyPr>
-            <a:normAutofit lnSpcReduction="10000"/>
+            <a:normAutofit/>
           </a:bodyPr>
           <a:lstStyle/>
           <a:p>
             <a:r>
               <a:rPr lang="en-US" dirty="0" smtClean="0"/>
-              <a:t>Console &amp; Web-based </a:t>
+              <a:t>Console </a:t>
+            </a:r>
+            <a:r>
+              <a:rPr lang="en-US" smtClean="0"/>
+              <a:t>&amp; </a:t>
+            </a:r>
+            <a:r>
+              <a:rPr lang="en-US" smtClean="0"/>
+              <a:t>Web-Based </a:t>
             </a:r>
             <a:r>
               <a:rPr lang="en-US" dirty="0" err="1" smtClean="0"/>
               <a:t>ZeeSlag</a:t>
             </a:r>
-            <a:endParaRPr lang="nl-NL" dirty="0" smtClean="0"/>
+            <a:endParaRPr lang="en-US" dirty="0" smtClean="0"/>
+          </a:p>
+          <a:p>
+            <a:pPr lvl="2"/>
+            <a:r>
+              <a:rPr lang="en-US" sz="2200" dirty="0"/>
+              <a:t>Spring MVC</a:t>
+            </a:r>
+          </a:p>
+          <a:p>
+            <a:pPr lvl="2"/>
+            <a:r>
+              <a:rPr lang="en-US" sz="2200" dirty="0"/>
+              <a:t>Database: </a:t>
+            </a:r>
+            <a:r>
+              <a:rPr lang="en-US" sz="2200" dirty="0" err="1"/>
+              <a:t>mySQL</a:t>
+            </a:r>
+            <a:endParaRPr lang="en-US" sz="2200" dirty="0"/>
+          </a:p>
+          <a:p>
+            <a:pPr lvl="3"/>
+            <a:r>
+              <a:rPr lang="en-US" sz="2200" dirty="0"/>
+              <a:t>JPA &amp; Hibernate</a:t>
+            </a:r>
+            <a:endParaRPr lang="nl-NL" sz="2200" dirty="0"/>
+          </a:p>
+          <a:p>
+            <a:pPr lvl="2"/>
+            <a:r>
+              <a:rPr lang="en-US" sz="2200" dirty="0"/>
+              <a:t>HTML5</a:t>
+            </a:r>
+          </a:p>
+          <a:p>
+            <a:pPr lvl="2"/>
+            <a:r>
+              <a:rPr lang="en-US" sz="2200" dirty="0"/>
+              <a:t>JavaScript, JQuery</a:t>
+            </a:r>
+          </a:p>
+          <a:p>
+            <a:pPr lvl="2"/>
+            <a:r>
+              <a:rPr lang="en-US" sz="2200" dirty="0"/>
+              <a:t>REST, AJAX</a:t>
+            </a:r>
           </a:p>
           <a:p>
             <a:r>
@@ -5970,61 +6907,9 @@
             <a:pPr lvl="1"/>
             <a:r>
               <a:rPr lang="nl-NL" sz="2600" dirty="0" smtClean="0"/>
-              <a:t>Mogelijkheid tot meerdere technieken:</a:t>
-            </a:r>
-          </a:p>
-          <a:p>
-            <a:pPr lvl="2"/>
-            <a:r>
-              <a:rPr lang="en-US" sz="2200" dirty="0" smtClean="0"/>
-              <a:t>Spring MVC</a:t>
-            </a:r>
-          </a:p>
-          <a:p>
-            <a:pPr lvl="2"/>
-            <a:r>
-              <a:rPr lang="en-US" sz="2200" dirty="0" smtClean="0"/>
-              <a:t>Database: </a:t>
-            </a:r>
-            <a:r>
-              <a:rPr lang="en-US" sz="2200" dirty="0" err="1" smtClean="0"/>
-              <a:t>mySQL</a:t>
-            </a:r>
-            <a:endParaRPr lang="en-US" sz="2200" dirty="0" smtClean="0"/>
-          </a:p>
-          <a:p>
-            <a:pPr lvl="3"/>
-            <a:r>
-              <a:rPr lang="en-US" sz="2200" dirty="0" smtClean="0"/>
-              <a:t>JPA &amp; Hibernate</a:t>
-            </a:r>
-            <a:endParaRPr lang="nl-NL" sz="2200" dirty="0" smtClean="0"/>
-          </a:p>
-          <a:p>
-            <a:pPr lvl="2"/>
-            <a:r>
-              <a:rPr lang="en-US" sz="2200" dirty="0" smtClean="0"/>
-              <a:t>HTML5</a:t>
-            </a:r>
-          </a:p>
-          <a:p>
-            <a:pPr lvl="2"/>
-            <a:r>
-              <a:rPr lang="en-US" sz="2200" dirty="0" smtClean="0"/>
-              <a:t>JavaScript, </a:t>
-            </a:r>
-            <a:r>
-              <a:rPr lang="en-US" sz="2200" dirty="0" err="1" smtClean="0"/>
-              <a:t>JQuery</a:t>
-            </a:r>
-            <a:endParaRPr lang="en-US" sz="2200" dirty="0" smtClean="0"/>
-          </a:p>
-          <a:p>
-            <a:pPr lvl="2"/>
-            <a:r>
-              <a:rPr lang="en-US" sz="2200" dirty="0" smtClean="0"/>
-              <a:t>REST, AJAX</a:t>
-            </a:r>
+              <a:t>Leert van elkaar</a:t>
+            </a:r>
+            <a:endParaRPr lang="nl-NL" sz="2600" dirty="0" smtClean="0"/>
           </a:p>
           <a:p>
             <a:pPr lvl="2"/>
@@ -6054,7 +6939,7 @@
             <a:fld id="{8BD4A47A-27D5-485E-82C7-AE27EBCA82AC}" type="datetime1">
               <a:rPr lang="nl-NL" smtClean="0"/>
               <a:pPr/>
-              <a:t>18-11-2015</a:t>
+              <a:t>19-11-2015</a:t>
             </a:fld>
             <a:endParaRPr lang="nl-NL"/>
           </a:p>
@@ -6115,7 +7000,7 @@
           <a:blip r:embed="rId2" cstate="print">
             <a:extLst>
               <a:ext uri="{28A0092B-C50C-407E-A947-70E740481C1C}">
-                <a14:useLocalDpi xmlns:a14="http://schemas.microsoft.com/office/drawing/2010/main" xmlns="" val="0"/>
+                <a14:useLocalDpi xmlns:a14="http://schemas.microsoft.com/office/drawing/2010/main" val="0"/>
               </a:ext>
             </a:extLst>
           </a:blip>
@@ -6126,7 +7011,7 @@
         </p:blipFill>
         <p:spPr bwMode="auto">
           <a:xfrm>
-            <a:off x="4783624" y="3645024"/>
+            <a:off x="5076056" y="3356992"/>
             <a:ext cx="3604800" cy="2636912"/>
           </a:xfrm>
           <a:prstGeom prst="rect">
@@ -6135,7 +7020,7 @@
           <a:noFill/>
           <a:extLst>
             <a:ext uri="{909E8E84-426E-40DD-AFC4-6F175D3DCCD1}">
-              <a14:hiddenFill xmlns:a14="http://schemas.microsoft.com/office/drawing/2010/main" xmlns="">
+              <a14:hiddenFill xmlns:a14="http://schemas.microsoft.com/office/drawing/2010/main">
                 <a:solidFill>
                   <a:srgbClr val="FFFFFF"/>
                 </a:solidFill>
@@ -6224,14 +7109,31 @@
           <a:p>
             <a:r>
               <a:rPr lang="nl-NL" dirty="0" smtClean="0"/>
-              <a:t>2 speler</a:t>
-            </a:r>
-          </a:p>
-          <a:p>
+              <a:t>2 </a:t>
+            </a:r>
+            <a:r>
+              <a:rPr lang="nl-NL" dirty="0"/>
+              <a:t>S</a:t>
+            </a:r>
             <a:r>
               <a:rPr lang="nl-NL" dirty="0" smtClean="0"/>
-              <a:t>Schiet op elkaars boten</a:t>
-            </a:r>
+              <a:t>pelers</a:t>
+            </a:r>
+            <a:endParaRPr lang="nl-NL" dirty="0" smtClean="0"/>
+          </a:p>
+          <a:p>
+            <a:r>
+              <a:rPr lang="nl-NL" dirty="0" smtClean="0"/>
+              <a:t>Doel:</a:t>
+            </a:r>
+          </a:p>
+          <a:p>
+            <a:pPr lvl="1"/>
+            <a:r>
+              <a:rPr lang="nl-NL" dirty="0" smtClean="0"/>
+              <a:t>Boten van tegenstander te laten zinken</a:t>
+            </a:r>
+            <a:endParaRPr lang="nl-NL" dirty="0" smtClean="0"/>
           </a:p>
           <a:p>
             <a:endParaRPr lang="nl-NL" dirty="0"/>
@@ -6256,7 +7158,7 @@
             <a:fld id="{A13C9F78-21D0-4194-A10A-2B639A1E999D}" type="datetime1">
               <a:rPr lang="nl-NL" smtClean="0"/>
               <a:pPr/>
-              <a:t>18-11-2015</a:t>
+              <a:t>19-11-2015</a:t>
             </a:fld>
             <a:endParaRPr lang="nl-NL"/>
           </a:p>
@@ -6317,7 +7219,7 @@
           <a:blip r:embed="rId2" cstate="print">
             <a:extLst>
               <a:ext uri="{28A0092B-C50C-407E-A947-70E740481C1C}">
-                <a14:useLocalDpi xmlns:a14="http://schemas.microsoft.com/office/drawing/2010/main" xmlns="" val="0"/>
+                <a14:useLocalDpi xmlns:a14="http://schemas.microsoft.com/office/drawing/2010/main" val="0"/>
               </a:ext>
             </a:extLst>
           </a:blip>
@@ -6337,7 +7239,7 @@
           <a:noFill/>
           <a:extLst>
             <a:ext uri="{909E8E84-426E-40DD-AFC4-6F175D3DCCD1}">
-              <a14:hiddenFill xmlns:a14="http://schemas.microsoft.com/office/drawing/2010/main" xmlns="">
+              <a14:hiddenFill xmlns:a14="http://schemas.microsoft.com/office/drawing/2010/main">
                 <a:solidFill>
                   <a:srgbClr val="FFFFFF"/>
                 </a:solidFill>
@@ -6378,9 +7280,143 @@
           <a:chExt cx="0" cy="0"/>
         </a:xfrm>
       </p:grpSpPr>
+      <p:sp>
+        <p:nvSpPr>
+          <p:cNvPr id="2" name="Titel 1"/>
+          <p:cNvSpPr>
+            <a:spLocks noGrp="1"/>
+          </p:cNvSpPr>
+          <p:nvPr>
+            <p:ph type="title"/>
+          </p:nvPr>
+        </p:nvSpPr>
+        <p:spPr/>
+        <p:txBody>
+          <a:bodyPr/>
+          <a:lstStyle/>
+          <a:p>
+            <a:r>
+              <a:rPr lang="nl-NL" dirty="0" smtClean="0"/>
+              <a:t>Planning</a:t>
+            </a:r>
+            <a:endParaRPr lang="nl-NL" dirty="0"/>
+          </a:p>
+        </p:txBody>
+      </p:sp>
+      <p:sp>
+        <p:nvSpPr>
+          <p:cNvPr id="3" name="Tijdelijke aanduiding voor inhoud 2"/>
+          <p:cNvSpPr>
+            <a:spLocks noGrp="1"/>
+          </p:cNvSpPr>
+          <p:nvPr>
+            <p:ph idx="1"/>
+          </p:nvPr>
+        </p:nvSpPr>
+        <p:spPr/>
+        <p:txBody>
+          <a:bodyPr/>
+          <a:lstStyle/>
+          <a:p>
+            <a:r>
+              <a:rPr lang="nl-NL" dirty="0" smtClean="0"/>
+              <a:t>Console versie</a:t>
+            </a:r>
+          </a:p>
+          <a:p>
+            <a:r>
+              <a:rPr lang="nl-NL" dirty="0" smtClean="0"/>
+              <a:t>Web Versie</a:t>
+            </a:r>
+          </a:p>
+          <a:p>
+            <a:endParaRPr lang="nl-NL" dirty="0"/>
+          </a:p>
+          <a:p>
+            <a:r>
+              <a:rPr lang="nl-NL" i="1" dirty="0" smtClean="0"/>
+              <a:t>Swing</a:t>
+            </a:r>
+          </a:p>
+          <a:p>
+            <a:r>
+              <a:rPr lang="nl-NL" i="1" dirty="0" err="1" smtClean="0"/>
+              <a:t>Android</a:t>
+            </a:r>
+            <a:endParaRPr lang="nl-NL" i="1" dirty="0"/>
+          </a:p>
+        </p:txBody>
+      </p:sp>
+      <p:sp>
+        <p:nvSpPr>
+          <p:cNvPr id="5" name="Tijdelijke aanduiding voor datum 4"/>
+          <p:cNvSpPr>
+            <a:spLocks noGrp="1"/>
+          </p:cNvSpPr>
+          <p:nvPr>
+            <p:ph type="dt" sz="half" idx="10"/>
+          </p:nvPr>
+        </p:nvSpPr>
+        <p:spPr/>
+        <p:txBody>
+          <a:bodyPr/>
+          <a:lstStyle/>
+          <a:p>
+            <a:fld id="{337E24A9-A50E-4A65-ACA0-76410CD731DA}" type="datetime1">
+              <a:rPr lang="nl-NL" smtClean="0"/>
+              <a:pPr/>
+              <a:t>19-11-2015</a:t>
+            </a:fld>
+            <a:endParaRPr lang="nl-NL"/>
+          </a:p>
+        </p:txBody>
+      </p:sp>
+      <p:sp>
+        <p:nvSpPr>
+          <p:cNvPr id="6" name="Tijdelijke aanduiding voor voettekst 5"/>
+          <p:cNvSpPr>
+            <a:spLocks noGrp="1"/>
+          </p:cNvSpPr>
+          <p:nvPr>
+            <p:ph type="ftr" sz="quarter" idx="11"/>
+          </p:nvPr>
+        </p:nvSpPr>
+        <p:spPr/>
+        <p:txBody>
+          <a:bodyPr/>
+          <a:lstStyle/>
+          <a:p>
+            <a:endParaRPr lang="nl-NL"/>
+          </a:p>
+        </p:txBody>
+      </p:sp>
+      <p:sp>
+        <p:nvSpPr>
+          <p:cNvPr id="7" name="Tijdelijke aanduiding voor dianummer 6"/>
+          <p:cNvSpPr>
+            <a:spLocks noGrp="1"/>
+          </p:cNvSpPr>
+          <p:nvPr>
+            <p:ph type="sldNum" sz="quarter" idx="12"/>
+          </p:nvPr>
+        </p:nvSpPr>
+        <p:spPr/>
+        <p:txBody>
+          <a:bodyPr/>
+          <a:lstStyle/>
+          <a:p>
+            <a:fld id="{8EDE433C-975D-40E0-AA17-C907AC02EBEB}" type="slidenum">
+              <a:rPr lang="nl-NL" smtClean="0"/>
+              <a:pPr/>
+              <a:t>3</a:t>
+            </a:fld>
+            <a:endParaRPr lang="nl-NL"/>
+          </a:p>
+        </p:txBody>
+      </p:sp>
       <p:pic>
         <p:nvPicPr>
-          <p:cNvPr id="8" name="Afbeelding 7"/>
+          <p:cNvPr id="4" name="Tijdelijke aanduiding voor inhoud 3"/>
           <p:cNvPicPr>
             <a:picLocks noChangeAspect="1"/>
           </p:cNvPicPr>
@@ -6390,7 +7426,7 @@
           <a:blip r:embed="rId3" cstate="print">
             <a:extLst>
               <a:ext uri="{28A0092B-C50C-407E-A947-70E740481C1C}">
-                <a14:useLocalDpi xmlns:a14="http://schemas.microsoft.com/office/drawing/2010/main" xmlns="" val="0"/>
+                <a14:useLocalDpi xmlns:a14="http://schemas.microsoft.com/office/drawing/2010/main" val="0"/>
               </a:ext>
             </a:extLst>
           </a:blip>
@@ -6400,172 +7436,37 @@
         </p:blipFill>
         <p:spPr>
           <a:xfrm>
-            <a:off x="3779911" y="1556792"/>
-            <a:ext cx="5053311" cy="4450027"/>
+            <a:off x="3563888" y="1294976"/>
+            <a:ext cx="5580112" cy="5580112"/>
           </a:xfrm>
           <a:prstGeom prst="rect">
             <a:avLst/>
           </a:prstGeom>
         </p:spPr>
       </p:pic>
-      <p:sp>
-        <p:nvSpPr>
-          <p:cNvPr id="2" name="Titel 1"/>
-          <p:cNvSpPr>
-            <a:spLocks noGrp="1"/>
-          </p:cNvSpPr>
-          <p:nvPr>
-            <p:ph type="title"/>
-          </p:nvPr>
-        </p:nvSpPr>
-        <p:spPr/>
-        <p:txBody>
-          <a:bodyPr/>
-          <a:lstStyle/>
-          <a:p>
-            <a:r>
-              <a:rPr lang="nl-NL" dirty="0" smtClean="0"/>
-              <a:t>Planning</a:t>
-            </a:r>
-            <a:endParaRPr lang="nl-NL" dirty="0"/>
-          </a:p>
-        </p:txBody>
-      </p:sp>
-      <p:sp>
-        <p:nvSpPr>
-          <p:cNvPr id="3" name="Tijdelijke aanduiding voor inhoud 2"/>
-          <p:cNvSpPr>
-            <a:spLocks noGrp="1"/>
-          </p:cNvSpPr>
-          <p:nvPr>
-            <p:ph idx="1"/>
-          </p:nvPr>
-        </p:nvSpPr>
-        <p:spPr/>
-        <p:txBody>
-          <a:bodyPr/>
-          <a:lstStyle/>
-          <a:p>
-            <a:r>
-              <a:rPr lang="nl-NL" dirty="0" smtClean="0"/>
-              <a:t>Console versie</a:t>
-            </a:r>
-          </a:p>
-          <a:p>
-            <a:r>
-              <a:rPr lang="nl-NL" dirty="0" smtClean="0"/>
-              <a:t>Web Versie</a:t>
-            </a:r>
-          </a:p>
-          <a:p>
-            <a:endParaRPr lang="nl-NL" dirty="0"/>
-          </a:p>
-          <a:p>
-            <a:r>
-              <a:rPr lang="nl-NL" i="1" dirty="0" smtClean="0"/>
-              <a:t>Swing</a:t>
-            </a:r>
-          </a:p>
-          <a:p>
-            <a:r>
-              <a:rPr lang="nl-NL" i="1" dirty="0" err="1" smtClean="0"/>
-              <a:t>Android</a:t>
-            </a:r>
-            <a:endParaRPr lang="nl-NL" i="1" dirty="0"/>
-          </a:p>
-        </p:txBody>
-      </p:sp>
-      <p:sp>
-        <p:nvSpPr>
-          <p:cNvPr id="5" name="Tijdelijke aanduiding voor datum 4"/>
-          <p:cNvSpPr>
-            <a:spLocks noGrp="1"/>
-          </p:cNvSpPr>
-          <p:nvPr>
-            <p:ph type="dt" sz="half" idx="10"/>
-          </p:nvPr>
-        </p:nvSpPr>
-        <p:spPr/>
-        <p:txBody>
-          <a:bodyPr/>
-          <a:lstStyle/>
-          <a:p>
-            <a:fld id="{337E24A9-A50E-4A65-ACA0-76410CD731DA}" type="datetime1">
-              <a:rPr lang="nl-NL" smtClean="0"/>
-              <a:pPr/>
-              <a:t>18-11-2015</a:t>
-            </a:fld>
-            <a:endParaRPr lang="nl-NL"/>
-          </a:p>
-        </p:txBody>
-      </p:sp>
-      <p:sp>
-        <p:nvSpPr>
-          <p:cNvPr id="6" name="Tijdelijke aanduiding voor voettekst 5"/>
-          <p:cNvSpPr>
-            <a:spLocks noGrp="1"/>
-          </p:cNvSpPr>
-          <p:nvPr>
-            <p:ph type="ftr" sz="quarter" idx="11"/>
-          </p:nvPr>
-        </p:nvSpPr>
-        <p:spPr/>
-        <p:txBody>
-          <a:bodyPr/>
-          <a:lstStyle/>
-          <a:p>
-            <a:endParaRPr lang="nl-NL"/>
-          </a:p>
-        </p:txBody>
-      </p:sp>
-      <p:sp>
-        <p:nvSpPr>
-          <p:cNvPr id="7" name="Tijdelijke aanduiding voor dianummer 6"/>
-          <p:cNvSpPr>
-            <a:spLocks noGrp="1"/>
-          </p:cNvSpPr>
-          <p:nvPr>
-            <p:ph type="sldNum" sz="quarter" idx="12"/>
-          </p:nvPr>
-        </p:nvSpPr>
-        <p:spPr/>
-        <p:txBody>
-          <a:bodyPr/>
-          <a:lstStyle/>
-          <a:p>
-            <a:fld id="{8EDE433C-975D-40E0-AA17-C907AC02EBEB}" type="slidenum">
-              <a:rPr lang="nl-NL" smtClean="0"/>
-              <a:pPr/>
-              <a:t>3</a:t>
-            </a:fld>
-            <a:endParaRPr lang="nl-NL"/>
-          </a:p>
-        </p:txBody>
-      </p:sp>
       <p:pic>
         <p:nvPicPr>
-          <p:cNvPr id="4" name="Tijdelijke aanduiding voor inhoud 3"/>
+          <p:cNvPr id="8" name="Afbeelding 7"/>
           <p:cNvPicPr>
             <a:picLocks noChangeAspect="1"/>
           </p:cNvPicPr>
           <p:nvPr/>
         </p:nvPicPr>
-        <p:blipFill>
+        <p:blipFill rotWithShape="1">
           <a:blip r:embed="rId4" cstate="print">
             <a:extLst>
               <a:ext uri="{28A0092B-C50C-407E-A947-70E740481C1C}">
-                <a14:useLocalDpi xmlns:a14="http://schemas.microsoft.com/office/drawing/2010/main" xmlns="" val="0"/>
+                <a14:useLocalDpi xmlns:a14="http://schemas.microsoft.com/office/drawing/2010/main" val="0"/>
               </a:ext>
             </a:extLst>
           </a:blip>
-          <a:stretch>
-            <a:fillRect/>
-          </a:stretch>
+          <a:srcRect l="-3991" r="-4049"/>
+          <a:stretch/>
         </p:blipFill>
         <p:spPr>
           <a:xfrm>
-            <a:off x="3563888" y="1277888"/>
-            <a:ext cx="5580112" cy="5580112"/>
+            <a:off x="179512" y="0"/>
+            <a:ext cx="8784976" cy="7160598"/>
           </a:xfrm>
           <a:prstGeom prst="rect">
             <a:avLst/>
@@ -6575,7 +7476,7 @@
     </p:spTree>
     <p:extLst>
       <p:ext uri="{BB962C8B-B14F-4D97-AF65-F5344CB8AC3E}">
-        <p14:creationId xmlns:p14="http://schemas.microsoft.com/office/powerpoint/2010/main" xmlns="" val="99916924"/>
+        <p14:creationId xmlns:p14="http://schemas.microsoft.com/office/powerpoint/2010/main" val="99916924"/>
       </p:ext>
     </p:extLst>
   </p:cSld>
@@ -6603,35 +7504,27 @@
                             </p:stCondLst>
                             <p:childTnLst>
                               <p:par>
-                                <p:cTn id="5" presetID="10" presetClass="exit" presetSubtype="0" fill="hold" nodeType="clickEffect">
+                                <p:cTn id="5" presetID="1" presetClass="entr" presetSubtype="0" fill="hold" nodeType="clickEffect">
                                   <p:stCondLst>
                                     <p:cond delay="0"/>
                                   </p:stCondLst>
                                   <p:childTnLst>
-                                    <p:animEffect transition="out" filter="fade">
-                                      <p:cBhvr>
-                                        <p:cTn id="6" dur="500"/>
-                                        <p:tgtEl>
-                                          <p:spTgt spid="4"/>
-                                        </p:tgtEl>
-                                      </p:cBhvr>
-                                    </p:animEffect>
                                     <p:set>
                                       <p:cBhvr>
-                                        <p:cTn id="7" dur="1" fill="hold">
+                                        <p:cTn id="6" dur="1" fill="hold">
                                           <p:stCondLst>
-                                            <p:cond delay="499"/>
+                                            <p:cond delay="0"/>
                                           </p:stCondLst>
                                         </p:cTn>
                                         <p:tgtEl>
-                                          <p:spTgt spid="4"/>
+                                          <p:spTgt spid="8"/>
                                         </p:tgtEl>
                                         <p:attrNameLst>
                                           <p:attrName>style.visibility</p:attrName>
                                         </p:attrNameLst>
                                       </p:cBhvr>
                                       <p:to>
-                                        <p:strVal val="hidden"/>
+                                        <p:strVal val="visible"/>
                                       </p:to>
                                     </p:set>
                                   </p:childTnLst>
@@ -6702,7 +7595,7 @@
           <a:p>
             <a:r>
               <a:rPr lang="nl-NL" dirty="0" smtClean="0"/>
-              <a:t>Console</a:t>
+              <a:t>Console Versie</a:t>
             </a:r>
             <a:endParaRPr lang="nl-NL" dirty="0"/>
           </a:p>
@@ -6726,10 +7619,10 @@
           <a:lstStyle/>
           <a:p>
             <a:r>
-              <a:rPr lang="nl-NL" sz="4800" dirty="0" smtClean="0"/>
+              <a:rPr lang="nl-NL" sz="3200" dirty="0" smtClean="0"/>
               <a:t>Demo-Time!</a:t>
             </a:r>
-            <a:endParaRPr lang="nl-NL" sz="4800" dirty="0"/>
+            <a:endParaRPr lang="nl-NL" sz="3200" dirty="0"/>
           </a:p>
         </p:txBody>
       </p:sp>
@@ -6751,7 +7644,7 @@
             <a:fld id="{EBD2DB90-6D7B-4A53-B362-42578FAC17B3}" type="datetime1">
               <a:rPr lang="nl-NL" smtClean="0"/>
               <a:pPr/>
-              <a:t>18-11-2015</a:t>
+              <a:t>19-11-2015</a:t>
             </a:fld>
             <a:endParaRPr lang="nl-NL"/>
           </a:p>
@@ -6812,7 +7705,7 @@
           <a:blip r:embed="rId3" cstate="print">
             <a:extLst>
               <a:ext uri="{28A0092B-C50C-407E-A947-70E740481C1C}">
-                <a14:useLocalDpi xmlns:a14="http://schemas.microsoft.com/office/drawing/2010/main" xmlns="" val="0"/>
+                <a14:useLocalDpi xmlns:a14="http://schemas.microsoft.com/office/drawing/2010/main" val="0"/>
               </a:ext>
             </a:extLst>
           </a:blip>
@@ -6823,7 +7716,7 @@
         </p:blipFill>
         <p:spPr bwMode="auto">
           <a:xfrm>
-            <a:off x="4211960" y="1252191"/>
+            <a:off x="4572000" y="1252191"/>
             <a:ext cx="3960440" cy="5444145"/>
           </a:xfrm>
           <a:prstGeom prst="rect">
@@ -6840,7 +7733,7 @@
           </a:ln>
           <a:extLst>
             <a:ext uri="{909E8E84-426E-40DD-AFC4-6F175D3DCCD1}">
-              <a14:hiddenFill xmlns:a14="http://schemas.microsoft.com/office/drawing/2010/main" xmlns="">
+              <a14:hiddenFill xmlns:a14="http://schemas.microsoft.com/office/drawing/2010/main">
                 <a:solidFill>
                   <a:schemeClr val="accent1"/>
                 </a:solidFill>
@@ -6852,7 +7745,7 @@
     </p:spTree>
     <p:extLst>
       <p:ext uri="{BB962C8B-B14F-4D97-AF65-F5344CB8AC3E}">
-        <p14:creationId xmlns:p14="http://schemas.microsoft.com/office/powerpoint/2010/main" xmlns="" val="2945874189"/>
+        <p14:creationId xmlns:p14="http://schemas.microsoft.com/office/powerpoint/2010/main" val="2945874189"/>
       </p:ext>
     </p:extLst>
   </p:cSld>
@@ -7026,7 +7919,7 @@
             <a:fld id="{62523FEB-0B14-4A8C-85C2-E053A4159B30}" type="datetime1">
               <a:rPr lang="nl-NL" smtClean="0"/>
               <a:pPr/>
-              <a:t>18-11-2015</a:t>
+              <a:t>19-11-2015</a:t>
             </a:fld>
             <a:endParaRPr lang="nl-NL"/>
           </a:p>
@@ -7082,7 +7975,7 @@
           <a:blip r:embed="rId3" cstate="print">
             <a:extLst>
               <a:ext uri="{28A0092B-C50C-407E-A947-70E740481C1C}">
-                <a14:useLocalDpi xmlns:a14="http://schemas.microsoft.com/office/drawing/2010/main" xmlns="" val="0"/>
+                <a14:useLocalDpi xmlns:a14="http://schemas.microsoft.com/office/drawing/2010/main" val="0"/>
               </a:ext>
             </a:extLst>
           </a:blip>
@@ -7110,7 +8003,7 @@
           </a:ln>
           <a:extLst>
             <a:ext uri="{909E8E84-426E-40DD-AFC4-6F175D3DCCD1}">
-              <a14:hiddenFill xmlns:a14="http://schemas.microsoft.com/office/drawing/2010/main" xmlns="">
+              <a14:hiddenFill xmlns:a14="http://schemas.microsoft.com/office/drawing/2010/main">
                 <a:solidFill>
                   <a:schemeClr val="accent1"/>
                 </a:solidFill>
@@ -7119,6 +8012,190 @@
           </a:extLst>
         </p:spPr>
       </p:pic>
+      <p:sp>
+        <p:nvSpPr>
+          <p:cNvPr id="8" name="Rechthoek 7"/>
+          <p:cNvSpPr/>
+          <p:nvPr/>
+        </p:nvSpPr>
+        <p:spPr>
+          <a:xfrm>
+            <a:off x="467544" y="63006"/>
+            <a:ext cx="5040560" cy="170829"/>
+          </a:xfrm>
+          <a:prstGeom prst="rect">
+            <a:avLst/>
+          </a:prstGeom>
+          <a:noFill/>
+          <a:ln>
+            <a:solidFill>
+              <a:srgbClr val="FF0000"/>
+            </a:solidFill>
+          </a:ln>
+        </p:spPr>
+        <p:style>
+          <a:lnRef idx="2">
+            <a:schemeClr val="accent1">
+              <a:shade val="50000"/>
+            </a:schemeClr>
+          </a:lnRef>
+          <a:fillRef idx="1">
+            <a:schemeClr val="accent1"/>
+          </a:fillRef>
+          <a:effectRef idx="0">
+            <a:schemeClr val="accent1"/>
+          </a:effectRef>
+          <a:fontRef idx="minor">
+            <a:schemeClr val="lt1"/>
+          </a:fontRef>
+        </p:style>
+        <p:txBody>
+          <a:bodyPr rtlCol="0" anchor="ctr"/>
+          <a:lstStyle/>
+          <a:p>
+            <a:pPr algn="ctr"/>
+            <a:endParaRPr lang="nl-NL"/>
+          </a:p>
+        </p:txBody>
+      </p:sp>
+      <p:sp>
+        <p:nvSpPr>
+          <p:cNvPr id="10" name="Rechthoek 9"/>
+          <p:cNvSpPr/>
+          <p:nvPr/>
+        </p:nvSpPr>
+        <p:spPr>
+          <a:xfrm>
+            <a:off x="619944" y="3789041"/>
+            <a:ext cx="8236024" cy="432582"/>
+          </a:xfrm>
+          <a:prstGeom prst="rect">
+            <a:avLst/>
+          </a:prstGeom>
+          <a:noFill/>
+          <a:ln>
+            <a:solidFill>
+              <a:srgbClr val="FF0000"/>
+            </a:solidFill>
+          </a:ln>
+        </p:spPr>
+        <p:style>
+          <a:lnRef idx="2">
+            <a:schemeClr val="accent1">
+              <a:shade val="50000"/>
+            </a:schemeClr>
+          </a:lnRef>
+          <a:fillRef idx="1">
+            <a:schemeClr val="accent1"/>
+          </a:fillRef>
+          <a:effectRef idx="0">
+            <a:schemeClr val="accent1"/>
+          </a:effectRef>
+          <a:fontRef idx="minor">
+            <a:schemeClr val="lt1"/>
+          </a:fontRef>
+        </p:style>
+        <p:txBody>
+          <a:bodyPr rtlCol="0" anchor="ctr"/>
+          <a:lstStyle/>
+          <a:p>
+            <a:pPr algn="ctr"/>
+            <a:endParaRPr lang="nl-NL"/>
+          </a:p>
+        </p:txBody>
+      </p:sp>
+      <p:sp>
+        <p:nvSpPr>
+          <p:cNvPr id="12" name="Rechthoek 11"/>
+          <p:cNvSpPr/>
+          <p:nvPr/>
+        </p:nvSpPr>
+        <p:spPr>
+          <a:xfrm>
+            <a:off x="611560" y="4365104"/>
+            <a:ext cx="8244408" cy="288032"/>
+          </a:xfrm>
+          <a:prstGeom prst="rect">
+            <a:avLst/>
+          </a:prstGeom>
+          <a:noFill/>
+          <a:ln>
+            <a:solidFill>
+              <a:srgbClr val="FF0000"/>
+            </a:solidFill>
+          </a:ln>
+        </p:spPr>
+        <p:style>
+          <a:lnRef idx="2">
+            <a:schemeClr val="accent1">
+              <a:shade val="50000"/>
+            </a:schemeClr>
+          </a:lnRef>
+          <a:fillRef idx="1">
+            <a:schemeClr val="accent1"/>
+          </a:fillRef>
+          <a:effectRef idx="0">
+            <a:schemeClr val="accent1"/>
+          </a:effectRef>
+          <a:fontRef idx="minor">
+            <a:schemeClr val="lt1"/>
+          </a:fontRef>
+        </p:style>
+        <p:txBody>
+          <a:bodyPr rtlCol="0" anchor="ctr"/>
+          <a:lstStyle/>
+          <a:p>
+            <a:pPr algn="ctr"/>
+            <a:endParaRPr lang="nl-NL"/>
+          </a:p>
+        </p:txBody>
+      </p:sp>
+      <p:sp>
+        <p:nvSpPr>
+          <p:cNvPr id="13" name="Rechthoek 12"/>
+          <p:cNvSpPr/>
+          <p:nvPr/>
+        </p:nvSpPr>
+        <p:spPr>
+          <a:xfrm>
+            <a:off x="611560" y="4725144"/>
+            <a:ext cx="8244408" cy="1944216"/>
+          </a:xfrm>
+          <a:prstGeom prst="rect">
+            <a:avLst/>
+          </a:prstGeom>
+          <a:noFill/>
+          <a:ln>
+            <a:solidFill>
+              <a:srgbClr val="FF0000"/>
+            </a:solidFill>
+          </a:ln>
+        </p:spPr>
+        <p:style>
+          <a:lnRef idx="2">
+            <a:schemeClr val="accent1">
+              <a:shade val="50000"/>
+            </a:schemeClr>
+          </a:lnRef>
+          <a:fillRef idx="1">
+            <a:schemeClr val="accent1"/>
+          </a:fillRef>
+          <a:effectRef idx="0">
+            <a:schemeClr val="accent1"/>
+          </a:effectRef>
+          <a:fontRef idx="minor">
+            <a:schemeClr val="lt1"/>
+          </a:fontRef>
+        </p:style>
+        <p:txBody>
+          <a:bodyPr rtlCol="0" anchor="ctr"/>
+          <a:lstStyle/>
+          <a:p>
+            <a:pPr algn="ctr"/>
+            <a:endParaRPr lang="nl-NL"/>
+          </a:p>
+        </p:txBody>
+      </p:sp>
     </p:spTree>
   </p:cSld>
   <p:clrMapOvr>
@@ -7174,6 +8251,394 @@
                             </p:childTnLst>
                           </p:cTn>
                         </p:par>
+                        <p:par>
+                          <p:cTn id="7" fill="hold">
+                            <p:stCondLst>
+                              <p:cond delay="0"/>
+                            </p:stCondLst>
+                            <p:childTnLst>
+                              <p:par>
+                                <p:cTn id="8" presetID="10" presetClass="entr" presetSubtype="0" fill="hold" grpId="0" nodeType="afterEffect">
+                                  <p:stCondLst>
+                                    <p:cond delay="0"/>
+                                  </p:stCondLst>
+                                  <p:childTnLst>
+                                    <p:set>
+                                      <p:cBhvr>
+                                        <p:cTn id="9" dur="1" fill="hold">
+                                          <p:stCondLst>
+                                            <p:cond delay="0"/>
+                                          </p:stCondLst>
+                                        </p:cTn>
+                                        <p:tgtEl>
+                                          <p:spTgt spid="8"/>
+                                        </p:tgtEl>
+                                        <p:attrNameLst>
+                                          <p:attrName>style.visibility</p:attrName>
+                                        </p:attrNameLst>
+                                      </p:cBhvr>
+                                      <p:to>
+                                        <p:strVal val="visible"/>
+                                      </p:to>
+                                    </p:set>
+                                    <p:animEffect transition="in" filter="fade">
+                                      <p:cBhvr>
+                                        <p:cTn id="10" dur="500"/>
+                                        <p:tgtEl>
+                                          <p:spTgt spid="8"/>
+                                        </p:tgtEl>
+                                      </p:cBhvr>
+                                    </p:animEffect>
+                                  </p:childTnLst>
+                                </p:cTn>
+                              </p:par>
+                            </p:childTnLst>
+                          </p:cTn>
+                        </p:par>
+                      </p:childTnLst>
+                    </p:cTn>
+                  </p:par>
+                  <p:par>
+                    <p:cTn id="11" fill="hold">
+                      <p:stCondLst>
+                        <p:cond delay="indefinite"/>
+                      </p:stCondLst>
+                      <p:childTnLst>
+                        <p:par>
+                          <p:cTn id="12" fill="hold">
+                            <p:stCondLst>
+                              <p:cond delay="0"/>
+                            </p:stCondLst>
+                            <p:childTnLst>
+                              <p:par>
+                                <p:cTn id="13" presetID="10" presetClass="exit" presetSubtype="0" fill="hold" grpId="1" nodeType="clickEffect">
+                                  <p:stCondLst>
+                                    <p:cond delay="0"/>
+                                  </p:stCondLst>
+                                  <p:childTnLst>
+                                    <p:animEffect transition="out" filter="fade">
+                                      <p:cBhvr>
+                                        <p:cTn id="14" dur="500"/>
+                                        <p:tgtEl>
+                                          <p:spTgt spid="8"/>
+                                        </p:tgtEl>
+                                      </p:cBhvr>
+                                    </p:animEffect>
+                                    <p:set>
+                                      <p:cBhvr>
+                                        <p:cTn id="15" dur="1" fill="hold">
+                                          <p:stCondLst>
+                                            <p:cond delay="499"/>
+                                          </p:stCondLst>
+                                        </p:cTn>
+                                        <p:tgtEl>
+                                          <p:spTgt spid="8"/>
+                                        </p:tgtEl>
+                                        <p:attrNameLst>
+                                          <p:attrName>style.visibility</p:attrName>
+                                        </p:attrNameLst>
+                                      </p:cBhvr>
+                                      <p:to>
+                                        <p:strVal val="hidden"/>
+                                      </p:to>
+                                    </p:set>
+                                  </p:childTnLst>
+                                </p:cTn>
+                              </p:par>
+                            </p:childTnLst>
+                          </p:cTn>
+                        </p:par>
+                        <p:par>
+                          <p:cTn id="16" fill="hold">
+                            <p:stCondLst>
+                              <p:cond delay="500"/>
+                            </p:stCondLst>
+                            <p:childTnLst>
+                              <p:par>
+                                <p:cTn id="17" presetID="10" presetClass="entr" presetSubtype="0" fill="hold" grpId="0" nodeType="afterEffect">
+                                  <p:stCondLst>
+                                    <p:cond delay="0"/>
+                                  </p:stCondLst>
+                                  <p:childTnLst>
+                                    <p:set>
+                                      <p:cBhvr>
+                                        <p:cTn id="18" dur="1" fill="hold">
+                                          <p:stCondLst>
+                                            <p:cond delay="0"/>
+                                          </p:stCondLst>
+                                        </p:cTn>
+                                        <p:tgtEl>
+                                          <p:spTgt spid="10"/>
+                                        </p:tgtEl>
+                                        <p:attrNameLst>
+                                          <p:attrName>style.visibility</p:attrName>
+                                        </p:attrNameLst>
+                                      </p:cBhvr>
+                                      <p:to>
+                                        <p:strVal val="visible"/>
+                                      </p:to>
+                                    </p:set>
+                                    <p:animEffect transition="in" filter="fade">
+                                      <p:cBhvr>
+                                        <p:cTn id="19" dur="500"/>
+                                        <p:tgtEl>
+                                          <p:spTgt spid="10"/>
+                                        </p:tgtEl>
+                                      </p:cBhvr>
+                                    </p:animEffect>
+                                  </p:childTnLst>
+                                </p:cTn>
+                              </p:par>
+                            </p:childTnLst>
+                          </p:cTn>
+                        </p:par>
+                      </p:childTnLst>
+                    </p:cTn>
+                  </p:par>
+                  <p:par>
+                    <p:cTn id="20" fill="hold">
+                      <p:stCondLst>
+                        <p:cond delay="indefinite"/>
+                      </p:stCondLst>
+                      <p:childTnLst>
+                        <p:par>
+                          <p:cTn id="21" fill="hold">
+                            <p:stCondLst>
+                              <p:cond delay="0"/>
+                            </p:stCondLst>
+                            <p:childTnLst>
+                              <p:par>
+                                <p:cTn id="22" presetID="10" presetClass="exit" presetSubtype="0" fill="hold" grpId="1" nodeType="clickEffect">
+                                  <p:stCondLst>
+                                    <p:cond delay="0"/>
+                                  </p:stCondLst>
+                                  <p:childTnLst>
+                                    <p:animEffect transition="out" filter="fade">
+                                      <p:cBhvr>
+                                        <p:cTn id="23" dur="500"/>
+                                        <p:tgtEl>
+                                          <p:spTgt spid="10"/>
+                                        </p:tgtEl>
+                                      </p:cBhvr>
+                                    </p:animEffect>
+                                    <p:set>
+                                      <p:cBhvr>
+                                        <p:cTn id="24" dur="1" fill="hold">
+                                          <p:stCondLst>
+                                            <p:cond delay="499"/>
+                                          </p:stCondLst>
+                                        </p:cTn>
+                                        <p:tgtEl>
+                                          <p:spTgt spid="10"/>
+                                        </p:tgtEl>
+                                        <p:attrNameLst>
+                                          <p:attrName>style.visibility</p:attrName>
+                                        </p:attrNameLst>
+                                      </p:cBhvr>
+                                      <p:to>
+                                        <p:strVal val="hidden"/>
+                                      </p:to>
+                                    </p:set>
+                                  </p:childTnLst>
+                                </p:cTn>
+                              </p:par>
+                            </p:childTnLst>
+                          </p:cTn>
+                        </p:par>
+                        <p:par>
+                          <p:cTn id="25" fill="hold">
+                            <p:stCondLst>
+                              <p:cond delay="500"/>
+                            </p:stCondLst>
+                            <p:childTnLst>
+                              <p:par>
+                                <p:cTn id="26" presetID="10" presetClass="entr" presetSubtype="0" fill="hold" grpId="0" nodeType="afterEffect">
+                                  <p:stCondLst>
+                                    <p:cond delay="0"/>
+                                  </p:stCondLst>
+                                  <p:childTnLst>
+                                    <p:set>
+                                      <p:cBhvr>
+                                        <p:cTn id="27" dur="1" fill="hold">
+                                          <p:stCondLst>
+                                            <p:cond delay="0"/>
+                                          </p:stCondLst>
+                                        </p:cTn>
+                                        <p:tgtEl>
+                                          <p:spTgt spid="12"/>
+                                        </p:tgtEl>
+                                        <p:attrNameLst>
+                                          <p:attrName>style.visibility</p:attrName>
+                                        </p:attrNameLst>
+                                      </p:cBhvr>
+                                      <p:to>
+                                        <p:strVal val="visible"/>
+                                      </p:to>
+                                    </p:set>
+                                    <p:animEffect transition="in" filter="fade">
+                                      <p:cBhvr>
+                                        <p:cTn id="28" dur="500"/>
+                                        <p:tgtEl>
+                                          <p:spTgt spid="12"/>
+                                        </p:tgtEl>
+                                      </p:cBhvr>
+                                    </p:animEffect>
+                                  </p:childTnLst>
+                                </p:cTn>
+                              </p:par>
+                            </p:childTnLst>
+                          </p:cTn>
+                        </p:par>
+                      </p:childTnLst>
+                    </p:cTn>
+                  </p:par>
+                  <p:par>
+                    <p:cTn id="29" fill="hold">
+                      <p:stCondLst>
+                        <p:cond delay="indefinite"/>
+                      </p:stCondLst>
+                      <p:childTnLst>
+                        <p:par>
+                          <p:cTn id="30" fill="hold">
+                            <p:stCondLst>
+                              <p:cond delay="0"/>
+                            </p:stCondLst>
+                            <p:childTnLst>
+                              <p:par>
+                                <p:cTn id="31" presetID="10" presetClass="exit" presetSubtype="0" fill="hold" grpId="1" nodeType="clickEffect">
+                                  <p:stCondLst>
+                                    <p:cond delay="0"/>
+                                  </p:stCondLst>
+                                  <p:childTnLst>
+                                    <p:animEffect transition="out" filter="fade">
+                                      <p:cBhvr>
+                                        <p:cTn id="32" dur="500"/>
+                                        <p:tgtEl>
+                                          <p:spTgt spid="12"/>
+                                        </p:tgtEl>
+                                      </p:cBhvr>
+                                    </p:animEffect>
+                                    <p:set>
+                                      <p:cBhvr>
+                                        <p:cTn id="33" dur="1" fill="hold">
+                                          <p:stCondLst>
+                                            <p:cond delay="499"/>
+                                          </p:stCondLst>
+                                        </p:cTn>
+                                        <p:tgtEl>
+                                          <p:spTgt spid="12"/>
+                                        </p:tgtEl>
+                                        <p:attrNameLst>
+                                          <p:attrName>style.visibility</p:attrName>
+                                        </p:attrNameLst>
+                                      </p:cBhvr>
+                                      <p:to>
+                                        <p:strVal val="hidden"/>
+                                      </p:to>
+                                    </p:set>
+                                  </p:childTnLst>
+                                </p:cTn>
+                              </p:par>
+                            </p:childTnLst>
+                          </p:cTn>
+                        </p:par>
+                        <p:par>
+                          <p:cTn id="34" fill="hold">
+                            <p:stCondLst>
+                              <p:cond delay="500"/>
+                            </p:stCondLst>
+                            <p:childTnLst>
+                              <p:par>
+                                <p:cTn id="35" presetID="10" presetClass="entr" presetSubtype="0" fill="hold" grpId="0" nodeType="afterEffect">
+                                  <p:stCondLst>
+                                    <p:cond delay="0"/>
+                                  </p:stCondLst>
+                                  <p:childTnLst>
+                                    <p:set>
+                                      <p:cBhvr>
+                                        <p:cTn id="36" dur="1" fill="hold">
+                                          <p:stCondLst>
+                                            <p:cond delay="0"/>
+                                          </p:stCondLst>
+                                        </p:cTn>
+                                        <p:tgtEl>
+                                          <p:spTgt spid="13"/>
+                                        </p:tgtEl>
+                                        <p:attrNameLst>
+                                          <p:attrName>style.visibility</p:attrName>
+                                        </p:attrNameLst>
+                                      </p:cBhvr>
+                                      <p:to>
+                                        <p:strVal val="visible"/>
+                                      </p:to>
+                                    </p:set>
+                                    <p:animEffect transition="in" filter="fade">
+                                      <p:cBhvr>
+                                        <p:cTn id="37" dur="500"/>
+                                        <p:tgtEl>
+                                          <p:spTgt spid="13"/>
+                                        </p:tgtEl>
+                                      </p:cBhvr>
+                                    </p:animEffect>
+                                  </p:childTnLst>
+                                </p:cTn>
+                              </p:par>
+                            </p:childTnLst>
+                          </p:cTn>
+                        </p:par>
+                      </p:childTnLst>
+                    </p:cTn>
+                  </p:par>
+                  <p:par>
+                    <p:cTn id="38" fill="hold">
+                      <p:stCondLst>
+                        <p:cond delay="indefinite"/>
+                      </p:stCondLst>
+                      <p:childTnLst>
+                        <p:par>
+                          <p:cTn id="39" fill="hold">
+                            <p:stCondLst>
+                              <p:cond delay="0"/>
+                            </p:stCondLst>
+                            <p:childTnLst>
+                              <p:par>
+                                <p:cTn id="40" presetID="10" presetClass="exit" presetSubtype="0" fill="hold" grpId="1" nodeType="clickEffect">
+                                  <p:stCondLst>
+                                    <p:cond delay="0"/>
+                                  </p:stCondLst>
+                                  <p:childTnLst>
+                                    <p:animEffect transition="out" filter="fade">
+                                      <p:cBhvr>
+                                        <p:cTn id="41" dur="500"/>
+                                        <p:tgtEl>
+                                          <p:spTgt spid="13"/>
+                                        </p:tgtEl>
+                                      </p:cBhvr>
+                                    </p:animEffect>
+                                    <p:set>
+                                      <p:cBhvr>
+                                        <p:cTn id="42" dur="1" fill="hold">
+                                          <p:stCondLst>
+                                            <p:cond delay="499"/>
+                                          </p:stCondLst>
+                                        </p:cTn>
+                                        <p:tgtEl>
+                                          <p:spTgt spid="13"/>
+                                        </p:tgtEl>
+                                        <p:attrNameLst>
+                                          <p:attrName>style.visibility</p:attrName>
+                                        </p:attrNameLst>
+                                      </p:cBhvr>
+                                      <p:to>
+                                        <p:strVal val="hidden"/>
+                                      </p:to>
+                                    </p:set>
+                                  </p:childTnLst>
+                                </p:cTn>
+                              </p:par>
+                            </p:childTnLst>
+                          </p:cTn>
+                        </p:par>
                       </p:childTnLst>
                     </p:cTn>
                   </p:par>
@@ -7198,6 +8663,16 @@
         </p:cTn>
       </p:par>
     </p:tnLst>
+    <p:bldLst>
+      <p:bldP spid="8" grpId="0" animBg="1"/>
+      <p:bldP spid="8" grpId="1" animBg="1"/>
+      <p:bldP spid="10" grpId="0" animBg="1"/>
+      <p:bldP spid="10" grpId="1" animBg="1"/>
+      <p:bldP spid="12" grpId="0" animBg="1"/>
+      <p:bldP spid="12" grpId="1" animBg="1"/>
+      <p:bldP spid="13" grpId="0" animBg="1"/>
+      <p:bldP spid="13" grpId="1" animBg="1"/>
+    </p:bldLst>
   </p:timing>
 </p:sld>
 </file>
@@ -7259,17 +8734,13 @@
         <p:spPr/>
         <p:txBody>
           <a:bodyPr>
-            <a:normAutofit/>
+            <a:normAutofit fontScale="92500"/>
           </a:bodyPr>
           <a:lstStyle/>
           <a:p>
             <a:r>
               <a:rPr lang="en-US" sz="4000" dirty="0" smtClean="0"/>
-              <a:t>Spring </a:t>
-            </a:r>
-            <a:r>
-              <a:rPr lang="en-US" sz="4000" dirty="0" smtClean="0"/>
-              <a:t>MVC			</a:t>
+              <a:t>Spring MVC			</a:t>
             </a:r>
             <a:r>
               <a:rPr lang="en-US" sz="2600" i="1" dirty="0" smtClean="0"/>
@@ -7302,17 +8773,12 @@
               <a:rPr lang="en-US" sz="2600" i="1" dirty="0" smtClean="0"/>
               <a:t>evin</a:t>
             </a:r>
-            <a:endParaRPr lang="en-US" sz="2600" i="1" dirty="0" smtClean="0"/>
           </a:p>
           <a:p>
             <a:pPr lvl="1"/>
             <a:r>
               <a:rPr lang="en-US" sz="4000" dirty="0" smtClean="0"/>
-              <a:t>JPA &amp; </a:t>
-            </a:r>
-            <a:r>
-              <a:rPr lang="en-US" sz="4000" dirty="0" smtClean="0"/>
-              <a:t>Hibernate		</a:t>
+              <a:t>JPA &amp; Hibernate		</a:t>
             </a:r>
             <a:r>
               <a:rPr lang="en-US" sz="2600" i="1" dirty="0" smtClean="0"/>
@@ -7323,7 +8789,7 @@
           <a:p>
             <a:r>
               <a:rPr lang="en-US" sz="4000" dirty="0" smtClean="0"/>
-              <a:t>HTML5					</a:t>
+              <a:t>HTML5				</a:t>
             </a:r>
             <a:r>
               <a:rPr lang="en-US" sz="2600" i="1" dirty="0" err="1" smtClean="0"/>
@@ -7353,11 +8819,7 @@
           <a:p>
             <a:r>
               <a:rPr lang="en-US" sz="4000" dirty="0" smtClean="0"/>
-              <a:t>REST, </a:t>
-            </a:r>
-            <a:r>
-              <a:rPr lang="en-US" sz="4000" dirty="0" smtClean="0"/>
-              <a:t>AJAX				</a:t>
+              <a:t>REST, AJAX				</a:t>
             </a:r>
             <a:r>
               <a:rPr lang="en-US" sz="2600" i="1" dirty="0" err="1" smtClean="0"/>
@@ -7367,7 +8829,6 @@
               <a:rPr lang="en-US" sz="2600" i="1" dirty="0" smtClean="0"/>
               <a:t>/Kevin</a:t>
             </a:r>
-            <a:endParaRPr lang="en-US" sz="2600" i="1" dirty="0" smtClean="0"/>
           </a:p>
         </p:txBody>
       </p:sp>
@@ -7389,7 +8850,7 @@
             <a:fld id="{8D1E986A-A3FC-4DFB-9A69-4CDB033E7C59}" type="datetime1">
               <a:rPr lang="nl-NL" smtClean="0"/>
               <a:pPr/>
-              <a:t>18-11-2015</a:t>
+              <a:t>19-11-2015</a:t>
             </a:fld>
             <a:endParaRPr lang="nl-NL"/>
           </a:p>
@@ -7536,7 +8997,7 @@
             <a:fld id="{F34BE9D9-C6C9-4394-BD46-B9198AE7BDFF}" type="datetime1">
               <a:rPr lang="nl-NL" smtClean="0"/>
               <a:pPr/>
-              <a:t>18-11-2015</a:t>
+              <a:t>19-11-2015</a:t>
             </a:fld>
             <a:endParaRPr lang="nl-NL"/>
           </a:p>
@@ -7602,8 +9063,8 @@
         </p:blipFill>
         <p:spPr bwMode="auto">
           <a:xfrm>
-            <a:off x="3203848" y="4005064"/>
-            <a:ext cx="1042100" cy="1296144"/>
+            <a:off x="3491880" y="2996952"/>
+            <a:ext cx="1906196" cy="2370890"/>
           </a:xfrm>
           <a:prstGeom prst="rect">
             <a:avLst/>
@@ -7627,60 +9088,8 @@
           </a:stretch>
         </p:blipFill>
         <p:spPr bwMode="auto">
-          <a:xfrm>
-            <a:off x="4283968" y="3356992"/>
-            <a:ext cx="1619250" cy="1619251"/>
-          </a:xfrm>
-          <a:prstGeom prst="rect">
-            <a:avLst/>
-          </a:prstGeom>
-          <a:noFill/>
-        </p:spPr>
-      </p:pic>
-      <p:pic>
-        <p:nvPicPr>
-          <p:cNvPr id="10" name="Picture 4" descr="Afbeeldingsresultaat voor boot wifi"/>
-          <p:cNvPicPr>
-            <a:picLocks noChangeAspect="1" noChangeArrowheads="1"/>
-          </p:cNvPicPr>
-          <p:nvPr/>
-        </p:nvPicPr>
-        <p:blipFill>
-          <a:blip r:embed="rId2" cstate="print"/>
-          <a:srcRect/>
-          <a:stretch>
-            <a:fillRect/>
-          </a:stretch>
-        </p:blipFill>
-        <p:spPr bwMode="auto">
-          <a:xfrm>
-            <a:off x="5652120" y="1556792"/>
-            <a:ext cx="984205" cy="1224136"/>
-          </a:xfrm>
-          <a:prstGeom prst="rect">
-            <a:avLst/>
-          </a:prstGeom>
-          <a:noFill/>
-        </p:spPr>
-      </p:pic>
-      <p:pic>
-        <p:nvPicPr>
-          <p:cNvPr id="11" name="Picture 6" descr="https://lh3.ggpht.com/bT7mMim6jdC73TewRnN_knmQxSO69-BlZULzmup5rjt74tHJvjucYGvaptIPU_nkeww=w170"/>
-          <p:cNvPicPr>
-            <a:picLocks noChangeAspect="1" noChangeArrowheads="1"/>
-          </p:cNvPicPr>
-          <p:nvPr/>
-        </p:nvPicPr>
-        <p:blipFill>
-          <a:blip r:embed="rId3" cstate="print"/>
-          <a:srcRect/>
-          <a:stretch>
-            <a:fillRect/>
-          </a:stretch>
-        </p:blipFill>
-        <p:spPr bwMode="auto">
-          <a:xfrm rot="10986517">
-            <a:off x="4470698" y="2103561"/>
+          <a:xfrm rot="2782272">
+            <a:off x="5195063" y="2539893"/>
             <a:ext cx="1619250" cy="1619251"/>
           </a:xfrm>
           <a:prstGeom prst="rect">
@@ -7692,7 +9101,7 @@
     </p:spTree>
     <p:extLst>
       <p:ext uri="{BB962C8B-B14F-4D97-AF65-F5344CB8AC3E}">
-        <p14:creationId xmlns:p14="http://schemas.microsoft.com/office/powerpoint/2010/main" xmlns="" val="2277871465"/>
+        <p14:creationId xmlns:p14="http://schemas.microsoft.com/office/powerpoint/2010/main" val="2277871465"/>
       </p:ext>
     </p:extLst>
   </p:cSld>
@@ -7858,7 +9267,7 @@
             <a:fld id="{B684ECDE-4B27-47F6-8865-D32E66B1F40E}" type="datetime1">
               <a:rPr lang="nl-NL" smtClean="0"/>
               <a:pPr/>
-              <a:t>18-11-2015</a:t>
+              <a:t>19-11-2015</a:t>
             </a:fld>
             <a:endParaRPr lang="nl-NL"/>
           </a:p>
@@ -7976,7 +9385,7 @@
           <a:blip r:embed="rId3" cstate="print">
             <a:extLst>
               <a:ext uri="{28A0092B-C50C-407E-A947-70E740481C1C}">
-                <a14:useLocalDpi xmlns:a14="http://schemas.microsoft.com/office/drawing/2010/main" xmlns="" val="0"/>
+                <a14:useLocalDpi xmlns:a14="http://schemas.microsoft.com/office/drawing/2010/main" val="0"/>
               </a:ext>
             </a:extLst>
           </a:blip>
@@ -7986,8 +9395,8 @@
         </p:blipFill>
         <p:spPr>
           <a:xfrm>
-            <a:off x="457200" y="2056214"/>
-            <a:ext cx="8229600" cy="3613935"/>
+            <a:off x="457200" y="2322914"/>
+            <a:ext cx="8229600" cy="3613934"/>
           </a:xfrm>
         </p:spPr>
       </p:pic>
@@ -8009,7 +9418,7 @@
             <a:fld id="{10F32E0F-C824-48FE-B038-07A2350E6EC9}" type="datetime1">
               <a:rPr lang="nl-NL" smtClean="0"/>
               <a:pPr/>
-              <a:t>18-11-2015</a:t>
+              <a:t>19-11-2015</a:t>
             </a:fld>
             <a:endParaRPr lang="nl-NL"/>
           </a:p>
@@ -8058,10 +9467,150 @@
           </a:p>
         </p:txBody>
       </p:sp>
+      <p:sp>
+        <p:nvSpPr>
+          <p:cNvPr id="3" name="Rechthoek 2"/>
+          <p:cNvSpPr/>
+          <p:nvPr/>
+        </p:nvSpPr>
+        <p:spPr>
+          <a:xfrm>
+            <a:off x="1979712" y="1916832"/>
+            <a:ext cx="7200800" cy="4608512"/>
+          </a:xfrm>
+          <a:prstGeom prst="rect">
+            <a:avLst/>
+          </a:prstGeom>
+          <a:solidFill>
+            <a:schemeClr val="bg1"/>
+          </a:solidFill>
+          <a:ln>
+            <a:solidFill>
+              <a:schemeClr val="bg1"/>
+            </a:solidFill>
+          </a:ln>
+        </p:spPr>
+        <p:style>
+          <a:lnRef idx="2">
+            <a:schemeClr val="accent1">
+              <a:shade val="50000"/>
+            </a:schemeClr>
+          </a:lnRef>
+          <a:fillRef idx="1">
+            <a:schemeClr val="accent1"/>
+          </a:fillRef>
+          <a:effectRef idx="0">
+            <a:schemeClr val="accent1"/>
+          </a:effectRef>
+          <a:fontRef idx="minor">
+            <a:schemeClr val="lt1"/>
+          </a:fontRef>
+        </p:style>
+        <p:txBody>
+          <a:bodyPr rtlCol="0" anchor="ctr"/>
+          <a:lstStyle/>
+          <a:p>
+            <a:pPr algn="ctr"/>
+            <a:endParaRPr lang="nl-NL"/>
+          </a:p>
+        </p:txBody>
+      </p:sp>
+      <p:sp>
+        <p:nvSpPr>
+          <p:cNvPr id="8" name="Rechthoek 7"/>
+          <p:cNvSpPr/>
+          <p:nvPr/>
+        </p:nvSpPr>
+        <p:spPr>
+          <a:xfrm>
+            <a:off x="2070974" y="2060848"/>
+            <a:ext cx="6893514" cy="1008112"/>
+          </a:xfrm>
+          <a:prstGeom prst="rect">
+            <a:avLst/>
+          </a:prstGeom>
+          <a:solidFill>
+            <a:schemeClr val="bg1"/>
+          </a:solidFill>
+          <a:ln>
+            <a:noFill/>
+          </a:ln>
+        </p:spPr>
+        <p:style>
+          <a:lnRef idx="2">
+            <a:schemeClr val="accent1">
+              <a:shade val="50000"/>
+            </a:schemeClr>
+          </a:lnRef>
+          <a:fillRef idx="1">
+            <a:schemeClr val="accent1"/>
+          </a:fillRef>
+          <a:effectRef idx="0">
+            <a:schemeClr val="accent1"/>
+          </a:effectRef>
+          <a:fontRef idx="minor">
+            <a:schemeClr val="lt1"/>
+          </a:fontRef>
+        </p:style>
+        <p:txBody>
+          <a:bodyPr rtlCol="0" anchor="ctr"/>
+          <a:lstStyle/>
+          <a:p>
+            <a:pPr algn="ctr"/>
+            <a:endParaRPr lang="nl-NL"/>
+          </a:p>
+        </p:txBody>
+      </p:sp>
+      <p:sp>
+        <p:nvSpPr>
+          <p:cNvPr id="10" name="Rechthoek 9"/>
+          <p:cNvSpPr/>
+          <p:nvPr/>
+        </p:nvSpPr>
+        <p:spPr>
+          <a:xfrm>
+            <a:off x="6372200" y="2924944"/>
+            <a:ext cx="2448272" cy="2376264"/>
+          </a:xfrm>
+          <a:prstGeom prst="rect">
+            <a:avLst/>
+          </a:prstGeom>
+          <a:solidFill>
+            <a:schemeClr val="bg1"/>
+          </a:solidFill>
+          <a:ln>
+            <a:noFill/>
+          </a:ln>
+        </p:spPr>
+        <p:style>
+          <a:lnRef idx="2">
+            <a:schemeClr val="accent1">
+              <a:shade val="50000"/>
+            </a:schemeClr>
+          </a:lnRef>
+          <a:fillRef idx="1">
+            <a:schemeClr val="accent1"/>
+          </a:fillRef>
+          <a:effectRef idx="0">
+            <a:schemeClr val="accent1"/>
+          </a:effectRef>
+          <a:fontRef idx="minor">
+            <a:schemeClr val="lt1"/>
+          </a:fontRef>
+        </p:style>
+        <p:txBody>
+          <a:bodyPr rtlCol="0" anchor="ctr"/>
+          <a:lstStyle/>
+          <a:p>
+            <a:pPr algn="ctr"/>
+            <a:endParaRPr lang="nl-NL"/>
+          </a:p>
+        </p:txBody>
+      </p:sp>
     </p:spTree>
     <p:extLst>
       <p:ext uri="{BB962C8B-B14F-4D97-AF65-F5344CB8AC3E}">
-        <p14:creationId xmlns:p14="http://schemas.microsoft.com/office/powerpoint/2010/main" xmlns="" val="2148231906"/>
+        <p14:creationId xmlns:p14="http://schemas.microsoft.com/office/powerpoint/2010/main" val="2148231906"/>
       </p:ext>
     </p:extLst>
   </p:cSld>
@@ -8071,17 +9620,180 @@
   <p:timing>
     <p:tnLst>
       <p:par>
-        <p:cTn id="1" dur="indefinite" restart="never" nodeType="tmRoot"/>
+        <p:cTn id="1" dur="indefinite" restart="never" nodeType="tmRoot">
+          <p:childTnLst>
+            <p:seq concurrent="1" nextAc="seek">
+              <p:cTn id="2" dur="indefinite" nodeType="mainSeq">
+                <p:childTnLst>
+                  <p:par>
+                    <p:cTn id="3" fill="hold">
+                      <p:stCondLst>
+                        <p:cond delay="indefinite"/>
+                      </p:stCondLst>
+                      <p:childTnLst>
+                        <p:par>
+                          <p:cTn id="4" fill="hold">
+                            <p:stCondLst>
+                              <p:cond delay="0"/>
+                            </p:stCondLst>
+                            <p:childTnLst>
+                              <p:par>
+                                <p:cTn id="5" presetID="1" presetClass="exit" presetSubtype="0" fill="hold" grpId="0" nodeType="clickEffect">
+                                  <p:stCondLst>
+                                    <p:cond delay="0"/>
+                                  </p:stCondLst>
+                                  <p:childTnLst>
+                                    <p:set>
+                                      <p:cBhvr>
+                                        <p:cTn id="6" dur="1" fill="hold">
+                                          <p:stCondLst>
+                                            <p:cond delay="0"/>
+                                          </p:stCondLst>
+                                        </p:cTn>
+                                        <p:tgtEl>
+                                          <p:spTgt spid="3"/>
+                                        </p:tgtEl>
+                                        <p:attrNameLst>
+                                          <p:attrName>style.visibility</p:attrName>
+                                        </p:attrNameLst>
+                                      </p:cBhvr>
+                                      <p:to>
+                                        <p:strVal val="hidden"/>
+                                      </p:to>
+                                    </p:set>
+                                  </p:childTnLst>
+                                </p:cTn>
+                              </p:par>
+                            </p:childTnLst>
+                          </p:cTn>
+                        </p:par>
+                      </p:childTnLst>
+                    </p:cTn>
+                  </p:par>
+                  <p:par>
+                    <p:cTn id="7" fill="hold">
+                      <p:stCondLst>
+                        <p:cond delay="indefinite"/>
+                      </p:stCondLst>
+                      <p:childTnLst>
+                        <p:par>
+                          <p:cTn id="8" fill="hold">
+                            <p:stCondLst>
+                              <p:cond delay="0"/>
+                            </p:stCondLst>
+                            <p:childTnLst>
+                              <p:par>
+                                <p:cTn id="9" presetID="1" presetClass="exit" presetSubtype="0" fill="hold" grpId="0" nodeType="clickEffect">
+                                  <p:stCondLst>
+                                    <p:cond delay="0"/>
+                                  </p:stCondLst>
+                                  <p:childTnLst>
+                                    <p:set>
+                                      <p:cBhvr>
+                                        <p:cTn id="10" dur="1" fill="hold">
+                                          <p:stCondLst>
+                                            <p:cond delay="0"/>
+                                          </p:stCondLst>
+                                        </p:cTn>
+                                        <p:tgtEl>
+                                          <p:spTgt spid="10"/>
+                                        </p:tgtEl>
+                                        <p:attrNameLst>
+                                          <p:attrName>style.visibility</p:attrName>
+                                        </p:attrNameLst>
+                                      </p:cBhvr>
+                                      <p:to>
+                                        <p:strVal val="hidden"/>
+                                      </p:to>
+                                    </p:set>
+                                  </p:childTnLst>
+                                </p:cTn>
+                              </p:par>
+                            </p:childTnLst>
+                          </p:cTn>
+                        </p:par>
+                      </p:childTnLst>
+                    </p:cTn>
+                  </p:par>
+                  <p:par>
+                    <p:cTn id="11" fill="hold">
+                      <p:stCondLst>
+                        <p:cond delay="indefinite"/>
+                      </p:stCondLst>
+                      <p:childTnLst>
+                        <p:par>
+                          <p:cTn id="12" fill="hold">
+                            <p:stCondLst>
+                              <p:cond delay="0"/>
+                            </p:stCondLst>
+                            <p:childTnLst>
+                              <p:par>
+                                <p:cTn id="13" presetID="1" presetClass="exit" presetSubtype="0" fill="hold" grpId="0" nodeType="clickEffect">
+                                  <p:stCondLst>
+                                    <p:cond delay="0"/>
+                                  </p:stCondLst>
+                                  <p:childTnLst>
+                                    <p:set>
+                                      <p:cBhvr>
+                                        <p:cTn id="14" dur="1" fill="hold">
+                                          <p:stCondLst>
+                                            <p:cond delay="0"/>
+                                          </p:stCondLst>
+                                        </p:cTn>
+                                        <p:tgtEl>
+                                          <p:spTgt spid="8"/>
+                                        </p:tgtEl>
+                                        <p:attrNameLst>
+                                          <p:attrName>style.visibility</p:attrName>
+                                        </p:attrNameLst>
+                                      </p:cBhvr>
+                                      <p:to>
+                                        <p:strVal val="hidden"/>
+                                      </p:to>
+                                    </p:set>
+                                  </p:childTnLst>
+                                </p:cTn>
+                              </p:par>
+                            </p:childTnLst>
+                          </p:cTn>
+                        </p:par>
+                      </p:childTnLst>
+                    </p:cTn>
+                  </p:par>
+                </p:childTnLst>
+              </p:cTn>
+              <p:prevCondLst>
+                <p:cond evt="onPrev" delay="0">
+                  <p:tgtEl>
+                    <p:sldTgt/>
+                  </p:tgtEl>
+                </p:cond>
+              </p:prevCondLst>
+              <p:nextCondLst>
+                <p:cond evt="onNext" delay="0">
+                  <p:tgtEl>
+                    <p:sldTgt/>
+                  </p:tgtEl>
+                </p:cond>
+              </p:nextCondLst>
+            </p:seq>
+          </p:childTnLst>
+        </p:cTn>
       </p:par>
     </p:tnLst>
+    <p:bldLst>
+      <p:bldP spid="3" grpId="0" animBg="1"/>
+      <p:bldP spid="8" grpId="0" animBg="1"/>
+      <p:bldP spid="10" grpId="0" animBg="1"/>
+    </p:bldLst>
   </p:timing>
 </p:sld>
 </file>
 
 <file path=ppt/theme/theme1.xml><?xml version="1.0" encoding="utf-8"?>
-<a:theme xmlns:a="http://schemas.openxmlformats.org/drawingml/2006/main" name="Office-thema">
+<a:theme xmlns:a="http://schemas.openxmlformats.org/drawingml/2006/main" name="Stroom">
   <a:themeElements>
-    <a:clrScheme name="Kantoor">
+    <a:clrScheme name="Stroom">
       <a:dk1>
         <a:sysClr val="windowText" lastClr="000000"/>
       </a:dk1>
@@ -8089,80 +9801,46 @@
         <a:sysClr val="window" lastClr="FFFFFF"/>
       </a:lt1>
       <a:dk2>
-        <a:srgbClr val="1F497D"/>
+        <a:srgbClr val="04617B"/>
       </a:dk2>
       <a:lt2>
-        <a:srgbClr val="EEECE1"/>
+        <a:srgbClr val="DBF5F9"/>
       </a:lt2>
       <a:accent1>
-        <a:srgbClr val="4F81BD"/>
+        <a:srgbClr val="0F6FC6"/>
       </a:accent1>
       <a:accent2>
-        <a:srgbClr val="C0504D"/>
+        <a:srgbClr val="009DD9"/>
       </a:accent2>
       <a:accent3>
-        <a:srgbClr val="9BBB59"/>
+        <a:srgbClr val="0BD0D9"/>
       </a:accent3>
       <a:accent4>
-        <a:srgbClr val="8064A2"/>
+        <a:srgbClr val="10CF9B"/>
       </a:accent4>
       <a:accent5>
-        <a:srgbClr val="4BACC6"/>
+        <a:srgbClr val="7CCA62"/>
       </a:accent5>
       <a:accent6>
-        <a:srgbClr val="F79646"/>
+        <a:srgbClr val="A5C249"/>
       </a:accent6>
       <a:hlink>
-        <a:srgbClr val="0000FF"/>
+        <a:srgbClr val="F49100"/>
       </a:hlink>
       <a:folHlink>
-        <a:srgbClr val="800080"/>
+        <a:srgbClr val="85DFD0"/>
       </a:folHlink>
     </a:clrScheme>
-    <a:fontScheme name="Kantoor">
+    <a:fontScheme name="Stroom">
       <a:majorFont>
         <a:latin typeface="Calibri"/>
         <a:ea typeface=""/>
         <a:cs typeface=""/>
         <a:font script="Jpan" typeface="ＭＳ Ｐゴシック"/>
-        <a:font script="Hang" typeface="맑은 고딕"/>
-        <a:font script="Hans" typeface="宋体"/>
-        <a:font script="Hant" typeface="新細明體"/>
-        <a:font script="Arab" typeface="Times New Roman"/>
-        <a:font script="Hebr" typeface="Times New Roman"/>
-        <a:font script="Thai" typeface="Angsana New"/>
-        <a:font script="Ethi" typeface="Nyala"/>
-        <a:font script="Beng" typeface="Vrinda"/>
-        <a:font script="Gujr" typeface="Shruti"/>
-        <a:font script="Khmr" typeface="MoolBoran"/>
-        <a:font script="Knda" typeface="Tunga"/>
-        <a:font script="Guru" typeface="Raavi"/>
-        <a:font script="Cans" typeface="Euphemia"/>
-        <a:font script="Cher" typeface="Plantagenet Cherokee"/>
-        <a:font script="Yiii" typeface="Microsoft Yi Baiti"/>
-        <a:font script="Tibt" typeface="Microsoft Himalaya"/>
-        <a:font script="Thaa" typeface="MV Boli"/>
-        <a:font script="Deva" typeface="Mangal"/>
-        <a:font script="Telu" typeface="Gautami"/>
-        <a:font script="Taml" typeface="Latha"/>
-        <a:font script="Syrc" typeface="Estrangelo Edessa"/>
-        <a:font script="Orya" typeface="Kalinga"/>
-        <a:font script="Mlym" typeface="Kartika"/>
-        <a:font script="Laoo" typeface="DokChampa"/>
-        <a:font script="Sinh" typeface="Iskoola Pota"/>
-        <a:font script="Mong" typeface="Mongolian Baiti"/>
-        <a:font script="Viet" typeface="Times New Roman"/>
-        <a:font script="Uigh" typeface="Microsoft Uighur"/>
-      </a:majorFont>
-      <a:minorFont>
-        <a:latin typeface="Calibri"/>
-        <a:ea typeface=""/>
-        <a:cs typeface=""/>
-        <a:font script="Jpan" typeface="ＭＳ Ｐゴシック"/>
-        <a:font script="Hang" typeface="맑은 고딕"/>
-        <a:font script="Hans" typeface="宋体"/>
-        <a:font script="Hant" typeface="新細明體"/>
-        <a:font script="Arab" typeface="Arial"/>
+        <a:font script="Hang" typeface="HY중고딕"/>
+        <a:font script="Hans" typeface="隶书"/>
+        <a:font script="Hant" typeface="微軟正黑體"/>
+        <a:font script="Arab" typeface="Traditional Arabic"/>
         <a:font script="Hebr" typeface="Arial"/>
         <a:font script="Thai" typeface="Cordia New"/>
         <a:font script="Ethi" typeface="Nyala"/>
@@ -8187,9 +9865,43 @@
         <a:font script="Mong" typeface="Mongolian Baiti"/>
         <a:font script="Viet" typeface="Arial"/>
         <a:font script="Uigh" typeface="Microsoft Uighur"/>
+      </a:majorFont>
+      <a:minorFont>
+        <a:latin typeface="Constantia"/>
+        <a:ea typeface=""/>
+        <a:cs typeface=""/>
+        <a:font script="Jpan" typeface="HGP明朝E"/>
+        <a:font script="Hang" typeface="HY신명조"/>
+        <a:font script="Hans" typeface="宋体"/>
+        <a:font script="Hant" typeface="新細明體"/>
+        <a:font script="Arab" typeface="Majalla UI"/>
+        <a:font script="Hebr" typeface="David"/>
+        <a:font script="Thai" typeface="Browallia New"/>
+        <a:font script="Ethi" typeface="Nyala"/>
+        <a:font script="Beng" typeface="Vrinda"/>
+        <a:font script="Gujr" typeface="Shruti"/>
+        <a:font script="Khmr" typeface="MoolBoran"/>
+        <a:font script="Knda" typeface="Tunga"/>
+        <a:font script="Guru" typeface="Raavi"/>
+        <a:font script="Cans" typeface="Euphemia"/>
+        <a:font script="Cher" typeface="Plantagenet Cherokee"/>
+        <a:font script="Yiii" typeface="Microsoft Yi Baiti"/>
+        <a:font script="Tibt" typeface="Microsoft Himalaya"/>
+        <a:font script="Thaa" typeface="MV Boli"/>
+        <a:font script="Deva" typeface="Mangal"/>
+        <a:font script="Telu" typeface="Gautami"/>
+        <a:font script="Taml" typeface="Latha"/>
+        <a:font script="Syrc" typeface="Estrangelo Edessa"/>
+        <a:font script="Orya" typeface="Kalinga"/>
+        <a:font script="Mlym" typeface="Kartika"/>
+        <a:font script="Laoo" typeface="DokChampa"/>
+        <a:font script="Sinh" typeface="Iskoola Pota"/>
+        <a:font script="Mong" typeface="Mongolian Baiti"/>
+        <a:font script="Viet" typeface="Times New Roman"/>
+        <a:font script="Uigh" typeface="Microsoft Uighur"/>
       </a:minorFont>
     </a:fontScheme>
-    <a:fmtScheme name="Kantoor">
+    <a:fmtScheme name="Stroom">
       <a:fillStyleLst>
         <a:solidFill>
           <a:schemeClr val="phClr"/>
@@ -8198,55 +9910,66 @@
           <a:gsLst>
             <a:gs pos="0">
               <a:schemeClr val="phClr">
-                <a:tint val="50000"/>
-                <a:satMod val="300000"/>
+                <a:tint val="70000"/>
+                <a:satMod val="130000"/>
               </a:schemeClr>
             </a:gs>
-            <a:gs pos="35000">
+            <a:gs pos="43000">
               <a:schemeClr val="phClr">
-                <a:tint val="37000"/>
-                <a:satMod val="300000"/>
+                <a:tint val="44000"/>
+                <a:satMod val="165000"/>
+              </a:schemeClr>
+            </a:gs>
+            <a:gs pos="93000">
+              <a:schemeClr val="phClr">
+                <a:tint val="15000"/>
+                <a:satMod val="165000"/>
               </a:schemeClr>
             </a:gs>
             <a:gs pos="100000">
               <a:schemeClr val="phClr">
-                <a:tint val="15000"/>
-                <a:satMod val="350000"/>
+                <a:tint val="5000"/>
+                <a:satMod val="250000"/>
               </a:schemeClr>
             </a:gs>
           </a:gsLst>
-          <a:lin ang="16200000" scaled="1"/>
+          <a:path path="circle">
+            <a:fillToRect l="50000" t="130000" r="50000" b="-30000"/>
+          </a:path>
         </a:gradFill>
         <a:gradFill rotWithShape="1">
           <a:gsLst>
             <a:gs pos="0">
               <a:schemeClr val="phClr">
-                <a:shade val="51000"/>
-                <a:satMod val="130000"/>
+                <a:tint val="98000"/>
+                <a:shade val="25000"/>
+                <a:satMod val="250000"/>
               </a:schemeClr>
             </a:gs>
-            <a:gs pos="80000">
+            <a:gs pos="68000">
               <a:schemeClr val="phClr">
-                <a:shade val="93000"/>
-                <a:satMod val="130000"/>
+                <a:tint val="86000"/>
+                <a:satMod val="115000"/>
               </a:schemeClr>
             </a:gs>
             <a:gs pos="100000">
               <a:schemeClr val="phClr">
-                <a:shade val="94000"/>
-                <a:satMod val="135000"/>
+                <a:tint val="50000"/>
+                <a:satMod val="150000"/>
               </a:schemeClr>
             </a:gs>
           </a:gsLst>
-          <a:lin ang="16200000" scaled="0"/>
+          <a:path path="circle">
+            <a:fillToRect l="50000" t="130000" r="50000" b="-30000"/>
+          </a:path>
         </a:gradFill>
       </a:fillStyleLst>
       <a:lnStyleLst>
         <a:ln w="9525" cap="flat" cmpd="sng" algn="ctr">
           <a:solidFill>
             <a:schemeClr val="phClr">
-              <a:shade val="95000"/>
-              <a:satMod val="105000"/>
+              <a:shade val="50000"/>
+              <a:satMod val="103000"/>
             </a:schemeClr>
           </a:solidFill>
           <a:prstDash val="solid"/>
@@ -8267,40 +9990,46 @@
       <a:effectStyleLst>
         <a:effectStyle>
           <a:effectLst>
-            <a:outerShdw blurRad="40000" dist="20000" dir="5400000" rotWithShape="0">
-              <a:srgbClr val="000000">
-                <a:alpha val="38000"/>
-              </a:srgbClr>
+            <a:outerShdw blurRad="57150" dist="38100" dir="5400000" algn="ctr" rotWithShape="0">
+              <a:schemeClr val="phClr">
+                <a:shade val="9000"/>
+                <a:alpha val="48000"/>
+                <a:satMod val="105000"/>
+              </a:schemeClr>
             </a:outerShdw>
           </a:effectLst>
         </a:effectStyle>
         <a:effectStyle>
           <a:effectLst>
-            <a:outerShdw blurRad="40000" dist="23000" dir="5400000" rotWithShape="0">
-              <a:srgbClr val="000000">
-                <a:alpha val="35000"/>
-              </a:srgbClr>
+            <a:outerShdw blurRad="57150" dist="38100" dir="5400000" algn="ctr" rotWithShape="0">
+              <a:schemeClr val="phClr">
+                <a:shade val="9000"/>
+                <a:alpha val="48000"/>
+                <a:satMod val="105000"/>
+              </a:schemeClr>
             </a:outerShdw>
           </a:effectLst>
         </a:effectStyle>
         <a:effectStyle>
           <a:effectLst>
-            <a:outerShdw blurRad="40000" dist="23000" dir="5400000" rotWithShape="0">
-              <a:srgbClr val="000000">
-                <a:alpha val="35000"/>
-              </a:srgbClr>
+            <a:outerShdw blurRad="57150" dist="38100" dir="5400000" algn="ctr" rotWithShape="0">
+              <a:schemeClr val="phClr">
+                <a:shade val="9000"/>
+                <a:alpha val="48000"/>
+                <a:satMod val="105000"/>
+              </a:schemeClr>
             </a:outerShdw>
           </a:effectLst>
           <a:scene3d>
             <a:camera prst="orthographicFront">
               <a:rot lat="0" lon="0" rev="0"/>
             </a:camera>
-            <a:lightRig rig="threePt" dir="t">
-              <a:rot lat="0" lon="0" rev="1200000"/>
+            <a:lightRig rig="glow" dir="tl">
+              <a:rot lat="0" lon="0" rev="900000"/>
             </a:lightRig>
           </a:scene3d>
-          <a:sp3d>
-            <a:bevelT w="63500" h="25400"/>
+          <a:sp3d prstMaterial="powder">
+            <a:bevelT w="25400" h="38100"/>
           </a:sp3d>
         </a:effectStyle>
       </a:effectStyleLst>
@@ -8312,47 +10041,42 @@
           <a:gsLst>
             <a:gs pos="0">
               <a:schemeClr val="phClr">
-                <a:tint val="40000"/>
-                <a:satMod val="350000"/>
+                <a:tint val="80000"/>
+                <a:satMod val="400000"/>
               </a:schemeClr>
             </a:gs>
-            <a:gs pos="40000">
+            <a:gs pos="25000">
               <a:schemeClr val="phClr">
-                <a:tint val="45000"/>
-                <a:shade val="99000"/>
-                <a:satMod val="350000"/>
+                <a:tint val="83000"/>
+                <a:satMod val="320000"/>
               </a:schemeClr>
             </a:gs>
             <a:gs pos="100000">
               <a:schemeClr val="phClr">
-                <a:shade val="20000"/>
-                <a:satMod val="255000"/>
+                <a:shade val="15000"/>
+                <a:satMod val="320000"/>
               </a:schemeClr>
             </a:gs>
           </a:gsLst>
           <a:path path="circle">
-            <a:fillToRect l="50000" t="-80000" r="50000" b="180000"/>
+            <a:fillToRect l="10000" t="110000" r="10000" b="100000"/>
           </a:path>
         </a:gradFill>
-        <a:gradFill rotWithShape="1">
-          <a:gsLst>
-            <a:gs pos="0">
+        <a:blipFill>
+          <a:blip xmlns:r="http://schemas.openxmlformats.org/officeDocument/2006/relationships" r:embed="rId1">
+            <a:duotone>
               <a:schemeClr val="phClr">
-                <a:tint val="80000"/>
-                <a:satMod val="300000"/>
+                <a:shade val="90000"/>
+                <a:satMod val="150000"/>
               </a:schemeClr>
-            </a:gs>
-            <a:gs pos="100000">
               <a:schemeClr val="phClr">
-                <a:shade val="30000"/>
-                <a:satMod val="200000"/>
+                <a:tint val="88000"/>
+                <a:satMod val="150000"/>
               </a:schemeClr>
-            </a:gs>
-          </a:gsLst>
-          <a:path path="circle">
-            <a:fillToRect l="50000" t="50000" r="50000" b="50000"/>
-          </a:path>
-        </a:gradFill>
+            </a:duotone>
+          </a:blip>
+          <a:tile tx="0" ty="0" sx="65000" sy="65000" flip="none" algn="tl"/>
+        </a:blipFill>
       </a:bgFillStyleLst>
     </a:fmtScheme>
   </a:themeElements>

--- a/ZeeslagPresentatie2.pptx
+++ b/ZeeslagPresentatie2.pptx
@@ -6632,11 +6632,7 @@
             <a:pPr lvl="1"/>
             <a:r>
               <a:rPr lang="nl-NL" sz="3200" dirty="0" smtClean="0"/>
-              <a:t>Handig voor </a:t>
-            </a:r>
-            <a:r>
-              <a:rPr lang="nl-NL" sz="3200" dirty="0" smtClean="0"/>
-              <a:t>Turn-</a:t>
+              <a:t>Handig voor Turn-</a:t>
             </a:r>
             <a:r>
               <a:rPr lang="nl-NL" sz="3200" dirty="0" err="1" smtClean="0"/>
@@ -6829,11 +6825,7 @@
             </a:r>
             <a:r>
               <a:rPr lang="en-US" smtClean="0"/>
-              <a:t>&amp; </a:t>
-            </a:r>
-            <a:r>
-              <a:rPr lang="en-US" smtClean="0"/>
-              <a:t>Web-Based </a:t>
+              <a:t>&amp; Web-Based </a:t>
             </a:r>
             <a:r>
               <a:rPr lang="en-US" dirty="0" err="1" smtClean="0"/>
@@ -6894,7 +6886,6 @@
               <a:rPr lang="nl-NL" dirty="0" smtClean="0"/>
               <a:t>Samenwerking</a:t>
             </a:r>
-            <a:endParaRPr lang="nl-NL" dirty="0" smtClean="0"/>
           </a:p>
           <a:p>
             <a:pPr lvl="1"/>
@@ -6909,7 +6900,6 @@
               <a:rPr lang="nl-NL" sz="2600" dirty="0" smtClean="0"/>
               <a:t>Leert van elkaar</a:t>
             </a:r>
-            <a:endParaRPr lang="nl-NL" sz="2600" dirty="0" smtClean="0"/>
           </a:p>
           <a:p>
             <a:pPr lvl="2"/>
@@ -7119,7 +7109,6 @@
               <a:rPr lang="nl-NL" dirty="0" smtClean="0"/>
               <a:t>pelers</a:t>
             </a:r>
-            <a:endParaRPr lang="nl-NL" dirty="0" smtClean="0"/>
           </a:p>
           <a:p>
             <a:r>
@@ -7133,7 +7122,6 @@
               <a:rPr lang="nl-NL" dirty="0" smtClean="0"/>
               <a:t>Boten van tegenstander te laten zinken</a:t>
             </a:r>
-            <a:endParaRPr lang="nl-NL" dirty="0" smtClean="0"/>
           </a:p>
           <a:p>
             <a:endParaRPr lang="nl-NL" dirty="0"/>
@@ -8734,7 +8722,7 @@
         <p:spPr/>
         <p:txBody>
           <a:bodyPr>
-            <a:normAutofit fontScale="92500"/>
+            <a:normAutofit fontScale="92500" lnSpcReduction="10000"/>
           </a:bodyPr>
           <a:lstStyle/>
           <a:p>
@@ -8789,12 +8777,20 @@
           <a:p>
             <a:r>
               <a:rPr lang="en-US" sz="4000" dirty="0" smtClean="0"/>
-              <a:t>HTML5				</a:t>
+              <a:t>HTML5, CSS3</a:t>
+            </a:r>
+            <a:r>
+              <a:rPr lang="en-US" sz="4000" dirty="0" smtClean="0"/>
+              <a:t>			</a:t>
             </a:r>
             <a:r>
               <a:rPr lang="en-US" sz="2600" i="1" dirty="0" err="1" smtClean="0"/>
               <a:t>Bastiaan</a:t>
             </a:r>
+            <a:r>
+              <a:rPr lang="en-US" sz="2600" i="1" dirty="0" smtClean="0"/>
+              <a:t>/Kevin</a:t>
+            </a:r>
             <a:endParaRPr lang="en-US" sz="2600" i="1" dirty="0"/>
           </a:p>
           <a:p>
@@ -8819,16 +8815,35 @@
           <a:p>
             <a:r>
               <a:rPr lang="en-US" sz="4000" dirty="0" smtClean="0"/>
-              <a:t>REST, AJAX				</a:t>
-            </a:r>
-            <a:r>
-              <a:rPr lang="en-US" sz="2600" i="1" dirty="0" err="1" smtClean="0"/>
+              <a:t>REST 					</a:t>
+            </a:r>
+            <a:r>
+              <a:rPr lang="en-US" i="1" dirty="0" err="1" smtClean="0"/>
               <a:t>Bastiaan</a:t>
             </a:r>
             <a:r>
-              <a:rPr lang="en-US" sz="2600" i="1" dirty="0" smtClean="0"/>
+              <a:rPr lang="en-US" i="1" dirty="0" smtClean="0"/>
               <a:t>/Kevin</a:t>
             </a:r>
+          </a:p>
+          <a:p>
+            <a:r>
+              <a:rPr lang="en-US" sz="4000" dirty="0" smtClean="0"/>
+              <a:t>AJAX</a:t>
+            </a:r>
+            <a:r>
+              <a:rPr lang="en-US" sz="4000" dirty="0" smtClean="0"/>
+              <a:t>				</a:t>
+            </a:r>
+            <a:r>
+              <a:rPr lang="en-US" sz="4000" dirty="0" smtClean="0"/>
+              <a:t>	</a:t>
+            </a:r>
+            <a:r>
+              <a:rPr lang="en-US" i="1" dirty="0" err="1" smtClean="0"/>
+              <a:t>Bastiaan</a:t>
+            </a:r>
+            <a:endParaRPr lang="en-US" i="1" dirty="0" smtClean="0"/>
           </a:p>
         </p:txBody>
       </p:sp>

--- a/ZeeslagPresentatie2.pptx
+++ b/ZeeslagPresentatie2.pptx
@@ -19,8 +19,8 @@
     <p:sldId id="271" r:id="rId10"/>
     <p:sldId id="262" r:id="rId11"/>
     <p:sldId id="264" r:id="rId12"/>
-    <p:sldId id="272" r:id="rId13"/>
-    <p:sldId id="269" r:id="rId14"/>
+    <p:sldId id="269" r:id="rId13"/>
+    <p:sldId id="272" r:id="rId14"/>
     <p:sldId id="265" r:id="rId15"/>
   </p:sldIdLst>
   <p:sldSz cx="9144000" cy="6858000" type="screen4x3"/>
@@ -5979,16 +5979,226 @@
           <a:chExt cx="0" cy="0"/>
         </a:xfrm>
       </p:grpSpPr>
+      <p:sp>
+        <p:nvSpPr>
+          <p:cNvPr id="2" name="Titel 1"/>
+          <p:cNvSpPr>
+            <a:spLocks noGrp="1"/>
+          </p:cNvSpPr>
+          <p:nvPr>
+            <p:ph type="title"/>
+          </p:nvPr>
+        </p:nvSpPr>
+        <p:spPr/>
+        <p:txBody>
+          <a:bodyPr/>
+          <a:lstStyle/>
+          <a:p>
+            <a:r>
+              <a:rPr lang="nl-NL" dirty="0" smtClean="0"/>
+              <a:t>REST &amp; AJAX</a:t>
+            </a:r>
+            <a:endParaRPr lang="nl-NL" dirty="0"/>
+          </a:p>
+        </p:txBody>
+      </p:sp>
+      <p:sp>
+        <p:nvSpPr>
+          <p:cNvPr id="3" name="Tijdelijke aanduiding voor inhoud 2"/>
+          <p:cNvSpPr>
+            <a:spLocks noGrp="1"/>
+          </p:cNvSpPr>
+          <p:nvPr>
+            <p:ph idx="1"/>
+          </p:nvPr>
+        </p:nvSpPr>
+        <p:spPr/>
+        <p:txBody>
+          <a:bodyPr>
+            <a:normAutofit/>
+          </a:bodyPr>
+          <a:lstStyle/>
+          <a:p>
+            <a:r>
+              <a:rPr lang="nl-NL" sz="3600" dirty="0" smtClean="0"/>
+              <a:t>Updates van site zonder </a:t>
+            </a:r>
+            <a:r>
+              <a:rPr lang="nl-NL" sz="3600" dirty="0" err="1" smtClean="0"/>
+              <a:t>request</a:t>
+            </a:r>
+            <a:endParaRPr lang="nl-NL" sz="3600" dirty="0" smtClean="0"/>
+          </a:p>
+          <a:p>
+            <a:endParaRPr lang="nl-NL" sz="3600" dirty="0" smtClean="0"/>
+          </a:p>
+          <a:p>
+            <a:r>
+              <a:rPr lang="nl-NL" sz="3600" dirty="0" smtClean="0"/>
+              <a:t>Bord updaten na beurt</a:t>
+            </a:r>
+          </a:p>
+          <a:p>
+            <a:pPr lvl="1"/>
+            <a:r>
+              <a:rPr lang="nl-NL" sz="3200" dirty="0" smtClean="0"/>
+              <a:t>Handig voor Turn-</a:t>
+            </a:r>
+            <a:r>
+              <a:rPr lang="nl-NL" sz="3200" dirty="0" err="1" smtClean="0"/>
+              <a:t>Based</a:t>
+            </a:r>
+            <a:endParaRPr lang="nl-NL" sz="3200" dirty="0" smtClean="0"/>
+          </a:p>
+          <a:p>
+            <a:pPr lvl="1"/>
+            <a:r>
+              <a:rPr lang="nl-NL" sz="3200" dirty="0"/>
+              <a:t>Geen meta-</a:t>
+            </a:r>
+            <a:r>
+              <a:rPr lang="nl-NL" sz="3200" dirty="0" err="1"/>
+              <a:t>refresh</a:t>
+            </a:r>
+            <a:r>
+              <a:rPr lang="nl-NL" sz="3200" dirty="0"/>
+              <a:t> nodig</a:t>
+            </a:r>
+          </a:p>
+          <a:p>
+            <a:pPr lvl="1"/>
+            <a:r>
+              <a:rPr lang="nl-NL" sz="3200" dirty="0"/>
+              <a:t>Vloeiendere overgang voor gebruiker</a:t>
+            </a:r>
+          </a:p>
+          <a:p>
+            <a:pPr lvl="1"/>
+            <a:endParaRPr lang="nl-NL" sz="3600" dirty="0" smtClean="0"/>
+          </a:p>
+          <a:p>
+            <a:endParaRPr lang="nl-NL" sz="3600" dirty="0" smtClean="0"/>
+          </a:p>
+          <a:p>
+            <a:pPr lvl="1"/>
+            <a:endParaRPr lang="nl-NL" sz="3600" dirty="0" smtClean="0"/>
+          </a:p>
+        </p:txBody>
+      </p:sp>
+      <p:sp>
+        <p:nvSpPr>
+          <p:cNvPr id="4" name="Tijdelijke aanduiding voor datum 3"/>
+          <p:cNvSpPr>
+            <a:spLocks noGrp="1"/>
+          </p:cNvSpPr>
+          <p:nvPr>
+            <p:ph type="dt" sz="half" idx="10"/>
+          </p:nvPr>
+        </p:nvSpPr>
+        <p:spPr/>
+        <p:txBody>
+          <a:bodyPr/>
+          <a:lstStyle/>
+          <a:p>
+            <a:fld id="{E4D620AB-80A7-4718-8A84-72BC8767E2D5}" type="datetime1">
+              <a:rPr lang="nl-NL" smtClean="0"/>
+              <a:pPr/>
+              <a:t>19-11-2015</a:t>
+            </a:fld>
+            <a:endParaRPr lang="nl-NL"/>
+          </a:p>
+        </p:txBody>
+      </p:sp>
+      <p:sp>
+        <p:nvSpPr>
+          <p:cNvPr id="5" name="Tijdelijke aanduiding voor voettekst 4"/>
+          <p:cNvSpPr>
+            <a:spLocks noGrp="1"/>
+          </p:cNvSpPr>
+          <p:nvPr>
+            <p:ph type="ftr" sz="quarter" idx="11"/>
+          </p:nvPr>
+        </p:nvSpPr>
+        <p:spPr/>
+        <p:txBody>
+          <a:bodyPr/>
+          <a:lstStyle/>
+          <a:p>
+            <a:endParaRPr lang="nl-NL"/>
+          </a:p>
+        </p:txBody>
+      </p:sp>
+      <p:sp>
+        <p:nvSpPr>
+          <p:cNvPr id="6" name="Tijdelijke aanduiding voor dianummer 5"/>
+          <p:cNvSpPr>
+            <a:spLocks noGrp="1"/>
+          </p:cNvSpPr>
+          <p:nvPr>
+            <p:ph type="sldNum" sz="quarter" idx="12"/>
+          </p:nvPr>
+        </p:nvSpPr>
+        <p:spPr/>
+        <p:txBody>
+          <a:bodyPr/>
+          <a:lstStyle/>
+          <a:p>
+            <a:fld id="{8EDE433C-975D-40E0-AA17-C907AC02EBEB}" type="slidenum">
+              <a:rPr lang="nl-NL" smtClean="0"/>
+              <a:pPr/>
+              <a:t>12</a:t>
+            </a:fld>
+            <a:endParaRPr lang="nl-NL"/>
+          </a:p>
+        </p:txBody>
+      </p:sp>
+    </p:spTree>
+    <p:extLst>
+      <p:ext uri="{BB962C8B-B14F-4D97-AF65-F5344CB8AC3E}">
+        <p14:creationId xmlns:p14="http://schemas.microsoft.com/office/powerpoint/2010/main" val="3869784468"/>
+      </p:ext>
+    </p:extLst>
+  </p:cSld>
+  <p:clrMapOvr>
+    <a:masterClrMapping/>
+  </p:clrMapOvr>
+  <p:timing>
+    <p:tnLst>
+      <p:par>
+        <p:cTn id="1" dur="indefinite" restart="never" nodeType="tmRoot"/>
+      </p:par>
+    </p:tnLst>
+  </p:timing>
+</p:sld>
+</file>
+
+<file path=ppt/slides/slide13.xml><?xml version="1.0" encoding="utf-8"?>
+<p:sld xmlns:a="http://schemas.openxmlformats.org/drawingml/2006/main" xmlns:r="http://schemas.openxmlformats.org/officeDocument/2006/relationships" xmlns:p="http://schemas.openxmlformats.org/presentationml/2006/main">
+  <p:cSld>
+    <p:spTree>
+      <p:nvGrpSpPr>
+        <p:cNvPr id="1" name=""/>
+        <p:cNvGrpSpPr/>
+        <p:nvPr/>
+      </p:nvGrpSpPr>
+      <p:grpSpPr>
+        <a:xfrm>
+          <a:off x="0" y="0"/>
+          <a:ext cx="0" cy="0"/>
+          <a:chOff x="0" y="0"/>
+          <a:chExt cx="0" cy="0"/>
+        </a:xfrm>
+      </p:grpSpPr>
       <p:pic>
         <p:nvPicPr>
-          <p:cNvPr id="4098" name="Picture 2"/>
+          <p:cNvPr id="1026" name="Picture 2"/>
           <p:cNvPicPr>
             <a:picLocks noChangeAspect="1" noChangeArrowheads="1"/>
           </p:cNvPicPr>
           <p:nvPr/>
         </p:nvPicPr>
         <p:blipFill>
-          <a:blip r:embed="rId2" cstate="print">
+          <a:blip r:embed="rId2">
             <a:extLst>
               <a:ext uri="{28A0092B-C50C-407E-A947-70E740481C1C}">
                 <a14:useLocalDpi xmlns:a14="http://schemas.microsoft.com/office/drawing/2010/main" val="0"/>
@@ -6002,8 +6212,8 @@
         </p:blipFill>
         <p:spPr bwMode="auto">
           <a:xfrm>
-            <a:off x="81397" y="46527"/>
-            <a:ext cx="9085957" cy="5665899"/>
+            <a:off x="-13230" y="0"/>
+            <a:ext cx="6732240" cy="6884009"/>
           </a:xfrm>
           <a:prstGeom prst="rect">
             <a:avLst/>
@@ -6094,7 +6304,7 @@
             <a:fld id="{8EDE433C-975D-40E0-AA17-C907AC02EBEB}" type="slidenum">
               <a:rPr lang="nl-NL" smtClean="0"/>
               <a:pPr/>
-              <a:t>12</a:t>
+              <a:t>13</a:t>
             </a:fld>
             <a:endParaRPr lang="nl-NL"/>
           </a:p>
@@ -6108,8 +6318,8 @@
         </p:nvSpPr>
         <p:spPr>
           <a:xfrm>
-            <a:off x="1979712" y="1124744"/>
-            <a:ext cx="5927238" cy="1944216"/>
+            <a:off x="827584" y="1844824"/>
+            <a:ext cx="3024336" cy="1440160"/>
           </a:xfrm>
           <a:prstGeom prst="rect">
             <a:avLst/>
@@ -6164,8 +6374,8 @@
         </p:blipFill>
         <p:spPr bwMode="auto">
           <a:xfrm>
-            <a:off x="6997306" y="3789040"/>
-            <a:ext cx="1819287" cy="2903044"/>
+            <a:off x="6719010" y="1052736"/>
+            <a:ext cx="2398807" cy="3827786"/>
           </a:xfrm>
           <a:prstGeom prst="rect">
             <a:avLst/>
@@ -6203,8 +6413,8 @@
         </p:nvSpPr>
         <p:spPr>
           <a:xfrm>
-            <a:off x="2195736" y="3068960"/>
-            <a:ext cx="5256584" cy="576064"/>
+            <a:off x="-13230" y="4005064"/>
+            <a:ext cx="6673462" cy="1440160"/>
           </a:xfrm>
           <a:prstGeom prst="rect">
             <a:avLst/>
@@ -6244,8 +6454,8 @@
         </p:nvSpPr>
         <p:spPr>
           <a:xfrm>
-            <a:off x="41517" y="4437112"/>
-            <a:ext cx="4901814" cy="1201402"/>
+            <a:off x="-13230" y="5426094"/>
+            <a:ext cx="6673462" cy="1431906"/>
           </a:xfrm>
           <a:prstGeom prst="rect">
             <a:avLst/>
@@ -6548,216 +6758,6 @@
       <p:bldP spid="13" grpId="0" animBg="1"/>
       <p:bldP spid="14" grpId="0" animBg="1"/>
     </p:bldLst>
-  </p:timing>
-</p:sld>
-</file>
-
-<file path=ppt/slides/slide13.xml><?xml version="1.0" encoding="utf-8"?>
-<p:sld xmlns:a="http://schemas.openxmlformats.org/drawingml/2006/main" xmlns:r="http://schemas.openxmlformats.org/officeDocument/2006/relationships" xmlns:p="http://schemas.openxmlformats.org/presentationml/2006/main">
-  <p:cSld>
-    <p:spTree>
-      <p:nvGrpSpPr>
-        <p:cNvPr id="1" name=""/>
-        <p:cNvGrpSpPr/>
-        <p:nvPr/>
-      </p:nvGrpSpPr>
-      <p:grpSpPr>
-        <a:xfrm>
-          <a:off x="0" y="0"/>
-          <a:ext cx="0" cy="0"/>
-          <a:chOff x="0" y="0"/>
-          <a:chExt cx="0" cy="0"/>
-        </a:xfrm>
-      </p:grpSpPr>
-      <p:sp>
-        <p:nvSpPr>
-          <p:cNvPr id="2" name="Titel 1"/>
-          <p:cNvSpPr>
-            <a:spLocks noGrp="1"/>
-          </p:cNvSpPr>
-          <p:nvPr>
-            <p:ph type="title"/>
-          </p:nvPr>
-        </p:nvSpPr>
-        <p:spPr/>
-        <p:txBody>
-          <a:bodyPr/>
-          <a:lstStyle/>
-          <a:p>
-            <a:r>
-              <a:rPr lang="nl-NL" dirty="0" smtClean="0"/>
-              <a:t>REST &amp; AJAX</a:t>
-            </a:r>
-            <a:endParaRPr lang="nl-NL" dirty="0"/>
-          </a:p>
-        </p:txBody>
-      </p:sp>
-      <p:sp>
-        <p:nvSpPr>
-          <p:cNvPr id="3" name="Tijdelijke aanduiding voor inhoud 2"/>
-          <p:cNvSpPr>
-            <a:spLocks noGrp="1"/>
-          </p:cNvSpPr>
-          <p:nvPr>
-            <p:ph idx="1"/>
-          </p:nvPr>
-        </p:nvSpPr>
-        <p:spPr/>
-        <p:txBody>
-          <a:bodyPr>
-            <a:normAutofit/>
-          </a:bodyPr>
-          <a:lstStyle/>
-          <a:p>
-            <a:r>
-              <a:rPr lang="nl-NL" sz="3600" dirty="0" smtClean="0"/>
-              <a:t>Updates van site zonder </a:t>
-            </a:r>
-            <a:r>
-              <a:rPr lang="nl-NL" sz="3600" dirty="0" err="1" smtClean="0"/>
-              <a:t>request</a:t>
-            </a:r>
-            <a:endParaRPr lang="nl-NL" sz="3600" dirty="0" smtClean="0"/>
-          </a:p>
-          <a:p>
-            <a:endParaRPr lang="nl-NL" sz="3600" dirty="0" smtClean="0"/>
-          </a:p>
-          <a:p>
-            <a:r>
-              <a:rPr lang="nl-NL" sz="3600" dirty="0" smtClean="0"/>
-              <a:t>Bord updaten na beurt</a:t>
-            </a:r>
-          </a:p>
-          <a:p>
-            <a:pPr lvl="1"/>
-            <a:r>
-              <a:rPr lang="nl-NL" sz="3200" dirty="0" smtClean="0"/>
-              <a:t>Handig voor Turn-</a:t>
-            </a:r>
-            <a:r>
-              <a:rPr lang="nl-NL" sz="3200" dirty="0" err="1" smtClean="0"/>
-              <a:t>Based</a:t>
-            </a:r>
-            <a:endParaRPr lang="nl-NL" sz="3200" dirty="0" smtClean="0"/>
-          </a:p>
-          <a:p>
-            <a:pPr lvl="1"/>
-            <a:r>
-              <a:rPr lang="nl-NL" sz="3200" dirty="0"/>
-              <a:t>Geen meta-</a:t>
-            </a:r>
-            <a:r>
-              <a:rPr lang="nl-NL" sz="3200" dirty="0" err="1"/>
-              <a:t>refresh</a:t>
-            </a:r>
-            <a:r>
-              <a:rPr lang="nl-NL" sz="3200" dirty="0"/>
-              <a:t> nodig</a:t>
-            </a:r>
-          </a:p>
-          <a:p>
-            <a:pPr lvl="1"/>
-            <a:r>
-              <a:rPr lang="nl-NL" sz="3200" dirty="0"/>
-              <a:t>Vloeiendere overgang voor gebruiker</a:t>
-            </a:r>
-          </a:p>
-          <a:p>
-            <a:pPr lvl="1"/>
-            <a:endParaRPr lang="nl-NL" sz="3600" dirty="0" smtClean="0"/>
-          </a:p>
-          <a:p>
-            <a:endParaRPr lang="nl-NL" sz="3600" dirty="0" smtClean="0"/>
-          </a:p>
-          <a:p>
-            <a:pPr lvl="1"/>
-            <a:endParaRPr lang="nl-NL" sz="3600" dirty="0" smtClean="0"/>
-          </a:p>
-        </p:txBody>
-      </p:sp>
-      <p:sp>
-        <p:nvSpPr>
-          <p:cNvPr id="4" name="Tijdelijke aanduiding voor datum 3"/>
-          <p:cNvSpPr>
-            <a:spLocks noGrp="1"/>
-          </p:cNvSpPr>
-          <p:nvPr>
-            <p:ph type="dt" sz="half" idx="10"/>
-          </p:nvPr>
-        </p:nvSpPr>
-        <p:spPr/>
-        <p:txBody>
-          <a:bodyPr/>
-          <a:lstStyle/>
-          <a:p>
-            <a:fld id="{E4D620AB-80A7-4718-8A84-72BC8767E2D5}" type="datetime1">
-              <a:rPr lang="nl-NL" smtClean="0"/>
-              <a:pPr/>
-              <a:t>19-11-2015</a:t>
-            </a:fld>
-            <a:endParaRPr lang="nl-NL"/>
-          </a:p>
-        </p:txBody>
-      </p:sp>
-      <p:sp>
-        <p:nvSpPr>
-          <p:cNvPr id="5" name="Tijdelijke aanduiding voor voettekst 4"/>
-          <p:cNvSpPr>
-            <a:spLocks noGrp="1"/>
-          </p:cNvSpPr>
-          <p:nvPr>
-            <p:ph type="ftr" sz="quarter" idx="11"/>
-          </p:nvPr>
-        </p:nvSpPr>
-        <p:spPr/>
-        <p:txBody>
-          <a:bodyPr/>
-          <a:lstStyle/>
-          <a:p>
-            <a:endParaRPr lang="nl-NL"/>
-          </a:p>
-        </p:txBody>
-      </p:sp>
-      <p:sp>
-        <p:nvSpPr>
-          <p:cNvPr id="6" name="Tijdelijke aanduiding voor dianummer 5"/>
-          <p:cNvSpPr>
-            <a:spLocks noGrp="1"/>
-          </p:cNvSpPr>
-          <p:nvPr>
-            <p:ph type="sldNum" sz="quarter" idx="12"/>
-          </p:nvPr>
-        </p:nvSpPr>
-        <p:spPr/>
-        <p:txBody>
-          <a:bodyPr/>
-          <a:lstStyle/>
-          <a:p>
-            <a:fld id="{8EDE433C-975D-40E0-AA17-C907AC02EBEB}" type="slidenum">
-              <a:rPr lang="nl-NL" smtClean="0"/>
-              <a:pPr/>
-              <a:t>13</a:t>
-            </a:fld>
-            <a:endParaRPr lang="nl-NL"/>
-          </a:p>
-        </p:txBody>
-      </p:sp>
-    </p:spTree>
-    <p:extLst>
-      <p:ext uri="{BB962C8B-B14F-4D97-AF65-F5344CB8AC3E}">
-        <p14:creationId xmlns:p14="http://schemas.microsoft.com/office/powerpoint/2010/main" val="3869784468"/>
-      </p:ext>
-    </p:extLst>
-  </p:cSld>
-  <p:clrMapOvr>
-    <a:masterClrMapping/>
-  </p:clrMapOvr>
-  <p:timing>
-    <p:tnLst>
-      <p:par>
-        <p:cTn id="1" dur="indefinite" restart="never" nodeType="tmRoot"/>
-      </p:par>
-    </p:tnLst>
   </p:timing>
 </p:sld>
 </file>
@@ -8777,11 +8777,7 @@
           <a:p>
             <a:r>
               <a:rPr lang="en-US" sz="4000" dirty="0" smtClean="0"/>
-              <a:t>HTML5, CSS3</a:t>
-            </a:r>
-            <a:r>
-              <a:rPr lang="en-US" sz="4000" dirty="0" smtClean="0"/>
-              <a:t>			</a:t>
+              <a:t>HTML5, CSS3			</a:t>
             </a:r>
             <a:r>
               <a:rPr lang="en-US" sz="2600" i="1" dirty="0" err="1" smtClean="0"/>
@@ -8829,15 +8825,7 @@
           <a:p>
             <a:r>
               <a:rPr lang="en-US" sz="4000" dirty="0" smtClean="0"/>
-              <a:t>AJAX</a:t>
-            </a:r>
-            <a:r>
-              <a:rPr lang="en-US" sz="4000" dirty="0" smtClean="0"/>
-              <a:t>				</a:t>
-            </a:r>
-            <a:r>
-              <a:rPr lang="en-US" sz="4000" dirty="0" smtClean="0"/>
-              <a:t>	</a:t>
+              <a:t>AJAX					</a:t>
             </a:r>
             <a:r>
               <a:rPr lang="en-US" i="1" dirty="0" err="1" smtClean="0"/>
